--- a/reports/Final_Presentation_AnniePhan.pptx
+++ b/reports/Final_Presentation_AnniePhan.pptx
@@ -11,13 +11,16 @@
     <p:sldId id="258" r:id="rId5"/>
     <p:sldId id="268" r:id="rId6"/>
     <p:sldId id="261" r:id="rId7"/>
-    <p:sldId id="262" r:id="rId8"/>
-    <p:sldId id="263" r:id="rId9"/>
-    <p:sldId id="259" r:id="rId10"/>
-    <p:sldId id="267" r:id="rId11"/>
-    <p:sldId id="266" r:id="rId12"/>
-    <p:sldId id="270" r:id="rId13"/>
-    <p:sldId id="271" r:id="rId14"/>
+    <p:sldId id="276" r:id="rId8"/>
+    <p:sldId id="277" r:id="rId9"/>
+    <p:sldId id="262" r:id="rId10"/>
+    <p:sldId id="263" r:id="rId11"/>
+    <p:sldId id="267" r:id="rId12"/>
+    <p:sldId id="275" r:id="rId13"/>
+    <p:sldId id="266" r:id="rId14"/>
+    <p:sldId id="273" r:id="rId15"/>
+    <p:sldId id="274" r:id="rId16"/>
+    <p:sldId id="271" r:id="rId17"/>
   </p:sldIdLst>
   <p:sldSz cx="12192000" cy="6858000"/>
   <p:notesSz cx="6858000" cy="9144000"/>
@@ -3612,6 +3615,62 @@
           <inkml:channelProperty channel="F" name="resolution" value="0" units="1/dev"/>
         </inkml:channelProperties>
       </inkml:inkSource>
+      <inkml:timestamp xml:id="ts0" timeString="2020-10-13T23:41:16.074"/>
+    </inkml:context>
+    <inkml:brush xml:id="br0">
+      <inkml:brushProperty name="width" value="0.1" units="cm"/>
+      <inkml:brushProperty name="height" value="0.1" units="cm"/>
+      <inkml:brushProperty name="color" value="#FFFFFF"/>
+    </inkml:brush>
+  </inkml:definitions>
+  <inkml:trace contextRef="#ctx0" brushRef="#br0">1 0 128,'0'6'0</inkml:trace>
+</inkml:ink>
+</file>
+
+<file path=ppt/ink/ink4.xml><?xml version="1.0" encoding="utf-8"?>
+<inkml:ink xmlns:inkml="http://www.w3.org/2003/InkML">
+  <inkml:definitions>
+    <inkml:context xml:id="ctx0">
+      <inkml:inkSource xml:id="inkSrc0">
+        <inkml:traceFormat>
+          <inkml:channel name="X" type="integer" min="-2.14748E9" max="2.14748E9" units="cm"/>
+          <inkml:channel name="Y" type="integer" min="-2.14748E9" max="2.14748E9" units="cm"/>
+          <inkml:channel name="F" type="integer" max="32767" units="dev"/>
+        </inkml:traceFormat>
+        <inkml:channelProperties>
+          <inkml:channelProperty channel="X" name="resolution" value="1000" units="1/cm"/>
+          <inkml:channelProperty channel="Y" name="resolution" value="1000" units="1/cm"/>
+          <inkml:channelProperty channel="F" name="resolution" value="0" units="1/dev"/>
+        </inkml:channelProperties>
+      </inkml:inkSource>
+      <inkml:timestamp xml:id="ts0" timeString="2020-10-13T23:41:16.074"/>
+    </inkml:context>
+    <inkml:brush xml:id="br0">
+      <inkml:brushProperty name="width" value="0.1" units="cm"/>
+      <inkml:brushProperty name="height" value="0.1" units="cm"/>
+      <inkml:brushProperty name="color" value="#FFFFFF"/>
+    </inkml:brush>
+  </inkml:definitions>
+  <inkml:trace contextRef="#ctx0" brushRef="#br0">1 0 128,'0'6'0</inkml:trace>
+</inkml:ink>
+</file>
+
+<file path=ppt/ink/ink5.xml><?xml version="1.0" encoding="utf-8"?>
+<inkml:ink xmlns:inkml="http://www.w3.org/2003/InkML">
+  <inkml:definitions>
+    <inkml:context xml:id="ctx0">
+      <inkml:inkSource xml:id="inkSrc0">
+        <inkml:traceFormat>
+          <inkml:channel name="X" type="integer" min="-2.14748E9" max="2.14748E9" units="cm"/>
+          <inkml:channel name="Y" type="integer" min="-2.14748E9" max="2.14748E9" units="cm"/>
+          <inkml:channel name="F" type="integer" max="32767" units="dev"/>
+        </inkml:traceFormat>
+        <inkml:channelProperties>
+          <inkml:channelProperty channel="X" name="resolution" value="1000" units="1/cm"/>
+          <inkml:channelProperty channel="Y" name="resolution" value="1000" units="1/cm"/>
+          <inkml:channelProperty channel="F" name="resolution" value="0" units="1/dev"/>
+        </inkml:channelProperties>
+      </inkml:inkSource>
       <inkml:timestamp xml:id="ts0" timeString="2020-10-13T23:41:51.553"/>
     </inkml:context>
     <inkml:brush xml:id="br0">
@@ -3624,7 +3683,91 @@
 </inkml:ink>
 </file>
 
-<file path=ppt/ink/ink4.xml><?xml version="1.0" encoding="utf-8"?>
+<file path=ppt/ink/ink6.xml><?xml version="1.0" encoding="utf-8"?>
+<inkml:ink xmlns:inkml="http://www.w3.org/2003/InkML">
+  <inkml:definitions>
+    <inkml:context xml:id="ctx0">
+      <inkml:inkSource xml:id="inkSrc0">
+        <inkml:traceFormat>
+          <inkml:channel name="X" type="integer" min="-2.14748E9" max="2.14748E9" units="cm"/>
+          <inkml:channel name="Y" type="integer" min="-2.14748E9" max="2.14748E9" units="cm"/>
+          <inkml:channel name="F" type="integer" max="32767" units="dev"/>
+        </inkml:traceFormat>
+        <inkml:channelProperties>
+          <inkml:channelProperty channel="X" name="resolution" value="1000" units="1/cm"/>
+          <inkml:channelProperty channel="Y" name="resolution" value="1000" units="1/cm"/>
+          <inkml:channelProperty channel="F" name="resolution" value="0" units="1/dev"/>
+        </inkml:channelProperties>
+      </inkml:inkSource>
+      <inkml:timestamp xml:id="ts0" timeString="2020-10-14T01:03:14.304"/>
+    </inkml:context>
+    <inkml:brush xml:id="br0">
+      <inkml:brushProperty name="width" value="0.1" units="cm"/>
+      <inkml:brushProperty name="height" value="0.1" units="cm"/>
+      <inkml:brushProperty name="color" value="#FFFFFF"/>
+    </inkml:brush>
+  </inkml:definitions>
+  <inkml:trace contextRef="#ctx0" brushRef="#br0">1 0 128,'0'6'0</inkml:trace>
+</inkml:ink>
+</file>
+
+<file path=ppt/ink/ink7.xml><?xml version="1.0" encoding="utf-8"?>
+<inkml:ink xmlns:inkml="http://www.w3.org/2003/InkML">
+  <inkml:definitions>
+    <inkml:context xml:id="ctx0">
+      <inkml:inkSource xml:id="inkSrc0">
+        <inkml:traceFormat>
+          <inkml:channel name="X" type="integer" min="-2.14748E9" max="2.14748E9" units="cm"/>
+          <inkml:channel name="Y" type="integer" min="-2.14748E9" max="2.14748E9" units="cm"/>
+          <inkml:channel name="F" type="integer" max="32767" units="dev"/>
+        </inkml:traceFormat>
+        <inkml:channelProperties>
+          <inkml:channelProperty channel="X" name="resolution" value="1000" units="1/cm"/>
+          <inkml:channelProperty channel="Y" name="resolution" value="1000" units="1/cm"/>
+          <inkml:channelProperty channel="F" name="resolution" value="0" units="1/dev"/>
+        </inkml:channelProperties>
+      </inkml:inkSource>
+      <inkml:timestamp xml:id="ts0" timeString="2020-10-14T01:03:14.304"/>
+    </inkml:context>
+    <inkml:brush xml:id="br0">
+      <inkml:brushProperty name="width" value="0.1" units="cm"/>
+      <inkml:brushProperty name="height" value="0.1" units="cm"/>
+      <inkml:brushProperty name="color" value="#FFFFFF"/>
+    </inkml:brush>
+  </inkml:definitions>
+  <inkml:trace contextRef="#ctx0" brushRef="#br0">1 0 128,'0'6'0</inkml:trace>
+</inkml:ink>
+</file>
+
+<file path=ppt/ink/ink8.xml><?xml version="1.0" encoding="utf-8"?>
+<inkml:ink xmlns:inkml="http://www.w3.org/2003/InkML">
+  <inkml:definitions>
+    <inkml:context xml:id="ctx0">
+      <inkml:inkSource xml:id="inkSrc0">
+        <inkml:traceFormat>
+          <inkml:channel name="X" type="integer" min="-2.14748E9" max="2.14748E9" units="cm"/>
+          <inkml:channel name="Y" type="integer" min="-2.14748E9" max="2.14748E9" units="cm"/>
+          <inkml:channel name="F" type="integer" max="32767" units="dev"/>
+        </inkml:traceFormat>
+        <inkml:channelProperties>
+          <inkml:channelProperty channel="X" name="resolution" value="1000" units="1/cm"/>
+          <inkml:channelProperty channel="Y" name="resolution" value="1000" units="1/cm"/>
+          <inkml:channelProperty channel="F" name="resolution" value="0" units="1/dev"/>
+        </inkml:channelProperties>
+      </inkml:inkSource>
+      <inkml:timestamp xml:id="ts0" timeString="2020-10-14T01:03:14.304"/>
+    </inkml:context>
+    <inkml:brush xml:id="br0">
+      <inkml:brushProperty name="width" value="0.1" units="cm"/>
+      <inkml:brushProperty name="height" value="0.1" units="cm"/>
+      <inkml:brushProperty name="color" value="#FFFFFF"/>
+    </inkml:brush>
+  </inkml:definitions>
+  <inkml:trace contextRef="#ctx0" brushRef="#br0">1 0 128,'0'6'0</inkml:trace>
+</inkml:ink>
+</file>
+
+<file path=ppt/ink/ink9.xml><?xml version="1.0" encoding="utf-8"?>
 <inkml:ink xmlns:inkml="http://www.w3.org/2003/InkML">
   <inkml:definitions>
     <inkml:context xml:id="ctx0">
@@ -11137,6 +11280,652 @@
       </p:grpSpPr>
       <p:sp useBgFill="1">
         <p:nvSpPr>
+          <p:cNvPr id="23" name="Rectangle 16">
+            <a:extLst>
+              <a:ext uri="{FF2B5EF4-FFF2-40B4-BE49-F238E27FC236}">
+                <a16:creationId xmlns:a16="http://schemas.microsoft.com/office/drawing/2014/main" id="{F13C74B1-5B17-4795-BED0-7140497B445A}"/>
+              </a:ext>
+              <a:ext uri="{C183D7F6-B498-43B3-948B-1728B52AA6E4}">
+                <adec:decorative xmlns:adec="http://schemas.microsoft.com/office/drawing/2017/decorative" val="1"/>
+              </a:ext>
+            </a:extLst>
+          </p:cNvPr>
+          <p:cNvSpPr>
+            <a:spLocks noGrp="1" noRot="1" noChangeAspect="1" noMove="1" noResize="1" noEditPoints="1" noAdjustHandles="1" noChangeArrowheads="1" noChangeShapeType="1" noTextEdit="1"/>
+          </p:cNvSpPr>
+          <p:nvPr>
+            <p:extLst>
+              <p:ext uri="{386F3935-93C4-4BCD-93E2-E3B085C9AB24}">
+                <p16:designElem xmlns:p16="http://schemas.microsoft.com/office/powerpoint/2015/main" val="1"/>
+              </p:ext>
+            </p:extLst>
+          </p:nvPr>
+        </p:nvSpPr>
+        <p:spPr>
+          <a:xfrm>
+            <a:off x="0" y="0"/>
+            <a:ext cx="12188952" cy="6858000"/>
+          </a:xfrm>
+          <a:prstGeom prst="rect">
+            <a:avLst/>
+          </a:prstGeom>
+          <a:ln>
+            <a:noFill/>
+          </a:ln>
+        </p:spPr>
+        <p:style>
+          <a:lnRef idx="2">
+            <a:schemeClr val="accent1">
+              <a:shade val="50000"/>
+            </a:schemeClr>
+          </a:lnRef>
+          <a:fillRef idx="1">
+            <a:schemeClr val="accent1"/>
+          </a:fillRef>
+          <a:effectRef idx="0">
+            <a:schemeClr val="accent1"/>
+          </a:effectRef>
+          <a:fontRef idx="minor">
+            <a:schemeClr val="lt1"/>
+          </a:fontRef>
+        </p:style>
+        <p:txBody>
+          <a:bodyPr rtlCol="0" anchor="ctr"/>
+          <a:lstStyle/>
+          <a:p>
+            <a:pPr algn="ctr"/>
+            <a:endParaRPr lang="en-US"/>
+          </a:p>
+        </p:txBody>
+      </p:sp>
+      <p:sp>
+        <p:nvSpPr>
+          <p:cNvPr id="2" name="Title 1">
+            <a:extLst>
+              <a:ext uri="{FF2B5EF4-FFF2-40B4-BE49-F238E27FC236}">
+                <a16:creationId xmlns:a16="http://schemas.microsoft.com/office/drawing/2014/main" id="{052CF0E6-0798-014B-B9EB-9B72B330AE51}"/>
+              </a:ext>
+            </a:extLst>
+          </p:cNvPr>
+          <p:cNvSpPr>
+            <a:spLocks noGrp="1"/>
+          </p:cNvSpPr>
+          <p:nvPr>
+            <p:ph type="title"/>
+          </p:nvPr>
+        </p:nvSpPr>
+        <p:spPr>
+          <a:xfrm>
+            <a:off x="640080" y="325369"/>
+            <a:ext cx="4368602" cy="1956841"/>
+          </a:xfrm>
+        </p:spPr>
+        <p:txBody>
+          <a:bodyPr anchor="b">
+            <a:normAutofit fontScale="90000"/>
+          </a:bodyPr>
+          <a:lstStyle/>
+          <a:p>
+            <a:r>
+              <a:rPr lang="en-US" sz="6600" dirty="0"/>
+              <a:t>2. EDA - CORRELATION HEATMAP</a:t>
+            </a:r>
+          </a:p>
+        </p:txBody>
+      </p:sp>
+      <p:sp>
+        <p:nvSpPr>
+          <p:cNvPr id="24" name="Rectangle 6">
+            <a:extLst>
+              <a:ext uri="{FF2B5EF4-FFF2-40B4-BE49-F238E27FC236}">
+                <a16:creationId xmlns:a16="http://schemas.microsoft.com/office/drawing/2014/main" id="{3FCFB1DE-0B7E-48CC-BA90-B2AB0889F9D6}"/>
+              </a:ext>
+              <a:ext uri="{C183D7F6-B498-43B3-948B-1728B52AA6E4}">
+                <adec:decorative xmlns:adec="http://schemas.microsoft.com/office/drawing/2017/decorative" val="1"/>
+              </a:ext>
+            </a:extLst>
+          </p:cNvPr>
+          <p:cNvSpPr>
+            <a:spLocks noGrp="1" noRot="1" noChangeAspect="1" noMove="1" noResize="1" noEditPoints="1" noAdjustHandles="1" noChangeArrowheads="1" noChangeShapeType="1" noTextEdit="1"/>
+          </p:cNvSpPr>
+          <p:nvPr>
+            <p:extLst>
+              <p:ext uri="{386F3935-93C4-4BCD-93E2-E3B085C9AB24}">
+                <p16:designElem xmlns:p16="http://schemas.microsoft.com/office/powerpoint/2015/main" val="1"/>
+              </p:ext>
+            </p:extLst>
+          </p:nvPr>
+        </p:nvSpPr>
+        <p:spPr>
+          <a:xfrm>
+            <a:off x="765093" y="2563839"/>
+            <a:ext cx="3931920" cy="27432"/>
+          </a:xfrm>
+          <a:custGeom>
+            <a:avLst/>
+            <a:gdLst>
+              <a:gd name="connsiteX0" fmla="*/ 0 w 3931920"/>
+              <a:gd name="connsiteY0" fmla="*/ 0 h 27432"/>
+              <a:gd name="connsiteX1" fmla="*/ 733958 w 3931920"/>
+              <a:gd name="connsiteY1" fmla="*/ 0 h 27432"/>
+              <a:gd name="connsiteX2" fmla="*/ 1428598 w 3931920"/>
+              <a:gd name="connsiteY2" fmla="*/ 0 h 27432"/>
+              <a:gd name="connsiteX3" fmla="*/ 2123237 w 3931920"/>
+              <a:gd name="connsiteY3" fmla="*/ 0 h 27432"/>
+              <a:gd name="connsiteX4" fmla="*/ 2660599 w 3931920"/>
+              <a:gd name="connsiteY4" fmla="*/ 0 h 27432"/>
+              <a:gd name="connsiteX5" fmla="*/ 3237281 w 3931920"/>
+              <a:gd name="connsiteY5" fmla="*/ 0 h 27432"/>
+              <a:gd name="connsiteX6" fmla="*/ 3931920 w 3931920"/>
+              <a:gd name="connsiteY6" fmla="*/ 0 h 27432"/>
+              <a:gd name="connsiteX7" fmla="*/ 3931920 w 3931920"/>
+              <a:gd name="connsiteY7" fmla="*/ 27432 h 27432"/>
+              <a:gd name="connsiteX8" fmla="*/ 3276600 w 3931920"/>
+              <a:gd name="connsiteY8" fmla="*/ 27432 h 27432"/>
+              <a:gd name="connsiteX9" fmla="*/ 2739238 w 3931920"/>
+              <a:gd name="connsiteY9" fmla="*/ 27432 h 27432"/>
+              <a:gd name="connsiteX10" fmla="*/ 2201875 w 3931920"/>
+              <a:gd name="connsiteY10" fmla="*/ 27432 h 27432"/>
+              <a:gd name="connsiteX11" fmla="*/ 1507236 w 3931920"/>
+              <a:gd name="connsiteY11" fmla="*/ 27432 h 27432"/>
+              <a:gd name="connsiteX12" fmla="*/ 930554 w 3931920"/>
+              <a:gd name="connsiteY12" fmla="*/ 27432 h 27432"/>
+              <a:gd name="connsiteX13" fmla="*/ 0 w 3931920"/>
+              <a:gd name="connsiteY13" fmla="*/ 27432 h 27432"/>
+              <a:gd name="connsiteX14" fmla="*/ 0 w 3931920"/>
+              <a:gd name="connsiteY14" fmla="*/ 0 h 27432"/>
+            </a:gdLst>
+            <a:ahLst/>
+            <a:cxnLst>
+              <a:cxn ang="0">
+                <a:pos x="connsiteX0" y="connsiteY0"/>
+              </a:cxn>
+              <a:cxn ang="0">
+                <a:pos x="connsiteX1" y="connsiteY1"/>
+              </a:cxn>
+              <a:cxn ang="0">
+                <a:pos x="connsiteX2" y="connsiteY2"/>
+              </a:cxn>
+              <a:cxn ang="0">
+                <a:pos x="connsiteX3" y="connsiteY3"/>
+              </a:cxn>
+              <a:cxn ang="0">
+                <a:pos x="connsiteX4" y="connsiteY4"/>
+              </a:cxn>
+              <a:cxn ang="0">
+                <a:pos x="connsiteX5" y="connsiteY5"/>
+              </a:cxn>
+              <a:cxn ang="0">
+                <a:pos x="connsiteX6" y="connsiteY6"/>
+              </a:cxn>
+              <a:cxn ang="0">
+                <a:pos x="connsiteX7" y="connsiteY7"/>
+              </a:cxn>
+              <a:cxn ang="0">
+                <a:pos x="connsiteX8" y="connsiteY8"/>
+              </a:cxn>
+              <a:cxn ang="0">
+                <a:pos x="connsiteX9" y="connsiteY9"/>
+              </a:cxn>
+              <a:cxn ang="0">
+                <a:pos x="connsiteX10" y="connsiteY10"/>
+              </a:cxn>
+              <a:cxn ang="0">
+                <a:pos x="connsiteX11" y="connsiteY11"/>
+              </a:cxn>
+              <a:cxn ang="0">
+                <a:pos x="connsiteX12" y="connsiteY12"/>
+              </a:cxn>
+              <a:cxn ang="0">
+                <a:pos x="connsiteX13" y="connsiteY13"/>
+              </a:cxn>
+              <a:cxn ang="0">
+                <a:pos x="connsiteX14" y="connsiteY14"/>
+              </a:cxn>
+            </a:cxnLst>
+            <a:rect l="l" t="t" r="r" b="b"/>
+            <a:pathLst>
+              <a:path w="3931920" h="27432" fill="none" extrusionOk="0">
+                <a:moveTo>
+                  <a:pt x="0" y="0"/>
+                </a:moveTo>
+                <a:cubicBezTo>
+                  <a:pt x="245351" y="16874"/>
+                  <a:pt x="509174" y="13736"/>
+                  <a:pt x="733958" y="0"/>
+                </a:cubicBezTo>
+                <a:cubicBezTo>
+                  <a:pt x="958742" y="-13736"/>
+                  <a:pt x="1245406" y="-17215"/>
+                  <a:pt x="1428598" y="0"/>
+                </a:cubicBezTo>
+                <a:cubicBezTo>
+                  <a:pt x="1611790" y="17215"/>
+                  <a:pt x="1930525" y="20562"/>
+                  <a:pt x="2123237" y="0"/>
+                </a:cubicBezTo>
+                <a:cubicBezTo>
+                  <a:pt x="2315949" y="-20562"/>
+                  <a:pt x="2485508" y="11332"/>
+                  <a:pt x="2660599" y="0"/>
+                </a:cubicBezTo>
+                <a:cubicBezTo>
+                  <a:pt x="2835690" y="-11332"/>
+                  <a:pt x="3075198" y="-14809"/>
+                  <a:pt x="3237281" y="0"/>
+                </a:cubicBezTo>
+                <a:cubicBezTo>
+                  <a:pt x="3399364" y="14809"/>
+                  <a:pt x="3745084" y="-4992"/>
+                  <a:pt x="3931920" y="0"/>
+                </a:cubicBezTo>
+                <a:cubicBezTo>
+                  <a:pt x="3930963" y="8431"/>
+                  <a:pt x="3931571" y="14612"/>
+                  <a:pt x="3931920" y="27432"/>
+                </a:cubicBezTo>
+                <a:cubicBezTo>
+                  <a:pt x="3765435" y="40792"/>
+                  <a:pt x="3452398" y="38703"/>
+                  <a:pt x="3276600" y="27432"/>
+                </a:cubicBezTo>
+                <a:cubicBezTo>
+                  <a:pt x="3100802" y="16161"/>
+                  <a:pt x="2914889" y="26998"/>
+                  <a:pt x="2739238" y="27432"/>
+                </a:cubicBezTo>
+                <a:cubicBezTo>
+                  <a:pt x="2563587" y="27866"/>
+                  <a:pt x="2395484" y="39154"/>
+                  <a:pt x="2201875" y="27432"/>
+                </a:cubicBezTo>
+                <a:cubicBezTo>
+                  <a:pt x="2008266" y="15710"/>
+                  <a:pt x="1781367" y="4899"/>
+                  <a:pt x="1507236" y="27432"/>
+                </a:cubicBezTo>
+                <a:cubicBezTo>
+                  <a:pt x="1233105" y="49965"/>
+                  <a:pt x="1075495" y="47542"/>
+                  <a:pt x="930554" y="27432"/>
+                </a:cubicBezTo>
+                <a:cubicBezTo>
+                  <a:pt x="785613" y="7322"/>
+                  <a:pt x="268930" y="30433"/>
+                  <a:pt x="0" y="27432"/>
+                </a:cubicBezTo>
+                <a:cubicBezTo>
+                  <a:pt x="226" y="18208"/>
+                  <a:pt x="-648" y="12891"/>
+                  <a:pt x="0" y="0"/>
+                </a:cubicBezTo>
+                <a:close/>
+              </a:path>
+              <a:path w="3931920" h="27432" stroke="0" extrusionOk="0">
+                <a:moveTo>
+                  <a:pt x="0" y="0"/>
+                </a:moveTo>
+                <a:cubicBezTo>
+                  <a:pt x="278269" y="4786"/>
+                  <a:pt x="349028" y="-10422"/>
+                  <a:pt x="616001" y="0"/>
+                </a:cubicBezTo>
+                <a:cubicBezTo>
+                  <a:pt x="882974" y="10422"/>
+                  <a:pt x="931617" y="-15515"/>
+                  <a:pt x="1153363" y="0"/>
+                </a:cubicBezTo>
+                <a:cubicBezTo>
+                  <a:pt x="1375109" y="15515"/>
+                  <a:pt x="1704089" y="-3631"/>
+                  <a:pt x="1887322" y="0"/>
+                </a:cubicBezTo>
+                <a:cubicBezTo>
+                  <a:pt x="2070555" y="3631"/>
+                  <a:pt x="2344155" y="2213"/>
+                  <a:pt x="2503322" y="0"/>
+                </a:cubicBezTo>
+                <a:cubicBezTo>
+                  <a:pt x="2662489" y="-2213"/>
+                  <a:pt x="2976859" y="26691"/>
+                  <a:pt x="3119323" y="0"/>
+                </a:cubicBezTo>
+                <a:cubicBezTo>
+                  <a:pt x="3261787" y="-26691"/>
+                  <a:pt x="3588171" y="-28651"/>
+                  <a:pt x="3931920" y="0"/>
+                </a:cubicBezTo>
+                <a:cubicBezTo>
+                  <a:pt x="3930565" y="9524"/>
+                  <a:pt x="3930718" y="13975"/>
+                  <a:pt x="3931920" y="27432"/>
+                </a:cubicBezTo>
+                <a:cubicBezTo>
+                  <a:pt x="3664329" y="4021"/>
+                  <a:pt x="3437686" y="14511"/>
+                  <a:pt x="3276600" y="27432"/>
+                </a:cubicBezTo>
+                <a:cubicBezTo>
+                  <a:pt x="3115514" y="40353"/>
+                  <a:pt x="2913592" y="48967"/>
+                  <a:pt x="2739238" y="27432"/>
+                </a:cubicBezTo>
+                <a:cubicBezTo>
+                  <a:pt x="2564884" y="5897"/>
+                  <a:pt x="2294049" y="39820"/>
+                  <a:pt x="2083918" y="27432"/>
+                </a:cubicBezTo>
+                <a:cubicBezTo>
+                  <a:pt x="1873787" y="15044"/>
+                  <a:pt x="1718903" y="21388"/>
+                  <a:pt x="1428598" y="27432"/>
+                </a:cubicBezTo>
+                <a:cubicBezTo>
+                  <a:pt x="1138293" y="33476"/>
+                  <a:pt x="952209" y="50441"/>
+                  <a:pt x="812597" y="27432"/>
+                </a:cubicBezTo>
+                <a:cubicBezTo>
+                  <a:pt x="672985" y="4423"/>
+                  <a:pt x="305800" y="28240"/>
+                  <a:pt x="0" y="27432"/>
+                </a:cubicBezTo>
+                <a:cubicBezTo>
+                  <a:pt x="-800" y="16780"/>
+                  <a:pt x="-583" y="12910"/>
+                  <a:pt x="0" y="0"/>
+                </a:cubicBezTo>
+                <a:close/>
+              </a:path>
+            </a:pathLst>
+          </a:custGeom>
+          <a:solidFill>
+            <a:srgbClr val="AB96C6"/>
+          </a:solidFill>
+          <a:ln w="38100" cap="rnd">
+            <a:solidFill>
+              <a:srgbClr val="AB96C6"/>
+            </a:solidFill>
+            <a:round/>
+            <a:extLst>
+              <a:ext uri="{C807C97D-BFC1-408E-A445-0C87EB9F89A2}">
+                <ask:lineSketchStyleProps xmlns:ask="http://schemas.microsoft.com/office/drawing/2018/sketchyshapes" sd="1219033472">
+                  <a:prstGeom prst="rect">
+                    <a:avLst/>
+                  </a:prstGeom>
+                  <ask:type>
+                    <ask:lineSketchFreehand/>
+                  </ask:type>
+                </ask:lineSketchStyleProps>
+              </a:ext>
+            </a:extLst>
+          </a:ln>
+        </p:spPr>
+        <p:style>
+          <a:lnRef idx="2">
+            <a:schemeClr val="accent1">
+              <a:shade val="50000"/>
+            </a:schemeClr>
+          </a:lnRef>
+          <a:fillRef idx="1">
+            <a:schemeClr val="accent1"/>
+          </a:fillRef>
+          <a:effectRef idx="0">
+            <a:schemeClr val="accent1"/>
+          </a:effectRef>
+          <a:fontRef idx="minor">
+            <a:schemeClr val="lt1"/>
+          </a:fontRef>
+        </p:style>
+        <p:txBody>
+          <a:bodyPr rtlCol="0" anchor="ctr"/>
+          <a:lstStyle/>
+          <a:p>
+            <a:pPr algn="ctr"/>
+            <a:endParaRPr lang="en-US"/>
+          </a:p>
+        </p:txBody>
+      </p:sp>
+      <p:sp>
+        <p:nvSpPr>
+          <p:cNvPr id="25" name="Content Placeholder 13">
+            <a:extLst>
+              <a:ext uri="{FF2B5EF4-FFF2-40B4-BE49-F238E27FC236}">
+                <a16:creationId xmlns:a16="http://schemas.microsoft.com/office/drawing/2014/main" id="{0B747BB9-DDA1-4C39-8131-802DAC04DD05}"/>
+              </a:ext>
+            </a:extLst>
+          </p:cNvPr>
+          <p:cNvSpPr>
+            <a:spLocks noGrp="1"/>
+          </p:cNvSpPr>
+          <p:nvPr>
+            <p:ph idx="1"/>
+          </p:nvPr>
+        </p:nvSpPr>
+        <p:spPr>
+          <a:xfrm>
+            <a:off x="493123" y="2634081"/>
+            <a:ext cx="5036197" cy="3898550"/>
+          </a:xfrm>
+        </p:spPr>
+        <p:txBody>
+          <a:bodyPr>
+            <a:noAutofit/>
+          </a:bodyPr>
+          <a:lstStyle/>
+          <a:p>
+            <a:r>
+              <a:rPr lang="en-US" sz="2000" dirty="0"/>
+              <a:t>a strong positive relationship between the 1st and 2nd period scores and final scores, signaling that score prediction can be quite accurate</a:t>
+            </a:r>
+          </a:p>
+          <a:p>
+            <a:r>
+              <a:rPr lang="en-US" sz="2000" dirty="0"/>
+              <a:t>final scores also seem to have quite strong positive relationships with the mother and father's education and study time </a:t>
+            </a:r>
+          </a:p>
+          <a:p>
+            <a:r>
+              <a:rPr lang="en-US" sz="2000" dirty="0"/>
+              <a:t>other positive but weaker relationships between finals cores and other variables include family quality and free time</a:t>
+            </a:r>
+          </a:p>
+          <a:p>
+            <a:r>
+              <a:rPr lang="en-US" sz="2000" dirty="0"/>
+              <a:t>a negative relationship between final age and scores, which can be because the materials get harder</a:t>
+            </a:r>
+          </a:p>
+          <a:p>
+            <a:r>
+              <a:rPr lang="en-US" sz="2000" dirty="0"/>
+              <a:t>a weak negative relationship between health and final scores, raising concerns about mental health. </a:t>
+            </a:r>
+          </a:p>
+        </p:txBody>
+      </p:sp>
+      <p:pic>
+        <p:nvPicPr>
+          <p:cNvPr id="5" name="Content Placeholder 4" descr="Chart&#10;&#10;Description automatically generated">
+            <a:extLst>
+              <a:ext uri="{FF2B5EF4-FFF2-40B4-BE49-F238E27FC236}">
+                <a16:creationId xmlns:a16="http://schemas.microsoft.com/office/drawing/2014/main" id="{28646152-94CF-2649-8290-781126747FE8}"/>
+              </a:ext>
+            </a:extLst>
+          </p:cNvPr>
+          <p:cNvPicPr>
+            <a:picLocks noChangeAspect="1"/>
+          </p:cNvPicPr>
+          <p:nvPr/>
+        </p:nvPicPr>
+        <p:blipFill rotWithShape="1">
+          <a:blip r:embed="rId2"/>
+          <a:srcRect b="303"/>
+          <a:stretch/>
+        </p:blipFill>
+        <p:spPr>
+          <a:xfrm>
+            <a:off x="5676277" y="0"/>
+            <a:ext cx="6517762" cy="6498068"/>
+          </a:xfrm>
+          <a:custGeom>
+            <a:avLst/>
+            <a:gdLst/>
+            <a:ahLst/>
+            <a:cxnLst/>
+            <a:rect l="l" t="t" r="r" b="b"/>
+            <a:pathLst>
+              <a:path w="6878775" h="6858000">
+                <a:moveTo>
+                  <a:pt x="1102973" y="0"/>
+                </a:moveTo>
+                <a:lnTo>
+                  <a:pt x="1160688" y="0"/>
+                </a:lnTo>
+                <a:lnTo>
+                  <a:pt x="983189" y="331786"/>
+                </a:lnTo>
+                <a:cubicBezTo>
+                  <a:pt x="914866" y="469145"/>
+                  <a:pt x="850355" y="608712"/>
+                  <a:pt x="789261" y="750263"/>
+                </a:cubicBezTo>
+                <a:cubicBezTo>
+                  <a:pt x="774307" y="784928"/>
+                  <a:pt x="759992" y="819849"/>
+                  <a:pt x="745295" y="854514"/>
+                </a:cubicBezTo>
+                <a:cubicBezTo>
+                  <a:pt x="756682" y="845393"/>
+                  <a:pt x="765489" y="833492"/>
+                  <a:pt x="770857" y="819975"/>
+                </a:cubicBezTo>
+                <a:cubicBezTo>
+                  <a:pt x="879943" y="589569"/>
+                  <a:pt x="999605" y="365513"/>
+                  <a:pt x="1131329" y="148742"/>
+                </a:cubicBezTo>
+                <a:lnTo>
+                  <a:pt x="1227589" y="0"/>
+                </a:lnTo>
+                <a:lnTo>
+                  <a:pt x="6878775" y="0"/>
+                </a:lnTo>
+                <a:lnTo>
+                  <a:pt x="6878775" y="6858000"/>
+                </a:lnTo>
+                <a:lnTo>
+                  <a:pt x="713521" y="6858000"/>
+                </a:lnTo>
+                <a:lnTo>
+                  <a:pt x="625642" y="6670527"/>
+                </a:lnTo>
+                <a:cubicBezTo>
+                  <a:pt x="507232" y="6398531"/>
+                  <a:pt x="403083" y="6118381"/>
+                  <a:pt x="312785" y="5830359"/>
+                </a:cubicBezTo>
+                <a:cubicBezTo>
+                  <a:pt x="278149" y="5719759"/>
+                  <a:pt x="248879" y="5607635"/>
+                  <a:pt x="212198" y="5480401"/>
+                </a:cubicBezTo>
+                <a:cubicBezTo>
+                  <a:pt x="212208" y="5491601"/>
+                  <a:pt x="212803" y="5502788"/>
+                  <a:pt x="213988" y="5513923"/>
+                </a:cubicBezTo>
+                <a:cubicBezTo>
+                  <a:pt x="264089" y="5723695"/>
+                  <a:pt x="307290" y="5935370"/>
+                  <a:pt x="365826" y="6142729"/>
+                </a:cubicBezTo>
+                <a:cubicBezTo>
+                  <a:pt x="433152" y="6380817"/>
+                  <a:pt x="510068" y="6614016"/>
+                  <a:pt x="597975" y="6841549"/>
+                </a:cubicBezTo>
+                <a:lnTo>
+                  <a:pt x="604824" y="6858000"/>
+                </a:lnTo>
+                <a:lnTo>
+                  <a:pt x="552056" y="6858000"/>
+                </a:lnTo>
+                <a:lnTo>
+                  <a:pt x="539576" y="6828295"/>
+                </a:lnTo>
+                <a:cubicBezTo>
+                  <a:pt x="380597" y="6414594"/>
+                  <a:pt x="260223" y="5988893"/>
+                  <a:pt x="171555" y="5552906"/>
+                </a:cubicBezTo>
+                <a:cubicBezTo>
+                  <a:pt x="91163" y="5157998"/>
+                  <a:pt x="43746" y="4758899"/>
+                  <a:pt x="12305" y="4357388"/>
+                </a:cubicBezTo>
+                <a:cubicBezTo>
+                  <a:pt x="-14281" y="4013908"/>
+                  <a:pt x="4507" y="3672965"/>
+                  <a:pt x="46684" y="3331516"/>
+                </a:cubicBezTo>
+                <a:cubicBezTo>
+                  <a:pt x="127203" y="2664286"/>
+                  <a:pt x="277819" y="2007265"/>
+                  <a:pt x="496065" y="1371196"/>
+                </a:cubicBezTo>
+                <a:cubicBezTo>
+                  <a:pt x="636273" y="966066"/>
+                  <a:pt x="800445" y="573253"/>
+                  <a:pt x="995723" y="196614"/>
+                </a:cubicBezTo>
+                <a:close/>
+              </a:path>
+            </a:pathLst>
+          </a:custGeom>
+        </p:spPr>
+      </p:pic>
+    </p:spTree>
+    <p:extLst>
+      <p:ext uri="{BB962C8B-B14F-4D97-AF65-F5344CB8AC3E}">
+        <p14:creationId xmlns:p14="http://schemas.microsoft.com/office/powerpoint/2010/main" val="1322226584"/>
+      </p:ext>
+    </p:extLst>
+  </p:cSld>
+  <p:clrMapOvr>
+    <a:masterClrMapping/>
+  </p:clrMapOvr>
+</p:sld>
+</file>
+
+<file path=ppt/slides/slide11.xml><?xml version="1.0" encoding="utf-8"?>
+<p:sld xmlns:a="http://schemas.openxmlformats.org/drawingml/2006/main" xmlns:r="http://schemas.openxmlformats.org/officeDocument/2006/relationships" xmlns:p="http://schemas.openxmlformats.org/presentationml/2006/main">
+  <p:cSld>
+    <p:bg>
+      <p:bgPr>
+        <a:solidFill>
+          <a:schemeClr val="bg1"/>
+        </a:solidFill>
+        <a:effectLst/>
+      </p:bgPr>
+    </p:bg>
+    <p:spTree>
+      <p:nvGrpSpPr>
+        <p:cNvPr id="1" name=""/>
+        <p:cNvGrpSpPr/>
+        <p:nvPr/>
+      </p:nvGrpSpPr>
+      <p:grpSpPr>
+        <a:xfrm>
+          <a:off x="0" y="0"/>
+          <a:ext cx="0" cy="0"/>
+          <a:chOff x="0" y="0"/>
+          <a:chExt cx="0" cy="0"/>
+        </a:xfrm>
+      </p:grpSpPr>
+      <p:sp useBgFill="1">
+        <p:nvSpPr>
           <p:cNvPr id="17" name="Rectangle 16">
             <a:extLst>
               <a:ext uri="{FF2B5EF4-FFF2-40B4-BE49-F238E27FC236}">
@@ -11567,38 +12356,160 @@
         <p:spPr>
           <a:xfrm>
             <a:off x="630936" y="2660904"/>
-            <a:ext cx="4818888" cy="3547872"/>
+            <a:ext cx="5458606" cy="4121784"/>
           </a:xfrm>
         </p:spPr>
         <p:txBody>
           <a:bodyPr anchor="t">
-            <a:normAutofit lnSpcReduction="10000"/>
+            <a:noAutofit/>
           </a:bodyPr>
           <a:lstStyle/>
           <a:p>
-            <a:r>
-              <a:rPr lang="en-US" dirty="0"/>
-              <a:t>Target variable: final score</a:t>
-            </a:r>
-          </a:p>
-          <a:p>
-            <a:r>
-              <a:rPr lang="en-US" dirty="0"/>
-              <a:t>Basic split: 60% of the data in train, 40% validation, and 40% set because the dataset is IID.</a:t>
-            </a:r>
-          </a:p>
-          <a:p>
-            <a:r>
-              <a:rPr lang="en-US" dirty="0"/>
-              <a:t>626 points in the train set, 209 in the validation and 209 in the test set</a:t>
-            </a:r>
-            <a:br>
-              <a:rPr lang="en-US" dirty="0"/>
-            </a:br>
-            <a:br>
-              <a:rPr lang="en-US" dirty="0"/>
-            </a:br>
-            <a:endParaRPr lang="en-US" dirty="0"/>
+            <a:pPr>
+              <a:lnSpc>
+                <a:spcPct val="100000"/>
+              </a:lnSpc>
+            </a:pPr>
+            <a:r>
+              <a:rPr lang="en-US" sz="1800" b="1" dirty="0"/>
+              <a:t>Splitting</a:t>
+            </a:r>
+            <a:r>
+              <a:rPr lang="en-US" sz="1800" dirty="0"/>
+              <a:t>: Both data sets are </a:t>
+            </a:r>
+            <a:r>
+              <a:rPr lang="en-US" sz="1800" b="1" dirty="0"/>
+              <a:t>IID, relatively small, and don’t have group structure, time series, and missing values </a:t>
+            </a:r>
+            <a:r>
+              <a:rPr lang="en-US" sz="1800" b="1" dirty="0">
+                <a:sym typeface="Wingdings" pitchFamily="2" charset="2"/>
+              </a:rPr>
+              <a:t> </a:t>
+            </a:r>
+            <a:r>
+              <a:rPr lang="en-US" sz="1800" b="1" dirty="0"/>
+              <a:t>basic </a:t>
+            </a:r>
+            <a:r>
+              <a:rPr lang="en-US" sz="1800" b="1" dirty="0" err="1"/>
+              <a:t>train_test_split</a:t>
+            </a:r>
+            <a:r>
+              <a:rPr lang="en-US" sz="1800" b="1" dirty="0"/>
+              <a:t> and a </a:t>
+            </a:r>
+            <a:r>
+              <a:rPr lang="en-US" sz="1800" b="1" dirty="0" err="1"/>
+              <a:t>KFold</a:t>
+            </a:r>
+            <a:r>
+              <a:rPr lang="en-US" sz="1800" b="1" dirty="0"/>
+              <a:t> split</a:t>
+            </a:r>
+            <a:r>
+              <a:rPr lang="en-US" sz="1800" dirty="0"/>
+              <a:t> </a:t>
+            </a:r>
+          </a:p>
+          <a:p>
+            <a:pPr>
+              <a:lnSpc>
+                <a:spcPct val="100000"/>
+              </a:lnSpc>
+            </a:pPr>
+            <a:r>
+              <a:rPr lang="en-US" sz="1800" b="1" dirty="0"/>
+              <a:t>Preprocessing: ordinal features already encoded, </a:t>
+            </a:r>
+            <a:r>
+              <a:rPr lang="en-US" sz="1800" b="1" dirty="0" err="1"/>
+              <a:t>OneHotEncoder</a:t>
+            </a:r>
+            <a:r>
+              <a:rPr lang="en-US" sz="1800" b="1" dirty="0"/>
+              <a:t> on the remaining non-bounded/ranked, categorical features and the </a:t>
+            </a:r>
+            <a:r>
+              <a:rPr lang="en-US" sz="1800" b="1" dirty="0" err="1"/>
+              <a:t>MixMaxEncoder</a:t>
+            </a:r>
+            <a:r>
+              <a:rPr lang="en-US" sz="1800" b="1" dirty="0"/>
+              <a:t> on the bounded continuous features, </a:t>
+            </a:r>
+            <a:r>
+              <a:rPr lang="en-US" sz="1800" b="1" dirty="0" err="1"/>
+              <a:t>LabelEncoder</a:t>
+            </a:r>
+            <a:r>
+              <a:rPr lang="en-US" sz="1800" b="1" dirty="0"/>
+              <a:t> on the target variable</a:t>
+            </a:r>
+            <a:endParaRPr lang="en-US" sz="1800" dirty="0"/>
+          </a:p>
+          <a:p>
+            <a:pPr>
+              <a:lnSpc>
+                <a:spcPct val="100000"/>
+              </a:lnSpc>
+            </a:pPr>
+            <a:r>
+              <a:rPr lang="en-US" sz="1800" dirty="0"/>
+              <a:t>choose accuracy score because my datasets are both balanced (0.671 Class 1 for Math and 0.846 Class 1 for Portuguese) </a:t>
+            </a:r>
+          </a:p>
+          <a:p>
+            <a:r>
+              <a:rPr lang="en-US" sz="1800" dirty="0"/>
+              <a:t>measure uncertainties due to splitting and non-deterministic ML models, I </a:t>
+            </a:r>
+            <a:r>
+              <a:rPr lang="en-US" sz="1800" b="1" dirty="0"/>
+              <a:t>loop through 10 random states</a:t>
+            </a:r>
+            <a:r>
+              <a:rPr lang="en-US" sz="1800" dirty="0"/>
+              <a:t> and </a:t>
+            </a:r>
+            <a:r>
+              <a:rPr lang="en-US" sz="1800" b="1" dirty="0"/>
+              <a:t>calculate the mean and standard deviation of the test scores</a:t>
+            </a:r>
+            <a:r>
+              <a:rPr lang="en-US" sz="1800" dirty="0"/>
+              <a:t> </a:t>
+            </a:r>
+          </a:p>
+          <a:p>
+            <a:r>
+              <a:rPr lang="en-US" sz="1800" dirty="0"/>
+              <a:t>additional cross-validation </a:t>
+            </a:r>
+            <a:r>
+              <a:rPr lang="en-US" sz="1800" b="1" dirty="0"/>
+              <a:t>confusion matrix and ROC curve</a:t>
+            </a:r>
+            <a:r>
+              <a:rPr lang="en-US" sz="1800" dirty="0"/>
+              <a:t> </a:t>
+            </a:r>
+          </a:p>
+          <a:p>
+            <a:r>
+              <a:rPr lang="en-US" sz="1800" b="1" dirty="0"/>
+              <a:t>developed an ML pipeline using K-Fold Cross Validation (</a:t>
+            </a:r>
+            <a:r>
+              <a:rPr lang="en-US" sz="1800" b="1" dirty="0" err="1"/>
+              <a:t>GridSearchCV</a:t>
+            </a:r>
+            <a:r>
+              <a:rPr lang="en-US" sz="1800" b="1" dirty="0"/>
+              <a:t>),</a:t>
+            </a:r>
+            <a:endParaRPr lang="en-US" sz="1800" dirty="0"/>
           </a:p>
         </p:txBody>
       </p:sp>
@@ -11671,10 +12582,10 @@
       </mc:AlternateContent>
       <p:pic>
         <p:nvPicPr>
-          <p:cNvPr id="5" name="Picture 4" descr="Text&#10;&#10;Description automatically generated">
+          <p:cNvPr id="6" name="Picture 5">
             <a:extLst>
               <a:ext uri="{FF2B5EF4-FFF2-40B4-BE49-F238E27FC236}">
-                <a16:creationId xmlns:a16="http://schemas.microsoft.com/office/drawing/2014/main" id="{D31AC588-63CA-154F-ACA0-7A7BD3888D32}"/>
+                <a16:creationId xmlns:a16="http://schemas.microsoft.com/office/drawing/2014/main" id="{7B3D64DC-2F35-6C45-BCEF-F77791D01437}"/>
               </a:ext>
             </a:extLst>
           </p:cNvPr>
@@ -11683,21 +12594,206 @@
           </p:cNvPicPr>
           <p:nvPr/>
         </p:nvPicPr>
-        <p:blipFill rotWithShape="1">
+        <p:blipFill>
           <a:blip r:embed="rId4"/>
-          <a:srcRect b="6059"/>
-          <a:stretch/>
+          <a:stretch>
+            <a:fillRect/>
+          </a:stretch>
         </p:blipFill>
         <p:spPr>
           <a:xfrm>
-            <a:off x="6099048" y="2435409"/>
-            <a:ext cx="5458968" cy="1987181"/>
+            <a:off x="6186563" y="1170432"/>
+            <a:ext cx="980909" cy="1490472"/>
           </a:xfrm>
           <a:prstGeom prst="rect">
             <a:avLst/>
           </a:prstGeom>
         </p:spPr>
       </p:pic>
+      <p:pic>
+        <p:nvPicPr>
+          <p:cNvPr id="8" name="Picture 7">
+            <a:extLst>
+              <a:ext uri="{FF2B5EF4-FFF2-40B4-BE49-F238E27FC236}">
+                <a16:creationId xmlns:a16="http://schemas.microsoft.com/office/drawing/2014/main" id="{6E15B1A9-B72D-4B4F-9E61-F3AD47C825D8}"/>
+              </a:ext>
+            </a:extLst>
+          </p:cNvPr>
+          <p:cNvPicPr>
+            <a:picLocks noChangeAspect="1"/>
+          </p:cNvPicPr>
+          <p:nvPr/>
+        </p:nvPicPr>
+        <p:blipFill>
+          <a:blip r:embed="rId5"/>
+          <a:stretch>
+            <a:fillRect/>
+          </a:stretch>
+        </p:blipFill>
+        <p:spPr>
+          <a:xfrm>
+            <a:off x="6225612" y="3637984"/>
+            <a:ext cx="876300" cy="1524000"/>
+          </a:xfrm>
+          <a:prstGeom prst="rect">
+            <a:avLst/>
+          </a:prstGeom>
+        </p:spPr>
+      </p:pic>
+      <p:pic>
+        <p:nvPicPr>
+          <p:cNvPr id="10" name="Picture 9">
+            <a:extLst>
+              <a:ext uri="{FF2B5EF4-FFF2-40B4-BE49-F238E27FC236}">
+                <a16:creationId xmlns:a16="http://schemas.microsoft.com/office/drawing/2014/main" id="{09C44CCD-DD49-904A-AFC3-ACFBE1F1C542}"/>
+              </a:ext>
+            </a:extLst>
+          </p:cNvPr>
+          <p:cNvPicPr>
+            <a:picLocks noChangeAspect="1"/>
+          </p:cNvPicPr>
+          <p:nvPr/>
+        </p:nvPicPr>
+        <p:blipFill>
+          <a:blip r:embed="rId6"/>
+          <a:stretch>
+            <a:fillRect/>
+          </a:stretch>
+        </p:blipFill>
+        <p:spPr>
+          <a:xfrm>
+            <a:off x="8671897" y="3668464"/>
+            <a:ext cx="597938" cy="1463040"/>
+          </a:xfrm>
+          <a:prstGeom prst="rect">
+            <a:avLst/>
+          </a:prstGeom>
+        </p:spPr>
+      </p:pic>
+      <p:pic>
+        <p:nvPicPr>
+          <p:cNvPr id="14" name="Picture 13">
+            <a:extLst>
+              <a:ext uri="{FF2B5EF4-FFF2-40B4-BE49-F238E27FC236}">
+                <a16:creationId xmlns:a16="http://schemas.microsoft.com/office/drawing/2014/main" id="{7FFB39AB-E322-AF43-8BCE-7998B0057E08}"/>
+              </a:ext>
+            </a:extLst>
+          </p:cNvPr>
+          <p:cNvPicPr>
+            <a:picLocks noChangeAspect="1"/>
+          </p:cNvPicPr>
+          <p:nvPr/>
+        </p:nvPicPr>
+        <p:blipFill>
+          <a:blip r:embed="rId7"/>
+          <a:stretch>
+            <a:fillRect/>
+          </a:stretch>
+        </p:blipFill>
+        <p:spPr>
+          <a:xfrm>
+            <a:off x="7311091" y="3623490"/>
+            <a:ext cx="1143000" cy="1485900"/>
+          </a:xfrm>
+          <a:prstGeom prst="rect">
+            <a:avLst/>
+          </a:prstGeom>
+        </p:spPr>
+      </p:pic>
+      <p:sp>
+        <p:nvSpPr>
+          <p:cNvPr id="15" name="Rectangle 14">
+            <a:extLst>
+              <a:ext uri="{FF2B5EF4-FFF2-40B4-BE49-F238E27FC236}">
+                <a16:creationId xmlns:a16="http://schemas.microsoft.com/office/drawing/2014/main" id="{7EC4103F-9DF1-7C45-92F3-15AFA123279A}"/>
+              </a:ext>
+            </a:extLst>
+          </p:cNvPr>
+          <p:cNvSpPr/>
+          <p:nvPr/>
+        </p:nvSpPr>
+        <p:spPr>
+          <a:xfrm>
+            <a:off x="6080760" y="385630"/>
+            <a:ext cx="6096000" cy="646331"/>
+          </a:xfrm>
+          <a:prstGeom prst="rect">
+            <a:avLst/>
+          </a:prstGeom>
+        </p:spPr>
+        <p:txBody>
+          <a:bodyPr>
+            <a:spAutoFit/>
+          </a:bodyPr>
+          <a:lstStyle/>
+          <a:p>
+            <a:pPr>
+              <a:lnSpc>
+                <a:spcPct val="100000"/>
+              </a:lnSpc>
+            </a:pPr>
+            <a:r>
+              <a:rPr lang="en-US" b="1" dirty="0"/>
+              <a:t>create an additional feature called “</a:t>
+            </a:r>
+            <a:r>
+              <a:rPr lang="en-US" b="1" dirty="0" err="1"/>
+              <a:t>pass_fail</a:t>
+            </a:r>
+            <a:r>
+              <a:rPr lang="en-US" b="1" dirty="0"/>
+              <a:t>” which denotes that a student fail if their score us below 10 and pass if otherwise.</a:t>
+            </a:r>
+            <a:r>
+              <a:rPr lang="en-US" dirty="0"/>
+              <a:t> </a:t>
+            </a:r>
+          </a:p>
+        </p:txBody>
+      </p:sp>
+      <p:sp>
+        <p:nvSpPr>
+          <p:cNvPr id="16" name="Rectangle 15">
+            <a:extLst>
+              <a:ext uri="{FF2B5EF4-FFF2-40B4-BE49-F238E27FC236}">
+                <a16:creationId xmlns:a16="http://schemas.microsoft.com/office/drawing/2014/main" id="{0BCE6D79-FAC2-754A-86AE-CA9D20389144}"/>
+              </a:ext>
+            </a:extLst>
+          </p:cNvPr>
+          <p:cNvSpPr/>
+          <p:nvPr/>
+        </p:nvSpPr>
+        <p:spPr>
+          <a:xfrm>
+            <a:off x="6135405" y="2877820"/>
+            <a:ext cx="6096000" cy="646331"/>
+          </a:xfrm>
+          <a:prstGeom prst="rect">
+            <a:avLst/>
+          </a:prstGeom>
+        </p:spPr>
+        <p:txBody>
+          <a:bodyPr>
+            <a:spAutoFit/>
+          </a:bodyPr>
+          <a:lstStyle/>
+          <a:p>
+            <a:pPr>
+              <a:lnSpc>
+                <a:spcPct val="100000"/>
+              </a:lnSpc>
+            </a:pPr>
+            <a:r>
+              <a:rPr lang="en-US" b="1" dirty="0"/>
+              <a:t>3 sub-models: Model 1 consists of all midterm and final scores, Model 2 consists of only the first midterm scores and final scores, and Model 3 consists of no midterm and only final scores</a:t>
+            </a:r>
+            <a:r>
+              <a:rPr lang="en-US" dirty="0"/>
+              <a:t> </a:t>
+            </a:r>
+          </a:p>
+        </p:txBody>
+      </p:sp>
     </p:spTree>
     <p:extLst>
       <p:ext uri="{BB962C8B-B14F-4D97-AF65-F5344CB8AC3E}">
@@ -11711,7 +12807,1017 @@
 </p:sld>
 </file>
 
-<file path=ppt/slides/slide11.xml><?xml version="1.0" encoding="utf-8"?>
+<file path=ppt/slides/slide12.xml><?xml version="1.0" encoding="utf-8"?>
+<p:sld xmlns:a="http://schemas.openxmlformats.org/drawingml/2006/main" xmlns:r="http://schemas.openxmlformats.org/officeDocument/2006/relationships" xmlns:p="http://schemas.openxmlformats.org/presentationml/2006/main">
+  <p:cSld>
+    <p:bg>
+      <p:bgPr>
+        <a:solidFill>
+          <a:schemeClr val="bg1"/>
+        </a:solidFill>
+        <a:effectLst/>
+      </p:bgPr>
+    </p:bg>
+    <p:spTree>
+      <p:nvGrpSpPr>
+        <p:cNvPr id="1" name=""/>
+        <p:cNvGrpSpPr/>
+        <p:nvPr/>
+      </p:nvGrpSpPr>
+      <p:grpSpPr>
+        <a:xfrm>
+          <a:off x="0" y="0"/>
+          <a:ext cx="0" cy="0"/>
+          <a:chOff x="0" y="0"/>
+          <a:chExt cx="0" cy="0"/>
+        </a:xfrm>
+      </p:grpSpPr>
+      <p:sp useBgFill="1">
+        <p:nvSpPr>
+          <p:cNvPr id="17" name="Rectangle 16">
+            <a:extLst>
+              <a:ext uri="{FF2B5EF4-FFF2-40B4-BE49-F238E27FC236}">
+                <a16:creationId xmlns:a16="http://schemas.microsoft.com/office/drawing/2014/main" id="{743AA782-23D1-4521-8CAD-47662984AA08}"/>
+              </a:ext>
+              <a:ext uri="{C183D7F6-B498-43B3-948B-1728B52AA6E4}">
+                <adec:decorative xmlns:adec="http://schemas.microsoft.com/office/drawing/2017/decorative" val="1"/>
+              </a:ext>
+            </a:extLst>
+          </p:cNvPr>
+          <p:cNvSpPr>
+            <a:spLocks noGrp="1" noRot="1" noChangeAspect="1" noMove="1" noResize="1" noEditPoints="1" noAdjustHandles="1" noChangeArrowheads="1" noChangeShapeType="1" noTextEdit="1"/>
+          </p:cNvSpPr>
+          <p:nvPr>
+            <p:extLst>
+              <p:ext uri="{386F3935-93C4-4BCD-93E2-E3B085C9AB24}">
+                <p16:designElem xmlns:p16="http://schemas.microsoft.com/office/powerpoint/2015/main" val="1"/>
+              </p:ext>
+            </p:extLst>
+          </p:nvPr>
+        </p:nvSpPr>
+        <p:spPr>
+          <a:xfrm>
+            <a:off x="0" y="0"/>
+            <a:ext cx="12192000" cy="6858000"/>
+          </a:xfrm>
+          <a:prstGeom prst="rect">
+            <a:avLst/>
+          </a:prstGeom>
+          <a:ln>
+            <a:noFill/>
+          </a:ln>
+        </p:spPr>
+        <p:style>
+          <a:lnRef idx="2">
+            <a:schemeClr val="accent1">
+              <a:shade val="50000"/>
+            </a:schemeClr>
+          </a:lnRef>
+          <a:fillRef idx="1">
+            <a:schemeClr val="accent1"/>
+          </a:fillRef>
+          <a:effectRef idx="0">
+            <a:schemeClr val="accent1"/>
+          </a:effectRef>
+          <a:fontRef idx="minor">
+            <a:schemeClr val="lt1"/>
+          </a:fontRef>
+        </p:style>
+        <p:txBody>
+          <a:bodyPr rtlCol="0" anchor="ctr"/>
+          <a:lstStyle/>
+          <a:p>
+            <a:pPr algn="ctr"/>
+            <a:endParaRPr lang="en-US"/>
+          </a:p>
+        </p:txBody>
+      </p:sp>
+      <p:sp>
+        <p:nvSpPr>
+          <p:cNvPr id="2" name="Title 1">
+            <a:extLst>
+              <a:ext uri="{FF2B5EF4-FFF2-40B4-BE49-F238E27FC236}">
+                <a16:creationId xmlns:a16="http://schemas.microsoft.com/office/drawing/2014/main" id="{80C6C333-C190-DB4A-A179-29DBB27382E6}"/>
+              </a:ext>
+            </a:extLst>
+          </p:cNvPr>
+          <p:cNvSpPr>
+            <a:spLocks noGrp="1"/>
+          </p:cNvSpPr>
+          <p:nvPr>
+            <p:ph type="title"/>
+          </p:nvPr>
+        </p:nvSpPr>
+        <p:spPr>
+          <a:xfrm>
+            <a:off x="630936" y="640080"/>
+            <a:ext cx="4818888" cy="1481328"/>
+          </a:xfrm>
+        </p:spPr>
+        <p:txBody>
+          <a:bodyPr anchor="b">
+            <a:normAutofit fontScale="90000"/>
+          </a:bodyPr>
+          <a:lstStyle/>
+          <a:p>
+            <a:pPr>
+              <a:lnSpc>
+                <a:spcPct val="90000"/>
+              </a:lnSpc>
+            </a:pPr>
+            <a:r>
+              <a:rPr lang="en-US" sz="4800" dirty="0"/>
+              <a:t>3. METHODS – machine LEARNIJG MODELS &amp; FEATURE IMPORTANCES</a:t>
+            </a:r>
+          </a:p>
+        </p:txBody>
+      </p:sp>
+      <p:sp>
+        <p:nvSpPr>
+          <p:cNvPr id="19" name="Rectangle 6">
+            <a:extLst>
+              <a:ext uri="{FF2B5EF4-FFF2-40B4-BE49-F238E27FC236}">
+                <a16:creationId xmlns:a16="http://schemas.microsoft.com/office/drawing/2014/main" id="{3CE8AF5E-D374-4CF1-90CC-35CF73B81C3E}"/>
+              </a:ext>
+              <a:ext uri="{C183D7F6-B498-43B3-948B-1728B52AA6E4}">
+                <adec:decorative xmlns:adec="http://schemas.microsoft.com/office/drawing/2017/decorative" val="1"/>
+              </a:ext>
+            </a:extLst>
+          </p:cNvPr>
+          <p:cNvSpPr>
+            <a:spLocks noGrp="1" noRot="1" noChangeAspect="1" noMove="1" noResize="1" noEditPoints="1" noAdjustHandles="1" noChangeArrowheads="1" noChangeShapeType="1" noTextEdit="1"/>
+          </p:cNvSpPr>
+          <p:nvPr>
+            <p:extLst>
+              <p:ext uri="{386F3935-93C4-4BCD-93E2-E3B085C9AB24}">
+                <p16:designElem xmlns:p16="http://schemas.microsoft.com/office/powerpoint/2015/main" val="1"/>
+              </p:ext>
+            </p:extLst>
+          </p:nvPr>
+        </p:nvSpPr>
+        <p:spPr>
+          <a:xfrm>
+            <a:off x="630936" y="2386584"/>
+            <a:ext cx="4114800" cy="18288"/>
+          </a:xfrm>
+          <a:custGeom>
+            <a:avLst/>
+            <a:gdLst>
+              <a:gd name="connsiteX0" fmla="*/ 0 w 4114800"/>
+              <a:gd name="connsiteY0" fmla="*/ 0 h 18288"/>
+              <a:gd name="connsiteX1" fmla="*/ 768096 w 4114800"/>
+              <a:gd name="connsiteY1" fmla="*/ 0 h 18288"/>
+              <a:gd name="connsiteX2" fmla="*/ 1495044 w 4114800"/>
+              <a:gd name="connsiteY2" fmla="*/ 0 h 18288"/>
+              <a:gd name="connsiteX3" fmla="*/ 2221992 w 4114800"/>
+              <a:gd name="connsiteY3" fmla="*/ 0 h 18288"/>
+              <a:gd name="connsiteX4" fmla="*/ 2784348 w 4114800"/>
+              <a:gd name="connsiteY4" fmla="*/ 0 h 18288"/>
+              <a:gd name="connsiteX5" fmla="*/ 3387852 w 4114800"/>
+              <a:gd name="connsiteY5" fmla="*/ 0 h 18288"/>
+              <a:gd name="connsiteX6" fmla="*/ 4114800 w 4114800"/>
+              <a:gd name="connsiteY6" fmla="*/ 0 h 18288"/>
+              <a:gd name="connsiteX7" fmla="*/ 4114800 w 4114800"/>
+              <a:gd name="connsiteY7" fmla="*/ 18288 h 18288"/>
+              <a:gd name="connsiteX8" fmla="*/ 3429000 w 4114800"/>
+              <a:gd name="connsiteY8" fmla="*/ 18288 h 18288"/>
+              <a:gd name="connsiteX9" fmla="*/ 2866644 w 4114800"/>
+              <a:gd name="connsiteY9" fmla="*/ 18288 h 18288"/>
+              <a:gd name="connsiteX10" fmla="*/ 2304288 w 4114800"/>
+              <a:gd name="connsiteY10" fmla="*/ 18288 h 18288"/>
+              <a:gd name="connsiteX11" fmla="*/ 1577340 w 4114800"/>
+              <a:gd name="connsiteY11" fmla="*/ 18288 h 18288"/>
+              <a:gd name="connsiteX12" fmla="*/ 973836 w 4114800"/>
+              <a:gd name="connsiteY12" fmla="*/ 18288 h 18288"/>
+              <a:gd name="connsiteX13" fmla="*/ 0 w 4114800"/>
+              <a:gd name="connsiteY13" fmla="*/ 18288 h 18288"/>
+              <a:gd name="connsiteX14" fmla="*/ 0 w 4114800"/>
+              <a:gd name="connsiteY14" fmla="*/ 0 h 18288"/>
+            </a:gdLst>
+            <a:ahLst/>
+            <a:cxnLst>
+              <a:cxn ang="0">
+                <a:pos x="connsiteX0" y="connsiteY0"/>
+              </a:cxn>
+              <a:cxn ang="0">
+                <a:pos x="connsiteX1" y="connsiteY1"/>
+              </a:cxn>
+              <a:cxn ang="0">
+                <a:pos x="connsiteX2" y="connsiteY2"/>
+              </a:cxn>
+              <a:cxn ang="0">
+                <a:pos x="connsiteX3" y="connsiteY3"/>
+              </a:cxn>
+              <a:cxn ang="0">
+                <a:pos x="connsiteX4" y="connsiteY4"/>
+              </a:cxn>
+              <a:cxn ang="0">
+                <a:pos x="connsiteX5" y="connsiteY5"/>
+              </a:cxn>
+              <a:cxn ang="0">
+                <a:pos x="connsiteX6" y="connsiteY6"/>
+              </a:cxn>
+              <a:cxn ang="0">
+                <a:pos x="connsiteX7" y="connsiteY7"/>
+              </a:cxn>
+              <a:cxn ang="0">
+                <a:pos x="connsiteX8" y="connsiteY8"/>
+              </a:cxn>
+              <a:cxn ang="0">
+                <a:pos x="connsiteX9" y="connsiteY9"/>
+              </a:cxn>
+              <a:cxn ang="0">
+                <a:pos x="connsiteX10" y="connsiteY10"/>
+              </a:cxn>
+              <a:cxn ang="0">
+                <a:pos x="connsiteX11" y="connsiteY11"/>
+              </a:cxn>
+              <a:cxn ang="0">
+                <a:pos x="connsiteX12" y="connsiteY12"/>
+              </a:cxn>
+              <a:cxn ang="0">
+                <a:pos x="connsiteX13" y="connsiteY13"/>
+              </a:cxn>
+              <a:cxn ang="0">
+                <a:pos x="connsiteX14" y="connsiteY14"/>
+              </a:cxn>
+            </a:cxnLst>
+            <a:rect l="l" t="t" r="r" b="b"/>
+            <a:pathLst>
+              <a:path w="4114800" h="18288" fill="none" extrusionOk="0">
+                <a:moveTo>
+                  <a:pt x="0" y="0"/>
+                </a:moveTo>
+                <a:cubicBezTo>
+                  <a:pt x="338280" y="-26110"/>
+                  <a:pt x="483942" y="6555"/>
+                  <a:pt x="768096" y="0"/>
+                </a:cubicBezTo>
+                <a:cubicBezTo>
+                  <a:pt x="1052250" y="-6555"/>
+                  <a:pt x="1331484" y="24616"/>
+                  <a:pt x="1495044" y="0"/>
+                </a:cubicBezTo>
+                <a:cubicBezTo>
+                  <a:pt x="1658604" y="-24616"/>
+                  <a:pt x="2056661" y="-33562"/>
+                  <a:pt x="2221992" y="0"/>
+                </a:cubicBezTo>
+                <a:cubicBezTo>
+                  <a:pt x="2387323" y="33562"/>
+                  <a:pt x="2629463" y="-20094"/>
+                  <a:pt x="2784348" y="0"/>
+                </a:cubicBezTo>
+                <a:cubicBezTo>
+                  <a:pt x="2939233" y="20094"/>
+                  <a:pt x="3151981" y="1524"/>
+                  <a:pt x="3387852" y="0"/>
+                </a:cubicBezTo>
+                <a:cubicBezTo>
+                  <a:pt x="3623723" y="-1524"/>
+                  <a:pt x="3882724" y="26165"/>
+                  <a:pt x="4114800" y="0"/>
+                </a:cubicBezTo>
+                <a:cubicBezTo>
+                  <a:pt x="4114300" y="8855"/>
+                  <a:pt x="4114909" y="14521"/>
+                  <a:pt x="4114800" y="18288"/>
+                </a:cubicBezTo>
+                <a:cubicBezTo>
+                  <a:pt x="3910038" y="37744"/>
+                  <a:pt x="3683432" y="-3969"/>
+                  <a:pt x="3429000" y="18288"/>
+                </a:cubicBezTo>
+                <a:cubicBezTo>
+                  <a:pt x="3174568" y="40545"/>
+                  <a:pt x="3085815" y="44166"/>
+                  <a:pt x="2866644" y="18288"/>
+                </a:cubicBezTo>
+                <a:cubicBezTo>
+                  <a:pt x="2647473" y="-7590"/>
+                  <a:pt x="2580474" y="31338"/>
+                  <a:pt x="2304288" y="18288"/>
+                </a:cubicBezTo>
+                <a:cubicBezTo>
+                  <a:pt x="2028102" y="5238"/>
+                  <a:pt x="1863008" y="-2001"/>
+                  <a:pt x="1577340" y="18288"/>
+                </a:cubicBezTo>
+                <a:cubicBezTo>
+                  <a:pt x="1291672" y="38577"/>
+                  <a:pt x="1243931" y="9893"/>
+                  <a:pt x="973836" y="18288"/>
+                </a:cubicBezTo>
+                <a:cubicBezTo>
+                  <a:pt x="703741" y="26683"/>
+                  <a:pt x="317656" y="-5910"/>
+                  <a:pt x="0" y="18288"/>
+                </a:cubicBezTo>
+                <a:cubicBezTo>
+                  <a:pt x="683" y="12014"/>
+                  <a:pt x="724" y="5908"/>
+                  <a:pt x="0" y="0"/>
+                </a:cubicBezTo>
+                <a:close/>
+              </a:path>
+              <a:path w="4114800" h="18288" stroke="0" extrusionOk="0">
+                <a:moveTo>
+                  <a:pt x="0" y="0"/>
+                </a:moveTo>
+                <a:cubicBezTo>
+                  <a:pt x="276109" y="5266"/>
+                  <a:pt x="325589" y="-19584"/>
+                  <a:pt x="644652" y="0"/>
+                </a:cubicBezTo>
+                <a:cubicBezTo>
+                  <a:pt x="963715" y="19584"/>
+                  <a:pt x="1064991" y="6066"/>
+                  <a:pt x="1207008" y="0"/>
+                </a:cubicBezTo>
+                <a:cubicBezTo>
+                  <a:pt x="1349025" y="-6066"/>
+                  <a:pt x="1791724" y="14506"/>
+                  <a:pt x="1975104" y="0"/>
+                </a:cubicBezTo>
+                <a:cubicBezTo>
+                  <a:pt x="2158484" y="-14506"/>
+                  <a:pt x="2397469" y="20822"/>
+                  <a:pt x="2619756" y="0"/>
+                </a:cubicBezTo>
+                <a:cubicBezTo>
+                  <a:pt x="2842043" y="-20822"/>
+                  <a:pt x="2992157" y="20388"/>
+                  <a:pt x="3264408" y="0"/>
+                </a:cubicBezTo>
+                <a:cubicBezTo>
+                  <a:pt x="3536659" y="-20388"/>
+                  <a:pt x="3855620" y="38211"/>
+                  <a:pt x="4114800" y="0"/>
+                </a:cubicBezTo>
+                <a:cubicBezTo>
+                  <a:pt x="4113902" y="7180"/>
+                  <a:pt x="4114969" y="13790"/>
+                  <a:pt x="4114800" y="18288"/>
+                </a:cubicBezTo>
+                <a:cubicBezTo>
+                  <a:pt x="3968901" y="8593"/>
+                  <a:pt x="3623428" y="17559"/>
+                  <a:pt x="3429000" y="18288"/>
+                </a:cubicBezTo>
+                <a:cubicBezTo>
+                  <a:pt x="3234572" y="19017"/>
+                  <a:pt x="3085079" y="41804"/>
+                  <a:pt x="2866644" y="18288"/>
+                </a:cubicBezTo>
+                <a:cubicBezTo>
+                  <a:pt x="2648209" y="-5228"/>
+                  <a:pt x="2451737" y="24580"/>
+                  <a:pt x="2180844" y="18288"/>
+                </a:cubicBezTo>
+                <a:cubicBezTo>
+                  <a:pt x="1909951" y="11996"/>
+                  <a:pt x="1681589" y="12244"/>
+                  <a:pt x="1495044" y="18288"/>
+                </a:cubicBezTo>
+                <a:cubicBezTo>
+                  <a:pt x="1308499" y="24332"/>
+                  <a:pt x="1136614" y="21789"/>
+                  <a:pt x="850392" y="18288"/>
+                </a:cubicBezTo>
+                <a:cubicBezTo>
+                  <a:pt x="564170" y="14787"/>
+                  <a:pt x="210636" y="54701"/>
+                  <a:pt x="0" y="18288"/>
+                </a:cubicBezTo>
+                <a:cubicBezTo>
+                  <a:pt x="571" y="10093"/>
+                  <a:pt x="-125" y="8407"/>
+                  <a:pt x="0" y="0"/>
+                </a:cubicBezTo>
+                <a:close/>
+              </a:path>
+            </a:pathLst>
+          </a:custGeom>
+          <a:solidFill>
+            <a:srgbClr val="AB96C6"/>
+          </a:solidFill>
+          <a:ln w="38100" cap="rnd">
+            <a:solidFill>
+              <a:srgbClr val="AB96C6"/>
+            </a:solidFill>
+            <a:round/>
+            <a:extLst>
+              <a:ext uri="{C807C97D-BFC1-408E-A445-0C87EB9F89A2}">
+                <ask:lineSketchStyleProps xmlns:ask="http://schemas.microsoft.com/office/drawing/2018/sketchyshapes" sd="1219033472">
+                  <a:prstGeom prst="rect">
+                    <a:avLst/>
+                  </a:prstGeom>
+                  <ask:type>
+                    <ask:lineSketchFreehand/>
+                  </ask:type>
+                </ask:lineSketchStyleProps>
+              </a:ext>
+            </a:extLst>
+          </a:ln>
+        </p:spPr>
+        <p:style>
+          <a:lnRef idx="2">
+            <a:schemeClr val="accent1">
+              <a:shade val="50000"/>
+            </a:schemeClr>
+          </a:lnRef>
+          <a:fillRef idx="1">
+            <a:schemeClr val="accent1"/>
+          </a:fillRef>
+          <a:effectRef idx="0">
+            <a:schemeClr val="accent1"/>
+          </a:effectRef>
+          <a:fontRef idx="minor">
+            <a:schemeClr val="lt1"/>
+          </a:fontRef>
+        </p:style>
+        <p:txBody>
+          <a:bodyPr rtlCol="0" anchor="ctr"/>
+          <a:lstStyle/>
+          <a:p>
+            <a:pPr algn="ctr"/>
+            <a:endParaRPr lang="en-US"/>
+          </a:p>
+        </p:txBody>
+      </p:sp>
+      <p:sp>
+        <p:nvSpPr>
+          <p:cNvPr id="3" name="Content Placeholder 2">
+            <a:extLst>
+              <a:ext uri="{FF2B5EF4-FFF2-40B4-BE49-F238E27FC236}">
+                <a16:creationId xmlns:a16="http://schemas.microsoft.com/office/drawing/2014/main" id="{2C6621D5-8DF2-9543-A7FD-3336FD49D431}"/>
+              </a:ext>
+            </a:extLst>
+          </p:cNvPr>
+          <p:cNvSpPr>
+            <a:spLocks noGrp="1"/>
+          </p:cNvSpPr>
+          <p:nvPr>
+            <p:ph idx="1"/>
+          </p:nvPr>
+        </p:nvSpPr>
+        <p:spPr>
+          <a:xfrm>
+            <a:off x="472245" y="2404872"/>
+            <a:ext cx="6384101" cy="5000644"/>
+          </a:xfrm>
+        </p:spPr>
+        <p:txBody>
+          <a:bodyPr anchor="t">
+            <a:normAutofit fontScale="40000" lnSpcReduction="20000"/>
+          </a:bodyPr>
+          <a:lstStyle/>
+          <a:p>
+            <a:pPr>
+              <a:lnSpc>
+                <a:spcPct val="100000"/>
+              </a:lnSpc>
+            </a:pPr>
+            <a:r>
+              <a:rPr lang="en-US" sz="5000" dirty="0"/>
+              <a:t>3 ML algorithms: logistic regression, random forest classifier, support vector classifier. </a:t>
+            </a:r>
+          </a:p>
+          <a:p>
+            <a:pPr>
+              <a:lnSpc>
+                <a:spcPct val="100000"/>
+              </a:lnSpc>
+            </a:pPr>
+            <a:r>
+              <a:rPr lang="en-US" sz="5000" dirty="0"/>
+              <a:t>Hyperparameter tuning</a:t>
+            </a:r>
+          </a:p>
+          <a:p>
+            <a:pPr lvl="1">
+              <a:lnSpc>
+                <a:spcPct val="100000"/>
+              </a:lnSpc>
+            </a:pPr>
+            <a:r>
+              <a:rPr lang="en-US" sz="5000" dirty="0" err="1"/>
+              <a:t>LogisticRegression</a:t>
+            </a:r>
+            <a:r>
+              <a:rPr lang="en-US" sz="5000" dirty="0"/>
+              <a:t>(penalty='l1', solver='saga', </a:t>
+            </a:r>
+            <a:r>
+              <a:rPr lang="en-US" sz="5000" dirty="0" err="1"/>
+              <a:t>max_iter</a:t>
+            </a:r>
+            <a:r>
+              <a:rPr lang="en-US" sz="5000" dirty="0"/>
+              <a:t>=10000, </a:t>
+            </a:r>
+            <a:r>
+              <a:rPr lang="en-US" sz="5000" dirty="0" err="1"/>
+              <a:t>random_state</a:t>
+            </a:r>
+            <a:r>
+              <a:rPr lang="en-US" sz="5000" dirty="0"/>
+              <a:t> = 20)</a:t>
+            </a:r>
+          </a:p>
+          <a:p>
+            <a:pPr lvl="2">
+              <a:lnSpc>
+                <a:spcPct val="100000"/>
+              </a:lnSpc>
+            </a:pPr>
+            <a:r>
+              <a:rPr lang="en-US" sz="5000" dirty="0"/>
+              <a:t>Tune: '</a:t>
+            </a:r>
+            <a:r>
+              <a:rPr lang="en-US" sz="5000" dirty="0" err="1"/>
+              <a:t>logisticregression</a:t>
+            </a:r>
+            <a:r>
+              <a:rPr lang="en-US" sz="5000" dirty="0"/>
+              <a:t>__C': </a:t>
+            </a:r>
+            <a:r>
+              <a:rPr lang="en-US" sz="5000" dirty="0" err="1"/>
+              <a:t>np.logspace</a:t>
+            </a:r>
+            <a:r>
+              <a:rPr lang="en-US" sz="5000" dirty="0"/>
+              <a:t>(-2,2, num=8)</a:t>
+            </a:r>
+          </a:p>
+          <a:p>
+            <a:pPr lvl="1">
+              <a:lnSpc>
+                <a:spcPct val="100000"/>
+              </a:lnSpc>
+            </a:pPr>
+            <a:r>
+              <a:rPr lang="en-US" sz="5000" dirty="0" err="1"/>
+              <a:t>RandomForestClassifier</a:t>
+            </a:r>
+            <a:r>
+              <a:rPr lang="en-US" sz="5000" dirty="0"/>
+              <a:t>(</a:t>
+            </a:r>
+            <a:r>
+              <a:rPr lang="en-US" sz="5000" dirty="0" err="1"/>
+              <a:t>n_estimators</a:t>
+            </a:r>
+            <a:r>
+              <a:rPr lang="en-US" sz="5000" dirty="0"/>
+              <a:t> = 100,random_state=</a:t>
+            </a:r>
+            <a:r>
+              <a:rPr lang="en-US" sz="5000" dirty="0" err="1"/>
+              <a:t>random_state</a:t>
+            </a:r>
+            <a:r>
+              <a:rPr lang="en-US" sz="5000" dirty="0"/>
+              <a:t>)</a:t>
+            </a:r>
+          </a:p>
+          <a:p>
+            <a:pPr lvl="2">
+              <a:lnSpc>
+                <a:spcPct val="100000"/>
+              </a:lnSpc>
+            </a:pPr>
+            <a:r>
+              <a:rPr lang="en-US" sz="5000" dirty="0"/>
+              <a:t>Tune: ‘</a:t>
+            </a:r>
+            <a:r>
+              <a:rPr lang="en-US" sz="5000" dirty="0" err="1"/>
+              <a:t>randomforestclassifier</a:t>
+            </a:r>
+            <a:r>
+              <a:rPr lang="en-US" sz="5000" dirty="0"/>
+              <a:t>__</a:t>
+            </a:r>
+            <a:r>
+              <a:rPr lang="en-US" sz="5000" dirty="0" err="1"/>
+              <a:t>max_depth</a:t>
+            </a:r>
+            <a:r>
+              <a:rPr lang="en-US" sz="5000" dirty="0"/>
+              <a:t>’: </a:t>
+            </a:r>
+            <a:r>
+              <a:rPr lang="en-US" sz="5000" dirty="0" err="1"/>
+              <a:t>np.linspace</a:t>
+            </a:r>
+            <a:r>
+              <a:rPr lang="en-US" sz="5000" dirty="0"/>
+              <a:t>(2,30,num=9,dtype=int)</a:t>
+            </a:r>
+          </a:p>
+          <a:p>
+            <a:pPr lvl="2">
+              <a:lnSpc>
+                <a:spcPct val="100000"/>
+              </a:lnSpc>
+            </a:pPr>
+            <a:r>
+              <a:rPr lang="en-US" sz="5000" dirty="0"/>
+              <a:t>Tune: '</a:t>
+            </a:r>
+            <a:r>
+              <a:rPr lang="en-US" sz="5000" dirty="0" err="1"/>
+              <a:t>randomforestclassifier</a:t>
+            </a:r>
+            <a:r>
+              <a:rPr lang="en-US" sz="5000" dirty="0"/>
+              <a:t>__</a:t>
+            </a:r>
+            <a:r>
+              <a:rPr lang="en-US" sz="5000" dirty="0" err="1"/>
+              <a:t>max_features</a:t>
+            </a:r>
+            <a:r>
+              <a:rPr lang="en-US" sz="5000" dirty="0"/>
+              <a:t>': </a:t>
+            </a:r>
+            <a:r>
+              <a:rPr lang="en-US" sz="5000" dirty="0" err="1"/>
+              <a:t>np.linspace</a:t>
+            </a:r>
+            <a:r>
+              <a:rPr lang="en-US" sz="5000" dirty="0"/>
+              <a:t>(0.25,1,5)</a:t>
+            </a:r>
+          </a:p>
+          <a:p>
+            <a:pPr lvl="1">
+              <a:lnSpc>
+                <a:spcPct val="100000"/>
+              </a:lnSpc>
+            </a:pPr>
+            <a:r>
+              <a:rPr lang="en-US" sz="5000" dirty="0"/>
+              <a:t>SVC(</a:t>
+            </a:r>
+            <a:r>
+              <a:rPr lang="en-US" sz="5000" dirty="0" err="1"/>
+              <a:t>random_state</a:t>
+            </a:r>
+            <a:r>
+              <a:rPr lang="en-US" sz="5000" dirty="0"/>
+              <a:t> = 20)</a:t>
+            </a:r>
+          </a:p>
+          <a:p>
+            <a:pPr lvl="2">
+              <a:lnSpc>
+                <a:spcPct val="100000"/>
+              </a:lnSpc>
+            </a:pPr>
+            <a:r>
+              <a:rPr lang="en-US" sz="5000" dirty="0"/>
+              <a:t>Tune  '</a:t>
+            </a:r>
+            <a:r>
+              <a:rPr lang="en-US" sz="5000" dirty="0" err="1"/>
+              <a:t>svc__C</a:t>
+            </a:r>
+            <a:r>
+              <a:rPr lang="en-US" sz="5000" dirty="0"/>
+              <a:t>': </a:t>
+            </a:r>
+            <a:r>
+              <a:rPr lang="en-US" sz="5000" dirty="0" err="1"/>
+              <a:t>np.logspace</a:t>
+            </a:r>
+            <a:r>
+              <a:rPr lang="en-US" sz="5000" dirty="0"/>
+              <a:t>(-3,4,num=8)</a:t>
+            </a:r>
+          </a:p>
+          <a:p>
+            <a:pPr lvl="2">
+              <a:lnSpc>
+                <a:spcPct val="100000"/>
+              </a:lnSpc>
+            </a:pPr>
+            <a:r>
+              <a:rPr lang="en-US" sz="5000" dirty="0"/>
+              <a:t>Tune: ‘</a:t>
+            </a:r>
+            <a:r>
+              <a:rPr lang="en-US" sz="5000" dirty="0" err="1"/>
+              <a:t>svc__gamma</a:t>
+            </a:r>
+            <a:r>
+              <a:rPr lang="en-US" sz="5000" dirty="0"/>
+              <a:t>': </a:t>
+            </a:r>
+            <a:r>
+              <a:rPr lang="en-US" sz="5000" dirty="0" err="1"/>
+              <a:t>np.logspace</a:t>
+            </a:r>
+            <a:r>
+              <a:rPr lang="en-US" sz="5000" dirty="0"/>
+              <a:t>(-3,4,num=8)</a:t>
+            </a:r>
+          </a:p>
+          <a:p>
+            <a:pPr>
+              <a:lnSpc>
+                <a:spcPct val="100000"/>
+              </a:lnSpc>
+            </a:pPr>
+            <a:r>
+              <a:rPr lang="en-US" sz="5000" dirty="0"/>
+              <a:t>Feature importance</a:t>
+            </a:r>
+          </a:p>
+          <a:p>
+            <a:pPr lvl="1">
+              <a:lnSpc>
+                <a:spcPct val="100000"/>
+              </a:lnSpc>
+            </a:pPr>
+            <a:r>
+              <a:rPr lang="en-US" sz="5000" dirty="0"/>
+              <a:t>LR: perturbation, linear coefficients, SHAP (</a:t>
+            </a:r>
+            <a:r>
+              <a:rPr lang="en-US" sz="5000" dirty="0" err="1"/>
+              <a:t>LinearExplainer</a:t>
+            </a:r>
+            <a:r>
+              <a:rPr lang="en-US" sz="5000" dirty="0"/>
+              <a:t>). </a:t>
+            </a:r>
+          </a:p>
+          <a:p>
+            <a:pPr lvl="1">
+              <a:lnSpc>
+                <a:spcPct val="100000"/>
+              </a:lnSpc>
+            </a:pPr>
+            <a:r>
+              <a:rPr lang="en-US" sz="5000" dirty="0"/>
+              <a:t>RFC: perturbation, random forest metrics, SHAP (</a:t>
+            </a:r>
+            <a:r>
+              <a:rPr lang="en-US" sz="5000" dirty="0" err="1"/>
+              <a:t>TreeExplainer</a:t>
+            </a:r>
+            <a:r>
+              <a:rPr lang="en-US" sz="5000" dirty="0"/>
+              <a:t>).</a:t>
+            </a:r>
+          </a:p>
+          <a:p>
+            <a:pPr lvl="1">
+              <a:lnSpc>
+                <a:spcPct val="100000"/>
+              </a:lnSpc>
+            </a:pPr>
+            <a:r>
+              <a:rPr lang="en-US" sz="5000" dirty="0"/>
+              <a:t>SVC: perturbation and SHAP (</a:t>
+            </a:r>
+            <a:r>
+              <a:rPr lang="en-US" sz="5000" dirty="0" err="1"/>
+              <a:t>KernelExplainer</a:t>
+            </a:r>
+            <a:r>
+              <a:rPr lang="en-US" sz="5000" dirty="0"/>
+              <a:t>). </a:t>
+            </a:r>
+          </a:p>
+        </p:txBody>
+      </p:sp>
+      <mc:AlternateContent xmlns:mc="http://schemas.openxmlformats.org/markup-compatibility/2006">
+        <mc:Choice xmlns:p14="http://schemas.microsoft.com/office/powerpoint/2010/main" Requires="p14">
+          <p:contentPart p14:bwMode="auto" r:id="rId2">
+            <p14:nvContentPartPr>
+              <p14:cNvPr id="21" name="Ink 20">
+                <a:extLst>
+                  <a:ext uri="{FF2B5EF4-FFF2-40B4-BE49-F238E27FC236}">
+                    <a16:creationId xmlns:a16="http://schemas.microsoft.com/office/drawing/2014/main" id="{070477C5-0410-4E4F-97A1-F84C2465C187}"/>
+                  </a:ext>
+                  <a:ext uri="{C183D7F6-B498-43B3-948B-1728B52AA6E4}">
+                    <adec:decorative xmlns:adec="http://schemas.microsoft.com/office/drawing/2017/decorative" val="1"/>
+                  </a:ext>
+                </a:extLst>
+              </p14:cNvPr>
+              <p14:cNvContentPartPr>
+                <a14:cpLocks xmlns:a14="http://schemas.microsoft.com/office/drawing/2010/main" noGrp="1" noRot="1" noChangeAspect="1" noMove="1" noResize="1" noEditPoints="1" noAdjustHandles="1" noChangeArrowheads="1" noChangeShapeType="1"/>
+              </p14:cNvContentPartPr>
+              <p14:nvPr>
+                <p:extLst>
+                  <p:ext uri="{386F3935-93C4-4BCD-93E2-E3B085C9AB24}">
+                    <p16:designElem xmlns:p16="http://schemas.microsoft.com/office/powerpoint/2015/main" val="1"/>
+                  </p:ext>
+                </p:extLst>
+              </p14:nvPr>
+            </p14:nvContentPartPr>
+            <p14:xfrm>
+              <a:off x="5755403" y="1971579"/>
+              <a:ext cx="360" cy="2160"/>
+            </p14:xfrm>
+          </p:contentPart>
+        </mc:Choice>
+        <mc:Fallback>
+          <p:pic>
+            <p:nvPicPr>
+              <p:cNvPr id="21" name="Ink 20">
+                <a:extLst>
+                  <a:ext uri="{FF2B5EF4-FFF2-40B4-BE49-F238E27FC236}">
+                    <a16:creationId xmlns:a16="http://schemas.microsoft.com/office/drawing/2014/main" id="{070477C5-0410-4E4F-97A1-F84C2465C187}"/>
+                  </a:ext>
+                  <a:ext uri="{C183D7F6-B498-43B3-948B-1728B52AA6E4}">
+                    <adec:decorative xmlns:adec="http://schemas.microsoft.com/office/drawing/2017/decorative" val="1"/>
+                  </a:ext>
+                </a:extLst>
+              </p:cNvPr>
+              <p:cNvPicPr>
+                <a:picLocks noGrp="1" noRot="1" noChangeAspect="1" noMove="1" noResize="1" noEditPoints="1" noAdjustHandles="1" noChangeArrowheads="1" noChangeShapeType="1"/>
+              </p:cNvPicPr>
+              <p:nvPr/>
+            </p:nvPicPr>
+            <p:blipFill>
+              <a:blip r:embed="rId3"/>
+              <a:stretch>
+                <a:fillRect/>
+              </a:stretch>
+            </p:blipFill>
+            <p:spPr>
+              <a:xfrm>
+                <a:off x="5737403" y="1956150"/>
+                <a:ext cx="36000" cy="32709"/>
+              </a:xfrm>
+              <a:prstGeom prst="rect">
+                <a:avLst/>
+              </a:prstGeom>
+            </p:spPr>
+          </p:pic>
+        </mc:Fallback>
+      </mc:AlternateContent>
+      <p:pic>
+        <p:nvPicPr>
+          <p:cNvPr id="4098" name="Picture 2" descr="Logistic Regression Explained. [ — Logistic Regression explained… | by  Jaime Zornoza | Towards Data Science">
+            <a:extLst>
+              <a:ext uri="{FF2B5EF4-FFF2-40B4-BE49-F238E27FC236}">
+                <a16:creationId xmlns:a16="http://schemas.microsoft.com/office/drawing/2014/main" id="{CA541C2F-5091-784A-947A-905A1004AB83}"/>
+              </a:ext>
+            </a:extLst>
+          </p:cNvPr>
+          <p:cNvPicPr>
+            <a:picLocks noChangeAspect="1" noChangeArrowheads="1"/>
+          </p:cNvPicPr>
+          <p:nvPr/>
+        </p:nvPicPr>
+        <p:blipFill>
+          <a:blip r:embed="rId4">
+            <a:extLst>
+              <a:ext uri="{28A0092B-C50C-407E-A947-70E740481C1C}">
+                <a14:useLocalDpi xmlns:a14="http://schemas.microsoft.com/office/drawing/2010/main" val="0"/>
+              </a:ext>
+            </a:extLst>
+          </a:blip>
+          <a:srcRect/>
+          <a:stretch>
+            <a:fillRect/>
+          </a:stretch>
+        </p:blipFill>
+        <p:spPr bwMode="auto">
+          <a:xfrm>
+            <a:off x="8038231" y="0"/>
+            <a:ext cx="2723681" cy="2310289"/>
+          </a:xfrm>
+          <a:prstGeom prst="rect">
+            <a:avLst/>
+          </a:prstGeom>
+          <a:noFill/>
+          <a:extLst>
+            <a:ext uri="{909E8E84-426E-40DD-AFC4-6F175D3DCCD1}">
+              <a14:hiddenFill xmlns:a14="http://schemas.microsoft.com/office/drawing/2010/main">
+                <a:solidFill>
+                  <a:srgbClr val="FFFFFF"/>
+                </a:solidFill>
+              </a14:hiddenFill>
+            </a:ext>
+          </a:extLst>
+        </p:spPr>
+      </p:pic>
+      <p:pic>
+        <p:nvPicPr>
+          <p:cNvPr id="4100" name="Picture 4" descr="Random forest - Wikipedia">
+            <a:extLst>
+              <a:ext uri="{FF2B5EF4-FFF2-40B4-BE49-F238E27FC236}">
+                <a16:creationId xmlns:a16="http://schemas.microsoft.com/office/drawing/2014/main" id="{CBEC2A3B-A492-174C-98FD-929F4E7B082A}"/>
+              </a:ext>
+            </a:extLst>
+          </p:cNvPr>
+          <p:cNvPicPr>
+            <a:picLocks noChangeAspect="1" noChangeArrowheads="1"/>
+          </p:cNvPicPr>
+          <p:nvPr/>
+        </p:nvPicPr>
+        <p:blipFill>
+          <a:blip r:embed="rId5">
+            <a:extLst>
+              <a:ext uri="{28A0092B-C50C-407E-A947-70E740481C1C}">
+                <a14:useLocalDpi xmlns:a14="http://schemas.microsoft.com/office/drawing/2010/main" val="0"/>
+              </a:ext>
+            </a:extLst>
+          </a:blip>
+          <a:srcRect/>
+          <a:stretch>
+            <a:fillRect/>
+          </a:stretch>
+        </p:blipFill>
+        <p:spPr bwMode="auto">
+          <a:xfrm>
+            <a:off x="7712134" y="2261068"/>
+            <a:ext cx="3430684" cy="2573013"/>
+          </a:xfrm>
+          <a:prstGeom prst="rect">
+            <a:avLst/>
+          </a:prstGeom>
+          <a:noFill/>
+          <a:extLst>
+            <a:ext uri="{909E8E84-426E-40DD-AFC4-6F175D3DCCD1}">
+              <a14:hiddenFill xmlns:a14="http://schemas.microsoft.com/office/drawing/2010/main">
+                <a:solidFill>
+                  <a:srgbClr val="FFFFFF"/>
+                </a:solidFill>
+              </a14:hiddenFill>
+            </a:ext>
+          </a:extLst>
+        </p:spPr>
+      </p:pic>
+      <p:pic>
+        <p:nvPicPr>
+          <p:cNvPr id="4102" name="Picture 6" descr="Support Vector Machines for Classification | by Oscar Contreras Carrasco |  Towards Data Science">
+            <a:extLst>
+              <a:ext uri="{FF2B5EF4-FFF2-40B4-BE49-F238E27FC236}">
+                <a16:creationId xmlns:a16="http://schemas.microsoft.com/office/drawing/2014/main" id="{197DD0F3-5409-FB45-A302-BC9C2BC14C54}"/>
+              </a:ext>
+            </a:extLst>
+          </p:cNvPr>
+          <p:cNvPicPr>
+            <a:picLocks noChangeAspect="1" noChangeArrowheads="1"/>
+          </p:cNvPicPr>
+          <p:nvPr/>
+        </p:nvPicPr>
+        <p:blipFill>
+          <a:blip r:embed="rId6">
+            <a:extLst>
+              <a:ext uri="{28A0092B-C50C-407E-A947-70E740481C1C}">
+                <a14:useLocalDpi xmlns:a14="http://schemas.microsoft.com/office/drawing/2010/main" val="0"/>
+              </a:ext>
+            </a:extLst>
+          </a:blip>
+          <a:srcRect/>
+          <a:stretch>
+            <a:fillRect/>
+          </a:stretch>
+        </p:blipFill>
+        <p:spPr bwMode="auto">
+          <a:xfrm>
+            <a:off x="8373121" y="4660787"/>
+            <a:ext cx="2196192" cy="2152487"/>
+          </a:xfrm>
+          <a:prstGeom prst="rect">
+            <a:avLst/>
+          </a:prstGeom>
+          <a:noFill/>
+          <a:extLst>
+            <a:ext uri="{909E8E84-426E-40DD-AFC4-6F175D3DCCD1}">
+              <a14:hiddenFill xmlns:a14="http://schemas.microsoft.com/office/drawing/2010/main">
+                <a:solidFill>
+                  <a:srgbClr val="FFFFFF"/>
+                </a:solidFill>
+              </a14:hiddenFill>
+            </a:ext>
+          </a:extLst>
+        </p:spPr>
+      </p:pic>
+    </p:spTree>
+    <p:extLst>
+      <p:ext uri="{BB962C8B-B14F-4D97-AF65-F5344CB8AC3E}">
+        <p14:creationId xmlns:p14="http://schemas.microsoft.com/office/powerpoint/2010/main" val="829561580"/>
+      </p:ext>
+    </p:extLst>
+  </p:cSld>
+  <p:clrMapOvr>
+    <a:masterClrMapping/>
+  </p:clrMapOvr>
+</p:sld>
+</file>
+
+<file path=ppt/slides/slide13.xml><?xml version="1.0" encoding="utf-8"?>
 <p:sld xmlns:a="http://schemas.openxmlformats.org/drawingml/2006/main" xmlns:r="http://schemas.openxmlformats.org/officeDocument/2006/relationships" xmlns:p="http://schemas.openxmlformats.org/presentationml/2006/main">
   <p:cSld>
     <p:bg>
@@ -12414,6 +14520,34 @@
           </a:p>
         </p:txBody>
       </p:sp>
+      <p:pic>
+        <p:nvPicPr>
+          <p:cNvPr id="19" name="Picture 18">
+            <a:extLst>
+              <a:ext uri="{FF2B5EF4-FFF2-40B4-BE49-F238E27FC236}">
+                <a16:creationId xmlns:a16="http://schemas.microsoft.com/office/drawing/2014/main" id="{D7DBCCF1-0880-3944-AA2D-99B0693A45CC}"/>
+              </a:ext>
+            </a:extLst>
+          </p:cNvPr>
+          <p:cNvPicPr/>
+          <p:nvPr/>
+        </p:nvPicPr>
+        <p:blipFill>
+          <a:blip r:embed="rId2"/>
+          <a:stretch>
+            <a:fillRect/>
+          </a:stretch>
+        </p:blipFill>
+        <p:spPr>
+          <a:xfrm>
+            <a:off x="3238500" y="2735265"/>
+            <a:ext cx="5943600" cy="4020185"/>
+          </a:xfrm>
+          <a:prstGeom prst="rect">
+            <a:avLst/>
+          </a:prstGeom>
+        </p:spPr>
+      </p:pic>
     </p:spTree>
     <p:extLst>
       <p:ext uri="{BB962C8B-B14F-4D97-AF65-F5344CB8AC3E}">
@@ -12427,7 +14561,1776 @@
 </p:sld>
 </file>
 
-<file path=ppt/slides/slide12.xml><?xml version="1.0" encoding="utf-8"?>
+<file path=ppt/slides/slide14.xml><?xml version="1.0" encoding="utf-8"?>
+<p:sld xmlns:a="http://schemas.openxmlformats.org/drawingml/2006/main" xmlns:r="http://schemas.openxmlformats.org/officeDocument/2006/relationships" xmlns:p="http://schemas.openxmlformats.org/presentationml/2006/main">
+  <p:cSld>
+    <p:bg>
+      <p:bgPr>
+        <a:solidFill>
+          <a:schemeClr val="bg1"/>
+        </a:solidFill>
+        <a:effectLst/>
+      </p:bgPr>
+    </p:bg>
+    <p:spTree>
+      <p:nvGrpSpPr>
+        <p:cNvPr id="1" name=""/>
+        <p:cNvGrpSpPr/>
+        <p:nvPr/>
+      </p:nvGrpSpPr>
+      <p:grpSpPr>
+        <a:xfrm>
+          <a:off x="0" y="0"/>
+          <a:ext cx="0" cy="0"/>
+          <a:chOff x="0" y="0"/>
+          <a:chExt cx="0" cy="0"/>
+        </a:xfrm>
+      </p:grpSpPr>
+      <p:sp useBgFill="1">
+        <p:nvSpPr>
+          <p:cNvPr id="17" name="Rectangle 16">
+            <a:extLst>
+              <a:ext uri="{FF2B5EF4-FFF2-40B4-BE49-F238E27FC236}">
+                <a16:creationId xmlns:a16="http://schemas.microsoft.com/office/drawing/2014/main" id="{743AA782-23D1-4521-8CAD-47662984AA08}"/>
+              </a:ext>
+              <a:ext uri="{C183D7F6-B498-43B3-948B-1728B52AA6E4}">
+                <adec:decorative xmlns:adec="http://schemas.microsoft.com/office/drawing/2017/decorative" val="1"/>
+              </a:ext>
+            </a:extLst>
+          </p:cNvPr>
+          <p:cNvSpPr>
+            <a:spLocks noGrp="1" noRot="1" noChangeAspect="1" noMove="1" noResize="1" noEditPoints="1" noAdjustHandles="1" noChangeArrowheads="1" noChangeShapeType="1" noTextEdit="1"/>
+          </p:cNvSpPr>
+          <p:nvPr>
+            <p:extLst>
+              <p:ext uri="{386F3935-93C4-4BCD-93E2-E3B085C9AB24}">
+                <p16:designElem xmlns:p16="http://schemas.microsoft.com/office/powerpoint/2015/main" val="1"/>
+              </p:ext>
+            </p:extLst>
+          </p:nvPr>
+        </p:nvSpPr>
+        <p:spPr>
+          <a:xfrm>
+            <a:off x="0" y="0"/>
+            <a:ext cx="12192000" cy="6858000"/>
+          </a:xfrm>
+          <a:prstGeom prst="rect">
+            <a:avLst/>
+          </a:prstGeom>
+          <a:ln>
+            <a:noFill/>
+          </a:ln>
+        </p:spPr>
+        <p:style>
+          <a:lnRef idx="2">
+            <a:schemeClr val="accent1">
+              <a:shade val="50000"/>
+            </a:schemeClr>
+          </a:lnRef>
+          <a:fillRef idx="1">
+            <a:schemeClr val="accent1"/>
+          </a:fillRef>
+          <a:effectRef idx="0">
+            <a:schemeClr val="accent1"/>
+          </a:effectRef>
+          <a:fontRef idx="minor">
+            <a:schemeClr val="lt1"/>
+          </a:fontRef>
+        </p:style>
+        <p:txBody>
+          <a:bodyPr rtlCol="0" anchor="ctr"/>
+          <a:lstStyle/>
+          <a:p>
+            <a:pPr algn="ctr"/>
+            <a:endParaRPr lang="en-US"/>
+          </a:p>
+        </p:txBody>
+      </p:sp>
+      <p:sp>
+        <p:nvSpPr>
+          <p:cNvPr id="2" name="Title 1">
+            <a:extLst>
+              <a:ext uri="{FF2B5EF4-FFF2-40B4-BE49-F238E27FC236}">
+                <a16:creationId xmlns:a16="http://schemas.microsoft.com/office/drawing/2014/main" id="{80C6C333-C190-DB4A-A179-29DBB27382E6}"/>
+              </a:ext>
+            </a:extLst>
+          </p:cNvPr>
+          <p:cNvSpPr>
+            <a:spLocks noGrp="1"/>
+          </p:cNvSpPr>
+          <p:nvPr>
+            <p:ph type="title"/>
+          </p:nvPr>
+        </p:nvSpPr>
+        <p:spPr>
+          <a:xfrm>
+            <a:off x="630936" y="640080"/>
+            <a:ext cx="4818888" cy="1481328"/>
+          </a:xfrm>
+        </p:spPr>
+        <p:txBody>
+          <a:bodyPr anchor="b">
+            <a:normAutofit/>
+          </a:bodyPr>
+          <a:lstStyle/>
+          <a:p>
+            <a:pPr>
+              <a:lnSpc>
+                <a:spcPct val="90000"/>
+              </a:lnSpc>
+            </a:pPr>
+            <a:r>
+              <a:rPr lang="en-US" sz="4800" dirty="0"/>
+              <a:t>4. RESULTS – CONFUSION MATRICES AND ROC CURVES</a:t>
+            </a:r>
+          </a:p>
+        </p:txBody>
+      </p:sp>
+      <p:sp>
+        <p:nvSpPr>
+          <p:cNvPr id="19" name="Rectangle 6">
+            <a:extLst>
+              <a:ext uri="{FF2B5EF4-FFF2-40B4-BE49-F238E27FC236}">
+                <a16:creationId xmlns:a16="http://schemas.microsoft.com/office/drawing/2014/main" id="{3CE8AF5E-D374-4CF1-90CC-35CF73B81C3E}"/>
+              </a:ext>
+              <a:ext uri="{C183D7F6-B498-43B3-948B-1728B52AA6E4}">
+                <adec:decorative xmlns:adec="http://schemas.microsoft.com/office/drawing/2017/decorative" val="1"/>
+              </a:ext>
+            </a:extLst>
+          </p:cNvPr>
+          <p:cNvSpPr>
+            <a:spLocks noGrp="1" noRot="1" noChangeAspect="1" noMove="1" noResize="1" noEditPoints="1" noAdjustHandles="1" noChangeArrowheads="1" noChangeShapeType="1" noTextEdit="1"/>
+          </p:cNvSpPr>
+          <p:nvPr>
+            <p:extLst>
+              <p:ext uri="{386F3935-93C4-4BCD-93E2-E3B085C9AB24}">
+                <p16:designElem xmlns:p16="http://schemas.microsoft.com/office/powerpoint/2015/main" val="1"/>
+              </p:ext>
+            </p:extLst>
+          </p:nvPr>
+        </p:nvSpPr>
+        <p:spPr>
+          <a:xfrm>
+            <a:off x="630936" y="2386584"/>
+            <a:ext cx="4114800" cy="18288"/>
+          </a:xfrm>
+          <a:custGeom>
+            <a:avLst/>
+            <a:gdLst>
+              <a:gd name="connsiteX0" fmla="*/ 0 w 4114800"/>
+              <a:gd name="connsiteY0" fmla="*/ 0 h 18288"/>
+              <a:gd name="connsiteX1" fmla="*/ 768096 w 4114800"/>
+              <a:gd name="connsiteY1" fmla="*/ 0 h 18288"/>
+              <a:gd name="connsiteX2" fmla="*/ 1495044 w 4114800"/>
+              <a:gd name="connsiteY2" fmla="*/ 0 h 18288"/>
+              <a:gd name="connsiteX3" fmla="*/ 2221992 w 4114800"/>
+              <a:gd name="connsiteY3" fmla="*/ 0 h 18288"/>
+              <a:gd name="connsiteX4" fmla="*/ 2784348 w 4114800"/>
+              <a:gd name="connsiteY4" fmla="*/ 0 h 18288"/>
+              <a:gd name="connsiteX5" fmla="*/ 3387852 w 4114800"/>
+              <a:gd name="connsiteY5" fmla="*/ 0 h 18288"/>
+              <a:gd name="connsiteX6" fmla="*/ 4114800 w 4114800"/>
+              <a:gd name="connsiteY6" fmla="*/ 0 h 18288"/>
+              <a:gd name="connsiteX7" fmla="*/ 4114800 w 4114800"/>
+              <a:gd name="connsiteY7" fmla="*/ 18288 h 18288"/>
+              <a:gd name="connsiteX8" fmla="*/ 3429000 w 4114800"/>
+              <a:gd name="connsiteY8" fmla="*/ 18288 h 18288"/>
+              <a:gd name="connsiteX9" fmla="*/ 2866644 w 4114800"/>
+              <a:gd name="connsiteY9" fmla="*/ 18288 h 18288"/>
+              <a:gd name="connsiteX10" fmla="*/ 2304288 w 4114800"/>
+              <a:gd name="connsiteY10" fmla="*/ 18288 h 18288"/>
+              <a:gd name="connsiteX11" fmla="*/ 1577340 w 4114800"/>
+              <a:gd name="connsiteY11" fmla="*/ 18288 h 18288"/>
+              <a:gd name="connsiteX12" fmla="*/ 973836 w 4114800"/>
+              <a:gd name="connsiteY12" fmla="*/ 18288 h 18288"/>
+              <a:gd name="connsiteX13" fmla="*/ 0 w 4114800"/>
+              <a:gd name="connsiteY13" fmla="*/ 18288 h 18288"/>
+              <a:gd name="connsiteX14" fmla="*/ 0 w 4114800"/>
+              <a:gd name="connsiteY14" fmla="*/ 0 h 18288"/>
+            </a:gdLst>
+            <a:ahLst/>
+            <a:cxnLst>
+              <a:cxn ang="0">
+                <a:pos x="connsiteX0" y="connsiteY0"/>
+              </a:cxn>
+              <a:cxn ang="0">
+                <a:pos x="connsiteX1" y="connsiteY1"/>
+              </a:cxn>
+              <a:cxn ang="0">
+                <a:pos x="connsiteX2" y="connsiteY2"/>
+              </a:cxn>
+              <a:cxn ang="0">
+                <a:pos x="connsiteX3" y="connsiteY3"/>
+              </a:cxn>
+              <a:cxn ang="0">
+                <a:pos x="connsiteX4" y="connsiteY4"/>
+              </a:cxn>
+              <a:cxn ang="0">
+                <a:pos x="connsiteX5" y="connsiteY5"/>
+              </a:cxn>
+              <a:cxn ang="0">
+                <a:pos x="connsiteX6" y="connsiteY6"/>
+              </a:cxn>
+              <a:cxn ang="0">
+                <a:pos x="connsiteX7" y="connsiteY7"/>
+              </a:cxn>
+              <a:cxn ang="0">
+                <a:pos x="connsiteX8" y="connsiteY8"/>
+              </a:cxn>
+              <a:cxn ang="0">
+                <a:pos x="connsiteX9" y="connsiteY9"/>
+              </a:cxn>
+              <a:cxn ang="0">
+                <a:pos x="connsiteX10" y="connsiteY10"/>
+              </a:cxn>
+              <a:cxn ang="0">
+                <a:pos x="connsiteX11" y="connsiteY11"/>
+              </a:cxn>
+              <a:cxn ang="0">
+                <a:pos x="connsiteX12" y="connsiteY12"/>
+              </a:cxn>
+              <a:cxn ang="0">
+                <a:pos x="connsiteX13" y="connsiteY13"/>
+              </a:cxn>
+              <a:cxn ang="0">
+                <a:pos x="connsiteX14" y="connsiteY14"/>
+              </a:cxn>
+            </a:cxnLst>
+            <a:rect l="l" t="t" r="r" b="b"/>
+            <a:pathLst>
+              <a:path w="4114800" h="18288" fill="none" extrusionOk="0">
+                <a:moveTo>
+                  <a:pt x="0" y="0"/>
+                </a:moveTo>
+                <a:cubicBezTo>
+                  <a:pt x="338280" y="-26110"/>
+                  <a:pt x="483942" y="6555"/>
+                  <a:pt x="768096" y="0"/>
+                </a:cubicBezTo>
+                <a:cubicBezTo>
+                  <a:pt x="1052250" y="-6555"/>
+                  <a:pt x="1331484" y="24616"/>
+                  <a:pt x="1495044" y="0"/>
+                </a:cubicBezTo>
+                <a:cubicBezTo>
+                  <a:pt x="1658604" y="-24616"/>
+                  <a:pt x="2056661" y="-33562"/>
+                  <a:pt x="2221992" y="0"/>
+                </a:cubicBezTo>
+                <a:cubicBezTo>
+                  <a:pt x="2387323" y="33562"/>
+                  <a:pt x="2629463" y="-20094"/>
+                  <a:pt x="2784348" y="0"/>
+                </a:cubicBezTo>
+                <a:cubicBezTo>
+                  <a:pt x="2939233" y="20094"/>
+                  <a:pt x="3151981" y="1524"/>
+                  <a:pt x="3387852" y="0"/>
+                </a:cubicBezTo>
+                <a:cubicBezTo>
+                  <a:pt x="3623723" y="-1524"/>
+                  <a:pt x="3882724" y="26165"/>
+                  <a:pt x="4114800" y="0"/>
+                </a:cubicBezTo>
+                <a:cubicBezTo>
+                  <a:pt x="4114300" y="8855"/>
+                  <a:pt x="4114909" y="14521"/>
+                  <a:pt x="4114800" y="18288"/>
+                </a:cubicBezTo>
+                <a:cubicBezTo>
+                  <a:pt x="3910038" y="37744"/>
+                  <a:pt x="3683432" y="-3969"/>
+                  <a:pt x="3429000" y="18288"/>
+                </a:cubicBezTo>
+                <a:cubicBezTo>
+                  <a:pt x="3174568" y="40545"/>
+                  <a:pt x="3085815" y="44166"/>
+                  <a:pt x="2866644" y="18288"/>
+                </a:cubicBezTo>
+                <a:cubicBezTo>
+                  <a:pt x="2647473" y="-7590"/>
+                  <a:pt x="2580474" y="31338"/>
+                  <a:pt x="2304288" y="18288"/>
+                </a:cubicBezTo>
+                <a:cubicBezTo>
+                  <a:pt x="2028102" y="5238"/>
+                  <a:pt x="1863008" y="-2001"/>
+                  <a:pt x="1577340" y="18288"/>
+                </a:cubicBezTo>
+                <a:cubicBezTo>
+                  <a:pt x="1291672" y="38577"/>
+                  <a:pt x="1243931" y="9893"/>
+                  <a:pt x="973836" y="18288"/>
+                </a:cubicBezTo>
+                <a:cubicBezTo>
+                  <a:pt x="703741" y="26683"/>
+                  <a:pt x="317656" y="-5910"/>
+                  <a:pt x="0" y="18288"/>
+                </a:cubicBezTo>
+                <a:cubicBezTo>
+                  <a:pt x="683" y="12014"/>
+                  <a:pt x="724" y="5908"/>
+                  <a:pt x="0" y="0"/>
+                </a:cubicBezTo>
+                <a:close/>
+              </a:path>
+              <a:path w="4114800" h="18288" stroke="0" extrusionOk="0">
+                <a:moveTo>
+                  <a:pt x="0" y="0"/>
+                </a:moveTo>
+                <a:cubicBezTo>
+                  <a:pt x="276109" y="5266"/>
+                  <a:pt x="325589" y="-19584"/>
+                  <a:pt x="644652" y="0"/>
+                </a:cubicBezTo>
+                <a:cubicBezTo>
+                  <a:pt x="963715" y="19584"/>
+                  <a:pt x="1064991" y="6066"/>
+                  <a:pt x="1207008" y="0"/>
+                </a:cubicBezTo>
+                <a:cubicBezTo>
+                  <a:pt x="1349025" y="-6066"/>
+                  <a:pt x="1791724" y="14506"/>
+                  <a:pt x="1975104" y="0"/>
+                </a:cubicBezTo>
+                <a:cubicBezTo>
+                  <a:pt x="2158484" y="-14506"/>
+                  <a:pt x="2397469" y="20822"/>
+                  <a:pt x="2619756" y="0"/>
+                </a:cubicBezTo>
+                <a:cubicBezTo>
+                  <a:pt x="2842043" y="-20822"/>
+                  <a:pt x="2992157" y="20388"/>
+                  <a:pt x="3264408" y="0"/>
+                </a:cubicBezTo>
+                <a:cubicBezTo>
+                  <a:pt x="3536659" y="-20388"/>
+                  <a:pt x="3855620" y="38211"/>
+                  <a:pt x="4114800" y="0"/>
+                </a:cubicBezTo>
+                <a:cubicBezTo>
+                  <a:pt x="4113902" y="7180"/>
+                  <a:pt x="4114969" y="13790"/>
+                  <a:pt x="4114800" y="18288"/>
+                </a:cubicBezTo>
+                <a:cubicBezTo>
+                  <a:pt x="3968901" y="8593"/>
+                  <a:pt x="3623428" y="17559"/>
+                  <a:pt x="3429000" y="18288"/>
+                </a:cubicBezTo>
+                <a:cubicBezTo>
+                  <a:pt x="3234572" y="19017"/>
+                  <a:pt x="3085079" y="41804"/>
+                  <a:pt x="2866644" y="18288"/>
+                </a:cubicBezTo>
+                <a:cubicBezTo>
+                  <a:pt x="2648209" y="-5228"/>
+                  <a:pt x="2451737" y="24580"/>
+                  <a:pt x="2180844" y="18288"/>
+                </a:cubicBezTo>
+                <a:cubicBezTo>
+                  <a:pt x="1909951" y="11996"/>
+                  <a:pt x="1681589" y="12244"/>
+                  <a:pt x="1495044" y="18288"/>
+                </a:cubicBezTo>
+                <a:cubicBezTo>
+                  <a:pt x="1308499" y="24332"/>
+                  <a:pt x="1136614" y="21789"/>
+                  <a:pt x="850392" y="18288"/>
+                </a:cubicBezTo>
+                <a:cubicBezTo>
+                  <a:pt x="564170" y="14787"/>
+                  <a:pt x="210636" y="54701"/>
+                  <a:pt x="0" y="18288"/>
+                </a:cubicBezTo>
+                <a:cubicBezTo>
+                  <a:pt x="571" y="10093"/>
+                  <a:pt x="-125" y="8407"/>
+                  <a:pt x="0" y="0"/>
+                </a:cubicBezTo>
+                <a:close/>
+              </a:path>
+            </a:pathLst>
+          </a:custGeom>
+          <a:solidFill>
+            <a:srgbClr val="AB96C6"/>
+          </a:solidFill>
+          <a:ln w="38100" cap="rnd">
+            <a:solidFill>
+              <a:srgbClr val="AB96C6"/>
+            </a:solidFill>
+            <a:round/>
+            <a:extLst>
+              <a:ext uri="{C807C97D-BFC1-408E-A445-0C87EB9F89A2}">
+                <ask:lineSketchStyleProps xmlns:ask="http://schemas.microsoft.com/office/drawing/2018/sketchyshapes" sd="1219033472">
+                  <a:prstGeom prst="rect">
+                    <a:avLst/>
+                  </a:prstGeom>
+                  <ask:type>
+                    <ask:lineSketchFreehand/>
+                  </ask:type>
+                </ask:lineSketchStyleProps>
+              </a:ext>
+            </a:extLst>
+          </a:ln>
+        </p:spPr>
+        <p:style>
+          <a:lnRef idx="2">
+            <a:schemeClr val="accent1">
+              <a:shade val="50000"/>
+            </a:schemeClr>
+          </a:lnRef>
+          <a:fillRef idx="1">
+            <a:schemeClr val="accent1"/>
+          </a:fillRef>
+          <a:effectRef idx="0">
+            <a:schemeClr val="accent1"/>
+          </a:effectRef>
+          <a:fontRef idx="minor">
+            <a:schemeClr val="lt1"/>
+          </a:fontRef>
+        </p:style>
+        <p:txBody>
+          <a:bodyPr rtlCol="0" anchor="ctr"/>
+          <a:lstStyle/>
+          <a:p>
+            <a:pPr algn="ctr"/>
+            <a:endParaRPr lang="en-US"/>
+          </a:p>
+        </p:txBody>
+      </p:sp>
+      <p:sp>
+        <p:nvSpPr>
+          <p:cNvPr id="3" name="Content Placeholder 2">
+            <a:extLst>
+              <a:ext uri="{FF2B5EF4-FFF2-40B4-BE49-F238E27FC236}">
+                <a16:creationId xmlns:a16="http://schemas.microsoft.com/office/drawing/2014/main" id="{2C6621D5-8DF2-9543-A7FD-3336FD49D431}"/>
+              </a:ext>
+            </a:extLst>
+          </p:cNvPr>
+          <p:cNvSpPr>
+            <a:spLocks noGrp="1"/>
+          </p:cNvSpPr>
+          <p:nvPr>
+            <p:ph idx="1"/>
+          </p:nvPr>
+        </p:nvSpPr>
+        <p:spPr>
+          <a:xfrm>
+            <a:off x="474577" y="2857500"/>
+            <a:ext cx="4377263" cy="3547872"/>
+          </a:xfrm>
+        </p:spPr>
+        <p:txBody>
+          <a:bodyPr anchor="t">
+            <a:normAutofit lnSpcReduction="10000"/>
+          </a:bodyPr>
+          <a:lstStyle/>
+          <a:p>
+            <a:pPr>
+              <a:lnSpc>
+                <a:spcPct val="100000"/>
+              </a:lnSpc>
+            </a:pPr>
+            <a:r>
+              <a:rPr lang="en-US" dirty="0"/>
+              <a:t>Model 2 is quite accurate and allows the most actionable insights for educators to help teachers improve students performance before it’s too close to the end of the semester</a:t>
+            </a:r>
+          </a:p>
+          <a:p>
+            <a:pPr>
+              <a:lnSpc>
+                <a:spcPct val="100000"/>
+              </a:lnSpc>
+            </a:pPr>
+            <a:r>
+              <a:rPr lang="en-US" dirty="0"/>
+              <a:t>Display Random Forest Classification’s  Confusion Matrix and ROC Curves for Model 2 for both the Math and Portuguese dataset because these were the best models</a:t>
+            </a:r>
+          </a:p>
+        </p:txBody>
+      </p:sp>
+      <mc:AlternateContent xmlns:mc="http://schemas.openxmlformats.org/markup-compatibility/2006">
+        <mc:Choice xmlns:p14="http://schemas.microsoft.com/office/powerpoint/2010/main" Requires="p14">
+          <p:contentPart p14:bwMode="auto" r:id="rId2">
+            <p14:nvContentPartPr>
+              <p14:cNvPr id="21" name="Ink 20">
+                <a:extLst>
+                  <a:ext uri="{FF2B5EF4-FFF2-40B4-BE49-F238E27FC236}">
+                    <a16:creationId xmlns:a16="http://schemas.microsoft.com/office/drawing/2014/main" id="{070477C5-0410-4E4F-97A1-F84C2465C187}"/>
+                  </a:ext>
+                  <a:ext uri="{C183D7F6-B498-43B3-948B-1728B52AA6E4}">
+                    <adec:decorative xmlns:adec="http://schemas.microsoft.com/office/drawing/2017/decorative" val="1"/>
+                  </a:ext>
+                </a:extLst>
+              </p14:cNvPr>
+              <p14:cNvContentPartPr>
+                <a14:cpLocks xmlns:a14="http://schemas.microsoft.com/office/drawing/2010/main" noGrp="1" noRot="1" noChangeAspect="1" noMove="1" noResize="1" noEditPoints="1" noAdjustHandles="1" noChangeArrowheads="1" noChangeShapeType="1"/>
+              </p14:cNvContentPartPr>
+              <p14:nvPr>
+                <p:extLst>
+                  <p:ext uri="{386F3935-93C4-4BCD-93E2-E3B085C9AB24}">
+                    <p16:designElem xmlns:p16="http://schemas.microsoft.com/office/powerpoint/2015/main" val="1"/>
+                  </p:ext>
+                </p:extLst>
+              </p14:nvPr>
+            </p14:nvContentPartPr>
+            <p14:xfrm>
+              <a:off x="5755403" y="1971579"/>
+              <a:ext cx="360" cy="2160"/>
+            </p14:xfrm>
+          </p:contentPart>
+        </mc:Choice>
+        <mc:Fallback>
+          <p:pic>
+            <p:nvPicPr>
+              <p:cNvPr id="21" name="Ink 20">
+                <a:extLst>
+                  <a:ext uri="{FF2B5EF4-FFF2-40B4-BE49-F238E27FC236}">
+                    <a16:creationId xmlns:a16="http://schemas.microsoft.com/office/drawing/2014/main" id="{070477C5-0410-4E4F-97A1-F84C2465C187}"/>
+                  </a:ext>
+                  <a:ext uri="{C183D7F6-B498-43B3-948B-1728B52AA6E4}">
+                    <adec:decorative xmlns:adec="http://schemas.microsoft.com/office/drawing/2017/decorative" val="1"/>
+                  </a:ext>
+                </a:extLst>
+              </p:cNvPr>
+              <p:cNvPicPr>
+                <a:picLocks noGrp="1" noRot="1" noChangeAspect="1" noMove="1" noResize="1" noEditPoints="1" noAdjustHandles="1" noChangeArrowheads="1" noChangeShapeType="1"/>
+              </p:cNvPicPr>
+              <p:nvPr/>
+            </p:nvPicPr>
+            <p:blipFill>
+              <a:blip r:embed="rId3"/>
+              <a:stretch>
+                <a:fillRect/>
+              </a:stretch>
+            </p:blipFill>
+            <p:spPr>
+              <a:xfrm>
+                <a:off x="5737403" y="1956150"/>
+                <a:ext cx="36000" cy="32709"/>
+              </a:xfrm>
+              <a:prstGeom prst="rect">
+                <a:avLst/>
+              </a:prstGeom>
+            </p:spPr>
+          </p:pic>
+        </mc:Fallback>
+      </mc:AlternateContent>
+      <p:pic>
+        <p:nvPicPr>
+          <p:cNvPr id="11" name="Picture 10">
+            <a:extLst>
+              <a:ext uri="{FF2B5EF4-FFF2-40B4-BE49-F238E27FC236}">
+                <a16:creationId xmlns:a16="http://schemas.microsoft.com/office/drawing/2014/main" id="{E6F59C30-8EDD-6145-9421-A5F9022D6649}"/>
+              </a:ext>
+            </a:extLst>
+          </p:cNvPr>
+          <p:cNvPicPr>
+            <a:picLocks noChangeAspect="1"/>
+          </p:cNvPicPr>
+          <p:nvPr/>
+        </p:nvPicPr>
+        <p:blipFill>
+          <a:blip r:embed="rId4"/>
+          <a:stretch>
+            <a:fillRect/>
+          </a:stretch>
+        </p:blipFill>
+        <p:spPr>
+          <a:xfrm>
+            <a:off x="4886613" y="4005399"/>
+            <a:ext cx="3744468" cy="2496312"/>
+          </a:xfrm>
+          <a:prstGeom prst="rect">
+            <a:avLst/>
+          </a:prstGeom>
+        </p:spPr>
+      </p:pic>
+      <p:pic>
+        <p:nvPicPr>
+          <p:cNvPr id="13" name="Picture 12">
+            <a:extLst>
+              <a:ext uri="{FF2B5EF4-FFF2-40B4-BE49-F238E27FC236}">
+                <a16:creationId xmlns:a16="http://schemas.microsoft.com/office/drawing/2014/main" id="{7C86BF0B-9F15-B246-9641-04E1E3E599C1}"/>
+              </a:ext>
+            </a:extLst>
+          </p:cNvPr>
+          <p:cNvPicPr>
+            <a:picLocks noChangeAspect="1"/>
+          </p:cNvPicPr>
+          <p:nvPr/>
+        </p:nvPicPr>
+        <p:blipFill>
+          <a:blip r:embed="rId5"/>
+          <a:stretch>
+            <a:fillRect/>
+          </a:stretch>
+        </p:blipFill>
+        <p:spPr>
+          <a:xfrm>
+            <a:off x="5072367" y="1388810"/>
+            <a:ext cx="3285588" cy="2496312"/>
+          </a:xfrm>
+          <a:prstGeom prst="rect">
+            <a:avLst/>
+          </a:prstGeom>
+        </p:spPr>
+      </p:pic>
+      <p:pic>
+        <p:nvPicPr>
+          <p:cNvPr id="15" name="Picture 14">
+            <a:extLst>
+              <a:ext uri="{FF2B5EF4-FFF2-40B4-BE49-F238E27FC236}">
+                <a16:creationId xmlns:a16="http://schemas.microsoft.com/office/drawing/2014/main" id="{20DA84B8-2E70-A14E-916F-176969AF1186}"/>
+              </a:ext>
+            </a:extLst>
+          </p:cNvPr>
+          <p:cNvPicPr>
+            <a:picLocks noChangeAspect="1"/>
+          </p:cNvPicPr>
+          <p:nvPr/>
+        </p:nvPicPr>
+        <p:blipFill>
+          <a:blip r:embed="rId6"/>
+          <a:stretch>
+            <a:fillRect/>
+          </a:stretch>
+        </p:blipFill>
+        <p:spPr>
+          <a:xfrm>
+            <a:off x="8408597" y="3947456"/>
+            <a:ext cx="3818176" cy="2545450"/>
+          </a:xfrm>
+          <a:prstGeom prst="rect">
+            <a:avLst/>
+          </a:prstGeom>
+        </p:spPr>
+      </p:pic>
+      <p:pic>
+        <p:nvPicPr>
+          <p:cNvPr id="18" name="Picture 17">
+            <a:extLst>
+              <a:ext uri="{FF2B5EF4-FFF2-40B4-BE49-F238E27FC236}">
+                <a16:creationId xmlns:a16="http://schemas.microsoft.com/office/drawing/2014/main" id="{767FB7D3-8F8F-F54B-9DD7-790E5812BAC8}"/>
+              </a:ext>
+            </a:extLst>
+          </p:cNvPr>
+          <p:cNvPicPr>
+            <a:picLocks noChangeAspect="1"/>
+          </p:cNvPicPr>
+          <p:nvPr/>
+        </p:nvPicPr>
+        <p:blipFill>
+          <a:blip r:embed="rId7"/>
+          <a:stretch>
+            <a:fillRect/>
+          </a:stretch>
+        </p:blipFill>
+        <p:spPr>
+          <a:xfrm>
+            <a:off x="8465261" y="1357459"/>
+            <a:ext cx="3414678" cy="2715768"/>
+          </a:xfrm>
+          <a:prstGeom prst="rect">
+            <a:avLst/>
+          </a:prstGeom>
+        </p:spPr>
+      </p:pic>
+      <p:sp>
+        <p:nvSpPr>
+          <p:cNvPr id="20" name="Rectangle 19">
+            <a:extLst>
+              <a:ext uri="{FF2B5EF4-FFF2-40B4-BE49-F238E27FC236}">
+                <a16:creationId xmlns:a16="http://schemas.microsoft.com/office/drawing/2014/main" id="{B68433FF-E035-3A4D-9A84-504661AC6495}"/>
+              </a:ext>
+            </a:extLst>
+          </p:cNvPr>
+          <p:cNvSpPr/>
+          <p:nvPr/>
+        </p:nvSpPr>
+        <p:spPr>
+          <a:xfrm>
+            <a:off x="4888773" y="153188"/>
+            <a:ext cx="3742308" cy="1477328"/>
+          </a:xfrm>
+          <a:prstGeom prst="rect">
+            <a:avLst/>
+          </a:prstGeom>
+        </p:spPr>
+        <p:txBody>
+          <a:bodyPr wrap="square">
+            <a:spAutoFit/>
+          </a:bodyPr>
+          <a:lstStyle/>
+          <a:p>
+            <a:r>
+              <a:rPr lang="en-US" b="1" dirty="0">
+                <a:solidFill>
+                  <a:srgbClr val="002060"/>
+                </a:solidFill>
+              </a:rPr>
+              <a:t>Math, Model 2:</a:t>
+            </a:r>
+          </a:p>
+          <a:p>
+            <a:pPr marL="285750" indent="-285750">
+              <a:buFont typeface="Arial" panose="020B0604020202020204" pitchFamily="34" charset="0"/>
+              <a:buChar char="•"/>
+            </a:pPr>
+            <a:r>
+              <a:rPr lang="en-US" b="1" dirty="0">
+                <a:solidFill>
+                  <a:srgbClr val="002060"/>
+                </a:solidFill>
+              </a:rPr>
+              <a:t>Random Forest Classification (</a:t>
+            </a:r>
+            <a:r>
+              <a:rPr lang="en-US" b="1" dirty="0" err="1">
+                <a:solidFill>
+                  <a:srgbClr val="002060"/>
+                </a:solidFill>
+              </a:rPr>
+              <a:t>n_estimators</a:t>
+            </a:r>
+            <a:r>
+              <a:rPr lang="en-US" b="1" dirty="0">
+                <a:solidFill>
+                  <a:srgbClr val="002060"/>
+                </a:solidFill>
+              </a:rPr>
+              <a:t> = 100, </a:t>
+            </a:r>
+            <a:r>
+              <a:rPr lang="en-US" b="1" dirty="0" err="1">
+                <a:solidFill>
+                  <a:srgbClr val="002060"/>
+                </a:solidFill>
+              </a:rPr>
+              <a:t>random_state</a:t>
+            </a:r>
+            <a:r>
+              <a:rPr lang="en-US" b="1" dirty="0">
+                <a:solidFill>
+                  <a:srgbClr val="002060"/>
+                </a:solidFill>
+              </a:rPr>
+              <a:t> = 42, </a:t>
+            </a:r>
+            <a:r>
+              <a:rPr lang="en-US" b="1" dirty="0" err="1">
+                <a:solidFill>
+                  <a:srgbClr val="002060"/>
+                </a:solidFill>
+              </a:rPr>
+              <a:t>max_depth</a:t>
+            </a:r>
+            <a:r>
+              <a:rPr lang="en-US" b="1" dirty="0">
+                <a:solidFill>
+                  <a:srgbClr val="002060"/>
+                </a:solidFill>
+              </a:rPr>
+              <a:t> = 9, </a:t>
+            </a:r>
+            <a:r>
+              <a:rPr lang="en-US" b="1" dirty="0" err="1">
+                <a:solidFill>
+                  <a:srgbClr val="002060"/>
+                </a:solidFill>
+              </a:rPr>
+              <a:t>max_features</a:t>
+            </a:r>
+            <a:r>
+              <a:rPr lang="en-US" b="1" dirty="0">
+                <a:solidFill>
+                  <a:srgbClr val="002060"/>
+                </a:solidFill>
+              </a:rPr>
+              <a:t> = 0.625)</a:t>
+            </a:r>
+          </a:p>
+          <a:p>
+            <a:pPr marL="285750" indent="-285750">
+              <a:buFont typeface="Arial" panose="020B0604020202020204" pitchFamily="34" charset="0"/>
+              <a:buChar char="•"/>
+            </a:pPr>
+            <a:r>
+              <a:rPr lang="en-US" b="1" dirty="0">
+                <a:solidFill>
+                  <a:srgbClr val="002060"/>
+                </a:solidFill>
+              </a:rPr>
+              <a:t>Test accuracy: 0.924</a:t>
+            </a:r>
+            <a:br>
+              <a:rPr lang="en-US" b="1" dirty="0">
+                <a:solidFill>
+                  <a:srgbClr val="002060"/>
+                </a:solidFill>
+              </a:rPr>
+            </a:br>
+            <a:endParaRPr lang="en-US" b="1" dirty="0">
+              <a:solidFill>
+                <a:srgbClr val="002060"/>
+              </a:solidFill>
+            </a:endParaRPr>
+          </a:p>
+        </p:txBody>
+      </p:sp>
+      <p:sp>
+        <p:nvSpPr>
+          <p:cNvPr id="22" name="Rectangle 21">
+            <a:extLst>
+              <a:ext uri="{FF2B5EF4-FFF2-40B4-BE49-F238E27FC236}">
+                <a16:creationId xmlns:a16="http://schemas.microsoft.com/office/drawing/2014/main" id="{060B9F86-F024-C545-9DBE-8DA5A8F0AFEF}"/>
+              </a:ext>
+            </a:extLst>
+          </p:cNvPr>
+          <p:cNvSpPr/>
+          <p:nvPr/>
+        </p:nvSpPr>
+        <p:spPr>
+          <a:xfrm>
+            <a:off x="8481742" y="121959"/>
+            <a:ext cx="3818176" cy="1200329"/>
+          </a:xfrm>
+          <a:prstGeom prst="rect">
+            <a:avLst/>
+          </a:prstGeom>
+        </p:spPr>
+        <p:txBody>
+          <a:bodyPr wrap="square">
+            <a:spAutoFit/>
+          </a:bodyPr>
+          <a:lstStyle/>
+          <a:p>
+            <a:r>
+              <a:rPr lang="en-US" b="1" dirty="0">
+                <a:solidFill>
+                  <a:srgbClr val="002060"/>
+                </a:solidFill>
+              </a:rPr>
+              <a:t>Portuguese Model 2:</a:t>
+            </a:r>
+          </a:p>
+          <a:p>
+            <a:pPr marL="285750" indent="-285750">
+              <a:buFont typeface="Arial" panose="020B0604020202020204" pitchFamily="34" charset="0"/>
+              <a:buChar char="•"/>
+            </a:pPr>
+            <a:r>
+              <a:rPr lang="en-US" b="1" dirty="0">
+                <a:solidFill>
+                  <a:srgbClr val="002060"/>
+                </a:solidFill>
+              </a:rPr>
+              <a:t>Random Forest Classification (</a:t>
+            </a:r>
+            <a:r>
+              <a:rPr lang="en-US" b="1" dirty="0" err="1">
+                <a:solidFill>
+                  <a:srgbClr val="002060"/>
+                </a:solidFill>
+              </a:rPr>
+              <a:t>n_estimators</a:t>
+            </a:r>
+            <a:r>
+              <a:rPr lang="en-US" b="1" dirty="0">
+                <a:solidFill>
+                  <a:srgbClr val="002060"/>
+                </a:solidFill>
+              </a:rPr>
+              <a:t> = 100, </a:t>
+            </a:r>
+            <a:r>
+              <a:rPr lang="en-US" b="1" dirty="0" err="1">
+                <a:solidFill>
+                  <a:srgbClr val="002060"/>
+                </a:solidFill>
+              </a:rPr>
+              <a:t>random_state</a:t>
+            </a:r>
+            <a:r>
+              <a:rPr lang="en-US" b="1" dirty="0">
+                <a:solidFill>
+                  <a:srgbClr val="002060"/>
+                </a:solidFill>
+              </a:rPr>
+              <a:t> = 42, </a:t>
+            </a:r>
+            <a:r>
+              <a:rPr lang="en-US" b="1" dirty="0" err="1">
+                <a:solidFill>
+                  <a:srgbClr val="002060"/>
+                </a:solidFill>
+              </a:rPr>
+              <a:t>max_depth</a:t>
+            </a:r>
+            <a:r>
+              <a:rPr lang="en-US" b="1" dirty="0">
+                <a:solidFill>
+                  <a:srgbClr val="002060"/>
+                </a:solidFill>
+              </a:rPr>
+              <a:t> = 2 </a:t>
+            </a:r>
+            <a:r>
+              <a:rPr lang="en-US" b="1" dirty="0" err="1">
+                <a:solidFill>
+                  <a:srgbClr val="002060"/>
+                </a:solidFill>
+              </a:rPr>
+              <a:t>max_features</a:t>
+            </a:r>
+            <a:r>
+              <a:rPr lang="en-US" b="1" dirty="0">
+                <a:solidFill>
+                  <a:srgbClr val="002060"/>
+                </a:solidFill>
+              </a:rPr>
+              <a:t> = 0.625)</a:t>
+            </a:r>
+          </a:p>
+          <a:p>
+            <a:pPr marL="285750" indent="-285750">
+              <a:buFont typeface="Arial" panose="020B0604020202020204" pitchFamily="34" charset="0"/>
+              <a:buChar char="•"/>
+            </a:pPr>
+            <a:r>
+              <a:rPr lang="en-US" b="1" dirty="0">
+                <a:solidFill>
+                  <a:srgbClr val="002060"/>
+                </a:solidFill>
+              </a:rPr>
+              <a:t>Test accuracy: 0.954</a:t>
+            </a:r>
+            <a:endParaRPr lang="en-US" dirty="0"/>
+          </a:p>
+        </p:txBody>
+      </p:sp>
+    </p:spTree>
+    <p:extLst>
+      <p:ext uri="{BB962C8B-B14F-4D97-AF65-F5344CB8AC3E}">
+        <p14:creationId xmlns:p14="http://schemas.microsoft.com/office/powerpoint/2010/main" val="257410305"/>
+      </p:ext>
+    </p:extLst>
+  </p:cSld>
+  <p:clrMapOvr>
+    <a:masterClrMapping/>
+  </p:clrMapOvr>
+</p:sld>
+</file>
+
+<file path=ppt/slides/slide15.xml><?xml version="1.0" encoding="utf-8"?>
+<p:sld xmlns:a="http://schemas.openxmlformats.org/drawingml/2006/main" xmlns:r="http://schemas.openxmlformats.org/officeDocument/2006/relationships" xmlns:p="http://schemas.openxmlformats.org/presentationml/2006/main">
+  <p:cSld>
+    <p:bg>
+      <p:bgPr>
+        <a:solidFill>
+          <a:schemeClr val="bg1"/>
+        </a:solidFill>
+        <a:effectLst/>
+      </p:bgPr>
+    </p:bg>
+    <p:spTree>
+      <p:nvGrpSpPr>
+        <p:cNvPr id="1" name=""/>
+        <p:cNvGrpSpPr/>
+        <p:nvPr/>
+      </p:nvGrpSpPr>
+      <p:grpSpPr>
+        <a:xfrm>
+          <a:off x="0" y="0"/>
+          <a:ext cx="0" cy="0"/>
+          <a:chOff x="0" y="0"/>
+          <a:chExt cx="0" cy="0"/>
+        </a:xfrm>
+      </p:grpSpPr>
+      <p:sp useBgFill="1">
+        <p:nvSpPr>
+          <p:cNvPr id="17" name="Rectangle 16">
+            <a:extLst>
+              <a:ext uri="{FF2B5EF4-FFF2-40B4-BE49-F238E27FC236}">
+                <a16:creationId xmlns:a16="http://schemas.microsoft.com/office/drawing/2014/main" id="{743AA782-23D1-4521-8CAD-47662984AA08}"/>
+              </a:ext>
+              <a:ext uri="{C183D7F6-B498-43B3-948B-1728B52AA6E4}">
+                <adec:decorative xmlns:adec="http://schemas.microsoft.com/office/drawing/2017/decorative" val="1"/>
+              </a:ext>
+            </a:extLst>
+          </p:cNvPr>
+          <p:cNvSpPr>
+            <a:spLocks noGrp="1" noRot="1" noChangeAspect="1" noMove="1" noResize="1" noEditPoints="1" noAdjustHandles="1" noChangeArrowheads="1" noChangeShapeType="1" noTextEdit="1"/>
+          </p:cNvSpPr>
+          <p:nvPr>
+            <p:extLst>
+              <p:ext uri="{386F3935-93C4-4BCD-93E2-E3B085C9AB24}">
+                <p16:designElem xmlns:p16="http://schemas.microsoft.com/office/powerpoint/2015/main" val="1"/>
+              </p:ext>
+            </p:extLst>
+          </p:nvPr>
+        </p:nvSpPr>
+        <p:spPr>
+          <a:xfrm>
+            <a:off x="0" y="0"/>
+            <a:ext cx="12192000" cy="6858000"/>
+          </a:xfrm>
+          <a:prstGeom prst="rect">
+            <a:avLst/>
+          </a:prstGeom>
+          <a:ln>
+            <a:noFill/>
+          </a:ln>
+        </p:spPr>
+        <p:style>
+          <a:lnRef idx="2">
+            <a:schemeClr val="accent1">
+              <a:shade val="50000"/>
+            </a:schemeClr>
+          </a:lnRef>
+          <a:fillRef idx="1">
+            <a:schemeClr val="accent1"/>
+          </a:fillRef>
+          <a:effectRef idx="0">
+            <a:schemeClr val="accent1"/>
+          </a:effectRef>
+          <a:fontRef idx="minor">
+            <a:schemeClr val="lt1"/>
+          </a:fontRef>
+        </p:style>
+        <p:txBody>
+          <a:bodyPr rtlCol="0" anchor="ctr"/>
+          <a:lstStyle/>
+          <a:p>
+            <a:pPr algn="ctr"/>
+            <a:endParaRPr lang="en-US"/>
+          </a:p>
+        </p:txBody>
+      </p:sp>
+      <p:sp>
+        <p:nvSpPr>
+          <p:cNvPr id="2" name="Title 1">
+            <a:extLst>
+              <a:ext uri="{FF2B5EF4-FFF2-40B4-BE49-F238E27FC236}">
+                <a16:creationId xmlns:a16="http://schemas.microsoft.com/office/drawing/2014/main" id="{80C6C333-C190-DB4A-A179-29DBB27382E6}"/>
+              </a:ext>
+            </a:extLst>
+          </p:cNvPr>
+          <p:cNvSpPr>
+            <a:spLocks noGrp="1"/>
+          </p:cNvSpPr>
+          <p:nvPr>
+            <p:ph type="title"/>
+          </p:nvPr>
+        </p:nvSpPr>
+        <p:spPr>
+          <a:xfrm>
+            <a:off x="630936" y="640080"/>
+            <a:ext cx="4818888" cy="1481328"/>
+          </a:xfrm>
+        </p:spPr>
+        <p:txBody>
+          <a:bodyPr anchor="b">
+            <a:normAutofit/>
+          </a:bodyPr>
+          <a:lstStyle/>
+          <a:p>
+            <a:pPr>
+              <a:lnSpc>
+                <a:spcPct val="90000"/>
+              </a:lnSpc>
+            </a:pPr>
+            <a:r>
+              <a:rPr lang="en-US" sz="4800" dirty="0">
+                <a:solidFill>
+                  <a:srgbClr val="7030A0"/>
+                </a:solidFill>
+              </a:rPr>
+              <a:t>4. RESULTS – FEATURE IMPORTANCES</a:t>
+            </a:r>
+          </a:p>
+        </p:txBody>
+      </p:sp>
+      <p:sp>
+        <p:nvSpPr>
+          <p:cNvPr id="19" name="Rectangle 6">
+            <a:extLst>
+              <a:ext uri="{FF2B5EF4-FFF2-40B4-BE49-F238E27FC236}">
+                <a16:creationId xmlns:a16="http://schemas.microsoft.com/office/drawing/2014/main" id="{3CE8AF5E-D374-4CF1-90CC-35CF73B81C3E}"/>
+              </a:ext>
+              <a:ext uri="{C183D7F6-B498-43B3-948B-1728B52AA6E4}">
+                <adec:decorative xmlns:adec="http://schemas.microsoft.com/office/drawing/2017/decorative" val="1"/>
+              </a:ext>
+            </a:extLst>
+          </p:cNvPr>
+          <p:cNvSpPr>
+            <a:spLocks noGrp="1" noRot="1" noChangeAspect="1" noMove="1" noResize="1" noEditPoints="1" noAdjustHandles="1" noChangeArrowheads="1" noChangeShapeType="1" noTextEdit="1"/>
+          </p:cNvSpPr>
+          <p:nvPr>
+            <p:extLst>
+              <p:ext uri="{386F3935-93C4-4BCD-93E2-E3B085C9AB24}">
+                <p16:designElem xmlns:p16="http://schemas.microsoft.com/office/powerpoint/2015/main" val="1"/>
+              </p:ext>
+            </p:extLst>
+          </p:nvPr>
+        </p:nvSpPr>
+        <p:spPr>
+          <a:xfrm>
+            <a:off x="630936" y="2386584"/>
+            <a:ext cx="4114800" cy="18288"/>
+          </a:xfrm>
+          <a:custGeom>
+            <a:avLst/>
+            <a:gdLst>
+              <a:gd name="connsiteX0" fmla="*/ 0 w 4114800"/>
+              <a:gd name="connsiteY0" fmla="*/ 0 h 18288"/>
+              <a:gd name="connsiteX1" fmla="*/ 768096 w 4114800"/>
+              <a:gd name="connsiteY1" fmla="*/ 0 h 18288"/>
+              <a:gd name="connsiteX2" fmla="*/ 1495044 w 4114800"/>
+              <a:gd name="connsiteY2" fmla="*/ 0 h 18288"/>
+              <a:gd name="connsiteX3" fmla="*/ 2221992 w 4114800"/>
+              <a:gd name="connsiteY3" fmla="*/ 0 h 18288"/>
+              <a:gd name="connsiteX4" fmla="*/ 2784348 w 4114800"/>
+              <a:gd name="connsiteY4" fmla="*/ 0 h 18288"/>
+              <a:gd name="connsiteX5" fmla="*/ 3387852 w 4114800"/>
+              <a:gd name="connsiteY5" fmla="*/ 0 h 18288"/>
+              <a:gd name="connsiteX6" fmla="*/ 4114800 w 4114800"/>
+              <a:gd name="connsiteY6" fmla="*/ 0 h 18288"/>
+              <a:gd name="connsiteX7" fmla="*/ 4114800 w 4114800"/>
+              <a:gd name="connsiteY7" fmla="*/ 18288 h 18288"/>
+              <a:gd name="connsiteX8" fmla="*/ 3429000 w 4114800"/>
+              <a:gd name="connsiteY8" fmla="*/ 18288 h 18288"/>
+              <a:gd name="connsiteX9" fmla="*/ 2866644 w 4114800"/>
+              <a:gd name="connsiteY9" fmla="*/ 18288 h 18288"/>
+              <a:gd name="connsiteX10" fmla="*/ 2304288 w 4114800"/>
+              <a:gd name="connsiteY10" fmla="*/ 18288 h 18288"/>
+              <a:gd name="connsiteX11" fmla="*/ 1577340 w 4114800"/>
+              <a:gd name="connsiteY11" fmla="*/ 18288 h 18288"/>
+              <a:gd name="connsiteX12" fmla="*/ 973836 w 4114800"/>
+              <a:gd name="connsiteY12" fmla="*/ 18288 h 18288"/>
+              <a:gd name="connsiteX13" fmla="*/ 0 w 4114800"/>
+              <a:gd name="connsiteY13" fmla="*/ 18288 h 18288"/>
+              <a:gd name="connsiteX14" fmla="*/ 0 w 4114800"/>
+              <a:gd name="connsiteY14" fmla="*/ 0 h 18288"/>
+            </a:gdLst>
+            <a:ahLst/>
+            <a:cxnLst>
+              <a:cxn ang="0">
+                <a:pos x="connsiteX0" y="connsiteY0"/>
+              </a:cxn>
+              <a:cxn ang="0">
+                <a:pos x="connsiteX1" y="connsiteY1"/>
+              </a:cxn>
+              <a:cxn ang="0">
+                <a:pos x="connsiteX2" y="connsiteY2"/>
+              </a:cxn>
+              <a:cxn ang="0">
+                <a:pos x="connsiteX3" y="connsiteY3"/>
+              </a:cxn>
+              <a:cxn ang="0">
+                <a:pos x="connsiteX4" y="connsiteY4"/>
+              </a:cxn>
+              <a:cxn ang="0">
+                <a:pos x="connsiteX5" y="connsiteY5"/>
+              </a:cxn>
+              <a:cxn ang="0">
+                <a:pos x="connsiteX6" y="connsiteY6"/>
+              </a:cxn>
+              <a:cxn ang="0">
+                <a:pos x="connsiteX7" y="connsiteY7"/>
+              </a:cxn>
+              <a:cxn ang="0">
+                <a:pos x="connsiteX8" y="connsiteY8"/>
+              </a:cxn>
+              <a:cxn ang="0">
+                <a:pos x="connsiteX9" y="connsiteY9"/>
+              </a:cxn>
+              <a:cxn ang="0">
+                <a:pos x="connsiteX10" y="connsiteY10"/>
+              </a:cxn>
+              <a:cxn ang="0">
+                <a:pos x="connsiteX11" y="connsiteY11"/>
+              </a:cxn>
+              <a:cxn ang="0">
+                <a:pos x="connsiteX12" y="connsiteY12"/>
+              </a:cxn>
+              <a:cxn ang="0">
+                <a:pos x="connsiteX13" y="connsiteY13"/>
+              </a:cxn>
+              <a:cxn ang="0">
+                <a:pos x="connsiteX14" y="connsiteY14"/>
+              </a:cxn>
+            </a:cxnLst>
+            <a:rect l="l" t="t" r="r" b="b"/>
+            <a:pathLst>
+              <a:path w="4114800" h="18288" fill="none" extrusionOk="0">
+                <a:moveTo>
+                  <a:pt x="0" y="0"/>
+                </a:moveTo>
+                <a:cubicBezTo>
+                  <a:pt x="338280" y="-26110"/>
+                  <a:pt x="483942" y="6555"/>
+                  <a:pt x="768096" y="0"/>
+                </a:cubicBezTo>
+                <a:cubicBezTo>
+                  <a:pt x="1052250" y="-6555"/>
+                  <a:pt x="1331484" y="24616"/>
+                  <a:pt x="1495044" y="0"/>
+                </a:cubicBezTo>
+                <a:cubicBezTo>
+                  <a:pt x="1658604" y="-24616"/>
+                  <a:pt x="2056661" y="-33562"/>
+                  <a:pt x="2221992" y="0"/>
+                </a:cubicBezTo>
+                <a:cubicBezTo>
+                  <a:pt x="2387323" y="33562"/>
+                  <a:pt x="2629463" y="-20094"/>
+                  <a:pt x="2784348" y="0"/>
+                </a:cubicBezTo>
+                <a:cubicBezTo>
+                  <a:pt x="2939233" y="20094"/>
+                  <a:pt x="3151981" y="1524"/>
+                  <a:pt x="3387852" y="0"/>
+                </a:cubicBezTo>
+                <a:cubicBezTo>
+                  <a:pt x="3623723" y="-1524"/>
+                  <a:pt x="3882724" y="26165"/>
+                  <a:pt x="4114800" y="0"/>
+                </a:cubicBezTo>
+                <a:cubicBezTo>
+                  <a:pt x="4114300" y="8855"/>
+                  <a:pt x="4114909" y="14521"/>
+                  <a:pt x="4114800" y="18288"/>
+                </a:cubicBezTo>
+                <a:cubicBezTo>
+                  <a:pt x="3910038" y="37744"/>
+                  <a:pt x="3683432" y="-3969"/>
+                  <a:pt x="3429000" y="18288"/>
+                </a:cubicBezTo>
+                <a:cubicBezTo>
+                  <a:pt x="3174568" y="40545"/>
+                  <a:pt x="3085815" y="44166"/>
+                  <a:pt x="2866644" y="18288"/>
+                </a:cubicBezTo>
+                <a:cubicBezTo>
+                  <a:pt x="2647473" y="-7590"/>
+                  <a:pt x="2580474" y="31338"/>
+                  <a:pt x="2304288" y="18288"/>
+                </a:cubicBezTo>
+                <a:cubicBezTo>
+                  <a:pt x="2028102" y="5238"/>
+                  <a:pt x="1863008" y="-2001"/>
+                  <a:pt x="1577340" y="18288"/>
+                </a:cubicBezTo>
+                <a:cubicBezTo>
+                  <a:pt x="1291672" y="38577"/>
+                  <a:pt x="1243931" y="9893"/>
+                  <a:pt x="973836" y="18288"/>
+                </a:cubicBezTo>
+                <a:cubicBezTo>
+                  <a:pt x="703741" y="26683"/>
+                  <a:pt x="317656" y="-5910"/>
+                  <a:pt x="0" y="18288"/>
+                </a:cubicBezTo>
+                <a:cubicBezTo>
+                  <a:pt x="683" y="12014"/>
+                  <a:pt x="724" y="5908"/>
+                  <a:pt x="0" y="0"/>
+                </a:cubicBezTo>
+                <a:close/>
+              </a:path>
+              <a:path w="4114800" h="18288" stroke="0" extrusionOk="0">
+                <a:moveTo>
+                  <a:pt x="0" y="0"/>
+                </a:moveTo>
+                <a:cubicBezTo>
+                  <a:pt x="276109" y="5266"/>
+                  <a:pt x="325589" y="-19584"/>
+                  <a:pt x="644652" y="0"/>
+                </a:cubicBezTo>
+                <a:cubicBezTo>
+                  <a:pt x="963715" y="19584"/>
+                  <a:pt x="1064991" y="6066"/>
+                  <a:pt x="1207008" y="0"/>
+                </a:cubicBezTo>
+                <a:cubicBezTo>
+                  <a:pt x="1349025" y="-6066"/>
+                  <a:pt x="1791724" y="14506"/>
+                  <a:pt x="1975104" y="0"/>
+                </a:cubicBezTo>
+                <a:cubicBezTo>
+                  <a:pt x="2158484" y="-14506"/>
+                  <a:pt x="2397469" y="20822"/>
+                  <a:pt x="2619756" y="0"/>
+                </a:cubicBezTo>
+                <a:cubicBezTo>
+                  <a:pt x="2842043" y="-20822"/>
+                  <a:pt x="2992157" y="20388"/>
+                  <a:pt x="3264408" y="0"/>
+                </a:cubicBezTo>
+                <a:cubicBezTo>
+                  <a:pt x="3536659" y="-20388"/>
+                  <a:pt x="3855620" y="38211"/>
+                  <a:pt x="4114800" y="0"/>
+                </a:cubicBezTo>
+                <a:cubicBezTo>
+                  <a:pt x="4113902" y="7180"/>
+                  <a:pt x="4114969" y="13790"/>
+                  <a:pt x="4114800" y="18288"/>
+                </a:cubicBezTo>
+                <a:cubicBezTo>
+                  <a:pt x="3968901" y="8593"/>
+                  <a:pt x="3623428" y="17559"/>
+                  <a:pt x="3429000" y="18288"/>
+                </a:cubicBezTo>
+                <a:cubicBezTo>
+                  <a:pt x="3234572" y="19017"/>
+                  <a:pt x="3085079" y="41804"/>
+                  <a:pt x="2866644" y="18288"/>
+                </a:cubicBezTo>
+                <a:cubicBezTo>
+                  <a:pt x="2648209" y="-5228"/>
+                  <a:pt x="2451737" y="24580"/>
+                  <a:pt x="2180844" y="18288"/>
+                </a:cubicBezTo>
+                <a:cubicBezTo>
+                  <a:pt x="1909951" y="11996"/>
+                  <a:pt x="1681589" y="12244"/>
+                  <a:pt x="1495044" y="18288"/>
+                </a:cubicBezTo>
+                <a:cubicBezTo>
+                  <a:pt x="1308499" y="24332"/>
+                  <a:pt x="1136614" y="21789"/>
+                  <a:pt x="850392" y="18288"/>
+                </a:cubicBezTo>
+                <a:cubicBezTo>
+                  <a:pt x="564170" y="14787"/>
+                  <a:pt x="210636" y="54701"/>
+                  <a:pt x="0" y="18288"/>
+                </a:cubicBezTo>
+                <a:cubicBezTo>
+                  <a:pt x="571" y="10093"/>
+                  <a:pt x="-125" y="8407"/>
+                  <a:pt x="0" y="0"/>
+                </a:cubicBezTo>
+                <a:close/>
+              </a:path>
+            </a:pathLst>
+          </a:custGeom>
+          <a:solidFill>
+            <a:srgbClr val="AB96C6"/>
+          </a:solidFill>
+          <a:ln w="38100" cap="rnd">
+            <a:solidFill>
+              <a:srgbClr val="AB96C6"/>
+            </a:solidFill>
+            <a:round/>
+            <a:extLst>
+              <a:ext uri="{C807C97D-BFC1-408E-A445-0C87EB9F89A2}">
+                <ask:lineSketchStyleProps xmlns:ask="http://schemas.microsoft.com/office/drawing/2018/sketchyshapes" sd="1219033472">
+                  <a:prstGeom prst="rect">
+                    <a:avLst/>
+                  </a:prstGeom>
+                  <ask:type>
+                    <ask:lineSketchFreehand/>
+                  </ask:type>
+                </ask:lineSketchStyleProps>
+              </a:ext>
+            </a:extLst>
+          </a:ln>
+        </p:spPr>
+        <p:style>
+          <a:lnRef idx="2">
+            <a:schemeClr val="accent1">
+              <a:shade val="50000"/>
+            </a:schemeClr>
+          </a:lnRef>
+          <a:fillRef idx="1">
+            <a:schemeClr val="accent1"/>
+          </a:fillRef>
+          <a:effectRef idx="0">
+            <a:schemeClr val="accent1"/>
+          </a:effectRef>
+          <a:fontRef idx="minor">
+            <a:schemeClr val="lt1"/>
+          </a:fontRef>
+        </p:style>
+        <p:txBody>
+          <a:bodyPr rtlCol="0" anchor="ctr"/>
+          <a:lstStyle/>
+          <a:p>
+            <a:pPr algn="ctr"/>
+            <a:endParaRPr lang="en-US"/>
+          </a:p>
+        </p:txBody>
+      </p:sp>
+      <p:sp>
+        <p:nvSpPr>
+          <p:cNvPr id="3" name="Content Placeholder 2">
+            <a:extLst>
+              <a:ext uri="{FF2B5EF4-FFF2-40B4-BE49-F238E27FC236}">
+                <a16:creationId xmlns:a16="http://schemas.microsoft.com/office/drawing/2014/main" id="{2C6621D5-8DF2-9543-A7FD-3336FD49D431}"/>
+              </a:ext>
+            </a:extLst>
+          </p:cNvPr>
+          <p:cNvSpPr>
+            <a:spLocks noGrp="1"/>
+          </p:cNvSpPr>
+          <p:nvPr>
+            <p:ph idx="1"/>
+          </p:nvPr>
+        </p:nvSpPr>
+        <p:spPr>
+          <a:xfrm>
+            <a:off x="509350" y="2574036"/>
+            <a:ext cx="4591162" cy="3927675"/>
+          </a:xfrm>
+        </p:spPr>
+        <p:txBody>
+          <a:bodyPr anchor="t">
+            <a:noAutofit/>
+          </a:bodyPr>
+          <a:lstStyle/>
+          <a:p>
+            <a:pPr>
+              <a:lnSpc>
+                <a:spcPct val="100000"/>
+              </a:lnSpc>
+            </a:pPr>
+            <a:r>
+              <a:rPr lang="en-US" sz="1800" dirty="0"/>
+              <a:t>Features importance varies by model, but there are some commonality. </a:t>
+            </a:r>
+          </a:p>
+          <a:p>
+            <a:pPr>
+              <a:lnSpc>
+                <a:spcPct val="100000"/>
+              </a:lnSpc>
+            </a:pPr>
+            <a:r>
+              <a:rPr lang="en-US" sz="1800" dirty="0"/>
+              <a:t>For Models 1 and 2, the midterm scores are the most important features. </a:t>
+            </a:r>
+          </a:p>
+          <a:p>
+            <a:pPr>
+              <a:lnSpc>
+                <a:spcPct val="100000"/>
+              </a:lnSpc>
+            </a:pPr>
+            <a:r>
+              <a:rPr lang="en-US" sz="1800" dirty="0"/>
+              <a:t>Other important features are </a:t>
+            </a:r>
+            <a:r>
+              <a:rPr lang="en-US" sz="1800" b="1" dirty="0"/>
+              <a:t>romantic status, internet access, the jobs of the parents, absences, and school supplement and fam supplement.</a:t>
+            </a:r>
+            <a:r>
+              <a:rPr lang="en-US" sz="1800" dirty="0"/>
+              <a:t> </a:t>
+            </a:r>
+          </a:p>
+          <a:p>
+            <a:pPr>
+              <a:lnSpc>
+                <a:spcPct val="100000"/>
+              </a:lnSpc>
+            </a:pPr>
+            <a:r>
+              <a:rPr lang="en-US" sz="1800" dirty="0"/>
+              <a:t>Some of the </a:t>
+            </a:r>
+            <a:r>
+              <a:rPr lang="en-US" sz="1800" b="1" dirty="0"/>
+              <a:t>least important features are health, family size &amp; relationship, and travel time.</a:t>
+            </a:r>
+            <a:r>
+              <a:rPr lang="en-US" sz="1800" dirty="0"/>
+              <a:t> </a:t>
+            </a:r>
+          </a:p>
+          <a:p>
+            <a:pPr>
+              <a:lnSpc>
+                <a:spcPct val="100000"/>
+              </a:lnSpc>
+            </a:pPr>
+            <a:r>
+              <a:rPr lang="en-US" sz="1800" dirty="0"/>
+              <a:t>Educators should focus on helping students navigate adolescent relationships in a way that could positively impact their performance, work closely with parents of students who have weak performance, and provide more supplement when necessary. </a:t>
+            </a:r>
+            <a:endParaRPr lang="en-US" sz="1800" dirty="0">
+              <a:solidFill>
+                <a:schemeClr val="bg1"/>
+              </a:solidFill>
+            </a:endParaRPr>
+          </a:p>
+        </p:txBody>
+      </p:sp>
+      <mc:AlternateContent xmlns:mc="http://schemas.openxmlformats.org/markup-compatibility/2006">
+        <mc:Choice xmlns:p14="http://schemas.microsoft.com/office/powerpoint/2010/main" Requires="p14">
+          <p:contentPart p14:bwMode="auto" r:id="rId2">
+            <p14:nvContentPartPr>
+              <p14:cNvPr id="21" name="Ink 20">
+                <a:extLst>
+                  <a:ext uri="{FF2B5EF4-FFF2-40B4-BE49-F238E27FC236}">
+                    <a16:creationId xmlns:a16="http://schemas.microsoft.com/office/drawing/2014/main" id="{070477C5-0410-4E4F-97A1-F84C2465C187}"/>
+                  </a:ext>
+                  <a:ext uri="{C183D7F6-B498-43B3-948B-1728B52AA6E4}">
+                    <adec:decorative xmlns:adec="http://schemas.microsoft.com/office/drawing/2017/decorative" val="1"/>
+                  </a:ext>
+                </a:extLst>
+              </p14:cNvPr>
+              <p14:cNvContentPartPr>
+                <a14:cpLocks xmlns:a14="http://schemas.microsoft.com/office/drawing/2010/main" noGrp="1" noRot="1" noChangeAspect="1" noMove="1" noResize="1" noEditPoints="1" noAdjustHandles="1" noChangeArrowheads="1" noChangeShapeType="1"/>
+              </p14:cNvContentPartPr>
+              <p14:nvPr>
+                <p:extLst>
+                  <p:ext uri="{386F3935-93C4-4BCD-93E2-E3B085C9AB24}">
+                    <p16:designElem xmlns:p16="http://schemas.microsoft.com/office/powerpoint/2015/main" val="1"/>
+                  </p:ext>
+                </p:extLst>
+              </p14:nvPr>
+            </p14:nvContentPartPr>
+            <p14:xfrm>
+              <a:off x="5755403" y="1971579"/>
+              <a:ext cx="360" cy="2160"/>
+            </p14:xfrm>
+          </p:contentPart>
+        </mc:Choice>
+        <mc:Fallback>
+          <p:pic>
+            <p:nvPicPr>
+              <p:cNvPr id="21" name="Ink 20">
+                <a:extLst>
+                  <a:ext uri="{FF2B5EF4-FFF2-40B4-BE49-F238E27FC236}">
+                    <a16:creationId xmlns:a16="http://schemas.microsoft.com/office/drawing/2014/main" id="{070477C5-0410-4E4F-97A1-F84C2465C187}"/>
+                  </a:ext>
+                  <a:ext uri="{C183D7F6-B498-43B3-948B-1728B52AA6E4}">
+                    <adec:decorative xmlns:adec="http://schemas.microsoft.com/office/drawing/2017/decorative" val="1"/>
+                  </a:ext>
+                </a:extLst>
+              </p:cNvPr>
+              <p:cNvPicPr>
+                <a:picLocks noGrp="1" noRot="1" noChangeAspect="1" noMove="1" noResize="1" noEditPoints="1" noAdjustHandles="1" noChangeArrowheads="1" noChangeShapeType="1"/>
+              </p:cNvPicPr>
+              <p:nvPr/>
+            </p:nvPicPr>
+            <p:blipFill>
+              <a:blip r:embed="rId3"/>
+              <a:stretch>
+                <a:fillRect/>
+              </a:stretch>
+            </p:blipFill>
+            <p:spPr>
+              <a:xfrm>
+                <a:off x="5737403" y="1956150"/>
+                <a:ext cx="36000" cy="32709"/>
+              </a:xfrm>
+              <a:prstGeom prst="rect">
+                <a:avLst/>
+              </a:prstGeom>
+            </p:spPr>
+          </p:pic>
+        </mc:Fallback>
+      </mc:AlternateContent>
+      <p:pic>
+        <p:nvPicPr>
+          <p:cNvPr id="14" name="Picture 13">
+            <a:extLst>
+              <a:ext uri="{FF2B5EF4-FFF2-40B4-BE49-F238E27FC236}">
+                <a16:creationId xmlns:a16="http://schemas.microsoft.com/office/drawing/2014/main" id="{BDA78439-BDFA-054D-BBC6-3DD5DCD18899}"/>
+              </a:ext>
+            </a:extLst>
+          </p:cNvPr>
+          <p:cNvPicPr>
+            <a:picLocks noChangeAspect="1"/>
+          </p:cNvPicPr>
+          <p:nvPr/>
+        </p:nvPicPr>
+        <p:blipFill>
+          <a:blip r:embed="rId4"/>
+          <a:stretch>
+            <a:fillRect/>
+          </a:stretch>
+        </p:blipFill>
+        <p:spPr>
+          <a:xfrm>
+            <a:off x="5449824" y="51885"/>
+            <a:ext cx="2898101" cy="2173576"/>
+          </a:xfrm>
+          <a:prstGeom prst="rect">
+            <a:avLst/>
+          </a:prstGeom>
+        </p:spPr>
+      </p:pic>
+      <p:pic>
+        <p:nvPicPr>
+          <p:cNvPr id="16" name="Picture 15">
+            <a:extLst>
+              <a:ext uri="{FF2B5EF4-FFF2-40B4-BE49-F238E27FC236}">
+                <a16:creationId xmlns:a16="http://schemas.microsoft.com/office/drawing/2014/main" id="{2F3E4BC3-5FC6-A841-8E82-0ADB4137118A}"/>
+              </a:ext>
+            </a:extLst>
+          </p:cNvPr>
+          <p:cNvPicPr>
+            <a:picLocks noChangeAspect="1"/>
+          </p:cNvPicPr>
+          <p:nvPr/>
+        </p:nvPicPr>
+        <p:blipFill>
+          <a:blip r:embed="rId5"/>
+          <a:stretch>
+            <a:fillRect/>
+          </a:stretch>
+        </p:blipFill>
+        <p:spPr>
+          <a:xfrm>
+            <a:off x="5517549" y="4570151"/>
+            <a:ext cx="3350591" cy="2203704"/>
+          </a:xfrm>
+          <a:prstGeom prst="rect">
+            <a:avLst/>
+          </a:prstGeom>
+        </p:spPr>
+      </p:pic>
+      <p:pic>
+        <p:nvPicPr>
+          <p:cNvPr id="23" name="Picture 22">
+            <a:extLst>
+              <a:ext uri="{FF2B5EF4-FFF2-40B4-BE49-F238E27FC236}">
+                <a16:creationId xmlns:a16="http://schemas.microsoft.com/office/drawing/2014/main" id="{80E9AF8D-E1DB-8B4B-9E24-2819AB1C67B8}"/>
+              </a:ext>
+            </a:extLst>
+          </p:cNvPr>
+          <p:cNvPicPr>
+            <a:picLocks noChangeAspect="1"/>
+          </p:cNvPicPr>
+          <p:nvPr/>
+        </p:nvPicPr>
+        <p:blipFill>
+          <a:blip r:embed="rId6"/>
+          <a:stretch>
+            <a:fillRect/>
+          </a:stretch>
+        </p:blipFill>
+        <p:spPr>
+          <a:xfrm>
+            <a:off x="5285611" y="2225461"/>
+            <a:ext cx="3207115" cy="1875128"/>
+          </a:xfrm>
+          <a:prstGeom prst="rect">
+            <a:avLst/>
+          </a:prstGeom>
+        </p:spPr>
+      </p:pic>
+      <p:pic>
+        <p:nvPicPr>
+          <p:cNvPr id="7" name="Picture 6">
+            <a:extLst>
+              <a:ext uri="{FF2B5EF4-FFF2-40B4-BE49-F238E27FC236}">
+                <a16:creationId xmlns:a16="http://schemas.microsoft.com/office/drawing/2014/main" id="{9F8B5EAD-6454-3C46-82A5-B33206F81F29}"/>
+              </a:ext>
+            </a:extLst>
+          </p:cNvPr>
+          <p:cNvPicPr>
+            <a:picLocks noChangeAspect="1"/>
+          </p:cNvPicPr>
+          <p:nvPr/>
+        </p:nvPicPr>
+        <p:blipFill>
+          <a:blip r:embed="rId7"/>
+          <a:stretch>
+            <a:fillRect/>
+          </a:stretch>
+        </p:blipFill>
+        <p:spPr>
+          <a:xfrm>
+            <a:off x="8936182" y="2225461"/>
+            <a:ext cx="2888950" cy="1866495"/>
+          </a:xfrm>
+          <a:prstGeom prst="rect">
+            <a:avLst/>
+          </a:prstGeom>
+        </p:spPr>
+      </p:pic>
+      <p:pic>
+        <p:nvPicPr>
+          <p:cNvPr id="9" name="Picture 8">
+            <a:extLst>
+              <a:ext uri="{FF2B5EF4-FFF2-40B4-BE49-F238E27FC236}">
+                <a16:creationId xmlns:a16="http://schemas.microsoft.com/office/drawing/2014/main" id="{8260C64B-5B8C-D54A-BBEF-59598B0EBFC8}"/>
+              </a:ext>
+            </a:extLst>
+          </p:cNvPr>
+          <p:cNvPicPr>
+            <a:picLocks noChangeAspect="1"/>
+          </p:cNvPicPr>
+          <p:nvPr/>
+        </p:nvPicPr>
+        <p:blipFill>
+          <a:blip r:embed="rId8"/>
+          <a:stretch>
+            <a:fillRect/>
+          </a:stretch>
+        </p:blipFill>
+        <p:spPr>
+          <a:xfrm>
+            <a:off x="8820912" y="51885"/>
+            <a:ext cx="2898101" cy="2173576"/>
+          </a:xfrm>
+          <a:prstGeom prst="rect">
+            <a:avLst/>
+          </a:prstGeom>
+        </p:spPr>
+      </p:pic>
+      <p:pic>
+        <p:nvPicPr>
+          <p:cNvPr id="12" name="Picture 11">
+            <a:extLst>
+              <a:ext uri="{FF2B5EF4-FFF2-40B4-BE49-F238E27FC236}">
+                <a16:creationId xmlns:a16="http://schemas.microsoft.com/office/drawing/2014/main" id="{905ACC9D-31F9-9341-8703-61AE032BDB6F}"/>
+              </a:ext>
+            </a:extLst>
+          </p:cNvPr>
+          <p:cNvPicPr>
+            <a:picLocks noChangeAspect="1"/>
+          </p:cNvPicPr>
+          <p:nvPr/>
+        </p:nvPicPr>
+        <p:blipFill>
+          <a:blip r:embed="rId9"/>
+          <a:stretch>
+            <a:fillRect/>
+          </a:stretch>
+        </p:blipFill>
+        <p:spPr>
+          <a:xfrm>
+            <a:off x="9032601" y="4091956"/>
+            <a:ext cx="2742362" cy="2766044"/>
+          </a:xfrm>
+          <a:prstGeom prst="rect">
+            <a:avLst/>
+          </a:prstGeom>
+        </p:spPr>
+      </p:pic>
+    </p:spTree>
+    <p:extLst>
+      <p:ext uri="{BB962C8B-B14F-4D97-AF65-F5344CB8AC3E}">
+        <p14:creationId xmlns:p14="http://schemas.microsoft.com/office/powerpoint/2010/main" val="1227553588"/>
+      </p:ext>
+    </p:extLst>
+  </p:cSld>
+  <p:clrMapOvr>
+    <a:masterClrMapping/>
+  </p:clrMapOvr>
+</p:sld>
+</file>
+
+<file path=ppt/slides/slide16.xml><?xml version="1.0" encoding="utf-8"?>
 <p:sld xmlns:a="http://schemas.openxmlformats.org/drawingml/2006/main" xmlns:r="http://schemas.openxmlformats.org/officeDocument/2006/relationships" xmlns:p="http://schemas.openxmlformats.org/presentationml/2006/main">
   <p:cSld>
     <p:bg>
@@ -12823,7 +16726,7 @@
                   <a:schemeClr val="bg1"/>
                 </a:solidFill>
               </a:rPr>
-              <a:t>4. RESULTS – FEATURE IMPORTANCES</a:t>
+              <a:t>4. OUTLOOK</a:t>
             </a:r>
           </a:p>
         </p:txBody>
@@ -13070,7 +16973,7 @@
         <p:spPr>
           <a:xfrm>
             <a:off x="4560073" y="55631"/>
-            <a:ext cx="6966451" cy="2987284"/>
+            <a:ext cx="6966451" cy="2867451"/>
           </a:xfrm>
         </p:spPr>
         <p:txBody>
@@ -13079,216 +16982,42 @@
           </a:bodyPr>
           <a:lstStyle/>
           <a:p>
-            <a:pPr>
-              <a:lnSpc>
-                <a:spcPct val="100000"/>
-              </a:lnSpc>
-            </a:pPr>
-            <a:r>
-              <a:rPr lang="en-US" sz="2000" dirty="0">
-                <a:solidFill>
-                  <a:schemeClr val="bg1"/>
-                </a:solidFill>
-              </a:rPr>
-              <a:t>only apply encoders to the columns that haven’t been processed yet</a:t>
-            </a:r>
-          </a:p>
-          <a:p>
-            <a:pPr>
-              <a:lnSpc>
-                <a:spcPct val="100000"/>
-              </a:lnSpc>
-            </a:pPr>
-            <a:r>
-              <a:rPr lang="en-US" sz="2000" dirty="0">
-                <a:solidFill>
-                  <a:schemeClr val="bg1"/>
-                </a:solidFill>
-              </a:rPr>
-              <a:t>apply the </a:t>
-            </a:r>
-            <a:r>
-              <a:rPr lang="en-US" sz="2000" dirty="0" err="1">
-                <a:solidFill>
-                  <a:schemeClr val="bg1"/>
-                </a:solidFill>
-              </a:rPr>
-              <a:t>MixMaxEncoder</a:t>
-            </a:r>
-            <a:r>
-              <a:rPr lang="en-US" sz="2000" dirty="0">
-                <a:solidFill>
-                  <a:schemeClr val="bg1"/>
-                </a:solidFill>
-              </a:rPr>
-              <a:t> to the ‘age’ and ‘absences’ columns because they both have bounded features (‘age’ ranges from 15 to 22 and ‘absences’ ranges from 0 to 93)</a:t>
-            </a:r>
-          </a:p>
-          <a:p>
-            <a:pPr>
-              <a:lnSpc>
-                <a:spcPct val="100000"/>
-              </a:lnSpc>
-            </a:pPr>
-            <a:r>
-              <a:rPr lang="en-US" sz="2000" dirty="0">
-                <a:solidFill>
-                  <a:schemeClr val="bg1"/>
-                </a:solidFill>
-              </a:rPr>
-              <a:t> apply the One Hot encoders to the categorical columns that have ‘yes’-‘no’ features because they haven’t been encoded yet (the 'school', 'sex', 'age',' address', '</a:t>
-            </a:r>
-            <a:r>
-              <a:rPr lang="en-US" sz="2000" dirty="0" err="1">
-                <a:solidFill>
-                  <a:schemeClr val="bg1"/>
-                </a:solidFill>
-              </a:rPr>
-              <a:t>family_size</a:t>
-            </a:r>
-            <a:r>
-              <a:rPr lang="en-US" sz="2000" dirty="0">
-                <a:solidFill>
-                  <a:schemeClr val="bg1"/>
-                </a:solidFill>
-              </a:rPr>
-              <a:t>',' </a:t>
-            </a:r>
-            <a:r>
-              <a:rPr lang="en-US" sz="2000" dirty="0" err="1">
-                <a:solidFill>
-                  <a:schemeClr val="bg1"/>
-                </a:solidFill>
-              </a:rPr>
-              <a:t>parents_status</a:t>
-            </a:r>
-            <a:r>
-              <a:rPr lang="en-US" sz="2000" dirty="0">
-                <a:solidFill>
-                  <a:schemeClr val="bg1"/>
-                </a:solidFill>
-              </a:rPr>
-              <a:t>', '</a:t>
-            </a:r>
-            <a:r>
-              <a:rPr lang="en-US" sz="2000" dirty="0" err="1">
-                <a:solidFill>
-                  <a:schemeClr val="bg1"/>
-                </a:solidFill>
-              </a:rPr>
-              <a:t>mother_job</a:t>
-            </a:r>
-            <a:r>
-              <a:rPr lang="en-US" sz="2000" dirty="0">
-                <a:solidFill>
-                  <a:schemeClr val="bg1"/>
-                </a:solidFill>
-              </a:rPr>
-              <a:t>', '</a:t>
-            </a:r>
-            <a:r>
-              <a:rPr lang="en-US" sz="2000" dirty="0" err="1">
-                <a:solidFill>
-                  <a:schemeClr val="bg1"/>
-                </a:solidFill>
-              </a:rPr>
-              <a:t>father_job</a:t>
-            </a:r>
-            <a:r>
-              <a:rPr lang="en-US" sz="2000" dirty="0">
-                <a:solidFill>
-                  <a:schemeClr val="bg1"/>
-                </a:solidFill>
-              </a:rPr>
-              <a:t>',' </a:t>
-            </a:r>
-            <a:r>
-              <a:rPr lang="en-US" sz="2000" dirty="0" err="1">
-                <a:solidFill>
-                  <a:schemeClr val="bg1"/>
-                </a:solidFill>
-              </a:rPr>
-              <a:t>reason','guardian</a:t>
-            </a:r>
-            <a:r>
-              <a:rPr lang="en-US" sz="2000" dirty="0">
-                <a:solidFill>
-                  <a:schemeClr val="bg1"/>
-                </a:solidFill>
-              </a:rPr>
-              <a:t>', '</a:t>
-            </a:r>
-            <a:r>
-              <a:rPr lang="en-US" sz="2000" dirty="0" err="1">
-                <a:solidFill>
-                  <a:schemeClr val="bg1"/>
-                </a:solidFill>
-              </a:rPr>
-              <a:t>school_support</a:t>
-            </a:r>
-            <a:r>
-              <a:rPr lang="en-US" sz="2000" dirty="0">
-                <a:solidFill>
-                  <a:schemeClr val="bg1"/>
-                </a:solidFill>
-              </a:rPr>
-              <a:t>', '</a:t>
-            </a:r>
-            <a:r>
-              <a:rPr lang="en-US" sz="2000" dirty="0" err="1">
-                <a:solidFill>
-                  <a:schemeClr val="bg1"/>
-                </a:solidFill>
-              </a:rPr>
-              <a:t>family_support</a:t>
-            </a:r>
-            <a:r>
-              <a:rPr lang="en-US" sz="2000" dirty="0">
-                <a:solidFill>
-                  <a:schemeClr val="bg1"/>
-                </a:solidFill>
-              </a:rPr>
-              <a:t>', '</a:t>
-            </a:r>
-            <a:r>
-              <a:rPr lang="en-US" sz="2000" dirty="0" err="1">
-                <a:solidFill>
-                  <a:schemeClr val="bg1"/>
-                </a:solidFill>
-              </a:rPr>
-              <a:t>paid_classes</a:t>
-            </a:r>
-            <a:r>
-              <a:rPr lang="en-US" sz="2000" dirty="0">
-                <a:solidFill>
-                  <a:schemeClr val="bg1"/>
-                </a:solidFill>
-              </a:rPr>
-              <a:t>',' activities', 'nursery', '</a:t>
-            </a:r>
-            <a:r>
-              <a:rPr lang="en-US" sz="2000" dirty="0" err="1">
-                <a:solidFill>
-                  <a:schemeClr val="bg1"/>
-                </a:solidFill>
-              </a:rPr>
-              <a:t>desire_higher_edu</a:t>
-            </a:r>
-            <a:r>
-              <a:rPr lang="en-US" sz="2000" dirty="0">
-                <a:solidFill>
-                  <a:schemeClr val="bg1"/>
-                </a:solidFill>
-              </a:rPr>
-              <a:t>', 'internet', 'romantic' columns). </a:t>
-            </a:r>
-            <a:br>
-              <a:rPr lang="en-US" sz="1800" dirty="0">
-                <a:solidFill>
-                  <a:schemeClr val="bg1"/>
-                </a:solidFill>
-              </a:rPr>
-            </a:br>
+            <a:r>
+              <a:rPr lang="en-US" sz="2000" b="1" dirty="0"/>
+              <a:t>Weak spots:</a:t>
+            </a:r>
+            <a:r>
+              <a:rPr lang="en-US" sz="2000" dirty="0"/>
+              <a:t> used all features for prediction</a:t>
+            </a:r>
+          </a:p>
+          <a:p>
+            <a:r>
+              <a:rPr lang="en-US" sz="2000" b="1" dirty="0"/>
+              <a:t>Improvement suggestions:</a:t>
+            </a:r>
+            <a:r>
+              <a:rPr lang="en-US" sz="2000" dirty="0"/>
+              <a:t> feature selection, feature engineering, multi-class classification, more complex ML models such as </a:t>
+            </a:r>
+            <a:r>
+              <a:rPr lang="en-US" sz="2000" dirty="0" err="1"/>
+              <a:t>XGBoost</a:t>
+            </a:r>
+            <a:r>
+              <a:rPr lang="en-US" sz="2000" dirty="0"/>
+              <a:t>, PCA, KNN, etc.</a:t>
+            </a:r>
+          </a:p>
+          <a:p>
+            <a:r>
+              <a:rPr lang="en-US" sz="2000" b="1" dirty="0"/>
+              <a:t>Additional info:</a:t>
+            </a:r>
+            <a:r>
+              <a:rPr lang="en-US" sz="2000" dirty="0"/>
+              <a:t> homework scores, school attitude, prior exposure to the subject, enjoyment of the subjects, more continuous or ordinal features, students’ performance in more countries, more holistic measures of academic performance, such as average grades across the school year or school attitude should be considered.</a:t>
+            </a:r>
             <a:br>
               <a:rPr lang="en-US" sz="1600" dirty="0">
                 <a:solidFill>
@@ -13304,896 +17033,83 @@
           </a:p>
         </p:txBody>
       </p:sp>
-    </p:spTree>
-    <p:extLst>
-      <p:ext uri="{BB962C8B-B14F-4D97-AF65-F5344CB8AC3E}">
-        <p14:creationId xmlns:p14="http://schemas.microsoft.com/office/powerpoint/2010/main" val="716744322"/>
-      </p:ext>
-    </p:extLst>
-  </p:cSld>
-  <p:clrMapOvr>
-    <a:masterClrMapping/>
-  </p:clrMapOvr>
-</p:sld>
-</file>
-
-<file path=ppt/slides/slide13.xml><?xml version="1.0" encoding="utf-8"?>
-<p:sld xmlns:a="http://schemas.openxmlformats.org/drawingml/2006/main" xmlns:r="http://schemas.openxmlformats.org/officeDocument/2006/relationships" xmlns:p="http://schemas.openxmlformats.org/presentationml/2006/main">
-  <p:cSld>
-    <p:bg>
-      <p:bgPr>
-        <a:solidFill>
-          <a:schemeClr val="bg1"/>
-        </a:solidFill>
-        <a:effectLst/>
-      </p:bgPr>
-    </p:bg>
-    <p:spTree>
-      <p:nvGrpSpPr>
-        <p:cNvPr id="1" name=""/>
-        <p:cNvGrpSpPr/>
-        <p:nvPr/>
-      </p:nvGrpSpPr>
-      <p:grpSpPr>
-        <a:xfrm>
-          <a:off x="0" y="0"/>
-          <a:ext cx="0" cy="0"/>
-          <a:chOff x="0" y="0"/>
-          <a:chExt cx="0" cy="0"/>
-        </a:xfrm>
-      </p:grpSpPr>
-      <p:sp useBgFill="1">
-        <p:nvSpPr>
-          <p:cNvPr id="20" name="Rectangle 19">
+      <p:pic>
+        <p:nvPicPr>
+          <p:cNvPr id="5122" name="Picture 2" descr="An Introduction to Feature Selection | by Jaime Zornoza | Towards Data  Science">
             <a:extLst>
               <a:ext uri="{FF2B5EF4-FFF2-40B4-BE49-F238E27FC236}">
-                <a16:creationId xmlns:a16="http://schemas.microsoft.com/office/drawing/2014/main" id="{42E59424-33E1-4F37-8425-9F113921968C}"/>
-              </a:ext>
-              <a:ext uri="{C183D7F6-B498-43B3-948B-1728B52AA6E4}">
-                <adec:decorative xmlns:adec="http://schemas.microsoft.com/office/drawing/2017/decorative" val="1"/>
+                <a16:creationId xmlns:a16="http://schemas.microsoft.com/office/drawing/2014/main" id="{38BE21D8-5CD8-4945-87BC-97C5011EA93D}"/>
               </a:ext>
             </a:extLst>
           </p:cNvPr>
-          <p:cNvSpPr>
-            <a:spLocks noGrp="1" noRot="1" noChangeAspect="1" noMove="1" noResize="1" noEditPoints="1" noAdjustHandles="1" noChangeArrowheads="1" noChangeShapeType="1" noTextEdit="1"/>
-          </p:cNvSpPr>
-          <p:nvPr>
-            <p:extLst>
-              <p:ext uri="{386F3935-93C4-4BCD-93E2-E3B085C9AB24}">
-                <p16:designElem xmlns:p16="http://schemas.microsoft.com/office/powerpoint/2015/main" val="1"/>
-              </p:ext>
-            </p:extLst>
-          </p:nvPr>
-        </p:nvSpPr>
-        <p:spPr>
+          <p:cNvPicPr>
+            <a:picLocks noChangeAspect="1" noChangeArrowheads="1"/>
+          </p:cNvPicPr>
+          <p:nvPr/>
+        </p:nvPicPr>
+        <p:blipFill>
+          <a:blip r:embed="rId2">
+            <a:extLst>
+              <a:ext uri="{28A0092B-C50C-407E-A947-70E740481C1C}">
+                <a14:useLocalDpi xmlns:a14="http://schemas.microsoft.com/office/drawing/2010/main" val="0"/>
+              </a:ext>
+            </a:extLst>
+          </a:blip>
+          <a:srcRect/>
+          <a:stretch>
+            <a:fillRect/>
+          </a:stretch>
+        </p:blipFill>
+        <p:spPr bwMode="auto">
           <a:xfrm>
-            <a:off x="0" y="0"/>
-            <a:ext cx="12188952" cy="6858000"/>
+            <a:off x="260664" y="3098546"/>
+            <a:ext cx="5055212" cy="2867452"/>
           </a:xfrm>
           <a:prstGeom prst="rect">
             <a:avLst/>
           </a:prstGeom>
-          <a:ln>
-            <a:noFill/>
-          </a:ln>
+          <a:noFill/>
+          <a:extLst>
+            <a:ext uri="{909E8E84-426E-40DD-AFC4-6F175D3DCCD1}">
+              <a14:hiddenFill xmlns:a14="http://schemas.microsoft.com/office/drawing/2010/main">
+                <a:solidFill>
+                  <a:srgbClr val="FFFFFF"/>
+                </a:solidFill>
+              </a14:hiddenFill>
+            </a:ext>
+          </a:extLst>
         </p:spPr>
-        <p:style>
-          <a:lnRef idx="2">
-            <a:schemeClr val="accent1">
-              <a:shade val="50000"/>
-            </a:schemeClr>
-          </a:lnRef>
-          <a:fillRef idx="1">
-            <a:schemeClr val="accent1"/>
-          </a:fillRef>
-          <a:effectRef idx="0">
-            <a:schemeClr val="accent1"/>
-          </a:effectRef>
-          <a:fontRef idx="minor">
-            <a:schemeClr val="lt1"/>
-          </a:fontRef>
-        </p:style>
-        <p:txBody>
-          <a:bodyPr rtlCol="0" anchor="ctr"/>
-          <a:lstStyle/>
-          <a:p>
-            <a:pPr algn="ctr"/>
-            <a:endParaRPr lang="en-US"/>
-          </a:p>
-        </p:txBody>
-      </p:sp>
-      <p:sp>
-        <p:nvSpPr>
-          <p:cNvPr id="22" name="Freeform: Shape 21">
+      </p:pic>
+      <p:pic>
+        <p:nvPicPr>
+          <p:cNvPr id="5" name="Picture 4">
             <a:extLst>
               <a:ext uri="{FF2B5EF4-FFF2-40B4-BE49-F238E27FC236}">
-                <a16:creationId xmlns:a16="http://schemas.microsoft.com/office/drawing/2014/main" id="{9694F8A0-A600-40AB-84BE-03637A1D71FD}"/>
-              </a:ext>
-              <a:ext uri="{C183D7F6-B498-43B3-948B-1728B52AA6E4}">
-                <adec:decorative xmlns:adec="http://schemas.microsoft.com/office/drawing/2017/decorative" val="1"/>
+                <a16:creationId xmlns:a16="http://schemas.microsoft.com/office/drawing/2014/main" id="{D2CEBD92-8FBF-0A47-BF66-8E09B607F44A}"/>
               </a:ext>
             </a:extLst>
           </p:cNvPr>
-          <p:cNvSpPr>
-            <a:spLocks noGrp="1" noRot="1" noChangeAspect="1" noMove="1" noResize="1" noEditPoints="1" noAdjustHandles="1" noChangeArrowheads="1" noChangeShapeType="1" noTextEdit="1"/>
-          </p:cNvSpPr>
-          <p:nvPr>
-            <p:extLst>
-              <p:ext uri="{386F3935-93C4-4BCD-93E2-E3B085C9AB24}">
-                <p16:designElem xmlns:p16="http://schemas.microsoft.com/office/powerpoint/2015/main" val="1"/>
-              </p:ext>
-            </p:extLst>
-          </p:nvPr>
-        </p:nvSpPr>
-        <p:spPr>
-          <a:xfrm rot="5400000" flipV="1">
-            <a:off x="4745565" y="-4745565"/>
-            <a:ext cx="2700870" cy="12192000"/>
-          </a:xfrm>
-          <a:custGeom>
-            <a:avLst/>
-            <a:gdLst>
-              <a:gd name="connsiteX0" fmla="*/ 0 w 2700870"/>
-              <a:gd name="connsiteY0" fmla="*/ 0 h 12192000"/>
-              <a:gd name="connsiteX1" fmla="*/ 0 w 2700870"/>
-              <a:gd name="connsiteY1" fmla="*/ 12192000 h 12192000"/>
-              <a:gd name="connsiteX2" fmla="*/ 2661694 w 2700870"/>
-              <a:gd name="connsiteY2" fmla="*/ 12192000 h 12192000"/>
-              <a:gd name="connsiteX3" fmla="*/ 2632716 w 2700870"/>
-              <a:gd name="connsiteY3" fmla="*/ 11941855 h 12192000"/>
-              <a:gd name="connsiteX4" fmla="*/ 2605238 w 2700870"/>
-              <a:gd name="connsiteY4" fmla="*/ 10895781 h 12192000"/>
-              <a:gd name="connsiteX5" fmla="*/ 2672927 w 2700870"/>
-              <a:gd name="connsiteY5" fmla="*/ 9729981 h 12192000"/>
-              <a:gd name="connsiteX6" fmla="*/ 2672927 w 2700870"/>
-              <a:gd name="connsiteY6" fmla="*/ 9349685 h 12192000"/>
-              <a:gd name="connsiteX7" fmla="*/ 2665256 w 2700870"/>
-              <a:gd name="connsiteY7" fmla="*/ 8947869 h 12192000"/>
-              <a:gd name="connsiteX8" fmla="*/ 2666835 w 2700870"/>
-              <a:gd name="connsiteY8" fmla="*/ 7719557 h 12192000"/>
-              <a:gd name="connsiteX9" fmla="*/ 2648109 w 2700870"/>
-              <a:gd name="connsiteY9" fmla="*/ 6285351 h 12192000"/>
-              <a:gd name="connsiteX10" fmla="*/ 2672476 w 2700870"/>
-              <a:gd name="connsiteY10" fmla="*/ 5314115 h 12192000"/>
-              <a:gd name="connsiteX11" fmla="*/ 2662774 w 2700870"/>
-              <a:gd name="connsiteY11" fmla="*/ 4956020 h 12192000"/>
-              <a:gd name="connsiteX12" fmla="*/ 2679020 w 2700870"/>
-              <a:gd name="connsiteY12" fmla="*/ 4142653 h 12192000"/>
-              <a:gd name="connsiteX13" fmla="*/ 2681951 w 2700870"/>
-              <a:gd name="connsiteY13" fmla="*/ 3198141 h 12192000"/>
-              <a:gd name="connsiteX14" fmla="*/ 2632541 w 2700870"/>
-              <a:gd name="connsiteY14" fmla="*/ 1982283 h 12192000"/>
-              <a:gd name="connsiteX15" fmla="*/ 2667512 w 2700870"/>
-              <a:gd name="connsiteY15" fmla="*/ 1445702 h 12192000"/>
-              <a:gd name="connsiteX16" fmla="*/ 2660518 w 2700870"/>
-              <a:gd name="connsiteY16" fmla="*/ 750797 h 12192000"/>
-              <a:gd name="connsiteX17" fmla="*/ 2651539 w 2700870"/>
-              <a:gd name="connsiteY17" fmla="*/ 168769 h 12192000"/>
-              <a:gd name="connsiteX18" fmla="*/ 2668618 w 2700870"/>
-              <a:gd name="connsiteY18" fmla="*/ 0 h 12192000"/>
-              <a:gd name="connsiteX19" fmla="*/ 781493 w 2700870"/>
-              <a:gd name="connsiteY19" fmla="*/ 0 h 12192000"/>
-              <a:gd name="connsiteX20" fmla="*/ 409569 w 2700870"/>
-              <a:gd name="connsiteY20" fmla="*/ 0 h 12192000"/>
-            </a:gdLst>
-            <a:ahLst/>
-            <a:cxnLst>
-              <a:cxn ang="0">
-                <a:pos x="connsiteX0" y="connsiteY0"/>
-              </a:cxn>
-              <a:cxn ang="0">
-                <a:pos x="connsiteX1" y="connsiteY1"/>
-              </a:cxn>
-              <a:cxn ang="0">
-                <a:pos x="connsiteX2" y="connsiteY2"/>
-              </a:cxn>
-              <a:cxn ang="0">
-                <a:pos x="connsiteX3" y="connsiteY3"/>
-              </a:cxn>
-              <a:cxn ang="0">
-                <a:pos x="connsiteX4" y="connsiteY4"/>
-              </a:cxn>
-              <a:cxn ang="0">
-                <a:pos x="connsiteX5" y="connsiteY5"/>
-              </a:cxn>
-              <a:cxn ang="0">
-                <a:pos x="connsiteX6" y="connsiteY6"/>
-              </a:cxn>
-              <a:cxn ang="0">
-                <a:pos x="connsiteX7" y="connsiteY7"/>
-              </a:cxn>
-              <a:cxn ang="0">
-                <a:pos x="connsiteX8" y="connsiteY8"/>
-              </a:cxn>
-              <a:cxn ang="0">
-                <a:pos x="connsiteX9" y="connsiteY9"/>
-              </a:cxn>
-              <a:cxn ang="0">
-                <a:pos x="connsiteX10" y="connsiteY10"/>
-              </a:cxn>
-              <a:cxn ang="0">
-                <a:pos x="connsiteX11" y="connsiteY11"/>
-              </a:cxn>
-              <a:cxn ang="0">
-                <a:pos x="connsiteX12" y="connsiteY12"/>
-              </a:cxn>
-              <a:cxn ang="0">
-                <a:pos x="connsiteX13" y="connsiteY13"/>
-              </a:cxn>
-              <a:cxn ang="0">
-                <a:pos x="connsiteX14" y="connsiteY14"/>
-              </a:cxn>
-              <a:cxn ang="0">
-                <a:pos x="connsiteX15" y="connsiteY15"/>
-              </a:cxn>
-              <a:cxn ang="0">
-                <a:pos x="connsiteX16" y="connsiteY16"/>
-              </a:cxn>
-              <a:cxn ang="0">
-                <a:pos x="connsiteX17" y="connsiteY17"/>
-              </a:cxn>
-              <a:cxn ang="0">
-                <a:pos x="connsiteX18" y="connsiteY18"/>
-              </a:cxn>
-              <a:cxn ang="0">
-                <a:pos x="connsiteX19" y="connsiteY19"/>
-              </a:cxn>
-              <a:cxn ang="0">
-                <a:pos x="connsiteX20" y="connsiteY20"/>
-              </a:cxn>
-            </a:cxnLst>
-            <a:rect l="l" t="t" r="r" b="b"/>
-            <a:pathLst>
-              <a:path w="2700870" h="12192000">
-                <a:moveTo>
-                  <a:pt x="0" y="0"/>
-                </a:moveTo>
-                <a:lnTo>
-                  <a:pt x="0" y="12192000"/>
-                </a:lnTo>
-                <a:lnTo>
-                  <a:pt x="2661694" y="12192000"/>
-                </a:lnTo>
-                <a:lnTo>
-                  <a:pt x="2632716" y="11941855"/>
-                </a:lnTo>
-                <a:cubicBezTo>
-                  <a:pt x="2602362" y="11594183"/>
-                  <a:pt x="2599485" y="11245047"/>
-                  <a:pt x="2605238" y="10895781"/>
-                </a:cubicBezTo>
-                <a:cubicBezTo>
-                  <a:pt x="2611558" y="10506425"/>
-                  <a:pt x="2629380" y="10117297"/>
-                  <a:pt x="2672927" y="9729981"/>
-                </a:cubicBezTo>
-                <a:cubicBezTo>
-                  <a:pt x="2684548" y="9603480"/>
-                  <a:pt x="2684548" y="9476187"/>
-                  <a:pt x="2672927" y="9349685"/>
-                </a:cubicBezTo>
-                <a:cubicBezTo>
-                  <a:pt x="2663496" y="9215958"/>
-                  <a:pt x="2660924" y="9081848"/>
-                  <a:pt x="2665256" y="8947869"/>
-                </a:cubicBezTo>
-                <a:cubicBezTo>
-                  <a:pt x="2678116" y="8538360"/>
-                  <a:pt x="2648559" y="8128618"/>
-                  <a:pt x="2666835" y="7719557"/>
-                </a:cubicBezTo>
-                <a:cubicBezTo>
-                  <a:pt x="2688269" y="7240958"/>
-                  <a:pt x="2663226" y="6763493"/>
-                  <a:pt x="2648109" y="6285351"/>
-                </a:cubicBezTo>
-                <a:cubicBezTo>
-                  <a:pt x="2637956" y="5961455"/>
-                  <a:pt x="2631636" y="5637330"/>
-                  <a:pt x="2672476" y="5314115"/>
-                </a:cubicBezTo>
-                <a:cubicBezTo>
-                  <a:pt x="2687594" y="5195204"/>
-                  <a:pt x="2674732" y="5074932"/>
-                  <a:pt x="2662774" y="4956020"/>
-                </a:cubicBezTo>
-                <a:cubicBezTo>
-                  <a:pt x="2635699" y="4683988"/>
-                  <a:pt x="2650591" y="4413093"/>
-                  <a:pt x="2679020" y="4142653"/>
-                </a:cubicBezTo>
-                <a:cubicBezTo>
-                  <a:pt x="2712412" y="3827814"/>
-                  <a:pt x="2702710" y="3513204"/>
-                  <a:pt x="2681951" y="3198141"/>
-                </a:cubicBezTo>
-                <a:cubicBezTo>
-                  <a:pt x="2655103" y="2793383"/>
-                  <a:pt x="2621257" y="2389987"/>
-                  <a:pt x="2632541" y="1982283"/>
-                </a:cubicBezTo>
-                <a:cubicBezTo>
-                  <a:pt x="2637279" y="1803119"/>
-                  <a:pt x="2653299" y="1624412"/>
-                  <a:pt x="2667512" y="1445702"/>
-                </a:cubicBezTo>
-                <a:cubicBezTo>
-                  <a:pt x="2682111" y="1214217"/>
-                  <a:pt x="2679764" y="981948"/>
-                  <a:pt x="2660518" y="750797"/>
-                </a:cubicBezTo>
-                <a:cubicBezTo>
-                  <a:pt x="2647658" y="556628"/>
-                  <a:pt x="2639366" y="362460"/>
-                  <a:pt x="2651539" y="168769"/>
-                </a:cubicBezTo>
-                <a:lnTo>
-                  <a:pt x="2668618" y="0"/>
-                </a:lnTo>
-                <a:lnTo>
-                  <a:pt x="781493" y="0"/>
-                </a:lnTo>
-                <a:lnTo>
-                  <a:pt x="409569" y="0"/>
-                </a:lnTo>
-                <a:close/>
-              </a:path>
-            </a:pathLst>
-          </a:custGeom>
-          <a:solidFill>
-            <a:srgbClr val="AB96C6"/>
-          </a:solidFill>
-          <a:ln>
-            <a:noFill/>
-          </a:ln>
-        </p:spPr>
-        <p:style>
-          <a:lnRef idx="2">
-            <a:schemeClr val="accent1">
-              <a:shade val="50000"/>
-            </a:schemeClr>
-          </a:lnRef>
-          <a:fillRef idx="1">
-            <a:schemeClr val="accent1"/>
-          </a:fillRef>
-          <a:effectRef idx="0">
-            <a:schemeClr val="accent1"/>
-          </a:effectRef>
-          <a:fontRef idx="minor">
-            <a:schemeClr val="lt1"/>
-          </a:fontRef>
-        </p:style>
-        <p:txBody>
-          <a:bodyPr wrap="square" rtlCol="0" anchor="ctr">
-            <a:noAutofit/>
-          </a:bodyPr>
-          <a:lstStyle/>
-          <a:p>
-            <a:pPr algn="ctr"/>
-            <a:endParaRPr lang="en-US"/>
-          </a:p>
-        </p:txBody>
-      </p:sp>
-      <p:sp>
-        <p:nvSpPr>
-          <p:cNvPr id="2" name="Title 1">
-            <a:extLst>
-              <a:ext uri="{FF2B5EF4-FFF2-40B4-BE49-F238E27FC236}">
-                <a16:creationId xmlns:a16="http://schemas.microsoft.com/office/drawing/2014/main" id="{80C6C333-C190-DB4A-A179-29DBB27382E6}"/>
-              </a:ext>
-            </a:extLst>
-          </p:cNvPr>
-          <p:cNvSpPr>
-            <a:spLocks noGrp="1"/>
-          </p:cNvSpPr>
-          <p:nvPr>
-            <p:ph type="title"/>
-          </p:nvPr>
-        </p:nvSpPr>
+          <p:cNvPicPr>
+            <a:picLocks noChangeAspect="1"/>
+          </p:cNvPicPr>
+          <p:nvPr/>
+        </p:nvPicPr>
+        <p:blipFill>
+          <a:blip r:embed="rId3"/>
+          <a:stretch>
+            <a:fillRect/>
+          </a:stretch>
+        </p:blipFill>
         <p:spPr>
           <a:xfrm>
-            <a:off x="630936" y="749173"/>
-            <a:ext cx="3475383" cy="1600200"/>
+            <a:off x="5273921" y="2978713"/>
+            <a:ext cx="4611037" cy="2572306"/>
           </a:xfrm>
+          <a:prstGeom prst="rect">
+            <a:avLst/>
+          </a:prstGeom>
         </p:spPr>
-        <p:txBody>
-          <a:bodyPr anchor="ctr">
-            <a:normAutofit/>
-          </a:bodyPr>
-          <a:lstStyle/>
-          <a:p>
-            <a:pPr>
-              <a:lnSpc>
-                <a:spcPct val="90000"/>
-              </a:lnSpc>
-            </a:pPr>
-            <a:r>
-              <a:rPr lang="en-US" sz="3700" dirty="0">
-                <a:solidFill>
-                  <a:schemeClr val="bg1"/>
-                </a:solidFill>
-              </a:rPr>
-              <a:t>4. RESULTS – CONFUSION MATRIX</a:t>
-            </a:r>
-          </a:p>
-        </p:txBody>
-      </p:sp>
-      <p:sp>
-        <p:nvSpPr>
-          <p:cNvPr id="24" name="Rectangle 22">
-            <a:extLst>
-              <a:ext uri="{FF2B5EF4-FFF2-40B4-BE49-F238E27FC236}">
-                <a16:creationId xmlns:a16="http://schemas.microsoft.com/office/drawing/2014/main" id="{535742DD-1B16-4E9D-B715-0D74B4574A68}"/>
-              </a:ext>
-              <a:ext uri="{C183D7F6-B498-43B3-948B-1728B52AA6E4}">
-                <adec:decorative xmlns:adec="http://schemas.microsoft.com/office/drawing/2017/decorative" val="1"/>
-              </a:ext>
-            </a:extLst>
-          </p:cNvPr>
-          <p:cNvSpPr>
-            <a:spLocks noGrp="1" noRot="1" noChangeAspect="1" noMove="1" noResize="1" noEditPoints="1" noAdjustHandles="1" noChangeArrowheads="1" noChangeShapeType="1" noTextEdit="1"/>
-          </p:cNvSpPr>
-          <p:nvPr>
-            <p:extLst>
-              <p:ext uri="{386F3935-93C4-4BCD-93E2-E3B085C9AB24}">
-                <p16:designElem xmlns:p16="http://schemas.microsoft.com/office/powerpoint/2015/main" val="1"/>
-              </p:ext>
-            </p:extLst>
-          </p:nvPr>
-        </p:nvSpPr>
-        <p:spPr>
-          <a:xfrm>
-            <a:off x="4314992" y="749173"/>
-            <a:ext cx="18288" cy="1600200"/>
-          </a:xfrm>
-          <a:custGeom>
-            <a:avLst/>
-            <a:gdLst>
-              <a:gd name="connsiteX0" fmla="*/ 0 w 18288"/>
-              <a:gd name="connsiteY0" fmla="*/ 0 h 1600200"/>
-              <a:gd name="connsiteX1" fmla="*/ 18288 w 18288"/>
-              <a:gd name="connsiteY1" fmla="*/ 0 h 1600200"/>
-              <a:gd name="connsiteX2" fmla="*/ 18288 w 18288"/>
-              <a:gd name="connsiteY2" fmla="*/ 549402 h 1600200"/>
-              <a:gd name="connsiteX3" fmla="*/ 18288 w 18288"/>
-              <a:gd name="connsiteY3" fmla="*/ 1114806 h 1600200"/>
-              <a:gd name="connsiteX4" fmla="*/ 18288 w 18288"/>
-              <a:gd name="connsiteY4" fmla="*/ 1600200 h 1600200"/>
-              <a:gd name="connsiteX5" fmla="*/ 0 w 18288"/>
-              <a:gd name="connsiteY5" fmla="*/ 1600200 h 1600200"/>
-              <a:gd name="connsiteX6" fmla="*/ 0 w 18288"/>
-              <a:gd name="connsiteY6" fmla="*/ 1066800 h 1600200"/>
-              <a:gd name="connsiteX7" fmla="*/ 0 w 18288"/>
-              <a:gd name="connsiteY7" fmla="*/ 517398 h 1600200"/>
-              <a:gd name="connsiteX8" fmla="*/ 0 w 18288"/>
-              <a:gd name="connsiteY8" fmla="*/ 0 h 1600200"/>
-            </a:gdLst>
-            <a:ahLst/>
-            <a:cxnLst>
-              <a:cxn ang="0">
-                <a:pos x="connsiteX0" y="connsiteY0"/>
-              </a:cxn>
-              <a:cxn ang="0">
-                <a:pos x="connsiteX1" y="connsiteY1"/>
-              </a:cxn>
-              <a:cxn ang="0">
-                <a:pos x="connsiteX2" y="connsiteY2"/>
-              </a:cxn>
-              <a:cxn ang="0">
-                <a:pos x="connsiteX3" y="connsiteY3"/>
-              </a:cxn>
-              <a:cxn ang="0">
-                <a:pos x="connsiteX4" y="connsiteY4"/>
-              </a:cxn>
-              <a:cxn ang="0">
-                <a:pos x="connsiteX5" y="connsiteY5"/>
-              </a:cxn>
-              <a:cxn ang="0">
-                <a:pos x="connsiteX6" y="connsiteY6"/>
-              </a:cxn>
-              <a:cxn ang="0">
-                <a:pos x="connsiteX7" y="connsiteY7"/>
-              </a:cxn>
-              <a:cxn ang="0">
-                <a:pos x="connsiteX8" y="connsiteY8"/>
-              </a:cxn>
-            </a:cxnLst>
-            <a:rect l="l" t="t" r="r" b="b"/>
-            <a:pathLst>
-              <a:path w="18288" h="1600200" fill="none" extrusionOk="0">
-                <a:moveTo>
-                  <a:pt x="0" y="0"/>
-                </a:moveTo>
-                <a:cubicBezTo>
-                  <a:pt x="4865" y="374"/>
-                  <a:pt x="13608" y="53"/>
-                  <a:pt x="18288" y="0"/>
-                </a:cubicBezTo>
-                <a:cubicBezTo>
-                  <a:pt x="23286" y="215154"/>
-                  <a:pt x="-6672" y="375145"/>
-                  <a:pt x="18288" y="549402"/>
-                </a:cubicBezTo>
-                <a:cubicBezTo>
-                  <a:pt x="43248" y="723659"/>
-                  <a:pt x="44414" y="873011"/>
-                  <a:pt x="18288" y="1114806"/>
-                </a:cubicBezTo>
-                <a:cubicBezTo>
-                  <a:pt x="-7838" y="1356601"/>
-                  <a:pt x="13030" y="1360490"/>
-                  <a:pt x="18288" y="1600200"/>
-                </a:cubicBezTo>
-                <a:cubicBezTo>
-                  <a:pt x="10638" y="1600772"/>
-                  <a:pt x="4111" y="1599793"/>
-                  <a:pt x="0" y="1600200"/>
-                </a:cubicBezTo>
-                <a:cubicBezTo>
-                  <a:pt x="-6890" y="1375807"/>
-                  <a:pt x="21339" y="1304563"/>
-                  <a:pt x="0" y="1066800"/>
-                </a:cubicBezTo>
-                <a:cubicBezTo>
-                  <a:pt x="-21339" y="829037"/>
-                  <a:pt x="-23009" y="689986"/>
-                  <a:pt x="0" y="517398"/>
-                </a:cubicBezTo>
-                <a:cubicBezTo>
-                  <a:pt x="23009" y="344810"/>
-                  <a:pt x="-9921" y="122345"/>
-                  <a:pt x="0" y="0"/>
-                </a:cubicBezTo>
-                <a:close/>
-              </a:path>
-              <a:path w="18288" h="1600200" stroke="0" extrusionOk="0">
-                <a:moveTo>
-                  <a:pt x="0" y="0"/>
-                </a:moveTo>
-                <a:cubicBezTo>
-                  <a:pt x="5341" y="9"/>
-                  <a:pt x="11148" y="-611"/>
-                  <a:pt x="18288" y="0"/>
-                </a:cubicBezTo>
-                <a:cubicBezTo>
-                  <a:pt x="31387" y="104987"/>
-                  <a:pt x="17137" y="300374"/>
-                  <a:pt x="18288" y="485394"/>
-                </a:cubicBezTo>
-                <a:cubicBezTo>
-                  <a:pt x="19439" y="670414"/>
-                  <a:pt x="37394" y="922400"/>
-                  <a:pt x="18288" y="1050798"/>
-                </a:cubicBezTo>
-                <a:cubicBezTo>
-                  <a:pt x="-818" y="1179196"/>
-                  <a:pt x="6556" y="1394957"/>
-                  <a:pt x="18288" y="1600200"/>
-                </a:cubicBezTo>
-                <a:cubicBezTo>
-                  <a:pt x="12642" y="1600430"/>
-                  <a:pt x="3803" y="1599869"/>
-                  <a:pt x="0" y="1600200"/>
-                </a:cubicBezTo>
-                <a:cubicBezTo>
-                  <a:pt x="10832" y="1355159"/>
-                  <a:pt x="-10163" y="1159269"/>
-                  <a:pt x="0" y="1034796"/>
-                </a:cubicBezTo>
-                <a:cubicBezTo>
-                  <a:pt x="10163" y="910323"/>
-                  <a:pt x="5178" y="626710"/>
-                  <a:pt x="0" y="469392"/>
-                </a:cubicBezTo>
-                <a:cubicBezTo>
-                  <a:pt x="-5178" y="312074"/>
-                  <a:pt x="20387" y="137476"/>
-                  <a:pt x="0" y="0"/>
-                </a:cubicBezTo>
-                <a:close/>
-              </a:path>
-            </a:pathLst>
-          </a:custGeom>
-          <a:solidFill>
-            <a:schemeClr val="bg1"/>
-          </a:solidFill>
-          <a:ln w="34925">
-            <a:solidFill>
-              <a:schemeClr val="bg1"/>
-            </a:solidFill>
-            <a:round/>
-            <a:extLst>
-              <a:ext uri="{C807C97D-BFC1-408E-A445-0C87EB9F89A2}">
-                <ask:lineSketchStyleProps xmlns:ask="http://schemas.microsoft.com/office/drawing/2018/sketchyshapes" sd="1219033472">
-                  <a:prstGeom prst="rect">
-                    <a:avLst/>
-                  </a:prstGeom>
-                  <ask:type>
-                    <ask:lineSketchFreehand/>
-                  </ask:type>
-                </ask:lineSketchStyleProps>
-              </a:ext>
-            </a:extLst>
-          </a:ln>
-        </p:spPr>
-        <p:style>
-          <a:lnRef idx="2">
-            <a:schemeClr val="accent1">
-              <a:shade val="50000"/>
-            </a:schemeClr>
-          </a:lnRef>
-          <a:fillRef idx="1">
-            <a:schemeClr val="accent1"/>
-          </a:fillRef>
-          <a:effectRef idx="0">
-            <a:schemeClr val="accent1"/>
-          </a:effectRef>
-          <a:fontRef idx="minor">
-            <a:schemeClr val="lt1"/>
-          </a:fontRef>
-        </p:style>
-        <p:txBody>
-          <a:bodyPr rtlCol="0" anchor="ctr"/>
-          <a:lstStyle/>
-          <a:p>
-            <a:pPr algn="ctr"/>
-            <a:endParaRPr lang="en-US"/>
-          </a:p>
-        </p:txBody>
-      </p:sp>
-      <p:sp>
-        <p:nvSpPr>
-          <p:cNvPr id="3" name="Content Placeholder 2">
-            <a:extLst>
-              <a:ext uri="{FF2B5EF4-FFF2-40B4-BE49-F238E27FC236}">
-                <a16:creationId xmlns:a16="http://schemas.microsoft.com/office/drawing/2014/main" id="{2C6621D5-8DF2-9543-A7FD-3336FD49D431}"/>
-              </a:ext>
-            </a:extLst>
-          </p:cNvPr>
-          <p:cNvSpPr>
-            <a:spLocks noGrp="1"/>
-          </p:cNvSpPr>
-          <p:nvPr>
-            <p:ph idx="1"/>
-          </p:nvPr>
-        </p:nvSpPr>
-        <p:spPr>
-          <a:xfrm>
-            <a:off x="4560073" y="55631"/>
-            <a:ext cx="6966451" cy="2987284"/>
-          </a:xfrm>
-        </p:spPr>
-        <p:txBody>
-          <a:bodyPr anchor="ctr">
-            <a:noAutofit/>
-          </a:bodyPr>
-          <a:lstStyle/>
-          <a:p>
-            <a:pPr>
-              <a:lnSpc>
-                <a:spcPct val="100000"/>
-              </a:lnSpc>
-            </a:pPr>
-            <a:r>
-              <a:rPr lang="en-US" sz="2000" dirty="0">
-                <a:solidFill>
-                  <a:schemeClr val="bg1"/>
-                </a:solidFill>
-              </a:rPr>
-              <a:t>only apply encoders to the columns that haven’t been processed yet</a:t>
-            </a:r>
-          </a:p>
-          <a:p>
-            <a:pPr>
-              <a:lnSpc>
-                <a:spcPct val="100000"/>
-              </a:lnSpc>
-            </a:pPr>
-            <a:r>
-              <a:rPr lang="en-US" sz="2000" dirty="0">
-                <a:solidFill>
-                  <a:schemeClr val="bg1"/>
-                </a:solidFill>
-              </a:rPr>
-              <a:t>apply the </a:t>
-            </a:r>
-            <a:r>
-              <a:rPr lang="en-US" sz="2000" dirty="0" err="1">
-                <a:solidFill>
-                  <a:schemeClr val="bg1"/>
-                </a:solidFill>
-              </a:rPr>
-              <a:t>MixMaxEncoder</a:t>
-            </a:r>
-            <a:r>
-              <a:rPr lang="en-US" sz="2000" dirty="0">
-                <a:solidFill>
-                  <a:schemeClr val="bg1"/>
-                </a:solidFill>
-              </a:rPr>
-              <a:t> to the ‘age’ and ‘absences’ columns because they both have bounded features (‘age’ ranges from 15 to 22 and ‘absences’ ranges from 0 to 93)</a:t>
-            </a:r>
-          </a:p>
-          <a:p>
-            <a:pPr>
-              <a:lnSpc>
-                <a:spcPct val="100000"/>
-              </a:lnSpc>
-            </a:pPr>
-            <a:r>
-              <a:rPr lang="en-US" sz="2000" dirty="0">
-                <a:solidFill>
-                  <a:schemeClr val="bg1"/>
-                </a:solidFill>
-              </a:rPr>
-              <a:t> apply the One Hot encoders to the categorical columns that have ‘yes’-‘no’ features because they haven’t been encoded yet (the 'school', 'sex', 'age',' address', '</a:t>
-            </a:r>
-            <a:r>
-              <a:rPr lang="en-US" sz="2000" dirty="0" err="1">
-                <a:solidFill>
-                  <a:schemeClr val="bg1"/>
-                </a:solidFill>
-              </a:rPr>
-              <a:t>family_size</a:t>
-            </a:r>
-            <a:r>
-              <a:rPr lang="en-US" sz="2000" dirty="0">
-                <a:solidFill>
-                  <a:schemeClr val="bg1"/>
-                </a:solidFill>
-              </a:rPr>
-              <a:t>',' </a:t>
-            </a:r>
-            <a:r>
-              <a:rPr lang="en-US" sz="2000" dirty="0" err="1">
-                <a:solidFill>
-                  <a:schemeClr val="bg1"/>
-                </a:solidFill>
-              </a:rPr>
-              <a:t>parents_status</a:t>
-            </a:r>
-            <a:r>
-              <a:rPr lang="en-US" sz="2000" dirty="0">
-                <a:solidFill>
-                  <a:schemeClr val="bg1"/>
-                </a:solidFill>
-              </a:rPr>
-              <a:t>', '</a:t>
-            </a:r>
-            <a:r>
-              <a:rPr lang="en-US" sz="2000" dirty="0" err="1">
-                <a:solidFill>
-                  <a:schemeClr val="bg1"/>
-                </a:solidFill>
-              </a:rPr>
-              <a:t>mother_job</a:t>
-            </a:r>
-            <a:r>
-              <a:rPr lang="en-US" sz="2000" dirty="0">
-                <a:solidFill>
-                  <a:schemeClr val="bg1"/>
-                </a:solidFill>
-              </a:rPr>
-              <a:t>', '</a:t>
-            </a:r>
-            <a:r>
-              <a:rPr lang="en-US" sz="2000" dirty="0" err="1">
-                <a:solidFill>
-                  <a:schemeClr val="bg1"/>
-                </a:solidFill>
-              </a:rPr>
-              <a:t>father_job</a:t>
-            </a:r>
-            <a:r>
-              <a:rPr lang="en-US" sz="2000" dirty="0">
-                <a:solidFill>
-                  <a:schemeClr val="bg1"/>
-                </a:solidFill>
-              </a:rPr>
-              <a:t>',' </a:t>
-            </a:r>
-            <a:r>
-              <a:rPr lang="en-US" sz="2000" dirty="0" err="1">
-                <a:solidFill>
-                  <a:schemeClr val="bg1"/>
-                </a:solidFill>
-              </a:rPr>
-              <a:t>reason','guardian</a:t>
-            </a:r>
-            <a:r>
-              <a:rPr lang="en-US" sz="2000" dirty="0">
-                <a:solidFill>
-                  <a:schemeClr val="bg1"/>
-                </a:solidFill>
-              </a:rPr>
-              <a:t>', '</a:t>
-            </a:r>
-            <a:r>
-              <a:rPr lang="en-US" sz="2000" dirty="0" err="1">
-                <a:solidFill>
-                  <a:schemeClr val="bg1"/>
-                </a:solidFill>
-              </a:rPr>
-              <a:t>school_support</a:t>
-            </a:r>
-            <a:r>
-              <a:rPr lang="en-US" sz="2000" dirty="0">
-                <a:solidFill>
-                  <a:schemeClr val="bg1"/>
-                </a:solidFill>
-              </a:rPr>
-              <a:t>', '</a:t>
-            </a:r>
-            <a:r>
-              <a:rPr lang="en-US" sz="2000" dirty="0" err="1">
-                <a:solidFill>
-                  <a:schemeClr val="bg1"/>
-                </a:solidFill>
-              </a:rPr>
-              <a:t>family_support</a:t>
-            </a:r>
-            <a:r>
-              <a:rPr lang="en-US" sz="2000" dirty="0">
-                <a:solidFill>
-                  <a:schemeClr val="bg1"/>
-                </a:solidFill>
-              </a:rPr>
-              <a:t>', '</a:t>
-            </a:r>
-            <a:r>
-              <a:rPr lang="en-US" sz="2000" dirty="0" err="1">
-                <a:solidFill>
-                  <a:schemeClr val="bg1"/>
-                </a:solidFill>
-              </a:rPr>
-              <a:t>paid_classes</a:t>
-            </a:r>
-            <a:r>
-              <a:rPr lang="en-US" sz="2000" dirty="0">
-                <a:solidFill>
-                  <a:schemeClr val="bg1"/>
-                </a:solidFill>
-              </a:rPr>
-              <a:t>',' activities', 'nursery', '</a:t>
-            </a:r>
-            <a:r>
-              <a:rPr lang="en-US" sz="2000" dirty="0" err="1">
-                <a:solidFill>
-                  <a:schemeClr val="bg1"/>
-                </a:solidFill>
-              </a:rPr>
-              <a:t>desire_higher_edu</a:t>
-            </a:r>
-            <a:r>
-              <a:rPr lang="en-US" sz="2000" dirty="0">
-                <a:solidFill>
-                  <a:schemeClr val="bg1"/>
-                </a:solidFill>
-              </a:rPr>
-              <a:t>', 'internet', 'romantic' columns). </a:t>
-            </a:r>
-            <a:br>
-              <a:rPr lang="en-US" sz="1800" dirty="0">
-                <a:solidFill>
-                  <a:schemeClr val="bg1"/>
-                </a:solidFill>
-              </a:rPr>
-            </a:br>
-            <a:br>
-              <a:rPr lang="en-US" sz="1600" dirty="0">
-                <a:solidFill>
-                  <a:schemeClr val="bg1"/>
-                </a:solidFill>
-              </a:rPr>
-            </a:br>
-            <a:endParaRPr lang="en-US" sz="1600" dirty="0">
-              <a:solidFill>
-                <a:schemeClr val="bg1"/>
-              </a:solidFill>
-            </a:endParaRPr>
-          </a:p>
-        </p:txBody>
-      </p:sp>
+      </p:pic>
     </p:spTree>
     <p:extLst>
       <p:ext uri="{BB962C8B-B14F-4D97-AF65-F5344CB8AC3E}">
@@ -14330,6 +17246,53 @@
           </a:p>
         </p:txBody>
       </p:sp>
+      <p:pic>
+        <p:nvPicPr>
+          <p:cNvPr id="5" name="Picture 4" descr="Predicting Student Performance using Advanced Learning Analytics">
+            <a:extLst>
+              <a:ext uri="{FF2B5EF4-FFF2-40B4-BE49-F238E27FC236}">
+                <a16:creationId xmlns:a16="http://schemas.microsoft.com/office/drawing/2014/main" id="{A2829D03-A347-3842-B1C9-C8F06ED1BEB0}"/>
+              </a:ext>
+            </a:extLst>
+          </p:cNvPr>
+          <p:cNvPicPr>
+            <a:picLocks noChangeAspect="1" noChangeArrowheads="1"/>
+          </p:cNvPicPr>
+          <p:nvPr/>
+        </p:nvPicPr>
+        <p:blipFill>
+          <a:blip r:embed="rId2">
+            <a:extLst>
+              <a:ext uri="{28A0092B-C50C-407E-A947-70E740481C1C}">
+                <a14:useLocalDpi xmlns:a14="http://schemas.microsoft.com/office/drawing/2010/main" val="0"/>
+              </a:ext>
+            </a:extLst>
+          </a:blip>
+          <a:srcRect/>
+          <a:stretch>
+            <a:fillRect/>
+          </a:stretch>
+        </p:blipFill>
+        <p:spPr bwMode="auto">
+          <a:xfrm>
+            <a:off x="7389165" y="2171700"/>
+            <a:ext cx="4127500" cy="1968500"/>
+          </a:xfrm>
+          <a:prstGeom prst="rect">
+            <a:avLst/>
+          </a:prstGeom>
+          <a:noFill/>
+          <a:extLst>
+            <a:ext uri="{909E8E84-426E-40DD-AFC4-6F175D3DCCD1}">
+              <a14:hiddenFill xmlns:a14="http://schemas.microsoft.com/office/drawing/2010/main">
+                <a:solidFill>
+                  <a:srgbClr val="FFFFFF"/>
+                </a:solidFill>
+              </a14:hiddenFill>
+            </a:ext>
+          </a:extLst>
+        </p:spPr>
+      </p:pic>
     </p:spTree>
     <p:extLst>
       <p:ext uri="{BB962C8B-B14F-4D97-AF65-F5344CB8AC3E}">
@@ -15392,19 +18355,19 @@
         </p:nvSpPr>
         <p:spPr>
           <a:xfrm>
-            <a:off x="630936" y="786384"/>
-            <a:ext cx="3419856" cy="1600200"/>
+            <a:off x="630936" y="602673"/>
+            <a:ext cx="3684056" cy="1783911"/>
           </a:xfrm>
         </p:spPr>
         <p:txBody>
           <a:bodyPr anchor="ctr">
-            <a:normAutofit/>
+            <a:normAutofit fontScale="90000"/>
           </a:bodyPr>
           <a:lstStyle/>
           <a:p>
             <a:r>
               <a:rPr lang="en-US" sz="4800" dirty="0"/>
-              <a:t>2. EDA - BOXPLOTS</a:t>
+              <a:t>2. EDA – PASS FAIL STATUS AND PARENTS’JOBS</a:t>
             </a:r>
           </a:p>
         </p:txBody>
@@ -15728,90 +18691,58 @@
           <a:lstStyle/>
           <a:p>
             <a:r>
-              <a:rPr lang="en-US" sz="1800" dirty="0"/>
-              <a:t>demonstrate final grades across measures of distributions of students' weekend and weekday alcohol consumption, classified by gender. </a:t>
-            </a:r>
-          </a:p>
-          <a:p>
-            <a:r>
-              <a:rPr lang="en-US" sz="1800" dirty="0"/>
-              <a:t>students who have less alcohol consumption tend to get higher grades and vice versa</a:t>
-            </a:r>
-          </a:p>
-          <a:p>
-            <a:r>
-              <a:rPr lang="en-US" sz="1800" dirty="0"/>
-              <a:t>more male students consume alcohol than female students</a:t>
-            </a:r>
-          </a:p>
-          <a:p>
-            <a:r>
-              <a:rPr lang="en-US" sz="1800" dirty="0"/>
-              <a:t>drink significantly more on the weekend than weekday</a:t>
-            </a:r>
-          </a:p>
-          <a:p>
-            <a:r>
-              <a:rPr lang="en-US" sz="1800" dirty="0"/>
-              <a:t>some intervention and educational efforts should be executed to teach students about appropriate drink habits</a:t>
+              <a:rPr lang="en-US" sz="2200" dirty="0"/>
+              <a:t>correlation between the parents’ job and students’ performance</a:t>
+            </a:r>
+          </a:p>
+          <a:p>
+            <a:r>
+              <a:rPr lang="en-US" sz="2200" dirty="0"/>
+              <a:t>more students pass if their parents are in a “highly educated” field, such as health or teacher and vice versa. </a:t>
+            </a:r>
+          </a:p>
+          <a:p>
+            <a:r>
+              <a:rPr lang="en-US" sz="2200" dirty="0"/>
+              <a:t>there isn’t a significant different between the number of students who pass and fail with respect to the mother or father’s job, which suggests that both parents’ jobs are equally important.</a:t>
+            </a:r>
+          </a:p>
+          <a:p>
+            <a:r>
+              <a:rPr lang="en-US" sz="2200" dirty="0"/>
+              <a:t>suggests some degree of socioeconomic inequality in education </a:t>
             </a:r>
           </a:p>
         </p:txBody>
       </p:sp>
       <p:pic>
         <p:nvPicPr>
-          <p:cNvPr id="7" name="Picture 6" descr="Chart, bar chart&#10;&#10;Description automatically generated">
+          <p:cNvPr id="12" name="Picture 11" descr="Chart, bar chart, histogram&#10;&#10;Description automatically generated">
             <a:extLst>
               <a:ext uri="{FF2B5EF4-FFF2-40B4-BE49-F238E27FC236}">
-                <a16:creationId xmlns:a16="http://schemas.microsoft.com/office/drawing/2014/main" id="{D657D1D6-419E-6340-95F5-1673CEB72AFB}"/>
+                <a16:creationId xmlns:a16="http://schemas.microsoft.com/office/drawing/2014/main" id="{42130237-206D-2C49-8786-EB2D1AC27F3B}"/>
               </a:ext>
             </a:extLst>
           </p:cNvPr>
-          <p:cNvPicPr>
-            <a:picLocks noChangeAspect="1"/>
-          </p:cNvPicPr>
+          <p:cNvPicPr/>
           <p:nvPr/>
         </p:nvPicPr>
         <p:blipFill>
-          <a:blip r:embed="rId4"/>
+          <a:blip r:embed="rId4">
+            <a:extLst>
+              <a:ext uri="{28A0092B-C50C-407E-A947-70E740481C1C}">
+                <a14:useLocalDpi xmlns:a14="http://schemas.microsoft.com/office/drawing/2010/main" val="0"/>
+              </a:ext>
+            </a:extLst>
+          </a:blip>
           <a:stretch>
             <a:fillRect/>
           </a:stretch>
         </p:blipFill>
         <p:spPr>
           <a:xfrm>
-            <a:off x="370520" y="2737485"/>
-            <a:ext cx="4960620" cy="3968496"/>
-          </a:xfrm>
-          <a:prstGeom prst="rect">
-            <a:avLst/>
-          </a:prstGeom>
-        </p:spPr>
-      </p:pic>
-      <p:pic>
-        <p:nvPicPr>
-          <p:cNvPr id="5" name="Content Placeholder 4" descr="Chart, bar chart&#10;&#10;Description automatically generated">
-            <a:extLst>
-              <a:ext uri="{FF2B5EF4-FFF2-40B4-BE49-F238E27FC236}">
-                <a16:creationId xmlns:a16="http://schemas.microsoft.com/office/drawing/2014/main" id="{B7A66EA6-1F31-304F-B922-51CECBF4A1CE}"/>
-              </a:ext>
-            </a:extLst>
-          </p:cNvPr>
-          <p:cNvPicPr>
-            <a:picLocks noChangeAspect="1"/>
-          </p:cNvPicPr>
-          <p:nvPr/>
-        </p:nvPicPr>
-        <p:blipFill>
-          <a:blip r:embed="rId5"/>
-          <a:stretch>
-            <a:fillRect/>
-          </a:stretch>
-        </p:blipFill>
-        <p:spPr>
-          <a:xfrm>
-            <a:off x="6551676" y="2681478"/>
-            <a:ext cx="4960620" cy="3968496"/>
+            <a:off x="2326304" y="2933562"/>
+            <a:ext cx="7539392" cy="3522102"/>
           </a:xfrm>
           <a:prstGeom prst="rect">
             <a:avLst/>
@@ -15832,6 +18763,1064 @@
 </file>
 
 <file path=ppt/slides/slide7.xml><?xml version="1.0" encoding="utf-8"?>
+<p:sld xmlns:a="http://schemas.openxmlformats.org/drawingml/2006/main" xmlns:r="http://schemas.openxmlformats.org/officeDocument/2006/relationships" xmlns:p="http://schemas.openxmlformats.org/presentationml/2006/main">
+  <p:cSld>
+    <p:bg>
+      <p:bgPr>
+        <a:solidFill>
+          <a:schemeClr val="bg1"/>
+        </a:solidFill>
+        <a:effectLst/>
+      </p:bgPr>
+    </p:bg>
+    <p:spTree>
+      <p:nvGrpSpPr>
+        <p:cNvPr id="1" name=""/>
+        <p:cNvGrpSpPr/>
+        <p:nvPr/>
+      </p:nvGrpSpPr>
+      <p:grpSpPr>
+        <a:xfrm>
+          <a:off x="0" y="0"/>
+          <a:ext cx="0" cy="0"/>
+          <a:chOff x="0" y="0"/>
+          <a:chExt cx="0" cy="0"/>
+        </a:xfrm>
+      </p:grpSpPr>
+      <p:sp useBgFill="1">
+        <p:nvSpPr>
+          <p:cNvPr id="14" name="Rectangle 13">
+            <a:extLst>
+              <a:ext uri="{FF2B5EF4-FFF2-40B4-BE49-F238E27FC236}">
+                <a16:creationId xmlns:a16="http://schemas.microsoft.com/office/drawing/2014/main" id="{69D47016-023F-44BD-981C-50E7A10A6609}"/>
+              </a:ext>
+              <a:ext uri="{C183D7F6-B498-43B3-948B-1728B52AA6E4}">
+                <adec:decorative xmlns:adec="http://schemas.microsoft.com/office/drawing/2017/decorative" val="1"/>
+              </a:ext>
+            </a:extLst>
+          </p:cNvPr>
+          <p:cNvSpPr>
+            <a:spLocks noGrp="1" noRot="1" noChangeAspect="1" noMove="1" noResize="1" noEditPoints="1" noAdjustHandles="1" noChangeArrowheads="1" noChangeShapeType="1" noTextEdit="1"/>
+          </p:cNvSpPr>
+          <p:nvPr>
+            <p:extLst>
+              <p:ext uri="{386F3935-93C4-4BCD-93E2-E3B085C9AB24}">
+                <p16:designElem xmlns:p16="http://schemas.microsoft.com/office/powerpoint/2015/main" val="1"/>
+              </p:ext>
+            </p:extLst>
+          </p:nvPr>
+        </p:nvSpPr>
+        <p:spPr>
+          <a:xfrm>
+            <a:off x="0" y="0"/>
+            <a:ext cx="12188952" cy="6858000"/>
+          </a:xfrm>
+          <a:prstGeom prst="rect">
+            <a:avLst/>
+          </a:prstGeom>
+          <a:ln>
+            <a:noFill/>
+          </a:ln>
+        </p:spPr>
+        <p:style>
+          <a:lnRef idx="2">
+            <a:schemeClr val="accent1">
+              <a:shade val="50000"/>
+            </a:schemeClr>
+          </a:lnRef>
+          <a:fillRef idx="1">
+            <a:schemeClr val="accent1"/>
+          </a:fillRef>
+          <a:effectRef idx="0">
+            <a:schemeClr val="accent1"/>
+          </a:effectRef>
+          <a:fontRef idx="minor">
+            <a:schemeClr val="lt1"/>
+          </a:fontRef>
+        </p:style>
+        <p:txBody>
+          <a:bodyPr rtlCol="0" anchor="ctr"/>
+          <a:lstStyle/>
+          <a:p>
+            <a:pPr algn="ctr"/>
+            <a:endParaRPr lang="en-US"/>
+          </a:p>
+        </p:txBody>
+      </p:sp>
+      <p:sp>
+        <p:nvSpPr>
+          <p:cNvPr id="2" name="Title 1">
+            <a:extLst>
+              <a:ext uri="{FF2B5EF4-FFF2-40B4-BE49-F238E27FC236}">
+                <a16:creationId xmlns:a16="http://schemas.microsoft.com/office/drawing/2014/main" id="{5F0A38BD-1668-7D42-8AE2-7F0F06A9303C}"/>
+              </a:ext>
+            </a:extLst>
+          </p:cNvPr>
+          <p:cNvSpPr>
+            <a:spLocks noGrp="1"/>
+          </p:cNvSpPr>
+          <p:nvPr>
+            <p:ph type="title"/>
+          </p:nvPr>
+        </p:nvSpPr>
+        <p:spPr>
+          <a:xfrm>
+            <a:off x="630936" y="602673"/>
+            <a:ext cx="3684056" cy="1783911"/>
+          </a:xfrm>
+        </p:spPr>
+        <p:txBody>
+          <a:bodyPr anchor="ctr">
+            <a:normAutofit fontScale="90000"/>
+          </a:bodyPr>
+          <a:lstStyle/>
+          <a:p>
+            <a:r>
+              <a:rPr lang="en-US" sz="4800" dirty="0"/>
+              <a:t>2. EDA – STUDYTIME, FINAL GRADE, INTERNET ACCESS</a:t>
+            </a:r>
+          </a:p>
+        </p:txBody>
+      </p:sp>
+      <mc:AlternateContent xmlns:mc="http://schemas.openxmlformats.org/markup-compatibility/2006">
+        <mc:Choice xmlns:p14="http://schemas.microsoft.com/office/powerpoint/2010/main" Requires="p14">
+          <p:contentPart p14:bwMode="auto" r:id="rId2">
+            <p14:nvContentPartPr>
+              <p14:cNvPr id="16" name="Ink 15">
+                <a:extLst>
+                  <a:ext uri="{FF2B5EF4-FFF2-40B4-BE49-F238E27FC236}">
+                    <a16:creationId xmlns:a16="http://schemas.microsoft.com/office/drawing/2014/main" id="{070477C5-0410-4E4F-97A1-F84C2465C187}"/>
+                  </a:ext>
+                  <a:ext uri="{C183D7F6-B498-43B3-948B-1728B52AA6E4}">
+                    <adec:decorative xmlns:adec="http://schemas.microsoft.com/office/drawing/2017/decorative" val="1"/>
+                  </a:ext>
+                </a:extLst>
+              </p14:cNvPr>
+              <p14:cNvContentPartPr>
+                <a14:cpLocks xmlns:a14="http://schemas.microsoft.com/office/drawing/2010/main" noGrp="1" noRot="1" noChangeAspect="1" noMove="1" noResize="1" noEditPoints="1" noAdjustHandles="1" noChangeArrowheads="1" noChangeShapeType="1"/>
+              </p14:cNvContentPartPr>
+              <p14:nvPr>
+                <p:extLst>
+                  <p:ext uri="{386F3935-93C4-4BCD-93E2-E3B085C9AB24}">
+                    <p16:designElem xmlns:p16="http://schemas.microsoft.com/office/powerpoint/2015/main" val="1"/>
+                  </p:ext>
+                </p:extLst>
+              </p14:nvPr>
+            </p14:nvContentPartPr>
+            <p14:xfrm>
+              <a:off x="5755403" y="1971579"/>
+              <a:ext cx="360" cy="2160"/>
+            </p14:xfrm>
+          </p:contentPart>
+        </mc:Choice>
+        <mc:Fallback>
+          <p:pic>
+            <p:nvPicPr>
+              <p:cNvPr id="16" name="Ink 15">
+                <a:extLst>
+                  <a:ext uri="{FF2B5EF4-FFF2-40B4-BE49-F238E27FC236}">
+                    <a16:creationId xmlns:a16="http://schemas.microsoft.com/office/drawing/2014/main" id="{070477C5-0410-4E4F-97A1-F84C2465C187}"/>
+                  </a:ext>
+                  <a:ext uri="{C183D7F6-B498-43B3-948B-1728B52AA6E4}">
+                    <adec:decorative xmlns:adec="http://schemas.microsoft.com/office/drawing/2017/decorative" val="1"/>
+                  </a:ext>
+                </a:extLst>
+              </p:cNvPr>
+              <p:cNvPicPr>
+                <a:picLocks noGrp="1" noRot="1" noChangeAspect="1" noMove="1" noResize="1" noEditPoints="1" noAdjustHandles="1" noChangeArrowheads="1" noChangeShapeType="1"/>
+              </p:cNvPicPr>
+              <p:nvPr/>
+            </p:nvPicPr>
+            <p:blipFill>
+              <a:blip r:embed="rId3"/>
+              <a:stretch>
+                <a:fillRect/>
+              </a:stretch>
+            </p:blipFill>
+            <p:spPr>
+              <a:xfrm>
+                <a:off x="5737403" y="1956150"/>
+                <a:ext cx="36000" cy="32709"/>
+              </a:xfrm>
+              <a:prstGeom prst="rect">
+                <a:avLst/>
+              </a:prstGeom>
+            </p:spPr>
+          </p:pic>
+        </mc:Fallback>
+      </mc:AlternateContent>
+      <p:sp>
+        <p:nvSpPr>
+          <p:cNvPr id="18" name="Rectangle 22">
+            <a:extLst>
+              <a:ext uri="{FF2B5EF4-FFF2-40B4-BE49-F238E27FC236}">
+                <a16:creationId xmlns:a16="http://schemas.microsoft.com/office/drawing/2014/main" id="{535742DD-1B16-4E9D-B715-0D74B4574A68}"/>
+              </a:ext>
+              <a:ext uri="{C183D7F6-B498-43B3-948B-1728B52AA6E4}">
+                <adec:decorative xmlns:adec="http://schemas.microsoft.com/office/drawing/2017/decorative" val="1"/>
+              </a:ext>
+            </a:extLst>
+          </p:cNvPr>
+          <p:cNvSpPr>
+            <a:spLocks noGrp="1" noRot="1" noChangeAspect="1" noMove="1" noResize="1" noEditPoints="1" noAdjustHandles="1" noChangeArrowheads="1" noChangeShapeType="1" noTextEdit="1"/>
+          </p:cNvSpPr>
+          <p:nvPr>
+            <p:extLst>
+              <p:ext uri="{386F3935-93C4-4BCD-93E2-E3B085C9AB24}">
+                <p16:designElem xmlns:p16="http://schemas.microsoft.com/office/powerpoint/2015/main" val="1"/>
+              </p:ext>
+            </p:extLst>
+          </p:nvPr>
+        </p:nvSpPr>
+        <p:spPr>
+          <a:xfrm>
+            <a:off x="4314992" y="786384"/>
+            <a:ext cx="18288" cy="1600200"/>
+          </a:xfrm>
+          <a:custGeom>
+            <a:avLst/>
+            <a:gdLst>
+              <a:gd name="connsiteX0" fmla="*/ 0 w 18288"/>
+              <a:gd name="connsiteY0" fmla="*/ 0 h 1600200"/>
+              <a:gd name="connsiteX1" fmla="*/ 18288 w 18288"/>
+              <a:gd name="connsiteY1" fmla="*/ 0 h 1600200"/>
+              <a:gd name="connsiteX2" fmla="*/ 18288 w 18288"/>
+              <a:gd name="connsiteY2" fmla="*/ 549402 h 1600200"/>
+              <a:gd name="connsiteX3" fmla="*/ 18288 w 18288"/>
+              <a:gd name="connsiteY3" fmla="*/ 1114806 h 1600200"/>
+              <a:gd name="connsiteX4" fmla="*/ 18288 w 18288"/>
+              <a:gd name="connsiteY4" fmla="*/ 1600200 h 1600200"/>
+              <a:gd name="connsiteX5" fmla="*/ 0 w 18288"/>
+              <a:gd name="connsiteY5" fmla="*/ 1600200 h 1600200"/>
+              <a:gd name="connsiteX6" fmla="*/ 0 w 18288"/>
+              <a:gd name="connsiteY6" fmla="*/ 1066800 h 1600200"/>
+              <a:gd name="connsiteX7" fmla="*/ 0 w 18288"/>
+              <a:gd name="connsiteY7" fmla="*/ 517398 h 1600200"/>
+              <a:gd name="connsiteX8" fmla="*/ 0 w 18288"/>
+              <a:gd name="connsiteY8" fmla="*/ 0 h 1600200"/>
+            </a:gdLst>
+            <a:ahLst/>
+            <a:cxnLst>
+              <a:cxn ang="0">
+                <a:pos x="connsiteX0" y="connsiteY0"/>
+              </a:cxn>
+              <a:cxn ang="0">
+                <a:pos x="connsiteX1" y="connsiteY1"/>
+              </a:cxn>
+              <a:cxn ang="0">
+                <a:pos x="connsiteX2" y="connsiteY2"/>
+              </a:cxn>
+              <a:cxn ang="0">
+                <a:pos x="connsiteX3" y="connsiteY3"/>
+              </a:cxn>
+              <a:cxn ang="0">
+                <a:pos x="connsiteX4" y="connsiteY4"/>
+              </a:cxn>
+              <a:cxn ang="0">
+                <a:pos x="connsiteX5" y="connsiteY5"/>
+              </a:cxn>
+              <a:cxn ang="0">
+                <a:pos x="connsiteX6" y="connsiteY6"/>
+              </a:cxn>
+              <a:cxn ang="0">
+                <a:pos x="connsiteX7" y="connsiteY7"/>
+              </a:cxn>
+              <a:cxn ang="0">
+                <a:pos x="connsiteX8" y="connsiteY8"/>
+              </a:cxn>
+            </a:cxnLst>
+            <a:rect l="l" t="t" r="r" b="b"/>
+            <a:pathLst>
+              <a:path w="18288" h="1600200" fill="none" extrusionOk="0">
+                <a:moveTo>
+                  <a:pt x="0" y="0"/>
+                </a:moveTo>
+                <a:cubicBezTo>
+                  <a:pt x="4865" y="374"/>
+                  <a:pt x="13608" y="53"/>
+                  <a:pt x="18288" y="0"/>
+                </a:cubicBezTo>
+                <a:cubicBezTo>
+                  <a:pt x="23286" y="215154"/>
+                  <a:pt x="-6672" y="375145"/>
+                  <a:pt x="18288" y="549402"/>
+                </a:cubicBezTo>
+                <a:cubicBezTo>
+                  <a:pt x="43248" y="723659"/>
+                  <a:pt x="44414" y="873011"/>
+                  <a:pt x="18288" y="1114806"/>
+                </a:cubicBezTo>
+                <a:cubicBezTo>
+                  <a:pt x="-7838" y="1356601"/>
+                  <a:pt x="13030" y="1360490"/>
+                  <a:pt x="18288" y="1600200"/>
+                </a:cubicBezTo>
+                <a:cubicBezTo>
+                  <a:pt x="10638" y="1600772"/>
+                  <a:pt x="4111" y="1599793"/>
+                  <a:pt x="0" y="1600200"/>
+                </a:cubicBezTo>
+                <a:cubicBezTo>
+                  <a:pt x="-6890" y="1375807"/>
+                  <a:pt x="21339" y="1304563"/>
+                  <a:pt x="0" y="1066800"/>
+                </a:cubicBezTo>
+                <a:cubicBezTo>
+                  <a:pt x="-21339" y="829037"/>
+                  <a:pt x="-23009" y="689986"/>
+                  <a:pt x="0" y="517398"/>
+                </a:cubicBezTo>
+                <a:cubicBezTo>
+                  <a:pt x="23009" y="344810"/>
+                  <a:pt x="-9921" y="122345"/>
+                  <a:pt x="0" y="0"/>
+                </a:cubicBezTo>
+                <a:close/>
+              </a:path>
+              <a:path w="18288" h="1600200" stroke="0" extrusionOk="0">
+                <a:moveTo>
+                  <a:pt x="0" y="0"/>
+                </a:moveTo>
+                <a:cubicBezTo>
+                  <a:pt x="5341" y="9"/>
+                  <a:pt x="11148" y="-611"/>
+                  <a:pt x="18288" y="0"/>
+                </a:cubicBezTo>
+                <a:cubicBezTo>
+                  <a:pt x="31387" y="104987"/>
+                  <a:pt x="17137" y="300374"/>
+                  <a:pt x="18288" y="485394"/>
+                </a:cubicBezTo>
+                <a:cubicBezTo>
+                  <a:pt x="19439" y="670414"/>
+                  <a:pt x="37394" y="922400"/>
+                  <a:pt x="18288" y="1050798"/>
+                </a:cubicBezTo>
+                <a:cubicBezTo>
+                  <a:pt x="-818" y="1179196"/>
+                  <a:pt x="6556" y="1394957"/>
+                  <a:pt x="18288" y="1600200"/>
+                </a:cubicBezTo>
+                <a:cubicBezTo>
+                  <a:pt x="12642" y="1600430"/>
+                  <a:pt x="3803" y="1599869"/>
+                  <a:pt x="0" y="1600200"/>
+                </a:cubicBezTo>
+                <a:cubicBezTo>
+                  <a:pt x="10832" y="1355159"/>
+                  <a:pt x="-10163" y="1159269"/>
+                  <a:pt x="0" y="1034796"/>
+                </a:cubicBezTo>
+                <a:cubicBezTo>
+                  <a:pt x="10163" y="910323"/>
+                  <a:pt x="5178" y="626710"/>
+                  <a:pt x="0" y="469392"/>
+                </a:cubicBezTo>
+                <a:cubicBezTo>
+                  <a:pt x="-5178" y="312074"/>
+                  <a:pt x="20387" y="137476"/>
+                  <a:pt x="0" y="0"/>
+                </a:cubicBezTo>
+                <a:close/>
+              </a:path>
+            </a:pathLst>
+          </a:custGeom>
+          <a:solidFill>
+            <a:srgbClr val="AB96C6"/>
+          </a:solidFill>
+          <a:ln w="34925">
+            <a:solidFill>
+              <a:srgbClr val="AB96C6"/>
+            </a:solidFill>
+            <a:round/>
+            <a:extLst>
+              <a:ext uri="{C807C97D-BFC1-408E-A445-0C87EB9F89A2}">
+                <ask:lineSketchStyleProps xmlns:ask="http://schemas.microsoft.com/office/drawing/2018/sketchyshapes" sd="1219033472">
+                  <a:prstGeom prst="rect">
+                    <a:avLst/>
+                  </a:prstGeom>
+                  <ask:type>
+                    <ask:lineSketchFreehand/>
+                  </ask:type>
+                </ask:lineSketchStyleProps>
+              </a:ext>
+            </a:extLst>
+          </a:ln>
+        </p:spPr>
+        <p:style>
+          <a:lnRef idx="2">
+            <a:schemeClr val="accent1">
+              <a:shade val="50000"/>
+            </a:schemeClr>
+          </a:lnRef>
+          <a:fillRef idx="1">
+            <a:schemeClr val="accent1"/>
+          </a:fillRef>
+          <a:effectRef idx="0">
+            <a:schemeClr val="accent1"/>
+          </a:effectRef>
+          <a:fontRef idx="minor">
+            <a:schemeClr val="lt1"/>
+          </a:fontRef>
+        </p:style>
+        <p:txBody>
+          <a:bodyPr rtlCol="0" anchor="ctr"/>
+          <a:lstStyle/>
+          <a:p>
+            <a:pPr algn="ctr"/>
+            <a:endParaRPr lang="en-US"/>
+          </a:p>
+        </p:txBody>
+      </p:sp>
+      <p:sp>
+        <p:nvSpPr>
+          <p:cNvPr id="11" name="Content Placeholder 10">
+            <a:extLst>
+              <a:ext uri="{FF2B5EF4-FFF2-40B4-BE49-F238E27FC236}">
+                <a16:creationId xmlns:a16="http://schemas.microsoft.com/office/drawing/2014/main" id="{B34B3D06-308B-45B4-A2F0-46555DB25231}"/>
+              </a:ext>
+            </a:extLst>
+          </p:cNvPr>
+          <p:cNvSpPr>
+            <a:spLocks noGrp="1"/>
+          </p:cNvSpPr>
+          <p:nvPr>
+            <p:ph idx="1"/>
+          </p:nvPr>
+        </p:nvSpPr>
+        <p:spPr>
+          <a:xfrm>
+            <a:off x="4621151" y="379475"/>
+            <a:ext cx="7421497" cy="2717015"/>
+          </a:xfrm>
+        </p:spPr>
+        <p:txBody>
+          <a:bodyPr anchor="ctr">
+            <a:noAutofit/>
+          </a:bodyPr>
+          <a:lstStyle/>
+          <a:p>
+            <a:r>
+              <a:rPr lang="en-US" sz="2000" dirty="0"/>
+              <a:t>students who have internet have higher grades than those who don’t </a:t>
+            </a:r>
+            <a:r>
+              <a:rPr lang="en-US" sz="2000" dirty="0">
+                <a:sym typeface="Wingdings" pitchFamily="2" charset="2"/>
+              </a:rPr>
+              <a:t> </a:t>
+            </a:r>
+            <a:r>
+              <a:rPr lang="en-US" sz="2000" dirty="0"/>
+              <a:t>internet is quite important for studying. </a:t>
+            </a:r>
+          </a:p>
+          <a:p>
+            <a:r>
+              <a:rPr lang="en-US" sz="2000" dirty="0"/>
+              <a:t>for students who study less in both subjects, there is a smaller difference in the final grades between those who don’t have internet and those who do compared to students who study more </a:t>
+            </a:r>
+            <a:r>
+              <a:rPr lang="en-US" sz="2000" dirty="0">
+                <a:sym typeface="Wingdings" pitchFamily="2" charset="2"/>
+              </a:rPr>
+              <a:t> </a:t>
+            </a:r>
+            <a:r>
+              <a:rPr lang="en-US" sz="2000" dirty="0"/>
+              <a:t>strong students are more effective at using the internet for studying</a:t>
+            </a:r>
+          </a:p>
+          <a:p>
+            <a:r>
+              <a:rPr lang="en-US" sz="2000" dirty="0">
+                <a:sym typeface="Wingdings" pitchFamily="2" charset="2"/>
+              </a:rPr>
+              <a:t></a:t>
+            </a:r>
+            <a:r>
+              <a:rPr lang="en-US" sz="2000" dirty="0"/>
+              <a:t>needs to be more research into what the students do on the Internet, how much time do they dedicate their internet use to studying, and how schools can assist students in using the Internet for more education purposes.</a:t>
+            </a:r>
+          </a:p>
+        </p:txBody>
+      </p:sp>
+      <p:pic>
+        <p:nvPicPr>
+          <p:cNvPr id="8" name="Picture 7" descr="Chart, box and whisker chart&#10;&#10;Description automatically generated">
+            <a:extLst>
+              <a:ext uri="{FF2B5EF4-FFF2-40B4-BE49-F238E27FC236}">
+                <a16:creationId xmlns:a16="http://schemas.microsoft.com/office/drawing/2014/main" id="{CAC1D379-50A4-444B-9BC1-EF2994EEF997}"/>
+              </a:ext>
+            </a:extLst>
+          </p:cNvPr>
+          <p:cNvPicPr/>
+          <p:nvPr/>
+        </p:nvPicPr>
+        <p:blipFill>
+          <a:blip r:embed="rId4" cstate="print">
+            <a:extLst>
+              <a:ext uri="{28A0092B-C50C-407E-A947-70E740481C1C}">
+                <a14:useLocalDpi xmlns:a14="http://schemas.microsoft.com/office/drawing/2010/main" val="0"/>
+              </a:ext>
+            </a:extLst>
+          </a:blip>
+          <a:stretch>
+            <a:fillRect/>
+          </a:stretch>
+        </p:blipFill>
+        <p:spPr>
+          <a:xfrm>
+            <a:off x="2112934" y="3016690"/>
+            <a:ext cx="8539826" cy="3461835"/>
+          </a:xfrm>
+          <a:prstGeom prst="rect">
+            <a:avLst/>
+          </a:prstGeom>
+        </p:spPr>
+      </p:pic>
+    </p:spTree>
+    <p:extLst>
+      <p:ext uri="{BB962C8B-B14F-4D97-AF65-F5344CB8AC3E}">
+        <p14:creationId xmlns:p14="http://schemas.microsoft.com/office/powerpoint/2010/main" val="1908398143"/>
+      </p:ext>
+    </p:extLst>
+  </p:cSld>
+  <p:clrMapOvr>
+    <a:masterClrMapping/>
+  </p:clrMapOvr>
+</p:sld>
+</file>
+
+<file path=ppt/slides/slide8.xml><?xml version="1.0" encoding="utf-8"?>
+<p:sld xmlns:a="http://schemas.openxmlformats.org/drawingml/2006/main" xmlns:r="http://schemas.openxmlformats.org/officeDocument/2006/relationships" xmlns:p="http://schemas.openxmlformats.org/presentationml/2006/main">
+  <p:cSld>
+    <p:bg>
+      <p:bgPr>
+        <a:solidFill>
+          <a:schemeClr val="bg1"/>
+        </a:solidFill>
+        <a:effectLst/>
+      </p:bgPr>
+    </p:bg>
+    <p:spTree>
+      <p:nvGrpSpPr>
+        <p:cNvPr id="1" name=""/>
+        <p:cNvGrpSpPr/>
+        <p:nvPr/>
+      </p:nvGrpSpPr>
+      <p:grpSpPr>
+        <a:xfrm>
+          <a:off x="0" y="0"/>
+          <a:ext cx="0" cy="0"/>
+          <a:chOff x="0" y="0"/>
+          <a:chExt cx="0" cy="0"/>
+        </a:xfrm>
+      </p:grpSpPr>
+      <p:sp useBgFill="1">
+        <p:nvSpPr>
+          <p:cNvPr id="14" name="Rectangle 13">
+            <a:extLst>
+              <a:ext uri="{FF2B5EF4-FFF2-40B4-BE49-F238E27FC236}">
+                <a16:creationId xmlns:a16="http://schemas.microsoft.com/office/drawing/2014/main" id="{69D47016-023F-44BD-981C-50E7A10A6609}"/>
+              </a:ext>
+              <a:ext uri="{C183D7F6-B498-43B3-948B-1728B52AA6E4}">
+                <adec:decorative xmlns:adec="http://schemas.microsoft.com/office/drawing/2017/decorative" val="1"/>
+              </a:ext>
+            </a:extLst>
+          </p:cNvPr>
+          <p:cNvSpPr>
+            <a:spLocks noGrp="1" noRot="1" noChangeAspect="1" noMove="1" noResize="1" noEditPoints="1" noAdjustHandles="1" noChangeArrowheads="1" noChangeShapeType="1" noTextEdit="1"/>
+          </p:cNvSpPr>
+          <p:nvPr>
+            <p:extLst>
+              <p:ext uri="{386F3935-93C4-4BCD-93E2-E3B085C9AB24}">
+                <p16:designElem xmlns:p16="http://schemas.microsoft.com/office/powerpoint/2015/main" val="1"/>
+              </p:ext>
+            </p:extLst>
+          </p:nvPr>
+        </p:nvSpPr>
+        <p:spPr>
+          <a:xfrm>
+            <a:off x="0" y="0"/>
+            <a:ext cx="12188952" cy="6858000"/>
+          </a:xfrm>
+          <a:prstGeom prst="rect">
+            <a:avLst/>
+          </a:prstGeom>
+          <a:ln>
+            <a:noFill/>
+          </a:ln>
+        </p:spPr>
+        <p:style>
+          <a:lnRef idx="2">
+            <a:schemeClr val="accent1">
+              <a:shade val="50000"/>
+            </a:schemeClr>
+          </a:lnRef>
+          <a:fillRef idx="1">
+            <a:schemeClr val="accent1"/>
+          </a:fillRef>
+          <a:effectRef idx="0">
+            <a:schemeClr val="accent1"/>
+          </a:effectRef>
+          <a:fontRef idx="minor">
+            <a:schemeClr val="lt1"/>
+          </a:fontRef>
+        </p:style>
+        <p:txBody>
+          <a:bodyPr rtlCol="0" anchor="ctr"/>
+          <a:lstStyle/>
+          <a:p>
+            <a:pPr algn="ctr"/>
+            <a:endParaRPr lang="en-US"/>
+          </a:p>
+        </p:txBody>
+      </p:sp>
+      <p:sp>
+        <p:nvSpPr>
+          <p:cNvPr id="2" name="Title 1">
+            <a:extLst>
+              <a:ext uri="{FF2B5EF4-FFF2-40B4-BE49-F238E27FC236}">
+                <a16:creationId xmlns:a16="http://schemas.microsoft.com/office/drawing/2014/main" id="{5F0A38BD-1668-7D42-8AE2-7F0F06A9303C}"/>
+              </a:ext>
+            </a:extLst>
+          </p:cNvPr>
+          <p:cNvSpPr>
+            <a:spLocks noGrp="1"/>
+          </p:cNvSpPr>
+          <p:nvPr>
+            <p:ph type="title"/>
+          </p:nvPr>
+        </p:nvSpPr>
+        <p:spPr>
+          <a:xfrm>
+            <a:off x="630936" y="602673"/>
+            <a:ext cx="3684056" cy="1783911"/>
+          </a:xfrm>
+        </p:spPr>
+        <p:txBody>
+          <a:bodyPr anchor="ctr">
+            <a:normAutofit/>
+          </a:bodyPr>
+          <a:lstStyle/>
+          <a:p>
+            <a:r>
+              <a:rPr lang="en-US" sz="4800" dirty="0"/>
+              <a:t>2. EDA – ABSENCES, AGE, ROMANCE</a:t>
+            </a:r>
+          </a:p>
+        </p:txBody>
+      </p:sp>
+      <mc:AlternateContent xmlns:mc="http://schemas.openxmlformats.org/markup-compatibility/2006">
+        <mc:Choice xmlns:p14="http://schemas.microsoft.com/office/powerpoint/2010/main" Requires="p14">
+          <p:contentPart p14:bwMode="auto" r:id="rId2">
+            <p14:nvContentPartPr>
+              <p14:cNvPr id="16" name="Ink 15">
+                <a:extLst>
+                  <a:ext uri="{FF2B5EF4-FFF2-40B4-BE49-F238E27FC236}">
+                    <a16:creationId xmlns:a16="http://schemas.microsoft.com/office/drawing/2014/main" id="{070477C5-0410-4E4F-97A1-F84C2465C187}"/>
+                  </a:ext>
+                  <a:ext uri="{C183D7F6-B498-43B3-948B-1728B52AA6E4}">
+                    <adec:decorative xmlns:adec="http://schemas.microsoft.com/office/drawing/2017/decorative" val="1"/>
+                  </a:ext>
+                </a:extLst>
+              </p14:cNvPr>
+              <p14:cNvContentPartPr>
+                <a14:cpLocks xmlns:a14="http://schemas.microsoft.com/office/drawing/2010/main" noGrp="1" noRot="1" noChangeAspect="1" noMove="1" noResize="1" noEditPoints="1" noAdjustHandles="1" noChangeArrowheads="1" noChangeShapeType="1"/>
+              </p14:cNvContentPartPr>
+              <p14:nvPr>
+                <p:extLst>
+                  <p:ext uri="{386F3935-93C4-4BCD-93E2-E3B085C9AB24}">
+                    <p16:designElem xmlns:p16="http://schemas.microsoft.com/office/powerpoint/2015/main" val="1"/>
+                  </p:ext>
+                </p:extLst>
+              </p14:nvPr>
+            </p14:nvContentPartPr>
+            <p14:xfrm>
+              <a:off x="5755403" y="1971579"/>
+              <a:ext cx="360" cy="2160"/>
+            </p14:xfrm>
+          </p:contentPart>
+        </mc:Choice>
+        <mc:Fallback>
+          <p:pic>
+            <p:nvPicPr>
+              <p:cNvPr id="16" name="Ink 15">
+                <a:extLst>
+                  <a:ext uri="{FF2B5EF4-FFF2-40B4-BE49-F238E27FC236}">
+                    <a16:creationId xmlns:a16="http://schemas.microsoft.com/office/drawing/2014/main" id="{070477C5-0410-4E4F-97A1-F84C2465C187}"/>
+                  </a:ext>
+                  <a:ext uri="{C183D7F6-B498-43B3-948B-1728B52AA6E4}">
+                    <adec:decorative xmlns:adec="http://schemas.microsoft.com/office/drawing/2017/decorative" val="1"/>
+                  </a:ext>
+                </a:extLst>
+              </p:cNvPr>
+              <p:cNvPicPr>
+                <a:picLocks noGrp="1" noRot="1" noChangeAspect="1" noMove="1" noResize="1" noEditPoints="1" noAdjustHandles="1" noChangeArrowheads="1" noChangeShapeType="1"/>
+              </p:cNvPicPr>
+              <p:nvPr/>
+            </p:nvPicPr>
+            <p:blipFill>
+              <a:blip r:embed="rId3"/>
+              <a:stretch>
+                <a:fillRect/>
+              </a:stretch>
+            </p:blipFill>
+            <p:spPr>
+              <a:xfrm>
+                <a:off x="5737403" y="1956150"/>
+                <a:ext cx="36000" cy="32709"/>
+              </a:xfrm>
+              <a:prstGeom prst="rect">
+                <a:avLst/>
+              </a:prstGeom>
+            </p:spPr>
+          </p:pic>
+        </mc:Fallback>
+      </mc:AlternateContent>
+      <p:sp>
+        <p:nvSpPr>
+          <p:cNvPr id="18" name="Rectangle 22">
+            <a:extLst>
+              <a:ext uri="{FF2B5EF4-FFF2-40B4-BE49-F238E27FC236}">
+                <a16:creationId xmlns:a16="http://schemas.microsoft.com/office/drawing/2014/main" id="{535742DD-1B16-4E9D-B715-0D74B4574A68}"/>
+              </a:ext>
+              <a:ext uri="{C183D7F6-B498-43B3-948B-1728B52AA6E4}">
+                <adec:decorative xmlns:adec="http://schemas.microsoft.com/office/drawing/2017/decorative" val="1"/>
+              </a:ext>
+            </a:extLst>
+          </p:cNvPr>
+          <p:cNvSpPr>
+            <a:spLocks noGrp="1" noRot="1" noChangeAspect="1" noMove="1" noResize="1" noEditPoints="1" noAdjustHandles="1" noChangeArrowheads="1" noChangeShapeType="1" noTextEdit="1"/>
+          </p:cNvSpPr>
+          <p:nvPr>
+            <p:extLst>
+              <p:ext uri="{386F3935-93C4-4BCD-93E2-E3B085C9AB24}">
+                <p16:designElem xmlns:p16="http://schemas.microsoft.com/office/powerpoint/2015/main" val="1"/>
+              </p:ext>
+            </p:extLst>
+          </p:nvPr>
+        </p:nvSpPr>
+        <p:spPr>
+          <a:xfrm>
+            <a:off x="4314992" y="786384"/>
+            <a:ext cx="18288" cy="1600200"/>
+          </a:xfrm>
+          <a:custGeom>
+            <a:avLst/>
+            <a:gdLst>
+              <a:gd name="connsiteX0" fmla="*/ 0 w 18288"/>
+              <a:gd name="connsiteY0" fmla="*/ 0 h 1600200"/>
+              <a:gd name="connsiteX1" fmla="*/ 18288 w 18288"/>
+              <a:gd name="connsiteY1" fmla="*/ 0 h 1600200"/>
+              <a:gd name="connsiteX2" fmla="*/ 18288 w 18288"/>
+              <a:gd name="connsiteY2" fmla="*/ 549402 h 1600200"/>
+              <a:gd name="connsiteX3" fmla="*/ 18288 w 18288"/>
+              <a:gd name="connsiteY3" fmla="*/ 1114806 h 1600200"/>
+              <a:gd name="connsiteX4" fmla="*/ 18288 w 18288"/>
+              <a:gd name="connsiteY4" fmla="*/ 1600200 h 1600200"/>
+              <a:gd name="connsiteX5" fmla="*/ 0 w 18288"/>
+              <a:gd name="connsiteY5" fmla="*/ 1600200 h 1600200"/>
+              <a:gd name="connsiteX6" fmla="*/ 0 w 18288"/>
+              <a:gd name="connsiteY6" fmla="*/ 1066800 h 1600200"/>
+              <a:gd name="connsiteX7" fmla="*/ 0 w 18288"/>
+              <a:gd name="connsiteY7" fmla="*/ 517398 h 1600200"/>
+              <a:gd name="connsiteX8" fmla="*/ 0 w 18288"/>
+              <a:gd name="connsiteY8" fmla="*/ 0 h 1600200"/>
+            </a:gdLst>
+            <a:ahLst/>
+            <a:cxnLst>
+              <a:cxn ang="0">
+                <a:pos x="connsiteX0" y="connsiteY0"/>
+              </a:cxn>
+              <a:cxn ang="0">
+                <a:pos x="connsiteX1" y="connsiteY1"/>
+              </a:cxn>
+              <a:cxn ang="0">
+                <a:pos x="connsiteX2" y="connsiteY2"/>
+              </a:cxn>
+              <a:cxn ang="0">
+                <a:pos x="connsiteX3" y="connsiteY3"/>
+              </a:cxn>
+              <a:cxn ang="0">
+                <a:pos x="connsiteX4" y="connsiteY4"/>
+              </a:cxn>
+              <a:cxn ang="0">
+                <a:pos x="connsiteX5" y="connsiteY5"/>
+              </a:cxn>
+              <a:cxn ang="0">
+                <a:pos x="connsiteX6" y="connsiteY6"/>
+              </a:cxn>
+              <a:cxn ang="0">
+                <a:pos x="connsiteX7" y="connsiteY7"/>
+              </a:cxn>
+              <a:cxn ang="0">
+                <a:pos x="connsiteX8" y="connsiteY8"/>
+              </a:cxn>
+            </a:cxnLst>
+            <a:rect l="l" t="t" r="r" b="b"/>
+            <a:pathLst>
+              <a:path w="18288" h="1600200" fill="none" extrusionOk="0">
+                <a:moveTo>
+                  <a:pt x="0" y="0"/>
+                </a:moveTo>
+                <a:cubicBezTo>
+                  <a:pt x="4865" y="374"/>
+                  <a:pt x="13608" y="53"/>
+                  <a:pt x="18288" y="0"/>
+                </a:cubicBezTo>
+                <a:cubicBezTo>
+                  <a:pt x="23286" y="215154"/>
+                  <a:pt x="-6672" y="375145"/>
+                  <a:pt x="18288" y="549402"/>
+                </a:cubicBezTo>
+                <a:cubicBezTo>
+                  <a:pt x="43248" y="723659"/>
+                  <a:pt x="44414" y="873011"/>
+                  <a:pt x="18288" y="1114806"/>
+                </a:cubicBezTo>
+                <a:cubicBezTo>
+                  <a:pt x="-7838" y="1356601"/>
+                  <a:pt x="13030" y="1360490"/>
+                  <a:pt x="18288" y="1600200"/>
+                </a:cubicBezTo>
+                <a:cubicBezTo>
+                  <a:pt x="10638" y="1600772"/>
+                  <a:pt x="4111" y="1599793"/>
+                  <a:pt x="0" y="1600200"/>
+                </a:cubicBezTo>
+                <a:cubicBezTo>
+                  <a:pt x="-6890" y="1375807"/>
+                  <a:pt x="21339" y="1304563"/>
+                  <a:pt x="0" y="1066800"/>
+                </a:cubicBezTo>
+                <a:cubicBezTo>
+                  <a:pt x="-21339" y="829037"/>
+                  <a:pt x="-23009" y="689986"/>
+                  <a:pt x="0" y="517398"/>
+                </a:cubicBezTo>
+                <a:cubicBezTo>
+                  <a:pt x="23009" y="344810"/>
+                  <a:pt x="-9921" y="122345"/>
+                  <a:pt x="0" y="0"/>
+                </a:cubicBezTo>
+                <a:close/>
+              </a:path>
+              <a:path w="18288" h="1600200" stroke="0" extrusionOk="0">
+                <a:moveTo>
+                  <a:pt x="0" y="0"/>
+                </a:moveTo>
+                <a:cubicBezTo>
+                  <a:pt x="5341" y="9"/>
+                  <a:pt x="11148" y="-611"/>
+                  <a:pt x="18288" y="0"/>
+                </a:cubicBezTo>
+                <a:cubicBezTo>
+                  <a:pt x="31387" y="104987"/>
+                  <a:pt x="17137" y="300374"/>
+                  <a:pt x="18288" y="485394"/>
+                </a:cubicBezTo>
+                <a:cubicBezTo>
+                  <a:pt x="19439" y="670414"/>
+                  <a:pt x="37394" y="922400"/>
+                  <a:pt x="18288" y="1050798"/>
+                </a:cubicBezTo>
+                <a:cubicBezTo>
+                  <a:pt x="-818" y="1179196"/>
+                  <a:pt x="6556" y="1394957"/>
+                  <a:pt x="18288" y="1600200"/>
+                </a:cubicBezTo>
+                <a:cubicBezTo>
+                  <a:pt x="12642" y="1600430"/>
+                  <a:pt x="3803" y="1599869"/>
+                  <a:pt x="0" y="1600200"/>
+                </a:cubicBezTo>
+                <a:cubicBezTo>
+                  <a:pt x="10832" y="1355159"/>
+                  <a:pt x="-10163" y="1159269"/>
+                  <a:pt x="0" y="1034796"/>
+                </a:cubicBezTo>
+                <a:cubicBezTo>
+                  <a:pt x="10163" y="910323"/>
+                  <a:pt x="5178" y="626710"/>
+                  <a:pt x="0" y="469392"/>
+                </a:cubicBezTo>
+                <a:cubicBezTo>
+                  <a:pt x="-5178" y="312074"/>
+                  <a:pt x="20387" y="137476"/>
+                  <a:pt x="0" y="0"/>
+                </a:cubicBezTo>
+                <a:close/>
+              </a:path>
+            </a:pathLst>
+          </a:custGeom>
+          <a:solidFill>
+            <a:srgbClr val="AB96C6"/>
+          </a:solidFill>
+          <a:ln w="34925">
+            <a:solidFill>
+              <a:srgbClr val="AB96C6"/>
+            </a:solidFill>
+            <a:round/>
+            <a:extLst>
+              <a:ext uri="{C807C97D-BFC1-408E-A445-0C87EB9F89A2}">
+                <ask:lineSketchStyleProps xmlns:ask="http://schemas.microsoft.com/office/drawing/2018/sketchyshapes" sd="1219033472">
+                  <a:prstGeom prst="rect">
+                    <a:avLst/>
+                  </a:prstGeom>
+                  <ask:type>
+                    <ask:lineSketchFreehand/>
+                  </ask:type>
+                </ask:lineSketchStyleProps>
+              </a:ext>
+            </a:extLst>
+          </a:ln>
+        </p:spPr>
+        <p:style>
+          <a:lnRef idx="2">
+            <a:schemeClr val="accent1">
+              <a:shade val="50000"/>
+            </a:schemeClr>
+          </a:lnRef>
+          <a:fillRef idx="1">
+            <a:schemeClr val="accent1"/>
+          </a:fillRef>
+          <a:effectRef idx="0">
+            <a:schemeClr val="accent1"/>
+          </a:effectRef>
+          <a:fontRef idx="minor">
+            <a:schemeClr val="lt1"/>
+          </a:fontRef>
+        </p:style>
+        <p:txBody>
+          <a:bodyPr rtlCol="0" anchor="ctr"/>
+          <a:lstStyle/>
+          <a:p>
+            <a:pPr algn="ctr"/>
+            <a:endParaRPr lang="en-US"/>
+          </a:p>
+        </p:txBody>
+      </p:sp>
+      <p:sp>
+        <p:nvSpPr>
+          <p:cNvPr id="11" name="Content Placeholder 10">
+            <a:extLst>
+              <a:ext uri="{FF2B5EF4-FFF2-40B4-BE49-F238E27FC236}">
+                <a16:creationId xmlns:a16="http://schemas.microsoft.com/office/drawing/2014/main" id="{B34B3D06-308B-45B4-A2F0-46555DB25231}"/>
+              </a:ext>
+            </a:extLst>
+          </p:cNvPr>
+          <p:cNvSpPr>
+            <a:spLocks noGrp="1"/>
+          </p:cNvSpPr>
+          <p:nvPr>
+            <p:ph idx="1"/>
+          </p:nvPr>
+        </p:nvSpPr>
+        <p:spPr>
+          <a:xfrm>
+            <a:off x="4621151" y="379475"/>
+            <a:ext cx="7421497" cy="2375231"/>
+          </a:xfrm>
+        </p:spPr>
+        <p:txBody>
+          <a:bodyPr anchor="ctr">
+            <a:noAutofit/>
+          </a:bodyPr>
+          <a:lstStyle/>
+          <a:p>
+            <a:r>
+              <a:rPr lang="en-US" sz="2200" dirty="0"/>
+              <a:t>students who are in a relationship have more absences than those who don’t. </a:t>
+            </a:r>
+            <a:r>
+              <a:rPr lang="en-US" sz="2200" dirty="0">
+                <a:sym typeface="Wingdings" pitchFamily="2" charset="2"/>
+              </a:rPr>
+              <a:t> </a:t>
+            </a:r>
+            <a:r>
+              <a:rPr lang="en-US" sz="2200" dirty="0"/>
+              <a:t>suggests that relationships can distract students from school. </a:t>
+            </a:r>
+          </a:p>
+          <a:p>
+            <a:r>
+              <a:rPr lang="en-US" sz="2200" dirty="0"/>
+              <a:t>In math, students between 17 – 19 years old have the most absences and are in a relationship more.</a:t>
+            </a:r>
+          </a:p>
+          <a:p>
+            <a:r>
+              <a:rPr lang="en-US" sz="2200" dirty="0"/>
+              <a:t> In Portuguese, there are more students who are in a relationship than Math, and these students also have more absences </a:t>
+            </a:r>
+            <a:r>
+              <a:rPr lang="en-US" sz="2200" dirty="0">
+                <a:sym typeface="Wingdings" pitchFamily="2" charset="2"/>
+              </a:rPr>
+              <a:t> </a:t>
+            </a:r>
+            <a:r>
+              <a:rPr lang="en-US" sz="2200" dirty="0"/>
+              <a:t>suggests that either students in Math are more “disciplined” or math is harder and require students to study more</a:t>
+            </a:r>
+            <a:r>
+              <a:rPr lang="en-US" dirty="0"/>
+              <a:t>.</a:t>
+            </a:r>
+          </a:p>
+        </p:txBody>
+      </p:sp>
+      <p:pic>
+        <p:nvPicPr>
+          <p:cNvPr id="9" name="Picture 8" descr="A picture containing chart&#10;&#10;Description automatically generated">
+            <a:extLst>
+              <a:ext uri="{FF2B5EF4-FFF2-40B4-BE49-F238E27FC236}">
+                <a16:creationId xmlns:a16="http://schemas.microsoft.com/office/drawing/2014/main" id="{C1CABAE9-FBE4-7343-99EB-6885D4B3ABE1}"/>
+              </a:ext>
+            </a:extLst>
+          </p:cNvPr>
+          <p:cNvPicPr/>
+          <p:nvPr/>
+        </p:nvPicPr>
+        <p:blipFill>
+          <a:blip r:embed="rId4">
+            <a:extLst>
+              <a:ext uri="{28A0092B-C50C-407E-A947-70E740481C1C}">
+                <a14:useLocalDpi xmlns:a14="http://schemas.microsoft.com/office/drawing/2010/main" val="0"/>
+              </a:ext>
+            </a:extLst>
+          </a:blip>
+          <a:stretch>
+            <a:fillRect/>
+          </a:stretch>
+        </p:blipFill>
+        <p:spPr>
+          <a:xfrm>
+            <a:off x="1980719" y="3134181"/>
+            <a:ext cx="8428477" cy="3382035"/>
+          </a:xfrm>
+          <a:prstGeom prst="rect">
+            <a:avLst/>
+          </a:prstGeom>
+        </p:spPr>
+      </p:pic>
+    </p:spTree>
+    <p:extLst>
+      <p:ext uri="{BB962C8B-B14F-4D97-AF65-F5344CB8AC3E}">
+        <p14:creationId xmlns:p14="http://schemas.microsoft.com/office/powerpoint/2010/main" val="2458585656"/>
+      </p:ext>
+    </p:extLst>
+  </p:cSld>
+  <p:clrMapOvr>
+    <a:masterClrMapping/>
+  </p:clrMapOvr>
+</p:sld>
+</file>
+
+<file path=ppt/slides/slide9.xml><?xml version="1.0" encoding="utf-8"?>
 <p:sld xmlns:a="http://schemas.openxmlformats.org/drawingml/2006/main" xmlns:r="http://schemas.openxmlformats.org/officeDocument/2006/relationships" xmlns:p="http://schemas.openxmlformats.org/presentationml/2006/main">
   <p:cSld>
     <p:bg>
@@ -16407,1525 +20396,6 @@
     <p:extLst>
       <p:ext uri="{BB962C8B-B14F-4D97-AF65-F5344CB8AC3E}">
         <p14:creationId xmlns:p14="http://schemas.microsoft.com/office/powerpoint/2010/main" val="399369186"/>
-      </p:ext>
-    </p:extLst>
-  </p:cSld>
-  <p:clrMapOvr>
-    <a:masterClrMapping/>
-  </p:clrMapOvr>
-</p:sld>
-</file>
-
-<file path=ppt/slides/slide8.xml><?xml version="1.0" encoding="utf-8"?>
-<p:sld xmlns:a="http://schemas.openxmlformats.org/drawingml/2006/main" xmlns:r="http://schemas.openxmlformats.org/officeDocument/2006/relationships" xmlns:p="http://schemas.openxmlformats.org/presentationml/2006/main">
-  <p:cSld>
-    <p:bg>
-      <p:bgPr>
-        <a:solidFill>
-          <a:schemeClr val="bg1"/>
-        </a:solidFill>
-        <a:effectLst/>
-      </p:bgPr>
-    </p:bg>
-    <p:spTree>
-      <p:nvGrpSpPr>
-        <p:cNvPr id="1" name=""/>
-        <p:cNvGrpSpPr/>
-        <p:nvPr/>
-      </p:nvGrpSpPr>
-      <p:grpSpPr>
-        <a:xfrm>
-          <a:off x="0" y="0"/>
-          <a:ext cx="0" cy="0"/>
-          <a:chOff x="0" y="0"/>
-          <a:chExt cx="0" cy="0"/>
-        </a:xfrm>
-      </p:grpSpPr>
-      <p:sp useBgFill="1">
-        <p:nvSpPr>
-          <p:cNvPr id="23" name="Rectangle 16">
-            <a:extLst>
-              <a:ext uri="{FF2B5EF4-FFF2-40B4-BE49-F238E27FC236}">
-                <a16:creationId xmlns:a16="http://schemas.microsoft.com/office/drawing/2014/main" id="{F13C74B1-5B17-4795-BED0-7140497B445A}"/>
-              </a:ext>
-              <a:ext uri="{C183D7F6-B498-43B3-948B-1728B52AA6E4}">
-                <adec:decorative xmlns:adec="http://schemas.microsoft.com/office/drawing/2017/decorative" val="1"/>
-              </a:ext>
-            </a:extLst>
-          </p:cNvPr>
-          <p:cNvSpPr>
-            <a:spLocks noGrp="1" noRot="1" noChangeAspect="1" noMove="1" noResize="1" noEditPoints="1" noAdjustHandles="1" noChangeArrowheads="1" noChangeShapeType="1" noTextEdit="1"/>
-          </p:cNvSpPr>
-          <p:nvPr>
-            <p:extLst>
-              <p:ext uri="{386F3935-93C4-4BCD-93E2-E3B085C9AB24}">
-                <p16:designElem xmlns:p16="http://schemas.microsoft.com/office/powerpoint/2015/main" val="1"/>
-              </p:ext>
-            </p:extLst>
-          </p:nvPr>
-        </p:nvSpPr>
-        <p:spPr>
-          <a:xfrm>
-            <a:off x="0" y="0"/>
-            <a:ext cx="12188952" cy="6858000"/>
-          </a:xfrm>
-          <a:prstGeom prst="rect">
-            <a:avLst/>
-          </a:prstGeom>
-          <a:ln>
-            <a:noFill/>
-          </a:ln>
-        </p:spPr>
-        <p:style>
-          <a:lnRef idx="2">
-            <a:schemeClr val="accent1">
-              <a:shade val="50000"/>
-            </a:schemeClr>
-          </a:lnRef>
-          <a:fillRef idx="1">
-            <a:schemeClr val="accent1"/>
-          </a:fillRef>
-          <a:effectRef idx="0">
-            <a:schemeClr val="accent1"/>
-          </a:effectRef>
-          <a:fontRef idx="minor">
-            <a:schemeClr val="lt1"/>
-          </a:fontRef>
-        </p:style>
-        <p:txBody>
-          <a:bodyPr rtlCol="0" anchor="ctr"/>
-          <a:lstStyle/>
-          <a:p>
-            <a:pPr algn="ctr"/>
-            <a:endParaRPr lang="en-US"/>
-          </a:p>
-        </p:txBody>
-      </p:sp>
-      <p:sp>
-        <p:nvSpPr>
-          <p:cNvPr id="2" name="Title 1">
-            <a:extLst>
-              <a:ext uri="{FF2B5EF4-FFF2-40B4-BE49-F238E27FC236}">
-                <a16:creationId xmlns:a16="http://schemas.microsoft.com/office/drawing/2014/main" id="{052CF0E6-0798-014B-B9EB-9B72B330AE51}"/>
-              </a:ext>
-            </a:extLst>
-          </p:cNvPr>
-          <p:cNvSpPr>
-            <a:spLocks noGrp="1"/>
-          </p:cNvSpPr>
-          <p:nvPr>
-            <p:ph type="title"/>
-          </p:nvPr>
-        </p:nvSpPr>
-        <p:spPr>
-          <a:xfrm>
-            <a:off x="640080" y="325369"/>
-            <a:ext cx="4368602" cy="1956841"/>
-          </a:xfrm>
-        </p:spPr>
-        <p:txBody>
-          <a:bodyPr anchor="b">
-            <a:normAutofit fontScale="90000"/>
-          </a:bodyPr>
-          <a:lstStyle/>
-          <a:p>
-            <a:r>
-              <a:rPr lang="en-US" sz="6600" dirty="0"/>
-              <a:t>2. EDA - CORRELATION HEATMAP</a:t>
-            </a:r>
-          </a:p>
-        </p:txBody>
-      </p:sp>
-      <p:sp>
-        <p:nvSpPr>
-          <p:cNvPr id="24" name="Rectangle 6">
-            <a:extLst>
-              <a:ext uri="{FF2B5EF4-FFF2-40B4-BE49-F238E27FC236}">
-                <a16:creationId xmlns:a16="http://schemas.microsoft.com/office/drawing/2014/main" id="{3FCFB1DE-0B7E-48CC-BA90-B2AB0889F9D6}"/>
-              </a:ext>
-              <a:ext uri="{C183D7F6-B498-43B3-948B-1728B52AA6E4}">
-                <adec:decorative xmlns:adec="http://schemas.microsoft.com/office/drawing/2017/decorative" val="1"/>
-              </a:ext>
-            </a:extLst>
-          </p:cNvPr>
-          <p:cNvSpPr>
-            <a:spLocks noGrp="1" noRot="1" noChangeAspect="1" noMove="1" noResize="1" noEditPoints="1" noAdjustHandles="1" noChangeArrowheads="1" noChangeShapeType="1" noTextEdit="1"/>
-          </p:cNvSpPr>
-          <p:nvPr>
-            <p:extLst>
-              <p:ext uri="{386F3935-93C4-4BCD-93E2-E3B085C9AB24}">
-                <p16:designElem xmlns:p16="http://schemas.microsoft.com/office/powerpoint/2015/main" val="1"/>
-              </p:ext>
-            </p:extLst>
-          </p:nvPr>
-        </p:nvSpPr>
-        <p:spPr>
-          <a:xfrm>
-            <a:off x="765093" y="2563839"/>
-            <a:ext cx="3931920" cy="27432"/>
-          </a:xfrm>
-          <a:custGeom>
-            <a:avLst/>
-            <a:gdLst>
-              <a:gd name="connsiteX0" fmla="*/ 0 w 3931920"/>
-              <a:gd name="connsiteY0" fmla="*/ 0 h 27432"/>
-              <a:gd name="connsiteX1" fmla="*/ 733958 w 3931920"/>
-              <a:gd name="connsiteY1" fmla="*/ 0 h 27432"/>
-              <a:gd name="connsiteX2" fmla="*/ 1428598 w 3931920"/>
-              <a:gd name="connsiteY2" fmla="*/ 0 h 27432"/>
-              <a:gd name="connsiteX3" fmla="*/ 2123237 w 3931920"/>
-              <a:gd name="connsiteY3" fmla="*/ 0 h 27432"/>
-              <a:gd name="connsiteX4" fmla="*/ 2660599 w 3931920"/>
-              <a:gd name="connsiteY4" fmla="*/ 0 h 27432"/>
-              <a:gd name="connsiteX5" fmla="*/ 3237281 w 3931920"/>
-              <a:gd name="connsiteY5" fmla="*/ 0 h 27432"/>
-              <a:gd name="connsiteX6" fmla="*/ 3931920 w 3931920"/>
-              <a:gd name="connsiteY6" fmla="*/ 0 h 27432"/>
-              <a:gd name="connsiteX7" fmla="*/ 3931920 w 3931920"/>
-              <a:gd name="connsiteY7" fmla="*/ 27432 h 27432"/>
-              <a:gd name="connsiteX8" fmla="*/ 3276600 w 3931920"/>
-              <a:gd name="connsiteY8" fmla="*/ 27432 h 27432"/>
-              <a:gd name="connsiteX9" fmla="*/ 2739238 w 3931920"/>
-              <a:gd name="connsiteY9" fmla="*/ 27432 h 27432"/>
-              <a:gd name="connsiteX10" fmla="*/ 2201875 w 3931920"/>
-              <a:gd name="connsiteY10" fmla="*/ 27432 h 27432"/>
-              <a:gd name="connsiteX11" fmla="*/ 1507236 w 3931920"/>
-              <a:gd name="connsiteY11" fmla="*/ 27432 h 27432"/>
-              <a:gd name="connsiteX12" fmla="*/ 930554 w 3931920"/>
-              <a:gd name="connsiteY12" fmla="*/ 27432 h 27432"/>
-              <a:gd name="connsiteX13" fmla="*/ 0 w 3931920"/>
-              <a:gd name="connsiteY13" fmla="*/ 27432 h 27432"/>
-              <a:gd name="connsiteX14" fmla="*/ 0 w 3931920"/>
-              <a:gd name="connsiteY14" fmla="*/ 0 h 27432"/>
-            </a:gdLst>
-            <a:ahLst/>
-            <a:cxnLst>
-              <a:cxn ang="0">
-                <a:pos x="connsiteX0" y="connsiteY0"/>
-              </a:cxn>
-              <a:cxn ang="0">
-                <a:pos x="connsiteX1" y="connsiteY1"/>
-              </a:cxn>
-              <a:cxn ang="0">
-                <a:pos x="connsiteX2" y="connsiteY2"/>
-              </a:cxn>
-              <a:cxn ang="0">
-                <a:pos x="connsiteX3" y="connsiteY3"/>
-              </a:cxn>
-              <a:cxn ang="0">
-                <a:pos x="connsiteX4" y="connsiteY4"/>
-              </a:cxn>
-              <a:cxn ang="0">
-                <a:pos x="connsiteX5" y="connsiteY5"/>
-              </a:cxn>
-              <a:cxn ang="0">
-                <a:pos x="connsiteX6" y="connsiteY6"/>
-              </a:cxn>
-              <a:cxn ang="0">
-                <a:pos x="connsiteX7" y="connsiteY7"/>
-              </a:cxn>
-              <a:cxn ang="0">
-                <a:pos x="connsiteX8" y="connsiteY8"/>
-              </a:cxn>
-              <a:cxn ang="0">
-                <a:pos x="connsiteX9" y="connsiteY9"/>
-              </a:cxn>
-              <a:cxn ang="0">
-                <a:pos x="connsiteX10" y="connsiteY10"/>
-              </a:cxn>
-              <a:cxn ang="0">
-                <a:pos x="connsiteX11" y="connsiteY11"/>
-              </a:cxn>
-              <a:cxn ang="0">
-                <a:pos x="connsiteX12" y="connsiteY12"/>
-              </a:cxn>
-              <a:cxn ang="0">
-                <a:pos x="connsiteX13" y="connsiteY13"/>
-              </a:cxn>
-              <a:cxn ang="0">
-                <a:pos x="connsiteX14" y="connsiteY14"/>
-              </a:cxn>
-            </a:cxnLst>
-            <a:rect l="l" t="t" r="r" b="b"/>
-            <a:pathLst>
-              <a:path w="3931920" h="27432" fill="none" extrusionOk="0">
-                <a:moveTo>
-                  <a:pt x="0" y="0"/>
-                </a:moveTo>
-                <a:cubicBezTo>
-                  <a:pt x="245351" y="16874"/>
-                  <a:pt x="509174" y="13736"/>
-                  <a:pt x="733958" y="0"/>
-                </a:cubicBezTo>
-                <a:cubicBezTo>
-                  <a:pt x="958742" y="-13736"/>
-                  <a:pt x="1245406" y="-17215"/>
-                  <a:pt x="1428598" y="0"/>
-                </a:cubicBezTo>
-                <a:cubicBezTo>
-                  <a:pt x="1611790" y="17215"/>
-                  <a:pt x="1930525" y="20562"/>
-                  <a:pt x="2123237" y="0"/>
-                </a:cubicBezTo>
-                <a:cubicBezTo>
-                  <a:pt x="2315949" y="-20562"/>
-                  <a:pt x="2485508" y="11332"/>
-                  <a:pt x="2660599" y="0"/>
-                </a:cubicBezTo>
-                <a:cubicBezTo>
-                  <a:pt x="2835690" y="-11332"/>
-                  <a:pt x="3075198" y="-14809"/>
-                  <a:pt x="3237281" y="0"/>
-                </a:cubicBezTo>
-                <a:cubicBezTo>
-                  <a:pt x="3399364" y="14809"/>
-                  <a:pt x="3745084" y="-4992"/>
-                  <a:pt x="3931920" y="0"/>
-                </a:cubicBezTo>
-                <a:cubicBezTo>
-                  <a:pt x="3930963" y="8431"/>
-                  <a:pt x="3931571" y="14612"/>
-                  <a:pt x="3931920" y="27432"/>
-                </a:cubicBezTo>
-                <a:cubicBezTo>
-                  <a:pt x="3765435" y="40792"/>
-                  <a:pt x="3452398" y="38703"/>
-                  <a:pt x="3276600" y="27432"/>
-                </a:cubicBezTo>
-                <a:cubicBezTo>
-                  <a:pt x="3100802" y="16161"/>
-                  <a:pt x="2914889" y="26998"/>
-                  <a:pt x="2739238" y="27432"/>
-                </a:cubicBezTo>
-                <a:cubicBezTo>
-                  <a:pt x="2563587" y="27866"/>
-                  <a:pt x="2395484" y="39154"/>
-                  <a:pt x="2201875" y="27432"/>
-                </a:cubicBezTo>
-                <a:cubicBezTo>
-                  <a:pt x="2008266" y="15710"/>
-                  <a:pt x="1781367" y="4899"/>
-                  <a:pt x="1507236" y="27432"/>
-                </a:cubicBezTo>
-                <a:cubicBezTo>
-                  <a:pt x="1233105" y="49965"/>
-                  <a:pt x="1075495" y="47542"/>
-                  <a:pt x="930554" y="27432"/>
-                </a:cubicBezTo>
-                <a:cubicBezTo>
-                  <a:pt x="785613" y="7322"/>
-                  <a:pt x="268930" y="30433"/>
-                  <a:pt x="0" y="27432"/>
-                </a:cubicBezTo>
-                <a:cubicBezTo>
-                  <a:pt x="226" y="18208"/>
-                  <a:pt x="-648" y="12891"/>
-                  <a:pt x="0" y="0"/>
-                </a:cubicBezTo>
-                <a:close/>
-              </a:path>
-              <a:path w="3931920" h="27432" stroke="0" extrusionOk="0">
-                <a:moveTo>
-                  <a:pt x="0" y="0"/>
-                </a:moveTo>
-                <a:cubicBezTo>
-                  <a:pt x="278269" y="4786"/>
-                  <a:pt x="349028" y="-10422"/>
-                  <a:pt x="616001" y="0"/>
-                </a:cubicBezTo>
-                <a:cubicBezTo>
-                  <a:pt x="882974" y="10422"/>
-                  <a:pt x="931617" y="-15515"/>
-                  <a:pt x="1153363" y="0"/>
-                </a:cubicBezTo>
-                <a:cubicBezTo>
-                  <a:pt x="1375109" y="15515"/>
-                  <a:pt x="1704089" y="-3631"/>
-                  <a:pt x="1887322" y="0"/>
-                </a:cubicBezTo>
-                <a:cubicBezTo>
-                  <a:pt x="2070555" y="3631"/>
-                  <a:pt x="2344155" y="2213"/>
-                  <a:pt x="2503322" y="0"/>
-                </a:cubicBezTo>
-                <a:cubicBezTo>
-                  <a:pt x="2662489" y="-2213"/>
-                  <a:pt x="2976859" y="26691"/>
-                  <a:pt x="3119323" y="0"/>
-                </a:cubicBezTo>
-                <a:cubicBezTo>
-                  <a:pt x="3261787" y="-26691"/>
-                  <a:pt x="3588171" y="-28651"/>
-                  <a:pt x="3931920" y="0"/>
-                </a:cubicBezTo>
-                <a:cubicBezTo>
-                  <a:pt x="3930565" y="9524"/>
-                  <a:pt x="3930718" y="13975"/>
-                  <a:pt x="3931920" y="27432"/>
-                </a:cubicBezTo>
-                <a:cubicBezTo>
-                  <a:pt x="3664329" y="4021"/>
-                  <a:pt x="3437686" y="14511"/>
-                  <a:pt x="3276600" y="27432"/>
-                </a:cubicBezTo>
-                <a:cubicBezTo>
-                  <a:pt x="3115514" y="40353"/>
-                  <a:pt x="2913592" y="48967"/>
-                  <a:pt x="2739238" y="27432"/>
-                </a:cubicBezTo>
-                <a:cubicBezTo>
-                  <a:pt x="2564884" y="5897"/>
-                  <a:pt x="2294049" y="39820"/>
-                  <a:pt x="2083918" y="27432"/>
-                </a:cubicBezTo>
-                <a:cubicBezTo>
-                  <a:pt x="1873787" y="15044"/>
-                  <a:pt x="1718903" y="21388"/>
-                  <a:pt x="1428598" y="27432"/>
-                </a:cubicBezTo>
-                <a:cubicBezTo>
-                  <a:pt x="1138293" y="33476"/>
-                  <a:pt x="952209" y="50441"/>
-                  <a:pt x="812597" y="27432"/>
-                </a:cubicBezTo>
-                <a:cubicBezTo>
-                  <a:pt x="672985" y="4423"/>
-                  <a:pt x="305800" y="28240"/>
-                  <a:pt x="0" y="27432"/>
-                </a:cubicBezTo>
-                <a:cubicBezTo>
-                  <a:pt x="-800" y="16780"/>
-                  <a:pt x="-583" y="12910"/>
-                  <a:pt x="0" y="0"/>
-                </a:cubicBezTo>
-                <a:close/>
-              </a:path>
-            </a:pathLst>
-          </a:custGeom>
-          <a:solidFill>
-            <a:srgbClr val="AB96C6"/>
-          </a:solidFill>
-          <a:ln w="38100" cap="rnd">
-            <a:solidFill>
-              <a:srgbClr val="AB96C6"/>
-            </a:solidFill>
-            <a:round/>
-            <a:extLst>
-              <a:ext uri="{C807C97D-BFC1-408E-A445-0C87EB9F89A2}">
-                <ask:lineSketchStyleProps xmlns:ask="http://schemas.microsoft.com/office/drawing/2018/sketchyshapes" sd="1219033472">
-                  <a:prstGeom prst="rect">
-                    <a:avLst/>
-                  </a:prstGeom>
-                  <ask:type>
-                    <ask:lineSketchFreehand/>
-                  </ask:type>
-                </ask:lineSketchStyleProps>
-              </a:ext>
-            </a:extLst>
-          </a:ln>
-        </p:spPr>
-        <p:style>
-          <a:lnRef idx="2">
-            <a:schemeClr val="accent1">
-              <a:shade val="50000"/>
-            </a:schemeClr>
-          </a:lnRef>
-          <a:fillRef idx="1">
-            <a:schemeClr val="accent1"/>
-          </a:fillRef>
-          <a:effectRef idx="0">
-            <a:schemeClr val="accent1"/>
-          </a:effectRef>
-          <a:fontRef idx="minor">
-            <a:schemeClr val="lt1"/>
-          </a:fontRef>
-        </p:style>
-        <p:txBody>
-          <a:bodyPr rtlCol="0" anchor="ctr"/>
-          <a:lstStyle/>
-          <a:p>
-            <a:pPr algn="ctr"/>
-            <a:endParaRPr lang="en-US"/>
-          </a:p>
-        </p:txBody>
-      </p:sp>
-      <p:sp>
-        <p:nvSpPr>
-          <p:cNvPr id="25" name="Content Placeholder 13">
-            <a:extLst>
-              <a:ext uri="{FF2B5EF4-FFF2-40B4-BE49-F238E27FC236}">
-                <a16:creationId xmlns:a16="http://schemas.microsoft.com/office/drawing/2014/main" id="{0B747BB9-DDA1-4C39-8131-802DAC04DD05}"/>
-              </a:ext>
-            </a:extLst>
-          </p:cNvPr>
-          <p:cNvSpPr>
-            <a:spLocks noGrp="1"/>
-          </p:cNvSpPr>
-          <p:nvPr>
-            <p:ph idx="1"/>
-          </p:nvPr>
-        </p:nvSpPr>
-        <p:spPr>
-          <a:xfrm>
-            <a:off x="493123" y="2634081"/>
-            <a:ext cx="5036197" cy="3898550"/>
-          </a:xfrm>
-        </p:spPr>
-        <p:txBody>
-          <a:bodyPr>
-            <a:noAutofit/>
-          </a:bodyPr>
-          <a:lstStyle/>
-          <a:p>
-            <a:r>
-              <a:rPr lang="en-US" sz="2000" dirty="0"/>
-              <a:t>a strong positive relationship between the 1st and 2nd period scores and final scores, signaling that score prediction can be quite accurate</a:t>
-            </a:r>
-          </a:p>
-          <a:p>
-            <a:r>
-              <a:rPr lang="en-US" sz="2000" dirty="0"/>
-              <a:t>final scores also seem to have quite strong positive relationships with the mother and father's education and study time </a:t>
-            </a:r>
-          </a:p>
-          <a:p>
-            <a:r>
-              <a:rPr lang="en-US" sz="2000" dirty="0"/>
-              <a:t>other positive but weaker relationships between finals cores and other variables include family quality and free time</a:t>
-            </a:r>
-          </a:p>
-          <a:p>
-            <a:r>
-              <a:rPr lang="en-US" sz="2000" dirty="0"/>
-              <a:t>a negative relationship between final age and scores, which can be because the materials get harder</a:t>
-            </a:r>
-          </a:p>
-          <a:p>
-            <a:r>
-              <a:rPr lang="en-US" sz="2000" dirty="0"/>
-              <a:t>a weak negative relationship between health and final scores, raising concerns about mental health. </a:t>
-            </a:r>
-          </a:p>
-        </p:txBody>
-      </p:sp>
-      <p:pic>
-        <p:nvPicPr>
-          <p:cNvPr id="5" name="Content Placeholder 4" descr="Chart&#10;&#10;Description automatically generated">
-            <a:extLst>
-              <a:ext uri="{FF2B5EF4-FFF2-40B4-BE49-F238E27FC236}">
-                <a16:creationId xmlns:a16="http://schemas.microsoft.com/office/drawing/2014/main" id="{28646152-94CF-2649-8290-781126747FE8}"/>
-              </a:ext>
-            </a:extLst>
-          </p:cNvPr>
-          <p:cNvPicPr>
-            <a:picLocks noChangeAspect="1"/>
-          </p:cNvPicPr>
-          <p:nvPr/>
-        </p:nvPicPr>
-        <p:blipFill rotWithShape="1">
-          <a:blip r:embed="rId2"/>
-          <a:srcRect b="303"/>
-          <a:stretch/>
-        </p:blipFill>
-        <p:spPr>
-          <a:xfrm>
-            <a:off x="5676277" y="0"/>
-            <a:ext cx="6517762" cy="6498068"/>
-          </a:xfrm>
-          <a:custGeom>
-            <a:avLst/>
-            <a:gdLst/>
-            <a:ahLst/>
-            <a:cxnLst/>
-            <a:rect l="l" t="t" r="r" b="b"/>
-            <a:pathLst>
-              <a:path w="6878775" h="6858000">
-                <a:moveTo>
-                  <a:pt x="1102973" y="0"/>
-                </a:moveTo>
-                <a:lnTo>
-                  <a:pt x="1160688" y="0"/>
-                </a:lnTo>
-                <a:lnTo>
-                  <a:pt x="983189" y="331786"/>
-                </a:lnTo>
-                <a:cubicBezTo>
-                  <a:pt x="914866" y="469145"/>
-                  <a:pt x="850355" y="608712"/>
-                  <a:pt x="789261" y="750263"/>
-                </a:cubicBezTo>
-                <a:cubicBezTo>
-                  <a:pt x="774307" y="784928"/>
-                  <a:pt x="759992" y="819849"/>
-                  <a:pt x="745295" y="854514"/>
-                </a:cubicBezTo>
-                <a:cubicBezTo>
-                  <a:pt x="756682" y="845393"/>
-                  <a:pt x="765489" y="833492"/>
-                  <a:pt x="770857" y="819975"/>
-                </a:cubicBezTo>
-                <a:cubicBezTo>
-                  <a:pt x="879943" y="589569"/>
-                  <a:pt x="999605" y="365513"/>
-                  <a:pt x="1131329" y="148742"/>
-                </a:cubicBezTo>
-                <a:lnTo>
-                  <a:pt x="1227589" y="0"/>
-                </a:lnTo>
-                <a:lnTo>
-                  <a:pt x="6878775" y="0"/>
-                </a:lnTo>
-                <a:lnTo>
-                  <a:pt x="6878775" y="6858000"/>
-                </a:lnTo>
-                <a:lnTo>
-                  <a:pt x="713521" y="6858000"/>
-                </a:lnTo>
-                <a:lnTo>
-                  <a:pt x="625642" y="6670527"/>
-                </a:lnTo>
-                <a:cubicBezTo>
-                  <a:pt x="507232" y="6398531"/>
-                  <a:pt x="403083" y="6118381"/>
-                  <a:pt x="312785" y="5830359"/>
-                </a:cubicBezTo>
-                <a:cubicBezTo>
-                  <a:pt x="278149" y="5719759"/>
-                  <a:pt x="248879" y="5607635"/>
-                  <a:pt x="212198" y="5480401"/>
-                </a:cubicBezTo>
-                <a:cubicBezTo>
-                  <a:pt x="212208" y="5491601"/>
-                  <a:pt x="212803" y="5502788"/>
-                  <a:pt x="213988" y="5513923"/>
-                </a:cubicBezTo>
-                <a:cubicBezTo>
-                  <a:pt x="264089" y="5723695"/>
-                  <a:pt x="307290" y="5935370"/>
-                  <a:pt x="365826" y="6142729"/>
-                </a:cubicBezTo>
-                <a:cubicBezTo>
-                  <a:pt x="433152" y="6380817"/>
-                  <a:pt x="510068" y="6614016"/>
-                  <a:pt x="597975" y="6841549"/>
-                </a:cubicBezTo>
-                <a:lnTo>
-                  <a:pt x="604824" y="6858000"/>
-                </a:lnTo>
-                <a:lnTo>
-                  <a:pt x="552056" y="6858000"/>
-                </a:lnTo>
-                <a:lnTo>
-                  <a:pt x="539576" y="6828295"/>
-                </a:lnTo>
-                <a:cubicBezTo>
-                  <a:pt x="380597" y="6414594"/>
-                  <a:pt x="260223" y="5988893"/>
-                  <a:pt x="171555" y="5552906"/>
-                </a:cubicBezTo>
-                <a:cubicBezTo>
-                  <a:pt x="91163" y="5157998"/>
-                  <a:pt x="43746" y="4758899"/>
-                  <a:pt x="12305" y="4357388"/>
-                </a:cubicBezTo>
-                <a:cubicBezTo>
-                  <a:pt x="-14281" y="4013908"/>
-                  <a:pt x="4507" y="3672965"/>
-                  <a:pt x="46684" y="3331516"/>
-                </a:cubicBezTo>
-                <a:cubicBezTo>
-                  <a:pt x="127203" y="2664286"/>
-                  <a:pt x="277819" y="2007265"/>
-                  <a:pt x="496065" y="1371196"/>
-                </a:cubicBezTo>
-                <a:cubicBezTo>
-                  <a:pt x="636273" y="966066"/>
-                  <a:pt x="800445" y="573253"/>
-                  <a:pt x="995723" y="196614"/>
-                </a:cubicBezTo>
-                <a:close/>
-              </a:path>
-            </a:pathLst>
-          </a:custGeom>
-        </p:spPr>
-      </p:pic>
-    </p:spTree>
-    <p:extLst>
-      <p:ext uri="{BB962C8B-B14F-4D97-AF65-F5344CB8AC3E}">
-        <p14:creationId xmlns:p14="http://schemas.microsoft.com/office/powerpoint/2010/main" val="1322226584"/>
-      </p:ext>
-    </p:extLst>
-  </p:cSld>
-  <p:clrMapOvr>
-    <a:masterClrMapping/>
-  </p:clrMapOvr>
-</p:sld>
-</file>
-
-<file path=ppt/slides/slide9.xml><?xml version="1.0" encoding="utf-8"?>
-<p:sld xmlns:a="http://schemas.openxmlformats.org/drawingml/2006/main" xmlns:r="http://schemas.openxmlformats.org/officeDocument/2006/relationships" xmlns:p="http://schemas.openxmlformats.org/presentationml/2006/main">
-  <p:cSld>
-    <p:bg>
-      <p:bgPr>
-        <a:solidFill>
-          <a:schemeClr val="bg1"/>
-        </a:solidFill>
-        <a:effectLst/>
-      </p:bgPr>
-    </p:bg>
-    <p:spTree>
-      <p:nvGrpSpPr>
-        <p:cNvPr id="1" name=""/>
-        <p:cNvGrpSpPr/>
-        <p:nvPr/>
-      </p:nvGrpSpPr>
-      <p:grpSpPr>
-        <a:xfrm>
-          <a:off x="0" y="0"/>
-          <a:ext cx="0" cy="0"/>
-          <a:chOff x="0" y="0"/>
-          <a:chExt cx="0" cy="0"/>
-        </a:xfrm>
-      </p:grpSpPr>
-      <p:sp useBgFill="1">
-        <p:nvSpPr>
-          <p:cNvPr id="32" name="Rectangle 25">
-            <a:extLst>
-              <a:ext uri="{FF2B5EF4-FFF2-40B4-BE49-F238E27FC236}">
-                <a16:creationId xmlns:a16="http://schemas.microsoft.com/office/drawing/2014/main" id="{F4F387E6-CB34-4EAB-9263-14FA59AF781B}"/>
-              </a:ext>
-              <a:ext uri="{C183D7F6-B498-43B3-948B-1728B52AA6E4}">
-                <adec:decorative xmlns:adec="http://schemas.microsoft.com/office/drawing/2017/decorative" val="1"/>
-              </a:ext>
-            </a:extLst>
-          </p:cNvPr>
-          <p:cNvSpPr>
-            <a:spLocks noGrp="1" noRot="1" noChangeAspect="1" noMove="1" noResize="1" noEditPoints="1" noAdjustHandles="1" noChangeArrowheads="1" noChangeShapeType="1" noTextEdit="1"/>
-          </p:cNvSpPr>
-          <p:nvPr>
-            <p:extLst>
-              <p:ext uri="{386F3935-93C4-4BCD-93E2-E3B085C9AB24}">
-                <p16:designElem xmlns:p16="http://schemas.microsoft.com/office/powerpoint/2015/main" val="1"/>
-              </p:ext>
-            </p:extLst>
-          </p:nvPr>
-        </p:nvSpPr>
-        <p:spPr>
-          <a:xfrm>
-            <a:off x="0" y="0"/>
-            <a:ext cx="12188952" cy="6858000"/>
-          </a:xfrm>
-          <a:prstGeom prst="rect">
-            <a:avLst/>
-          </a:prstGeom>
-          <a:ln>
-            <a:noFill/>
-          </a:ln>
-        </p:spPr>
-        <p:style>
-          <a:lnRef idx="2">
-            <a:schemeClr val="accent1">
-              <a:shade val="50000"/>
-            </a:schemeClr>
-          </a:lnRef>
-          <a:fillRef idx="1">
-            <a:schemeClr val="accent1"/>
-          </a:fillRef>
-          <a:effectRef idx="0">
-            <a:schemeClr val="accent1"/>
-          </a:effectRef>
-          <a:fontRef idx="minor">
-            <a:schemeClr val="lt1"/>
-          </a:fontRef>
-        </p:style>
-        <p:txBody>
-          <a:bodyPr rtlCol="0" anchor="ctr"/>
-          <a:lstStyle/>
-          <a:p>
-            <a:pPr algn="ctr"/>
-            <a:endParaRPr lang="en-US"/>
-          </a:p>
-        </p:txBody>
-      </p:sp>
-      <p:sp>
-        <p:nvSpPr>
-          <p:cNvPr id="33" name="Freeform: Shape 27">
-            <a:extLst>
-              <a:ext uri="{FF2B5EF4-FFF2-40B4-BE49-F238E27FC236}">
-                <a16:creationId xmlns:a16="http://schemas.microsoft.com/office/drawing/2014/main" id="{5E4E4EA2-F156-4E7A-B7FF-60F80A1CAA41}"/>
-              </a:ext>
-              <a:ext uri="{C183D7F6-B498-43B3-948B-1728B52AA6E4}">
-                <adec:decorative xmlns:adec="http://schemas.microsoft.com/office/drawing/2017/decorative" val="1"/>
-              </a:ext>
-            </a:extLst>
-          </p:cNvPr>
-          <p:cNvSpPr>
-            <a:spLocks noGrp="1" noRot="1" noChangeAspect="1" noMove="1" noResize="1" noEditPoints="1" noAdjustHandles="1" noChangeArrowheads="1" noChangeShapeType="1" noTextEdit="1"/>
-          </p:cNvSpPr>
-          <p:nvPr>
-            <p:extLst>
-              <p:ext uri="{386F3935-93C4-4BCD-93E2-E3B085C9AB24}">
-                <p16:designElem xmlns:p16="http://schemas.microsoft.com/office/powerpoint/2015/main" val="1"/>
-              </p:ext>
-            </p:extLst>
-          </p:nvPr>
-        </p:nvSpPr>
-        <p:spPr>
-          <a:xfrm rot="16200000">
-            <a:off x="4791449" y="-542552"/>
-            <a:ext cx="2609101" cy="12192002"/>
-          </a:xfrm>
-          <a:custGeom>
-            <a:avLst/>
-            <a:gdLst>
-              <a:gd name="connsiteX0" fmla="*/ 2609023 w 2609101"/>
-              <a:gd name="connsiteY0" fmla="*/ 3665900 h 12192002"/>
-              <a:gd name="connsiteX1" fmla="*/ 2587251 w 2609101"/>
-              <a:gd name="connsiteY1" fmla="*/ 4137482 h 12192002"/>
-              <a:gd name="connsiteX2" fmla="*/ 2571005 w 2609101"/>
-              <a:gd name="connsiteY2" fmla="*/ 4949832 h 12192002"/>
-              <a:gd name="connsiteX3" fmla="*/ 2580707 w 2609101"/>
-              <a:gd name="connsiteY3" fmla="*/ 5307482 h 12192002"/>
-              <a:gd name="connsiteX4" fmla="*/ 2556340 w 2609101"/>
-              <a:gd name="connsiteY4" fmla="*/ 6277505 h 12192002"/>
-              <a:gd name="connsiteX5" fmla="*/ 2575066 w 2609101"/>
-              <a:gd name="connsiteY5" fmla="*/ 7709921 h 12192002"/>
-              <a:gd name="connsiteX6" fmla="*/ 2573487 w 2609101"/>
-              <a:gd name="connsiteY6" fmla="*/ 8936700 h 12192002"/>
-              <a:gd name="connsiteX7" fmla="*/ 2581158 w 2609101"/>
-              <a:gd name="connsiteY7" fmla="*/ 9338014 h 12192002"/>
-              <a:gd name="connsiteX8" fmla="*/ 2581158 w 2609101"/>
-              <a:gd name="connsiteY8" fmla="*/ 9717836 h 12192002"/>
-              <a:gd name="connsiteX9" fmla="*/ 2513469 w 2609101"/>
-              <a:gd name="connsiteY9" fmla="*/ 10882180 h 12192002"/>
-              <a:gd name="connsiteX10" fmla="*/ 2540947 w 2609101"/>
-              <a:gd name="connsiteY10" fmla="*/ 11926948 h 12192002"/>
-              <a:gd name="connsiteX11" fmla="*/ 2571690 w 2609101"/>
-              <a:gd name="connsiteY11" fmla="*/ 12192002 h 12192002"/>
-              <a:gd name="connsiteX12" fmla="*/ 317800 w 2609101"/>
-              <a:gd name="connsiteY12" fmla="*/ 12192002 h 12192002"/>
-              <a:gd name="connsiteX13" fmla="*/ 317800 w 2609101"/>
-              <a:gd name="connsiteY13" fmla="*/ 12192001 h 12192002"/>
-              <a:gd name="connsiteX14" fmla="*/ 0 w 2609101"/>
-              <a:gd name="connsiteY14" fmla="*/ 12192001 h 12192002"/>
-              <a:gd name="connsiteX15" fmla="*/ 0 w 2609101"/>
-              <a:gd name="connsiteY15" fmla="*/ 0 h 12192002"/>
-              <a:gd name="connsiteX16" fmla="*/ 502920 w 2609101"/>
-              <a:gd name="connsiteY16" fmla="*/ 0 h 12192002"/>
-              <a:gd name="connsiteX17" fmla="*/ 502920 w 2609101"/>
-              <a:gd name="connsiteY17" fmla="*/ 1 h 12192002"/>
-              <a:gd name="connsiteX18" fmla="*/ 2576849 w 2609101"/>
-              <a:gd name="connsiteY18" fmla="*/ 1 h 12192002"/>
-              <a:gd name="connsiteX19" fmla="*/ 2559770 w 2609101"/>
-              <a:gd name="connsiteY19" fmla="*/ 168559 h 12192002"/>
-              <a:gd name="connsiteX20" fmla="*/ 2568749 w 2609101"/>
-              <a:gd name="connsiteY20" fmla="*/ 749861 h 12192002"/>
-              <a:gd name="connsiteX21" fmla="*/ 2575743 w 2609101"/>
-              <a:gd name="connsiteY21" fmla="*/ 1443898 h 12192002"/>
-              <a:gd name="connsiteX22" fmla="*/ 2540772 w 2609101"/>
-              <a:gd name="connsiteY22" fmla="*/ 1979809 h 12192002"/>
-              <a:gd name="connsiteX23" fmla="*/ 2590182 w 2609101"/>
-              <a:gd name="connsiteY23" fmla="*/ 3194149 h 12192002"/>
-              <a:gd name="connsiteX24" fmla="*/ 2609023 w 2609101"/>
-              <a:gd name="connsiteY24" fmla="*/ 3665900 h 12192002"/>
-            </a:gdLst>
-            <a:ahLst/>
-            <a:cxnLst>
-              <a:cxn ang="0">
-                <a:pos x="connsiteX0" y="connsiteY0"/>
-              </a:cxn>
-              <a:cxn ang="0">
-                <a:pos x="connsiteX1" y="connsiteY1"/>
-              </a:cxn>
-              <a:cxn ang="0">
-                <a:pos x="connsiteX2" y="connsiteY2"/>
-              </a:cxn>
-              <a:cxn ang="0">
-                <a:pos x="connsiteX3" y="connsiteY3"/>
-              </a:cxn>
-              <a:cxn ang="0">
-                <a:pos x="connsiteX4" y="connsiteY4"/>
-              </a:cxn>
-              <a:cxn ang="0">
-                <a:pos x="connsiteX5" y="connsiteY5"/>
-              </a:cxn>
-              <a:cxn ang="0">
-                <a:pos x="connsiteX6" y="connsiteY6"/>
-              </a:cxn>
-              <a:cxn ang="0">
-                <a:pos x="connsiteX7" y="connsiteY7"/>
-              </a:cxn>
-              <a:cxn ang="0">
-                <a:pos x="connsiteX8" y="connsiteY8"/>
-              </a:cxn>
-              <a:cxn ang="0">
-                <a:pos x="connsiteX9" y="connsiteY9"/>
-              </a:cxn>
-              <a:cxn ang="0">
-                <a:pos x="connsiteX10" y="connsiteY10"/>
-              </a:cxn>
-              <a:cxn ang="0">
-                <a:pos x="connsiteX11" y="connsiteY11"/>
-              </a:cxn>
-              <a:cxn ang="0">
-                <a:pos x="connsiteX12" y="connsiteY12"/>
-              </a:cxn>
-              <a:cxn ang="0">
-                <a:pos x="connsiteX13" y="connsiteY13"/>
-              </a:cxn>
-              <a:cxn ang="0">
-                <a:pos x="connsiteX14" y="connsiteY14"/>
-              </a:cxn>
-              <a:cxn ang="0">
-                <a:pos x="connsiteX15" y="connsiteY15"/>
-              </a:cxn>
-              <a:cxn ang="0">
-                <a:pos x="connsiteX16" y="connsiteY16"/>
-              </a:cxn>
-              <a:cxn ang="0">
-                <a:pos x="connsiteX17" y="connsiteY17"/>
-              </a:cxn>
-              <a:cxn ang="0">
-                <a:pos x="connsiteX18" y="connsiteY18"/>
-              </a:cxn>
-              <a:cxn ang="0">
-                <a:pos x="connsiteX19" y="connsiteY19"/>
-              </a:cxn>
-              <a:cxn ang="0">
-                <a:pos x="connsiteX20" y="connsiteY20"/>
-              </a:cxn>
-              <a:cxn ang="0">
-                <a:pos x="connsiteX21" y="connsiteY21"/>
-              </a:cxn>
-              <a:cxn ang="0">
-                <a:pos x="connsiteX22" y="connsiteY22"/>
-              </a:cxn>
-              <a:cxn ang="0">
-                <a:pos x="connsiteX23" y="connsiteY23"/>
-              </a:cxn>
-              <a:cxn ang="0">
-                <a:pos x="connsiteX24" y="connsiteY24"/>
-              </a:cxn>
-            </a:cxnLst>
-            <a:rect l="l" t="t" r="r" b="b"/>
-            <a:pathLst>
-              <a:path w="2609101" h="12192002">
-                <a:moveTo>
-                  <a:pt x="2609023" y="3665900"/>
-                </a:moveTo>
-                <a:cubicBezTo>
-                  <a:pt x="2609870" y="3823094"/>
-                  <a:pt x="2603947" y="3980259"/>
-                  <a:pt x="2587251" y="4137482"/>
-                </a:cubicBezTo>
-                <a:cubicBezTo>
-                  <a:pt x="2558822" y="4407585"/>
-                  <a:pt x="2543930" y="4678140"/>
-                  <a:pt x="2571005" y="4949832"/>
-                </a:cubicBezTo>
-                <a:cubicBezTo>
-                  <a:pt x="2582963" y="5068597"/>
-                  <a:pt x="2595825" y="5188719"/>
-                  <a:pt x="2580707" y="5307482"/>
-                </a:cubicBezTo>
-                <a:cubicBezTo>
-                  <a:pt x="2539867" y="5630293"/>
-                  <a:pt x="2546187" y="5954014"/>
-                  <a:pt x="2556340" y="6277505"/>
-                </a:cubicBezTo>
-                <a:cubicBezTo>
-                  <a:pt x="2571457" y="6755050"/>
-                  <a:pt x="2596500" y="7231919"/>
-                  <a:pt x="2575066" y="7709921"/>
-                </a:cubicBezTo>
-                <a:cubicBezTo>
-                  <a:pt x="2556790" y="8118471"/>
-                  <a:pt x="2586347" y="8527702"/>
-                  <a:pt x="2573487" y="8936700"/>
-                </a:cubicBezTo>
-                <a:cubicBezTo>
-                  <a:pt x="2569155" y="9070512"/>
-                  <a:pt x="2571727" y="9204454"/>
-                  <a:pt x="2581158" y="9338014"/>
-                </a:cubicBezTo>
-                <a:cubicBezTo>
-                  <a:pt x="2592779" y="9464358"/>
-                  <a:pt x="2592779" y="9591492"/>
-                  <a:pt x="2581158" y="9717836"/>
-                </a:cubicBezTo>
-                <a:cubicBezTo>
-                  <a:pt x="2537611" y="10104668"/>
-                  <a:pt x="2519789" y="10493310"/>
-                  <a:pt x="2513469" y="10882180"/>
-                </a:cubicBezTo>
-                <a:cubicBezTo>
-                  <a:pt x="2507716" y="11231010"/>
-                  <a:pt x="2510593" y="11579710"/>
-                  <a:pt x="2540947" y="11926948"/>
-                </a:cubicBezTo>
-                <a:lnTo>
-                  <a:pt x="2571690" y="12192002"/>
-                </a:lnTo>
-                <a:lnTo>
-                  <a:pt x="317800" y="12192002"/>
-                </a:lnTo>
-                <a:lnTo>
-                  <a:pt x="317800" y="12192001"/>
-                </a:lnTo>
-                <a:lnTo>
-                  <a:pt x="0" y="12192001"/>
-                </a:lnTo>
-                <a:lnTo>
-                  <a:pt x="0" y="0"/>
-                </a:lnTo>
-                <a:lnTo>
-                  <a:pt x="502920" y="0"/>
-                </a:lnTo>
-                <a:lnTo>
-                  <a:pt x="502920" y="1"/>
-                </a:lnTo>
-                <a:lnTo>
-                  <a:pt x="2576849" y="1"/>
-                </a:lnTo>
-                <a:lnTo>
-                  <a:pt x="2559770" y="168559"/>
-                </a:lnTo>
-                <a:cubicBezTo>
-                  <a:pt x="2547597" y="362008"/>
-                  <a:pt x="2555889" y="555934"/>
-                  <a:pt x="2568749" y="749861"/>
-                </a:cubicBezTo>
-                <a:cubicBezTo>
-                  <a:pt x="2587995" y="980723"/>
-                  <a:pt x="2590342" y="1212702"/>
-                  <a:pt x="2575743" y="1443898"/>
-                </a:cubicBezTo>
-                <a:cubicBezTo>
-                  <a:pt x="2561530" y="1622385"/>
-                  <a:pt x="2545510" y="1800869"/>
-                  <a:pt x="2540772" y="1979809"/>
-                </a:cubicBezTo>
-                <a:cubicBezTo>
-                  <a:pt x="2529488" y="2387004"/>
-                  <a:pt x="2563334" y="2789896"/>
-                  <a:pt x="2590182" y="3194149"/>
-                </a:cubicBezTo>
-                <a:cubicBezTo>
-                  <a:pt x="2600562" y="3351484"/>
-                  <a:pt x="2608177" y="3508706"/>
-                  <a:pt x="2609023" y="3665900"/>
-                </a:cubicBezTo>
-                <a:close/>
-              </a:path>
-            </a:pathLst>
-          </a:custGeom>
-          <a:solidFill>
-            <a:srgbClr val="AB96C6"/>
-          </a:solidFill>
-          <a:ln>
-            <a:noFill/>
-          </a:ln>
-        </p:spPr>
-        <p:style>
-          <a:lnRef idx="2">
-            <a:schemeClr val="accent1">
-              <a:shade val="50000"/>
-            </a:schemeClr>
-          </a:lnRef>
-          <a:fillRef idx="1">
-            <a:schemeClr val="accent1"/>
-          </a:fillRef>
-          <a:effectRef idx="0">
-            <a:schemeClr val="accent1"/>
-          </a:effectRef>
-          <a:fontRef idx="minor">
-            <a:schemeClr val="lt1"/>
-          </a:fontRef>
-        </p:style>
-        <p:txBody>
-          <a:bodyPr wrap="square" rtlCol="0" anchor="ctr">
-            <a:noAutofit/>
-          </a:bodyPr>
-          <a:lstStyle/>
-          <a:p>
-            <a:pPr algn="ctr"/>
-            <a:endParaRPr lang="en-US"/>
-          </a:p>
-        </p:txBody>
-      </p:sp>
-      <p:sp>
-        <p:nvSpPr>
-          <p:cNvPr id="2" name="Title 1">
-            <a:extLst>
-              <a:ext uri="{FF2B5EF4-FFF2-40B4-BE49-F238E27FC236}">
-                <a16:creationId xmlns:a16="http://schemas.microsoft.com/office/drawing/2014/main" id="{80C6C333-C190-DB4A-A179-29DBB27382E6}"/>
-              </a:ext>
-            </a:extLst>
-          </p:cNvPr>
-          <p:cNvSpPr>
-            <a:spLocks noGrp="1"/>
-          </p:cNvSpPr>
-          <p:nvPr>
-            <p:ph type="title"/>
-          </p:nvPr>
-        </p:nvSpPr>
-        <p:spPr>
-          <a:xfrm>
-            <a:off x="137223" y="4541755"/>
-            <a:ext cx="4020310" cy="2177186"/>
-          </a:xfrm>
-        </p:spPr>
-        <p:txBody>
-          <a:bodyPr anchor="ctr">
-            <a:noAutofit/>
-          </a:bodyPr>
-          <a:lstStyle/>
-          <a:p>
-            <a:r>
-              <a:rPr lang="en-US" sz="3600" dirty="0">
-                <a:solidFill>
-                  <a:schemeClr val="bg1"/>
-                </a:solidFill>
-              </a:rPr>
-              <a:t>3. METHODS – </a:t>
-            </a:r>
-            <a:br>
-              <a:rPr lang="en-US" sz="3600" dirty="0">
-                <a:solidFill>
-                  <a:schemeClr val="bg1"/>
-                </a:solidFill>
-              </a:rPr>
-            </a:br>
-            <a:r>
-              <a:rPr lang="en-US" sz="3600" dirty="0">
-                <a:solidFill>
-                  <a:schemeClr val="bg1"/>
-                </a:solidFill>
-              </a:rPr>
-              <a:t>PREPARATION</a:t>
-            </a:r>
-          </a:p>
-        </p:txBody>
-      </p:sp>
-      <p:sp>
-        <p:nvSpPr>
-          <p:cNvPr id="34" name="Rectangle 22">
-            <a:extLst>
-              <a:ext uri="{FF2B5EF4-FFF2-40B4-BE49-F238E27FC236}">
-                <a16:creationId xmlns:a16="http://schemas.microsoft.com/office/drawing/2014/main" id="{535742DD-1B16-4E9D-B715-0D74B4574A68}"/>
-              </a:ext>
-              <a:ext uri="{C183D7F6-B498-43B3-948B-1728B52AA6E4}">
-                <adec:decorative xmlns:adec="http://schemas.microsoft.com/office/drawing/2017/decorative" val="1"/>
-              </a:ext>
-            </a:extLst>
-          </p:cNvPr>
-          <p:cNvSpPr>
-            <a:spLocks noGrp="1" noRot="1" noChangeAspect="1" noMove="1" noResize="1" noEditPoints="1" noAdjustHandles="1" noChangeArrowheads="1" noChangeShapeType="1" noTextEdit="1"/>
-          </p:cNvSpPr>
-          <p:nvPr>
-            <p:extLst>
-              <p:ext uri="{386F3935-93C4-4BCD-93E2-E3B085C9AB24}">
-                <p16:designElem xmlns:p16="http://schemas.microsoft.com/office/powerpoint/2015/main" val="1"/>
-              </p:ext>
-            </p:extLst>
-          </p:nvPr>
-        </p:nvSpPr>
-        <p:spPr>
-          <a:xfrm>
-            <a:off x="4314992" y="4562856"/>
-            <a:ext cx="18288" cy="1600200"/>
-          </a:xfrm>
-          <a:custGeom>
-            <a:avLst/>
-            <a:gdLst>
-              <a:gd name="connsiteX0" fmla="*/ 0 w 18288"/>
-              <a:gd name="connsiteY0" fmla="*/ 0 h 1600200"/>
-              <a:gd name="connsiteX1" fmla="*/ 18288 w 18288"/>
-              <a:gd name="connsiteY1" fmla="*/ 0 h 1600200"/>
-              <a:gd name="connsiteX2" fmla="*/ 18288 w 18288"/>
-              <a:gd name="connsiteY2" fmla="*/ 549402 h 1600200"/>
-              <a:gd name="connsiteX3" fmla="*/ 18288 w 18288"/>
-              <a:gd name="connsiteY3" fmla="*/ 1114806 h 1600200"/>
-              <a:gd name="connsiteX4" fmla="*/ 18288 w 18288"/>
-              <a:gd name="connsiteY4" fmla="*/ 1600200 h 1600200"/>
-              <a:gd name="connsiteX5" fmla="*/ 0 w 18288"/>
-              <a:gd name="connsiteY5" fmla="*/ 1600200 h 1600200"/>
-              <a:gd name="connsiteX6" fmla="*/ 0 w 18288"/>
-              <a:gd name="connsiteY6" fmla="*/ 1066800 h 1600200"/>
-              <a:gd name="connsiteX7" fmla="*/ 0 w 18288"/>
-              <a:gd name="connsiteY7" fmla="*/ 517398 h 1600200"/>
-              <a:gd name="connsiteX8" fmla="*/ 0 w 18288"/>
-              <a:gd name="connsiteY8" fmla="*/ 0 h 1600200"/>
-            </a:gdLst>
-            <a:ahLst/>
-            <a:cxnLst>
-              <a:cxn ang="0">
-                <a:pos x="connsiteX0" y="connsiteY0"/>
-              </a:cxn>
-              <a:cxn ang="0">
-                <a:pos x="connsiteX1" y="connsiteY1"/>
-              </a:cxn>
-              <a:cxn ang="0">
-                <a:pos x="connsiteX2" y="connsiteY2"/>
-              </a:cxn>
-              <a:cxn ang="0">
-                <a:pos x="connsiteX3" y="connsiteY3"/>
-              </a:cxn>
-              <a:cxn ang="0">
-                <a:pos x="connsiteX4" y="connsiteY4"/>
-              </a:cxn>
-              <a:cxn ang="0">
-                <a:pos x="connsiteX5" y="connsiteY5"/>
-              </a:cxn>
-              <a:cxn ang="0">
-                <a:pos x="connsiteX6" y="connsiteY6"/>
-              </a:cxn>
-              <a:cxn ang="0">
-                <a:pos x="connsiteX7" y="connsiteY7"/>
-              </a:cxn>
-              <a:cxn ang="0">
-                <a:pos x="connsiteX8" y="connsiteY8"/>
-              </a:cxn>
-            </a:cxnLst>
-            <a:rect l="l" t="t" r="r" b="b"/>
-            <a:pathLst>
-              <a:path w="18288" h="1600200" fill="none" extrusionOk="0">
-                <a:moveTo>
-                  <a:pt x="0" y="0"/>
-                </a:moveTo>
-                <a:cubicBezTo>
-                  <a:pt x="4865" y="374"/>
-                  <a:pt x="13608" y="53"/>
-                  <a:pt x="18288" y="0"/>
-                </a:cubicBezTo>
-                <a:cubicBezTo>
-                  <a:pt x="23286" y="215154"/>
-                  <a:pt x="-6672" y="375145"/>
-                  <a:pt x="18288" y="549402"/>
-                </a:cubicBezTo>
-                <a:cubicBezTo>
-                  <a:pt x="43248" y="723659"/>
-                  <a:pt x="44414" y="873011"/>
-                  <a:pt x="18288" y="1114806"/>
-                </a:cubicBezTo>
-                <a:cubicBezTo>
-                  <a:pt x="-7838" y="1356601"/>
-                  <a:pt x="13030" y="1360490"/>
-                  <a:pt x="18288" y="1600200"/>
-                </a:cubicBezTo>
-                <a:cubicBezTo>
-                  <a:pt x="10638" y="1600772"/>
-                  <a:pt x="4111" y="1599793"/>
-                  <a:pt x="0" y="1600200"/>
-                </a:cubicBezTo>
-                <a:cubicBezTo>
-                  <a:pt x="-6890" y="1375807"/>
-                  <a:pt x="21339" y="1304563"/>
-                  <a:pt x="0" y="1066800"/>
-                </a:cubicBezTo>
-                <a:cubicBezTo>
-                  <a:pt x="-21339" y="829037"/>
-                  <a:pt x="-23009" y="689986"/>
-                  <a:pt x="0" y="517398"/>
-                </a:cubicBezTo>
-                <a:cubicBezTo>
-                  <a:pt x="23009" y="344810"/>
-                  <a:pt x="-9921" y="122345"/>
-                  <a:pt x="0" y="0"/>
-                </a:cubicBezTo>
-                <a:close/>
-              </a:path>
-              <a:path w="18288" h="1600200" stroke="0" extrusionOk="0">
-                <a:moveTo>
-                  <a:pt x="0" y="0"/>
-                </a:moveTo>
-                <a:cubicBezTo>
-                  <a:pt x="5341" y="9"/>
-                  <a:pt x="11148" y="-611"/>
-                  <a:pt x="18288" y="0"/>
-                </a:cubicBezTo>
-                <a:cubicBezTo>
-                  <a:pt x="31387" y="104987"/>
-                  <a:pt x="17137" y="300374"/>
-                  <a:pt x="18288" y="485394"/>
-                </a:cubicBezTo>
-                <a:cubicBezTo>
-                  <a:pt x="19439" y="670414"/>
-                  <a:pt x="37394" y="922400"/>
-                  <a:pt x="18288" y="1050798"/>
-                </a:cubicBezTo>
-                <a:cubicBezTo>
-                  <a:pt x="-818" y="1179196"/>
-                  <a:pt x="6556" y="1394957"/>
-                  <a:pt x="18288" y="1600200"/>
-                </a:cubicBezTo>
-                <a:cubicBezTo>
-                  <a:pt x="12642" y="1600430"/>
-                  <a:pt x="3803" y="1599869"/>
-                  <a:pt x="0" y="1600200"/>
-                </a:cubicBezTo>
-                <a:cubicBezTo>
-                  <a:pt x="10832" y="1355159"/>
-                  <a:pt x="-10163" y="1159269"/>
-                  <a:pt x="0" y="1034796"/>
-                </a:cubicBezTo>
-                <a:cubicBezTo>
-                  <a:pt x="10163" y="910323"/>
-                  <a:pt x="5178" y="626710"/>
-                  <a:pt x="0" y="469392"/>
-                </a:cubicBezTo>
-                <a:cubicBezTo>
-                  <a:pt x="-5178" y="312074"/>
-                  <a:pt x="20387" y="137476"/>
-                  <a:pt x="0" y="0"/>
-                </a:cubicBezTo>
-                <a:close/>
-              </a:path>
-            </a:pathLst>
-          </a:custGeom>
-          <a:solidFill>
-            <a:schemeClr val="bg1"/>
-          </a:solidFill>
-          <a:ln w="34925">
-            <a:solidFill>
-              <a:schemeClr val="bg1"/>
-            </a:solidFill>
-            <a:round/>
-            <a:extLst>
-              <a:ext uri="{C807C97D-BFC1-408E-A445-0C87EB9F89A2}">
-                <ask:lineSketchStyleProps xmlns:ask="http://schemas.microsoft.com/office/drawing/2018/sketchyshapes" sd="1219033472">
-                  <a:prstGeom prst="rect">
-                    <a:avLst/>
-                  </a:prstGeom>
-                  <ask:type>
-                    <ask:lineSketchFreehand/>
-                  </ask:type>
-                </ask:lineSketchStyleProps>
-              </a:ext>
-            </a:extLst>
-          </a:ln>
-        </p:spPr>
-        <p:style>
-          <a:lnRef idx="2">
-            <a:schemeClr val="accent1">
-              <a:shade val="50000"/>
-            </a:schemeClr>
-          </a:lnRef>
-          <a:fillRef idx="1">
-            <a:schemeClr val="accent1"/>
-          </a:fillRef>
-          <a:effectRef idx="0">
-            <a:schemeClr val="accent1"/>
-          </a:effectRef>
-          <a:fontRef idx="minor">
-            <a:schemeClr val="lt1"/>
-          </a:fontRef>
-        </p:style>
-        <p:txBody>
-          <a:bodyPr rtlCol="0" anchor="ctr"/>
-          <a:lstStyle/>
-          <a:p>
-            <a:pPr algn="ctr"/>
-            <a:endParaRPr lang="en-US"/>
-          </a:p>
-        </p:txBody>
-      </p:sp>
-      <p:sp>
-        <p:nvSpPr>
-          <p:cNvPr id="3" name="Content Placeholder 2">
-            <a:extLst>
-              <a:ext uri="{FF2B5EF4-FFF2-40B4-BE49-F238E27FC236}">
-                <a16:creationId xmlns:a16="http://schemas.microsoft.com/office/drawing/2014/main" id="{2C6621D5-8DF2-9543-A7FD-3336FD49D431}"/>
-              </a:ext>
-            </a:extLst>
-          </p:cNvPr>
-          <p:cNvSpPr>
-            <a:spLocks noGrp="1"/>
-          </p:cNvSpPr>
-          <p:nvPr>
-            <p:ph idx="1"/>
-          </p:nvPr>
-        </p:nvSpPr>
-        <p:spPr>
-          <a:xfrm>
-            <a:off x="4648199" y="4489743"/>
-            <a:ext cx="6894576" cy="2162556"/>
-          </a:xfrm>
-        </p:spPr>
-        <p:txBody>
-          <a:bodyPr anchor="ctr">
-            <a:noAutofit/>
-          </a:bodyPr>
-          <a:lstStyle/>
-          <a:p>
-            <a:pPr>
-              <a:lnSpc>
-                <a:spcPct val="100000"/>
-              </a:lnSpc>
-            </a:pPr>
-            <a:r>
-              <a:rPr lang="en-US" sz="2000" dirty="0">
-                <a:solidFill>
-                  <a:schemeClr val="bg1"/>
-                </a:solidFill>
-              </a:rPr>
-              <a:t>Merge two datasets</a:t>
-            </a:r>
-          </a:p>
-          <a:p>
-            <a:pPr>
-              <a:lnSpc>
-                <a:spcPct val="100000"/>
-              </a:lnSpc>
-            </a:pPr>
-            <a:r>
-              <a:rPr lang="en-US" sz="2000" dirty="0">
-                <a:solidFill>
-                  <a:schemeClr val="bg1"/>
-                </a:solidFill>
-              </a:rPr>
-              <a:t>Create ‘</a:t>
-            </a:r>
-            <a:r>
-              <a:rPr lang="en-US" sz="2000" dirty="0" err="1">
-                <a:solidFill>
-                  <a:schemeClr val="bg1"/>
-                </a:solidFill>
-              </a:rPr>
-              <a:t>final_grade</a:t>
-            </a:r>
-            <a:r>
-              <a:rPr lang="en-US" sz="2000" dirty="0">
-                <a:solidFill>
-                  <a:schemeClr val="bg1"/>
-                </a:solidFill>
-              </a:rPr>
-              <a:t>” column</a:t>
-            </a:r>
-          </a:p>
-          <a:p>
-            <a:pPr lvl="1">
-              <a:lnSpc>
-                <a:spcPct val="100000"/>
-              </a:lnSpc>
-            </a:pPr>
-            <a:r>
-              <a:rPr lang="en-US" sz="2000" dirty="0">
-                <a:solidFill>
-                  <a:schemeClr val="bg1"/>
-                </a:solidFill>
-              </a:rPr>
-              <a:t>good’ performance if score from 15 to 20</a:t>
-            </a:r>
-          </a:p>
-          <a:p>
-            <a:pPr lvl="1">
-              <a:lnSpc>
-                <a:spcPct val="100000"/>
-              </a:lnSpc>
-            </a:pPr>
-            <a:r>
-              <a:rPr lang="en-US" sz="2000" dirty="0">
-                <a:solidFill>
-                  <a:schemeClr val="bg1"/>
-                </a:solidFill>
-              </a:rPr>
-              <a:t>‘fair’ performance  if score from 10 to 14</a:t>
-            </a:r>
-          </a:p>
-          <a:p>
-            <a:pPr lvl="1">
-              <a:lnSpc>
-                <a:spcPct val="100000"/>
-              </a:lnSpc>
-            </a:pPr>
-            <a:r>
-              <a:rPr lang="en-US" sz="2000" dirty="0">
-                <a:solidFill>
-                  <a:schemeClr val="bg1"/>
-                </a:solidFill>
-              </a:rPr>
-              <a:t> ‘poor’ performance if score below 9 </a:t>
-            </a:r>
-            <a:br>
-              <a:rPr lang="en-US" sz="2000" dirty="0">
-                <a:solidFill>
-                  <a:schemeClr val="bg1"/>
-                </a:solidFill>
-              </a:rPr>
-            </a:br>
-            <a:endParaRPr lang="en-US" sz="2000" dirty="0">
-              <a:solidFill>
-                <a:schemeClr val="bg1"/>
-              </a:solidFill>
-            </a:endParaRPr>
-          </a:p>
-        </p:txBody>
-      </p:sp>
-      <p:pic>
-        <p:nvPicPr>
-          <p:cNvPr id="14" name="Picture 13" descr="Text&#10;&#10;Description automatically generated">
-            <a:extLst>
-              <a:ext uri="{FF2B5EF4-FFF2-40B4-BE49-F238E27FC236}">
-                <a16:creationId xmlns:a16="http://schemas.microsoft.com/office/drawing/2014/main" id="{5B1358DF-BA09-5845-AA59-03D64B31FA81}"/>
-              </a:ext>
-            </a:extLst>
-          </p:cNvPr>
-          <p:cNvPicPr>
-            <a:picLocks noChangeAspect="1"/>
-          </p:cNvPicPr>
-          <p:nvPr/>
-        </p:nvPicPr>
-        <p:blipFill>
-          <a:blip r:embed="rId2"/>
-          <a:stretch>
-            <a:fillRect/>
-          </a:stretch>
-        </p:blipFill>
-        <p:spPr>
-          <a:xfrm>
-            <a:off x="279872" y="452752"/>
-            <a:ext cx="11460372" cy="1604450"/>
-          </a:xfrm>
-          <a:prstGeom prst="rect">
-            <a:avLst/>
-          </a:prstGeom>
-        </p:spPr>
-      </p:pic>
-      <p:pic>
-        <p:nvPicPr>
-          <p:cNvPr id="15" name="Picture 14">
-            <a:extLst>
-              <a:ext uri="{FF2B5EF4-FFF2-40B4-BE49-F238E27FC236}">
-                <a16:creationId xmlns:a16="http://schemas.microsoft.com/office/drawing/2014/main" id="{05393831-AF24-B64B-916B-2A28AADF72C2}"/>
-              </a:ext>
-            </a:extLst>
-          </p:cNvPr>
-          <p:cNvPicPr>
-            <a:picLocks noChangeAspect="1"/>
-          </p:cNvPicPr>
-          <p:nvPr/>
-        </p:nvPicPr>
-        <p:blipFill>
-          <a:blip r:embed="rId3"/>
-          <a:stretch>
-            <a:fillRect/>
-          </a:stretch>
-        </p:blipFill>
-        <p:spPr>
-          <a:xfrm>
-            <a:off x="279872" y="2509954"/>
-            <a:ext cx="11599522" cy="1130953"/>
-          </a:xfrm>
-          <a:prstGeom prst="rect">
-            <a:avLst/>
-          </a:prstGeom>
-        </p:spPr>
-      </p:pic>
-    </p:spTree>
-    <p:extLst>
-      <p:ext uri="{BB962C8B-B14F-4D97-AF65-F5344CB8AC3E}">
-        <p14:creationId xmlns:p14="http://schemas.microsoft.com/office/powerpoint/2010/main" val="1880985497"/>
       </p:ext>
     </p:extLst>
   </p:cSld>

--- a/reports/Final_Presentation_AnniePhan.pptx
+++ b/reports/Final_Presentation_AnniePhan.pptx
@@ -4283,7 +4283,7 @@
           <a:p>
             <a:fld id="{72345051-2045-45DA-935E-2E3CA1A69ADC}" type="datetimeFigureOut">
               <a:rPr lang="en-US" smtClean="0"/>
-              <a:t>11/30/20</a:t>
+              <a:t>12/1/20</a:t>
             </a:fld>
             <a:endParaRPr lang="en-US" dirty="0"/>
           </a:p>
@@ -4481,7 +4481,7 @@
           <a:p>
             <a:fld id="{72345051-2045-45DA-935E-2E3CA1A69ADC}" type="datetimeFigureOut">
               <a:rPr lang="en-US" smtClean="0"/>
-              <a:t>11/30/20</a:t>
+              <a:t>12/1/20</a:t>
             </a:fld>
             <a:endParaRPr lang="en-US"/>
           </a:p>
@@ -4689,7 +4689,7 @@
           <a:p>
             <a:fld id="{72345051-2045-45DA-935E-2E3CA1A69ADC}" type="datetimeFigureOut">
               <a:rPr lang="en-US" smtClean="0"/>
-              <a:t>11/30/20</a:t>
+              <a:t>12/1/20</a:t>
             </a:fld>
             <a:endParaRPr lang="en-US"/>
           </a:p>
@@ -4911,7 +4911,7 @@
           <a:p>
             <a:fld id="{72345051-2045-45DA-935E-2E3CA1A69ADC}" type="datetimeFigureOut">
               <a:rPr lang="en-US" smtClean="0"/>
-              <a:t>11/30/20</a:t>
+              <a:t>12/1/20</a:t>
             </a:fld>
             <a:endParaRPr lang="en-US"/>
           </a:p>
@@ -5822,7 +5822,7 @@
           <a:p>
             <a:fld id="{72345051-2045-45DA-935E-2E3CA1A69ADC}" type="datetimeFigureOut">
               <a:rPr lang="en-US" smtClean="0"/>
-              <a:t>11/30/20</a:t>
+              <a:t>12/1/20</a:t>
             </a:fld>
             <a:endParaRPr lang="en-US"/>
           </a:p>
@@ -6425,7 +6425,7 @@
           <a:p>
             <a:fld id="{72345051-2045-45DA-935E-2E3CA1A69ADC}" type="datetimeFigureOut">
               <a:rPr lang="en-US" smtClean="0"/>
-              <a:t>11/30/20</a:t>
+              <a:t>12/1/20</a:t>
             </a:fld>
             <a:endParaRPr lang="en-US"/>
           </a:p>
@@ -7473,7 +7473,7 @@
           <a:p>
             <a:fld id="{72345051-2045-45DA-935E-2E3CA1A69ADC}" type="datetimeFigureOut">
               <a:rPr lang="en-US" smtClean="0"/>
-              <a:t>11/30/20</a:t>
+              <a:t>12/1/20</a:t>
             </a:fld>
             <a:endParaRPr lang="en-US"/>
           </a:p>
@@ -8257,7 +8257,7 @@
           <a:p>
             <a:fld id="{72345051-2045-45DA-935E-2E3CA1A69ADC}" type="datetimeFigureOut">
               <a:rPr lang="en-US" smtClean="0"/>
-              <a:t>11/30/20</a:t>
+              <a:t>12/1/20</a:t>
             </a:fld>
             <a:endParaRPr lang="en-US"/>
           </a:p>
@@ -8706,7 +8706,7 @@
           <a:p>
             <a:fld id="{72345051-2045-45DA-935E-2E3CA1A69ADC}" type="datetimeFigureOut">
               <a:rPr lang="en-US" smtClean="0"/>
-              <a:t>11/30/20</a:t>
+              <a:t>12/1/20</a:t>
             </a:fld>
             <a:endParaRPr lang="en-US"/>
           </a:p>
@@ -9023,7 +9023,7 @@
           <a:p>
             <a:fld id="{72345051-2045-45DA-935E-2E3CA1A69ADC}" type="datetimeFigureOut">
               <a:rPr lang="en-US" smtClean="0"/>
-              <a:t>11/30/20</a:t>
+              <a:t>12/1/20</a:t>
             </a:fld>
             <a:endParaRPr lang="en-US"/>
           </a:p>
@@ -9651,7 +9651,7 @@
           <a:p>
             <a:fld id="{72345051-2045-45DA-935E-2E3CA1A69ADC}" type="datetimeFigureOut">
               <a:rPr lang="en-US" smtClean="0"/>
-              <a:t>11/30/20</a:t>
+              <a:t>12/1/20</a:t>
             </a:fld>
             <a:endParaRPr lang="en-US"/>
           </a:p>
@@ -10224,7 +10224,7 @@
           <a:p>
             <a:fld id="{72345051-2045-45DA-935E-2E3CA1A69ADC}" type="datetimeFigureOut">
               <a:rPr lang="en-US" smtClean="0"/>
-              <a:t>11/30/20</a:t>
+              <a:t>12/1/20</a:t>
             </a:fld>
             <a:endParaRPr lang="en-US" dirty="0"/>
           </a:p>
@@ -13596,8 +13596,8 @@
           </a:p>
         </p:txBody>
       </p:sp>
-      <mc:AlternateContent xmlns:mc="http://schemas.openxmlformats.org/markup-compatibility/2006">
-        <mc:Choice xmlns:p14="http://schemas.microsoft.com/office/powerpoint/2010/main" Requires="p14">
+      <mc:AlternateContent xmlns:mc="http://schemas.openxmlformats.org/markup-compatibility/2006" xmlns:p14="http://schemas.microsoft.com/office/powerpoint/2010/main">
+        <mc:Choice Requires="p14">
           <p:contentPart p14:bwMode="auto" r:id="rId2">
             <p14:nvContentPartPr>
               <p14:cNvPr id="21" name="Ink 20">
@@ -13627,7 +13627,7 @@
             </p14:xfrm>
           </p:contentPart>
         </mc:Choice>
-        <mc:Fallback>
+        <mc:Fallback xmlns="">
           <p:pic>
             <p:nvPicPr>
               <p:cNvPr id="21" name="Ink 20">
@@ -15050,8 +15050,8 @@
           </a:p>
         </p:txBody>
       </p:sp>
-      <mc:AlternateContent xmlns:mc="http://schemas.openxmlformats.org/markup-compatibility/2006">
-        <mc:Choice xmlns:p14="http://schemas.microsoft.com/office/powerpoint/2010/main" Requires="p14">
+      <mc:AlternateContent xmlns:mc="http://schemas.openxmlformats.org/markup-compatibility/2006" xmlns:p14="http://schemas.microsoft.com/office/powerpoint/2010/main">
+        <mc:Choice Requires="p14">
           <p:contentPart p14:bwMode="auto" r:id="rId2">
             <p14:nvContentPartPr>
               <p14:cNvPr id="21" name="Ink 20">
@@ -15081,7 +15081,7 @@
             </p14:xfrm>
           </p:contentPart>
         </mc:Choice>
-        <mc:Fallback>
+        <mc:Fallback xmlns="">
           <p:pic>
             <p:nvPicPr>
               <p:cNvPr id="21" name="Ink 20">
@@ -16070,8 +16070,8 @@
           </a:p>
         </p:txBody>
       </p:sp>
-      <mc:AlternateContent xmlns:mc="http://schemas.openxmlformats.org/markup-compatibility/2006">
-        <mc:Choice xmlns:p14="http://schemas.microsoft.com/office/powerpoint/2010/main" Requires="p14">
+      <mc:AlternateContent xmlns:mc="http://schemas.openxmlformats.org/markup-compatibility/2006" xmlns:p14="http://schemas.microsoft.com/office/powerpoint/2010/main">
+        <mc:Choice Requires="p14">
           <p:contentPart p14:bwMode="auto" r:id="rId2">
             <p14:nvContentPartPr>
               <p14:cNvPr id="21" name="Ink 20">
@@ -16101,7 +16101,7 @@
             </p14:xfrm>
           </p:contentPart>
         </mc:Choice>
-        <mc:Fallback>
+        <mc:Fallback xmlns="">
           <p:pic>
             <p:nvPicPr>
               <p:cNvPr id="21" name="Ink 20">
@@ -18882,8 +18882,8 @@
           </a:p>
         </p:txBody>
       </p:sp>
-      <mc:AlternateContent xmlns:mc="http://schemas.openxmlformats.org/markup-compatibility/2006">
-        <mc:Choice xmlns:p14="http://schemas.microsoft.com/office/powerpoint/2010/main" Requires="p14">
+      <mc:AlternateContent xmlns:mc="http://schemas.openxmlformats.org/markup-compatibility/2006" xmlns:p14="http://schemas.microsoft.com/office/powerpoint/2010/main">
+        <mc:Choice Requires="p14">
           <p:contentPart p14:bwMode="auto" r:id="rId2">
             <p14:nvContentPartPr>
               <p14:cNvPr id="16" name="Ink 15">
@@ -18913,7 +18913,7 @@
             </p14:xfrm>
           </p:contentPart>
         </mc:Choice>
-        <mc:Fallback>
+        <mc:Fallback xmlns="">
           <p:pic>
             <p:nvPicPr>
               <p:cNvPr id="16" name="Ink 15">
@@ -19412,8 +19412,8 @@
           </a:p>
         </p:txBody>
       </p:sp>
-      <mc:AlternateContent xmlns:mc="http://schemas.openxmlformats.org/markup-compatibility/2006">
-        <mc:Choice xmlns:p14="http://schemas.microsoft.com/office/powerpoint/2010/main" Requires="p14">
+      <mc:AlternateContent xmlns:mc="http://schemas.openxmlformats.org/markup-compatibility/2006" xmlns:p14="http://schemas.microsoft.com/office/powerpoint/2010/main">
+        <mc:Choice Requires="p14">
           <p:contentPart p14:bwMode="auto" r:id="rId2">
             <p14:nvContentPartPr>
               <p14:cNvPr id="16" name="Ink 15">
@@ -19443,7 +19443,7 @@
             </p14:xfrm>
           </p:contentPart>
         </mc:Choice>
-        <mc:Fallback>
+        <mc:Fallback xmlns="">
           <p:pic>
             <p:nvPicPr>
               <p:cNvPr id="16" name="Ink 15">

--- a/reports/Final_Presentation_AnniePhan.pptx
+++ b/reports/Final_Presentation_AnniePhan.pptx
@@ -20,7 +20,8 @@
     <p:sldId id="266" r:id="rId14"/>
     <p:sldId id="273" r:id="rId15"/>
     <p:sldId id="274" r:id="rId16"/>
-    <p:sldId id="271" r:id="rId17"/>
+    <p:sldId id="278" r:id="rId17"/>
+    <p:sldId id="271" r:id="rId18"/>
   </p:sldIdLst>
   <p:sldSz cx="12192000" cy="6858000"/>
   <p:notesSz cx="6858000" cy="9144000"/>
@@ -15647,7 +15648,7 @@
                   <a:srgbClr val="7030A0"/>
                 </a:solidFill>
               </a:rPr>
-              <a:t>4. RESULTS – FEATURE IMPORTANCES</a:t>
+              <a:t>4. RESULTS – FEATURE IMPORTANCES (GLBOAL)</a:t>
             </a:r>
           </a:p>
         </p:txBody>
@@ -16331,6 +16332,219 @@
 </file>
 
 <file path=ppt/slides/slide16.xml><?xml version="1.0" encoding="utf-8"?>
+<p:sld xmlns:a="http://schemas.openxmlformats.org/drawingml/2006/main" xmlns:r="http://schemas.openxmlformats.org/officeDocument/2006/relationships" xmlns:p="http://schemas.openxmlformats.org/presentationml/2006/main">
+  <p:cSld>
+    <p:spTree>
+      <p:nvGrpSpPr>
+        <p:cNvPr id="1" name=""/>
+        <p:cNvGrpSpPr/>
+        <p:nvPr/>
+      </p:nvGrpSpPr>
+      <p:grpSpPr>
+        <a:xfrm>
+          <a:off x="0" y="0"/>
+          <a:ext cx="0" cy="0"/>
+          <a:chOff x="0" y="0"/>
+          <a:chExt cx="0" cy="0"/>
+        </a:xfrm>
+      </p:grpSpPr>
+      <p:sp>
+        <p:nvSpPr>
+          <p:cNvPr id="3" name="Title 1">
+            <a:extLst>
+              <a:ext uri="{FF2B5EF4-FFF2-40B4-BE49-F238E27FC236}">
+                <a16:creationId xmlns:a16="http://schemas.microsoft.com/office/drawing/2014/main" id="{DF93A016-334D-A841-AC0C-DEAEF0C45DA0}"/>
+              </a:ext>
+            </a:extLst>
+          </p:cNvPr>
+          <p:cNvSpPr txBox="1">
+            <a:spLocks/>
+          </p:cNvSpPr>
+          <p:nvPr/>
+        </p:nvSpPr>
+        <p:spPr>
+          <a:xfrm>
+            <a:off x="2966362" y="345989"/>
+            <a:ext cx="7129107" cy="873376"/>
+          </a:xfrm>
+          <a:prstGeom prst="rect">
+            <a:avLst/>
+          </a:prstGeom>
+        </p:spPr>
+        <p:txBody>
+          <a:bodyPr anchor="b">
+            <a:normAutofit/>
+          </a:bodyPr>
+          <a:lstStyle>
+            <a:lvl1pPr algn="l" defTabSz="914400" rtl="0" eaLnBrk="1" latinLnBrk="0" hangingPunct="1">
+              <a:lnSpc>
+                <a:spcPct val="100000"/>
+              </a:lnSpc>
+              <a:spcBef>
+                <a:spcPct val="0"/>
+              </a:spcBef>
+              <a:buNone/>
+              <a:defRPr sz="5400" kern="1200">
+                <a:solidFill>
+                  <a:schemeClr val="tx1"/>
+                </a:solidFill>
+                <a:latin typeface="+mj-lt"/>
+                <a:ea typeface="+mj-ea"/>
+                <a:cs typeface="+mj-cs"/>
+              </a:defRPr>
+            </a:lvl1pPr>
+          </a:lstStyle>
+          <a:p>
+            <a:pPr>
+              <a:lnSpc>
+                <a:spcPct val="90000"/>
+              </a:lnSpc>
+            </a:pPr>
+            <a:r>
+              <a:rPr lang="en-US" sz="4800" dirty="0">
+                <a:solidFill>
+                  <a:srgbClr val="7030A0"/>
+                </a:solidFill>
+              </a:rPr>
+              <a:t>4. RESULTS – FEATURE IMPORTANCES (LOCAL)</a:t>
+            </a:r>
+          </a:p>
+        </p:txBody>
+      </p:sp>
+      <p:pic>
+        <p:nvPicPr>
+          <p:cNvPr id="7" name="Picture 6" descr="A picture containing graphical user interface&#10;&#10;Description automatically generated">
+            <a:extLst>
+              <a:ext uri="{FF2B5EF4-FFF2-40B4-BE49-F238E27FC236}">
+                <a16:creationId xmlns:a16="http://schemas.microsoft.com/office/drawing/2014/main" id="{F17A90FE-9E11-4D49-8C80-BFC854A97653}"/>
+              </a:ext>
+            </a:extLst>
+          </p:cNvPr>
+          <p:cNvPicPr>
+            <a:picLocks noChangeAspect="1"/>
+          </p:cNvPicPr>
+          <p:nvPr/>
+        </p:nvPicPr>
+        <p:blipFill>
+          <a:blip r:embed="rId2"/>
+          <a:stretch>
+            <a:fillRect/>
+          </a:stretch>
+        </p:blipFill>
+        <p:spPr>
+          <a:xfrm>
+            <a:off x="235924" y="5217907"/>
+            <a:ext cx="5985746" cy="1344168"/>
+          </a:xfrm>
+          <a:prstGeom prst="rect">
+            <a:avLst/>
+          </a:prstGeom>
+        </p:spPr>
+      </p:pic>
+      <p:pic>
+        <p:nvPicPr>
+          <p:cNvPr id="11" name="Picture 10" descr="Chart, scatter chart&#10;&#10;Description automatically generated">
+            <a:extLst>
+              <a:ext uri="{FF2B5EF4-FFF2-40B4-BE49-F238E27FC236}">
+                <a16:creationId xmlns:a16="http://schemas.microsoft.com/office/drawing/2014/main" id="{18B3163E-56E3-DE4B-945F-EB3DA4C79DCF}"/>
+              </a:ext>
+            </a:extLst>
+          </p:cNvPr>
+          <p:cNvPicPr>
+            <a:picLocks noChangeAspect="1"/>
+          </p:cNvPicPr>
+          <p:nvPr/>
+        </p:nvPicPr>
+        <p:blipFill>
+          <a:blip r:embed="rId3"/>
+          <a:stretch>
+            <a:fillRect/>
+          </a:stretch>
+        </p:blipFill>
+        <p:spPr>
+          <a:xfrm>
+            <a:off x="698903" y="1941841"/>
+            <a:ext cx="4534918" cy="3225674"/>
+          </a:xfrm>
+          <a:prstGeom prst="rect">
+            <a:avLst/>
+          </a:prstGeom>
+        </p:spPr>
+      </p:pic>
+      <p:pic>
+        <p:nvPicPr>
+          <p:cNvPr id="20" name="Picture 19" descr="Timeline&#10;&#10;Description automatically generated">
+            <a:extLst>
+              <a:ext uri="{FF2B5EF4-FFF2-40B4-BE49-F238E27FC236}">
+                <a16:creationId xmlns:a16="http://schemas.microsoft.com/office/drawing/2014/main" id="{646DF085-6173-414E-8FFE-CBD1CA199991}"/>
+              </a:ext>
+            </a:extLst>
+          </p:cNvPr>
+          <p:cNvPicPr>
+            <a:picLocks noChangeAspect="1"/>
+          </p:cNvPicPr>
+          <p:nvPr/>
+        </p:nvPicPr>
+        <p:blipFill>
+          <a:blip r:embed="rId4"/>
+          <a:stretch>
+            <a:fillRect/>
+          </a:stretch>
+        </p:blipFill>
+        <p:spPr>
+          <a:xfrm>
+            <a:off x="6530915" y="5261232"/>
+            <a:ext cx="5280033" cy="1194071"/>
+          </a:xfrm>
+          <a:prstGeom prst="rect">
+            <a:avLst/>
+          </a:prstGeom>
+        </p:spPr>
+      </p:pic>
+      <p:pic>
+        <p:nvPicPr>
+          <p:cNvPr id="40" name="Picture 39" descr="Chart, scatter chart&#10;&#10;Description automatically generated">
+            <a:extLst>
+              <a:ext uri="{FF2B5EF4-FFF2-40B4-BE49-F238E27FC236}">
+                <a16:creationId xmlns:a16="http://schemas.microsoft.com/office/drawing/2014/main" id="{2A69A04E-2036-5941-BBDD-4CCC0EB18621}"/>
+              </a:ext>
+            </a:extLst>
+          </p:cNvPr>
+          <p:cNvPicPr>
+            <a:picLocks noChangeAspect="1"/>
+          </p:cNvPicPr>
+          <p:nvPr/>
+        </p:nvPicPr>
+        <p:blipFill>
+          <a:blip r:embed="rId5"/>
+          <a:stretch>
+            <a:fillRect/>
+          </a:stretch>
+        </p:blipFill>
+        <p:spPr>
+          <a:xfrm>
+            <a:off x="6702997" y="1952592"/>
+            <a:ext cx="4534918" cy="3179118"/>
+          </a:xfrm>
+          <a:prstGeom prst="rect">
+            <a:avLst/>
+          </a:prstGeom>
+        </p:spPr>
+      </p:pic>
+    </p:spTree>
+    <p:extLst>
+      <p:ext uri="{BB962C8B-B14F-4D97-AF65-F5344CB8AC3E}">
+        <p14:creationId xmlns:p14="http://schemas.microsoft.com/office/powerpoint/2010/main" val="2151269537"/>
+      </p:ext>
+    </p:extLst>
+  </p:cSld>
+  <p:clrMapOvr>
+    <a:masterClrMapping/>
+  </p:clrMapOvr>
+</p:sld>
+</file>
+
+<file path=ppt/slides/slide17.xml><?xml version="1.0" encoding="utf-8"?>
 <p:sld xmlns:a="http://schemas.openxmlformats.org/drawingml/2006/main" xmlns:r="http://schemas.openxmlformats.org/officeDocument/2006/relationships" xmlns:p="http://schemas.openxmlformats.org/presentationml/2006/main">
   <p:cSld>
     <p:bg>

--- a/reports/Final_Presentation_AnniePhan.pptx
+++ b/reports/Final_Presentation_AnniePhan.pptx
@@ -17,8 +17,7 @@
     <p:sldId id="266" r:id="rId11"/>
     <p:sldId id="273" r:id="rId12"/>
     <p:sldId id="274" r:id="rId13"/>
-    <p:sldId id="278" r:id="rId14"/>
-    <p:sldId id="271" r:id="rId15"/>
+    <p:sldId id="271" r:id="rId14"/>
   </p:sldIdLst>
   <p:sldSz cx="12192000" cy="6858000"/>
   <p:notesSz cx="6858000" cy="9144000"/>
@@ -4323,7 +4322,7 @@
           <a:p>
             <a:fld id="{72345051-2045-45DA-935E-2E3CA1A69ADC}" type="datetimeFigureOut">
               <a:rPr lang="en-US" smtClean="0"/>
-              <a:t>12/1/20</a:t>
+              <a:t>12/2/20</a:t>
             </a:fld>
             <a:endParaRPr lang="en-US" dirty="0"/>
           </a:p>
@@ -4521,7 +4520,7 @@
           <a:p>
             <a:fld id="{72345051-2045-45DA-935E-2E3CA1A69ADC}" type="datetimeFigureOut">
               <a:rPr lang="en-US" smtClean="0"/>
-              <a:t>12/1/20</a:t>
+              <a:t>12/2/20</a:t>
             </a:fld>
             <a:endParaRPr lang="en-US"/>
           </a:p>
@@ -4729,7 +4728,7 @@
           <a:p>
             <a:fld id="{72345051-2045-45DA-935E-2E3CA1A69ADC}" type="datetimeFigureOut">
               <a:rPr lang="en-US" smtClean="0"/>
-              <a:t>12/1/20</a:t>
+              <a:t>12/2/20</a:t>
             </a:fld>
             <a:endParaRPr lang="en-US"/>
           </a:p>
@@ -4951,7 +4950,7 @@
           <a:p>
             <a:fld id="{72345051-2045-45DA-935E-2E3CA1A69ADC}" type="datetimeFigureOut">
               <a:rPr lang="en-US" smtClean="0"/>
-              <a:t>12/1/20</a:t>
+              <a:t>12/2/20</a:t>
             </a:fld>
             <a:endParaRPr lang="en-US"/>
           </a:p>
@@ -5862,7 +5861,7 @@
           <a:p>
             <a:fld id="{72345051-2045-45DA-935E-2E3CA1A69ADC}" type="datetimeFigureOut">
               <a:rPr lang="en-US" smtClean="0"/>
-              <a:t>12/1/20</a:t>
+              <a:t>12/2/20</a:t>
             </a:fld>
             <a:endParaRPr lang="en-US"/>
           </a:p>
@@ -6465,7 +6464,7 @@
           <a:p>
             <a:fld id="{72345051-2045-45DA-935E-2E3CA1A69ADC}" type="datetimeFigureOut">
               <a:rPr lang="en-US" smtClean="0"/>
-              <a:t>12/1/20</a:t>
+              <a:t>12/2/20</a:t>
             </a:fld>
             <a:endParaRPr lang="en-US"/>
           </a:p>
@@ -7513,7 +7512,7 @@
           <a:p>
             <a:fld id="{72345051-2045-45DA-935E-2E3CA1A69ADC}" type="datetimeFigureOut">
               <a:rPr lang="en-US" smtClean="0"/>
-              <a:t>12/1/20</a:t>
+              <a:t>12/2/20</a:t>
             </a:fld>
             <a:endParaRPr lang="en-US"/>
           </a:p>
@@ -8297,7 +8296,7 @@
           <a:p>
             <a:fld id="{72345051-2045-45DA-935E-2E3CA1A69ADC}" type="datetimeFigureOut">
               <a:rPr lang="en-US" smtClean="0"/>
-              <a:t>12/1/20</a:t>
+              <a:t>12/2/20</a:t>
             </a:fld>
             <a:endParaRPr lang="en-US"/>
           </a:p>
@@ -8746,7 +8745,7 @@
           <a:p>
             <a:fld id="{72345051-2045-45DA-935E-2E3CA1A69ADC}" type="datetimeFigureOut">
               <a:rPr lang="en-US" smtClean="0"/>
-              <a:t>12/1/20</a:t>
+              <a:t>12/2/20</a:t>
             </a:fld>
             <a:endParaRPr lang="en-US"/>
           </a:p>
@@ -9063,7 +9062,7 @@
           <a:p>
             <a:fld id="{72345051-2045-45DA-935E-2E3CA1A69ADC}" type="datetimeFigureOut">
               <a:rPr lang="en-US" smtClean="0"/>
-              <a:t>12/1/20</a:t>
+              <a:t>12/2/20</a:t>
             </a:fld>
             <a:endParaRPr lang="en-US"/>
           </a:p>
@@ -9691,7 +9690,7 @@
           <a:p>
             <a:fld id="{72345051-2045-45DA-935E-2E3CA1A69ADC}" type="datetimeFigureOut">
               <a:rPr lang="en-US" smtClean="0"/>
-              <a:t>12/1/20</a:t>
+              <a:t>12/2/20</a:t>
             </a:fld>
             <a:endParaRPr lang="en-US"/>
           </a:p>
@@ -10264,7 +10263,7 @@
           <a:p>
             <a:fld id="{72345051-2045-45DA-935E-2E3CA1A69ADC}" type="datetimeFigureOut">
               <a:rPr lang="en-US" smtClean="0"/>
-              <a:t>12/1/20</a:t>
+              <a:t>12/2/20</a:t>
             </a:fld>
             <a:endParaRPr lang="en-US" dirty="0"/>
           </a:p>
@@ -13137,7 +13136,7 @@
                   <a:srgbClr val="7030A0"/>
                 </a:solidFill>
               </a:rPr>
-              <a:t>3. RESULTS – FEATURE IMPORTANCES (GLBOAL)</a:t>
+              <a:t>3. RESULTS – FEATURE IMPORTANCES</a:t>
             </a:r>
           </a:p>
         </p:txBody>
@@ -13659,10 +13658,10 @@
       </p:pic>
       <p:pic>
         <p:nvPicPr>
-          <p:cNvPr id="16" name="Picture 15">
+          <p:cNvPr id="23" name="Picture 22">
             <a:extLst>
               <a:ext uri="{FF2B5EF4-FFF2-40B4-BE49-F238E27FC236}">
-                <a16:creationId xmlns:a16="http://schemas.microsoft.com/office/drawing/2014/main" id="{2F3E4BC3-5FC6-A841-8E82-0ADB4137118A}"/>
+                <a16:creationId xmlns:a16="http://schemas.microsoft.com/office/drawing/2014/main" id="{80E9AF8D-E1DB-8B4B-9E24-2819AB1C67B8}"/>
               </a:ext>
             </a:extLst>
           </p:cNvPr>
@@ -13673,36 +13672,6 @@
         </p:nvPicPr>
         <p:blipFill>
           <a:blip r:embed="rId5"/>
-          <a:stretch>
-            <a:fillRect/>
-          </a:stretch>
-        </p:blipFill>
-        <p:spPr>
-          <a:xfrm>
-            <a:off x="5517549" y="4570151"/>
-            <a:ext cx="3350591" cy="2203704"/>
-          </a:xfrm>
-          <a:prstGeom prst="rect">
-            <a:avLst/>
-          </a:prstGeom>
-        </p:spPr>
-      </p:pic>
-      <p:pic>
-        <p:nvPicPr>
-          <p:cNvPr id="23" name="Picture 22">
-            <a:extLst>
-              <a:ext uri="{FF2B5EF4-FFF2-40B4-BE49-F238E27FC236}">
-                <a16:creationId xmlns:a16="http://schemas.microsoft.com/office/drawing/2014/main" id="{80E9AF8D-E1DB-8B4B-9E24-2819AB1C67B8}"/>
-              </a:ext>
-            </a:extLst>
-          </p:cNvPr>
-          <p:cNvPicPr>
-            <a:picLocks noChangeAspect="1"/>
-          </p:cNvPicPr>
-          <p:nvPr/>
-        </p:nvPicPr>
-        <p:blipFill>
-          <a:blip r:embed="rId6"/>
           <a:stretch>
             <a:fillRect/>
           </a:stretch>
@@ -13732,7 +13701,7 @@
           <p:nvPr/>
         </p:nvPicPr>
         <p:blipFill>
-          <a:blip r:embed="rId7"/>
+          <a:blip r:embed="rId6"/>
           <a:stretch>
             <a:fillRect/>
           </a:stretch>
@@ -13762,7 +13731,7 @@
           <p:nvPr/>
         </p:nvPicPr>
         <p:blipFill>
-          <a:blip r:embed="rId8"/>
+          <a:blip r:embed="rId7"/>
           <a:stretch>
             <a:fillRect/>
           </a:stretch>
@@ -13792,7 +13761,7 @@
           <p:nvPr/>
         </p:nvPicPr>
         <p:blipFill>
-          <a:blip r:embed="rId9"/>
+          <a:blip r:embed="rId8"/>
           <a:stretch>
             <a:fillRect/>
           </a:stretch>
@@ -13801,6 +13770,36 @@
           <a:xfrm>
             <a:off x="9032601" y="4091956"/>
             <a:ext cx="2742362" cy="2766044"/>
+          </a:xfrm>
+          <a:prstGeom prst="rect">
+            <a:avLst/>
+          </a:prstGeom>
+        </p:spPr>
+      </p:pic>
+      <p:pic>
+        <p:nvPicPr>
+          <p:cNvPr id="5" name="Picture 4" descr="Chart, bar chart&#10;&#10;Description automatically generated">
+            <a:extLst>
+              <a:ext uri="{FF2B5EF4-FFF2-40B4-BE49-F238E27FC236}">
+                <a16:creationId xmlns:a16="http://schemas.microsoft.com/office/drawing/2014/main" id="{6C5361D9-7065-8644-8FE3-9F0A3A98F664}"/>
+              </a:ext>
+            </a:extLst>
+          </p:cNvPr>
+          <p:cNvPicPr>
+            <a:picLocks noChangeAspect="1"/>
+          </p:cNvPicPr>
+          <p:nvPr/>
+        </p:nvPicPr>
+        <p:blipFill>
+          <a:blip r:embed="rId9"/>
+          <a:stretch>
+            <a:fillRect/>
+          </a:stretch>
+        </p:blipFill>
+        <p:spPr>
+          <a:xfrm>
+            <a:off x="5263261" y="4258458"/>
+            <a:ext cx="3606590" cy="2355193"/>
           </a:xfrm>
           <a:prstGeom prst="rect">
             <a:avLst/>
@@ -13821,219 +13820,6 @@
 </file>
 
 <file path=ppt/slides/slide13.xml><?xml version="1.0" encoding="utf-8"?>
-<p:sld xmlns:a="http://schemas.openxmlformats.org/drawingml/2006/main" xmlns:r="http://schemas.openxmlformats.org/officeDocument/2006/relationships" xmlns:p="http://schemas.openxmlformats.org/presentationml/2006/main">
-  <p:cSld>
-    <p:spTree>
-      <p:nvGrpSpPr>
-        <p:cNvPr id="1" name=""/>
-        <p:cNvGrpSpPr/>
-        <p:nvPr/>
-      </p:nvGrpSpPr>
-      <p:grpSpPr>
-        <a:xfrm>
-          <a:off x="0" y="0"/>
-          <a:ext cx="0" cy="0"/>
-          <a:chOff x="0" y="0"/>
-          <a:chExt cx="0" cy="0"/>
-        </a:xfrm>
-      </p:grpSpPr>
-      <p:sp>
-        <p:nvSpPr>
-          <p:cNvPr id="3" name="Title 1">
-            <a:extLst>
-              <a:ext uri="{FF2B5EF4-FFF2-40B4-BE49-F238E27FC236}">
-                <a16:creationId xmlns:a16="http://schemas.microsoft.com/office/drawing/2014/main" id="{DF93A016-334D-A841-AC0C-DEAEF0C45DA0}"/>
-              </a:ext>
-            </a:extLst>
-          </p:cNvPr>
-          <p:cNvSpPr txBox="1">
-            <a:spLocks/>
-          </p:cNvSpPr>
-          <p:nvPr/>
-        </p:nvSpPr>
-        <p:spPr>
-          <a:xfrm>
-            <a:off x="2966362" y="345989"/>
-            <a:ext cx="7129107" cy="873376"/>
-          </a:xfrm>
-          <a:prstGeom prst="rect">
-            <a:avLst/>
-          </a:prstGeom>
-        </p:spPr>
-        <p:txBody>
-          <a:bodyPr anchor="b">
-            <a:normAutofit/>
-          </a:bodyPr>
-          <a:lstStyle>
-            <a:lvl1pPr algn="l" defTabSz="914400" rtl="0" eaLnBrk="1" latinLnBrk="0" hangingPunct="1">
-              <a:lnSpc>
-                <a:spcPct val="100000"/>
-              </a:lnSpc>
-              <a:spcBef>
-                <a:spcPct val="0"/>
-              </a:spcBef>
-              <a:buNone/>
-              <a:defRPr sz="5400" kern="1200">
-                <a:solidFill>
-                  <a:schemeClr val="tx1"/>
-                </a:solidFill>
-                <a:latin typeface="+mj-lt"/>
-                <a:ea typeface="+mj-ea"/>
-                <a:cs typeface="+mj-cs"/>
-              </a:defRPr>
-            </a:lvl1pPr>
-          </a:lstStyle>
-          <a:p>
-            <a:pPr>
-              <a:lnSpc>
-                <a:spcPct val="90000"/>
-              </a:lnSpc>
-            </a:pPr>
-            <a:r>
-              <a:rPr lang="en-US" sz="4800" dirty="0">
-                <a:solidFill>
-                  <a:srgbClr val="7030A0"/>
-                </a:solidFill>
-              </a:rPr>
-              <a:t>3. RESULTS – FEATURE IMPORTANCES (LOCAL)</a:t>
-            </a:r>
-          </a:p>
-        </p:txBody>
-      </p:sp>
-      <p:pic>
-        <p:nvPicPr>
-          <p:cNvPr id="7" name="Picture 6" descr="A picture containing graphical user interface&#10;&#10;Description automatically generated">
-            <a:extLst>
-              <a:ext uri="{FF2B5EF4-FFF2-40B4-BE49-F238E27FC236}">
-                <a16:creationId xmlns:a16="http://schemas.microsoft.com/office/drawing/2014/main" id="{F17A90FE-9E11-4D49-8C80-BFC854A97653}"/>
-              </a:ext>
-            </a:extLst>
-          </p:cNvPr>
-          <p:cNvPicPr>
-            <a:picLocks noChangeAspect="1"/>
-          </p:cNvPicPr>
-          <p:nvPr/>
-        </p:nvPicPr>
-        <p:blipFill>
-          <a:blip r:embed="rId2"/>
-          <a:stretch>
-            <a:fillRect/>
-          </a:stretch>
-        </p:blipFill>
-        <p:spPr>
-          <a:xfrm>
-            <a:off x="235924" y="5217907"/>
-            <a:ext cx="5985746" cy="1344168"/>
-          </a:xfrm>
-          <a:prstGeom prst="rect">
-            <a:avLst/>
-          </a:prstGeom>
-        </p:spPr>
-      </p:pic>
-      <p:pic>
-        <p:nvPicPr>
-          <p:cNvPr id="11" name="Picture 10" descr="Chart, scatter chart&#10;&#10;Description automatically generated">
-            <a:extLst>
-              <a:ext uri="{FF2B5EF4-FFF2-40B4-BE49-F238E27FC236}">
-                <a16:creationId xmlns:a16="http://schemas.microsoft.com/office/drawing/2014/main" id="{18B3163E-56E3-DE4B-945F-EB3DA4C79DCF}"/>
-              </a:ext>
-            </a:extLst>
-          </p:cNvPr>
-          <p:cNvPicPr>
-            <a:picLocks noChangeAspect="1"/>
-          </p:cNvPicPr>
-          <p:nvPr/>
-        </p:nvPicPr>
-        <p:blipFill>
-          <a:blip r:embed="rId3"/>
-          <a:stretch>
-            <a:fillRect/>
-          </a:stretch>
-        </p:blipFill>
-        <p:spPr>
-          <a:xfrm>
-            <a:off x="698903" y="1941841"/>
-            <a:ext cx="4534918" cy="3225674"/>
-          </a:xfrm>
-          <a:prstGeom prst="rect">
-            <a:avLst/>
-          </a:prstGeom>
-        </p:spPr>
-      </p:pic>
-      <p:pic>
-        <p:nvPicPr>
-          <p:cNvPr id="20" name="Picture 19" descr="Timeline&#10;&#10;Description automatically generated">
-            <a:extLst>
-              <a:ext uri="{FF2B5EF4-FFF2-40B4-BE49-F238E27FC236}">
-                <a16:creationId xmlns:a16="http://schemas.microsoft.com/office/drawing/2014/main" id="{646DF085-6173-414E-8FFE-CBD1CA199991}"/>
-              </a:ext>
-            </a:extLst>
-          </p:cNvPr>
-          <p:cNvPicPr>
-            <a:picLocks noChangeAspect="1"/>
-          </p:cNvPicPr>
-          <p:nvPr/>
-        </p:nvPicPr>
-        <p:blipFill>
-          <a:blip r:embed="rId4"/>
-          <a:stretch>
-            <a:fillRect/>
-          </a:stretch>
-        </p:blipFill>
-        <p:spPr>
-          <a:xfrm>
-            <a:off x="6530915" y="5261232"/>
-            <a:ext cx="5280033" cy="1194071"/>
-          </a:xfrm>
-          <a:prstGeom prst="rect">
-            <a:avLst/>
-          </a:prstGeom>
-        </p:spPr>
-      </p:pic>
-      <p:pic>
-        <p:nvPicPr>
-          <p:cNvPr id="40" name="Picture 39" descr="Chart, scatter chart&#10;&#10;Description automatically generated">
-            <a:extLst>
-              <a:ext uri="{FF2B5EF4-FFF2-40B4-BE49-F238E27FC236}">
-                <a16:creationId xmlns:a16="http://schemas.microsoft.com/office/drawing/2014/main" id="{2A69A04E-2036-5941-BBDD-4CCC0EB18621}"/>
-              </a:ext>
-            </a:extLst>
-          </p:cNvPr>
-          <p:cNvPicPr>
-            <a:picLocks noChangeAspect="1"/>
-          </p:cNvPicPr>
-          <p:nvPr/>
-        </p:nvPicPr>
-        <p:blipFill>
-          <a:blip r:embed="rId5"/>
-          <a:stretch>
-            <a:fillRect/>
-          </a:stretch>
-        </p:blipFill>
-        <p:spPr>
-          <a:xfrm>
-            <a:off x="6702997" y="1952592"/>
-            <a:ext cx="4534918" cy="3179118"/>
-          </a:xfrm>
-          <a:prstGeom prst="rect">
-            <a:avLst/>
-          </a:prstGeom>
-        </p:spPr>
-      </p:pic>
-    </p:spTree>
-    <p:extLst>
-      <p:ext uri="{BB962C8B-B14F-4D97-AF65-F5344CB8AC3E}">
-        <p14:creationId xmlns:p14="http://schemas.microsoft.com/office/powerpoint/2010/main" val="2151269537"/>
-      </p:ext>
-    </p:extLst>
-  </p:cSld>
-  <p:clrMapOvr>
-    <a:masterClrMapping/>
-  </p:clrMapOvr>
-</p:sld>
-</file>
-
-<file path=ppt/slides/slide14.xml><?xml version="1.0" encoding="utf-8"?>
 <p:sld xmlns:a="http://schemas.openxmlformats.org/drawingml/2006/main" xmlns:r="http://schemas.openxmlformats.org/officeDocument/2006/relationships" xmlns:p="http://schemas.openxmlformats.org/presentationml/2006/main">
   <p:cSld>
     <p:bg>
@@ -14765,7 +14551,7 @@
         </p:blipFill>
         <p:spPr bwMode="auto">
           <a:xfrm>
-            <a:off x="260664" y="3098546"/>
+            <a:off x="453169" y="3087273"/>
             <a:ext cx="5055212" cy="2867452"/>
           </a:xfrm>
           <a:prstGeom prst="rect">
@@ -14805,8 +14591,8 @@
         </p:blipFill>
         <p:spPr>
           <a:xfrm>
-            <a:off x="5273921" y="2978713"/>
-            <a:ext cx="4611037" cy="2572306"/>
+            <a:off x="6094476" y="2978891"/>
+            <a:ext cx="5659523" cy="3157213"/>
           </a:xfrm>
           <a:prstGeom prst="rect">
             <a:avLst/>

--- a/reports/Final_Presentation_AnniePhan.pptx
+++ b/reports/Final_Presentation_AnniePhan.pptx
@@ -978,7 +978,7 @@
           </a:r>
           <a:r>
             <a:rPr lang="en-US" sz="1400" dirty="0" err="1"/>
-            <a:t>OneHotEncoders</a:t>
+            <a:t>OneHotEncoder</a:t>
           </a:r>
           <a:r>
             <a:rPr lang="en-US" sz="1400" dirty="0"/>
@@ -986,7 +986,7 @@
           </a:r>
           <a:r>
             <a:rPr lang="en-US" sz="1400" dirty="0" err="1"/>
-            <a:t>MinMaxEncoders</a:t>
+            <a:t>MinMaxEncoder</a:t>
           </a:r>
           <a:r>
             <a:rPr lang="en-US" sz="1400" dirty="0"/>
@@ -1151,15 +1151,7 @@
         <a:p>
           <a:r>
             <a:rPr lang="en-US" sz="1400" dirty="0"/>
-            <a:t>My model </a:t>
-          </a:r>
-          <a:r>
-            <a:rPr lang="en-US" sz="1400" dirty="0" err="1"/>
-            <a:t>explorse</a:t>
-          </a:r>
-          <a:r>
-            <a:rPr lang="en-US" sz="1400" dirty="0"/>
-            <a:t> these similar questions but look further into demographic factors such as family support, romantic relationships, alcohol consumption, and internet access.</a:t>
+            <a:t>My model explores these similar questions but look further into demographic factors such as family support, romantic relationships, alcohol consumption, and internet access.</a:t>
           </a:r>
         </a:p>
       </dgm:t>
@@ -1862,15 +1854,7 @@
           </a:pPr>
           <a:r>
             <a:rPr lang="en-US" sz="1400" kern="1200" dirty="0"/>
-            <a:t>My model </a:t>
-          </a:r>
-          <a:r>
-            <a:rPr lang="en-US" sz="1400" kern="1200" dirty="0" err="1"/>
-            <a:t>explorse</a:t>
-          </a:r>
-          <a:r>
-            <a:rPr lang="en-US" sz="1400" kern="1200" dirty="0"/>
-            <a:t> these similar questions but look further into demographic factors such as family support, romantic relationships, alcohol consumption, and internet access.</a:t>
+            <a:t>My model explores these similar questions but look further into demographic factors such as family support, romantic relationships, alcohol consumption, and internet access.</a:t>
           </a:r>
         </a:p>
       </dsp:txBody>
@@ -2307,7 +2291,7 @@
           </a:r>
           <a:r>
             <a:rPr lang="en-US" sz="1400" kern="1200" dirty="0" err="1"/>
-            <a:t>OneHotEncoders</a:t>
+            <a:t>OneHotEncoder</a:t>
           </a:r>
           <a:r>
             <a:rPr lang="en-US" sz="1400" kern="1200" dirty="0"/>
@@ -2315,7 +2299,7 @@
           </a:r>
           <a:r>
             <a:rPr lang="en-US" sz="1400" kern="1200" dirty="0" err="1"/>
-            <a:t>MinMaxEncoders</a:t>
+            <a:t>MinMaxEncoder</a:t>
           </a:r>
           <a:r>
             <a:rPr lang="en-US" sz="1400" kern="1200" dirty="0"/>
@@ -3794,6 +3778,34 @@
           <inkml:channelProperty channel="F" name="resolution" value="0" units="1/dev"/>
         </inkml:channelProperties>
       </inkml:inkSource>
+      <inkml:timestamp xml:id="ts0" timeString="2020-12-02T20:11:33.008"/>
+    </inkml:context>
+    <inkml:brush xml:id="br0">
+      <inkml:brushProperty name="width" value="0.1" units="cm"/>
+      <inkml:brushProperty name="height" value="0.1" units="cm"/>
+      <inkml:brushProperty name="color" value="#FFFFFF"/>
+    </inkml:brush>
+  </inkml:definitions>
+  <inkml:trace contextRef="#ctx0" brushRef="#br0">1 0 128,'0'6'0</inkml:trace>
+</inkml:ink>
+</file>
+
+<file path=ppt/ink/ink7.xml><?xml version="1.0" encoding="utf-8"?>
+<inkml:ink xmlns:inkml="http://www.w3.org/2003/InkML">
+  <inkml:definitions>
+    <inkml:context xml:id="ctx0">
+      <inkml:inkSource xml:id="inkSrc0">
+        <inkml:traceFormat>
+          <inkml:channel name="X" type="integer" min="-2.14748E9" max="2.14748E9" units="cm"/>
+          <inkml:channel name="Y" type="integer" min="-2.14748E9" max="2.14748E9" units="cm"/>
+          <inkml:channel name="F" type="integer" max="32767" units="dev"/>
+        </inkml:traceFormat>
+        <inkml:channelProperties>
+          <inkml:channelProperty channel="X" name="resolution" value="1000" units="1/cm"/>
+          <inkml:channelProperty channel="Y" name="resolution" value="1000" units="1/cm"/>
+          <inkml:channelProperty channel="F" name="resolution" value="0" units="1/dev"/>
+        </inkml:channelProperties>
+      </inkml:inkSource>
       <inkml:timestamp xml:id="ts0" timeString="2020-10-14T01:03:14.304"/>
     </inkml:context>
     <inkml:brush xml:id="br0">
@@ -3806,7 +3818,7 @@
 </inkml:ink>
 </file>
 
-<file path=ppt/ink/ink7.xml><?xml version="1.0" encoding="utf-8"?>
+<file path=ppt/ink/ink8.xml><?xml version="1.0" encoding="utf-8"?>
 <inkml:ink xmlns:inkml="http://www.w3.org/2003/InkML">
   <inkml:definitions>
     <inkml:context xml:id="ctx0">
@@ -11333,10 +11345,10 @@
       </p:grpSpPr>
       <p:sp useBgFill="1">
         <p:nvSpPr>
-          <p:cNvPr id="20" name="Rectangle 19">
+          <p:cNvPr id="29" name="Rectangle 28">
             <a:extLst>
               <a:ext uri="{FF2B5EF4-FFF2-40B4-BE49-F238E27FC236}">
-                <a16:creationId xmlns:a16="http://schemas.microsoft.com/office/drawing/2014/main" id="{42E59424-33E1-4F37-8425-9F113921968C}"/>
+                <a16:creationId xmlns:a16="http://schemas.microsoft.com/office/drawing/2014/main" id="{2B97F24A-32CE-4C1C-A50D-3016B394DCFB}"/>
               </a:ext>
               <a:ext uri="{C183D7F6-B498-43B3-948B-1728B52AA6E4}">
                 <adec:decorative xmlns:adec="http://schemas.microsoft.com/office/drawing/2017/decorative" val="1"/>
@@ -11357,7 +11369,7 @@
         <p:spPr>
           <a:xfrm>
             <a:off x="0" y="0"/>
-            <a:ext cx="12188952" cy="6858000"/>
+            <a:ext cx="12192000" cy="6858000"/>
           </a:xfrm>
           <a:prstGeom prst="rect">
             <a:avLst/>
@@ -11393,278 +11405,6 @@
       </p:sp>
       <p:sp>
         <p:nvSpPr>
-          <p:cNvPr id="22" name="Freeform: Shape 21">
-            <a:extLst>
-              <a:ext uri="{FF2B5EF4-FFF2-40B4-BE49-F238E27FC236}">
-                <a16:creationId xmlns:a16="http://schemas.microsoft.com/office/drawing/2014/main" id="{9694F8A0-A600-40AB-84BE-03637A1D71FD}"/>
-              </a:ext>
-              <a:ext uri="{C183D7F6-B498-43B3-948B-1728B52AA6E4}">
-                <adec:decorative xmlns:adec="http://schemas.microsoft.com/office/drawing/2017/decorative" val="1"/>
-              </a:ext>
-            </a:extLst>
-          </p:cNvPr>
-          <p:cNvSpPr>
-            <a:spLocks noGrp="1" noRot="1" noChangeAspect="1" noMove="1" noResize="1" noEditPoints="1" noAdjustHandles="1" noChangeArrowheads="1" noChangeShapeType="1" noTextEdit="1"/>
-          </p:cNvSpPr>
-          <p:nvPr>
-            <p:extLst>
-              <p:ext uri="{386F3935-93C4-4BCD-93E2-E3B085C9AB24}">
-                <p16:designElem xmlns:p16="http://schemas.microsoft.com/office/powerpoint/2015/main" val="1"/>
-              </p:ext>
-            </p:extLst>
-          </p:nvPr>
-        </p:nvSpPr>
-        <p:spPr>
-          <a:xfrm rot="5400000" flipV="1">
-            <a:off x="4745565" y="-4745565"/>
-            <a:ext cx="2700870" cy="12192000"/>
-          </a:xfrm>
-          <a:custGeom>
-            <a:avLst/>
-            <a:gdLst>
-              <a:gd name="connsiteX0" fmla="*/ 0 w 2700870"/>
-              <a:gd name="connsiteY0" fmla="*/ 0 h 12192000"/>
-              <a:gd name="connsiteX1" fmla="*/ 0 w 2700870"/>
-              <a:gd name="connsiteY1" fmla="*/ 12192000 h 12192000"/>
-              <a:gd name="connsiteX2" fmla="*/ 2661694 w 2700870"/>
-              <a:gd name="connsiteY2" fmla="*/ 12192000 h 12192000"/>
-              <a:gd name="connsiteX3" fmla="*/ 2632716 w 2700870"/>
-              <a:gd name="connsiteY3" fmla="*/ 11941855 h 12192000"/>
-              <a:gd name="connsiteX4" fmla="*/ 2605238 w 2700870"/>
-              <a:gd name="connsiteY4" fmla="*/ 10895781 h 12192000"/>
-              <a:gd name="connsiteX5" fmla="*/ 2672927 w 2700870"/>
-              <a:gd name="connsiteY5" fmla="*/ 9729981 h 12192000"/>
-              <a:gd name="connsiteX6" fmla="*/ 2672927 w 2700870"/>
-              <a:gd name="connsiteY6" fmla="*/ 9349685 h 12192000"/>
-              <a:gd name="connsiteX7" fmla="*/ 2665256 w 2700870"/>
-              <a:gd name="connsiteY7" fmla="*/ 8947869 h 12192000"/>
-              <a:gd name="connsiteX8" fmla="*/ 2666835 w 2700870"/>
-              <a:gd name="connsiteY8" fmla="*/ 7719557 h 12192000"/>
-              <a:gd name="connsiteX9" fmla="*/ 2648109 w 2700870"/>
-              <a:gd name="connsiteY9" fmla="*/ 6285351 h 12192000"/>
-              <a:gd name="connsiteX10" fmla="*/ 2672476 w 2700870"/>
-              <a:gd name="connsiteY10" fmla="*/ 5314115 h 12192000"/>
-              <a:gd name="connsiteX11" fmla="*/ 2662774 w 2700870"/>
-              <a:gd name="connsiteY11" fmla="*/ 4956020 h 12192000"/>
-              <a:gd name="connsiteX12" fmla="*/ 2679020 w 2700870"/>
-              <a:gd name="connsiteY12" fmla="*/ 4142653 h 12192000"/>
-              <a:gd name="connsiteX13" fmla="*/ 2681951 w 2700870"/>
-              <a:gd name="connsiteY13" fmla="*/ 3198141 h 12192000"/>
-              <a:gd name="connsiteX14" fmla="*/ 2632541 w 2700870"/>
-              <a:gd name="connsiteY14" fmla="*/ 1982283 h 12192000"/>
-              <a:gd name="connsiteX15" fmla="*/ 2667512 w 2700870"/>
-              <a:gd name="connsiteY15" fmla="*/ 1445702 h 12192000"/>
-              <a:gd name="connsiteX16" fmla="*/ 2660518 w 2700870"/>
-              <a:gd name="connsiteY16" fmla="*/ 750797 h 12192000"/>
-              <a:gd name="connsiteX17" fmla="*/ 2651539 w 2700870"/>
-              <a:gd name="connsiteY17" fmla="*/ 168769 h 12192000"/>
-              <a:gd name="connsiteX18" fmla="*/ 2668618 w 2700870"/>
-              <a:gd name="connsiteY18" fmla="*/ 0 h 12192000"/>
-              <a:gd name="connsiteX19" fmla="*/ 781493 w 2700870"/>
-              <a:gd name="connsiteY19" fmla="*/ 0 h 12192000"/>
-              <a:gd name="connsiteX20" fmla="*/ 409569 w 2700870"/>
-              <a:gd name="connsiteY20" fmla="*/ 0 h 12192000"/>
-            </a:gdLst>
-            <a:ahLst/>
-            <a:cxnLst>
-              <a:cxn ang="0">
-                <a:pos x="connsiteX0" y="connsiteY0"/>
-              </a:cxn>
-              <a:cxn ang="0">
-                <a:pos x="connsiteX1" y="connsiteY1"/>
-              </a:cxn>
-              <a:cxn ang="0">
-                <a:pos x="connsiteX2" y="connsiteY2"/>
-              </a:cxn>
-              <a:cxn ang="0">
-                <a:pos x="connsiteX3" y="connsiteY3"/>
-              </a:cxn>
-              <a:cxn ang="0">
-                <a:pos x="connsiteX4" y="connsiteY4"/>
-              </a:cxn>
-              <a:cxn ang="0">
-                <a:pos x="connsiteX5" y="connsiteY5"/>
-              </a:cxn>
-              <a:cxn ang="0">
-                <a:pos x="connsiteX6" y="connsiteY6"/>
-              </a:cxn>
-              <a:cxn ang="0">
-                <a:pos x="connsiteX7" y="connsiteY7"/>
-              </a:cxn>
-              <a:cxn ang="0">
-                <a:pos x="connsiteX8" y="connsiteY8"/>
-              </a:cxn>
-              <a:cxn ang="0">
-                <a:pos x="connsiteX9" y="connsiteY9"/>
-              </a:cxn>
-              <a:cxn ang="0">
-                <a:pos x="connsiteX10" y="connsiteY10"/>
-              </a:cxn>
-              <a:cxn ang="0">
-                <a:pos x="connsiteX11" y="connsiteY11"/>
-              </a:cxn>
-              <a:cxn ang="0">
-                <a:pos x="connsiteX12" y="connsiteY12"/>
-              </a:cxn>
-              <a:cxn ang="0">
-                <a:pos x="connsiteX13" y="connsiteY13"/>
-              </a:cxn>
-              <a:cxn ang="0">
-                <a:pos x="connsiteX14" y="connsiteY14"/>
-              </a:cxn>
-              <a:cxn ang="0">
-                <a:pos x="connsiteX15" y="connsiteY15"/>
-              </a:cxn>
-              <a:cxn ang="0">
-                <a:pos x="connsiteX16" y="connsiteY16"/>
-              </a:cxn>
-              <a:cxn ang="0">
-                <a:pos x="connsiteX17" y="connsiteY17"/>
-              </a:cxn>
-              <a:cxn ang="0">
-                <a:pos x="connsiteX18" y="connsiteY18"/>
-              </a:cxn>
-              <a:cxn ang="0">
-                <a:pos x="connsiteX19" y="connsiteY19"/>
-              </a:cxn>
-              <a:cxn ang="0">
-                <a:pos x="connsiteX20" y="connsiteY20"/>
-              </a:cxn>
-            </a:cxnLst>
-            <a:rect l="l" t="t" r="r" b="b"/>
-            <a:pathLst>
-              <a:path w="2700870" h="12192000">
-                <a:moveTo>
-                  <a:pt x="0" y="0"/>
-                </a:moveTo>
-                <a:lnTo>
-                  <a:pt x="0" y="12192000"/>
-                </a:lnTo>
-                <a:lnTo>
-                  <a:pt x="2661694" y="12192000"/>
-                </a:lnTo>
-                <a:lnTo>
-                  <a:pt x="2632716" y="11941855"/>
-                </a:lnTo>
-                <a:cubicBezTo>
-                  <a:pt x="2602362" y="11594183"/>
-                  <a:pt x="2599485" y="11245047"/>
-                  <a:pt x="2605238" y="10895781"/>
-                </a:cubicBezTo>
-                <a:cubicBezTo>
-                  <a:pt x="2611558" y="10506425"/>
-                  <a:pt x="2629380" y="10117297"/>
-                  <a:pt x="2672927" y="9729981"/>
-                </a:cubicBezTo>
-                <a:cubicBezTo>
-                  <a:pt x="2684548" y="9603480"/>
-                  <a:pt x="2684548" y="9476187"/>
-                  <a:pt x="2672927" y="9349685"/>
-                </a:cubicBezTo>
-                <a:cubicBezTo>
-                  <a:pt x="2663496" y="9215958"/>
-                  <a:pt x="2660924" y="9081848"/>
-                  <a:pt x="2665256" y="8947869"/>
-                </a:cubicBezTo>
-                <a:cubicBezTo>
-                  <a:pt x="2678116" y="8538360"/>
-                  <a:pt x="2648559" y="8128618"/>
-                  <a:pt x="2666835" y="7719557"/>
-                </a:cubicBezTo>
-                <a:cubicBezTo>
-                  <a:pt x="2688269" y="7240958"/>
-                  <a:pt x="2663226" y="6763493"/>
-                  <a:pt x="2648109" y="6285351"/>
-                </a:cubicBezTo>
-                <a:cubicBezTo>
-                  <a:pt x="2637956" y="5961455"/>
-                  <a:pt x="2631636" y="5637330"/>
-                  <a:pt x="2672476" y="5314115"/>
-                </a:cubicBezTo>
-                <a:cubicBezTo>
-                  <a:pt x="2687594" y="5195204"/>
-                  <a:pt x="2674732" y="5074932"/>
-                  <a:pt x="2662774" y="4956020"/>
-                </a:cubicBezTo>
-                <a:cubicBezTo>
-                  <a:pt x="2635699" y="4683988"/>
-                  <a:pt x="2650591" y="4413093"/>
-                  <a:pt x="2679020" y="4142653"/>
-                </a:cubicBezTo>
-                <a:cubicBezTo>
-                  <a:pt x="2712412" y="3827814"/>
-                  <a:pt x="2702710" y="3513204"/>
-                  <a:pt x="2681951" y="3198141"/>
-                </a:cubicBezTo>
-                <a:cubicBezTo>
-                  <a:pt x="2655103" y="2793383"/>
-                  <a:pt x="2621257" y="2389987"/>
-                  <a:pt x="2632541" y="1982283"/>
-                </a:cubicBezTo>
-                <a:cubicBezTo>
-                  <a:pt x="2637279" y="1803119"/>
-                  <a:pt x="2653299" y="1624412"/>
-                  <a:pt x="2667512" y="1445702"/>
-                </a:cubicBezTo>
-                <a:cubicBezTo>
-                  <a:pt x="2682111" y="1214217"/>
-                  <a:pt x="2679764" y="981948"/>
-                  <a:pt x="2660518" y="750797"/>
-                </a:cubicBezTo>
-                <a:cubicBezTo>
-                  <a:pt x="2647658" y="556628"/>
-                  <a:pt x="2639366" y="362460"/>
-                  <a:pt x="2651539" y="168769"/>
-                </a:cubicBezTo>
-                <a:lnTo>
-                  <a:pt x="2668618" y="0"/>
-                </a:lnTo>
-                <a:lnTo>
-                  <a:pt x="781493" y="0"/>
-                </a:lnTo>
-                <a:lnTo>
-                  <a:pt x="409569" y="0"/>
-                </a:lnTo>
-                <a:close/>
-              </a:path>
-            </a:pathLst>
-          </a:custGeom>
-          <a:solidFill>
-            <a:srgbClr val="AB96C6"/>
-          </a:solidFill>
-          <a:ln>
-            <a:noFill/>
-          </a:ln>
-        </p:spPr>
-        <p:style>
-          <a:lnRef idx="2">
-            <a:schemeClr val="accent1">
-              <a:shade val="50000"/>
-            </a:schemeClr>
-          </a:lnRef>
-          <a:fillRef idx="1">
-            <a:schemeClr val="accent1"/>
-          </a:fillRef>
-          <a:effectRef idx="0">
-            <a:schemeClr val="accent1"/>
-          </a:effectRef>
-          <a:fontRef idx="minor">
-            <a:schemeClr val="lt1"/>
-          </a:fontRef>
-        </p:style>
-        <p:txBody>
-          <a:bodyPr wrap="square" rtlCol="0" anchor="ctr">
-            <a:noAutofit/>
-          </a:bodyPr>
-          <a:lstStyle/>
-          <a:p>
-            <a:pPr algn="ctr"/>
-            <a:endParaRPr lang="en-US"/>
-          </a:p>
-        </p:txBody>
-      </p:sp>
-      <p:sp>
-        <p:nvSpPr>
           <p:cNvPr id="2" name="Title 1">
             <a:extLst>
               <a:ext uri="{FF2B5EF4-FFF2-40B4-BE49-F238E27FC236}">
@@ -11681,12 +11421,12 @@
         </p:nvSpPr>
         <p:spPr>
           <a:xfrm>
-            <a:off x="630936" y="749173"/>
-            <a:ext cx="3475383" cy="1600200"/>
+            <a:off x="630936" y="639520"/>
+            <a:ext cx="3429000" cy="1719072"/>
           </a:xfrm>
         </p:spPr>
         <p:txBody>
-          <a:bodyPr anchor="ctr">
+          <a:bodyPr anchor="b">
             <a:normAutofit/>
           </a:bodyPr>
           <a:lstStyle/>
@@ -11697,11 +11437,7 @@
               </a:lnSpc>
             </a:pPr>
             <a:r>
-              <a:rPr lang="en-US" sz="3700" dirty="0">
-                <a:solidFill>
-                  <a:schemeClr val="bg1"/>
-                </a:solidFill>
-              </a:rPr>
+              <a:rPr lang="en-US"/>
               <a:t>3. RESULTS –MODEL PERFORMANCE</a:t>
             </a:r>
           </a:p>
@@ -11709,10 +11445,10 @@
       </p:sp>
       <p:sp>
         <p:nvSpPr>
-          <p:cNvPr id="24" name="Rectangle 22">
+          <p:cNvPr id="31" name="Rectangle 6">
             <a:extLst>
               <a:ext uri="{FF2B5EF4-FFF2-40B4-BE49-F238E27FC236}">
-                <a16:creationId xmlns:a16="http://schemas.microsoft.com/office/drawing/2014/main" id="{535742DD-1B16-4E9D-B715-0D74B4574A68}"/>
+                <a16:creationId xmlns:a16="http://schemas.microsoft.com/office/drawing/2014/main" id="{3CE8AF5E-D374-4CF1-90CC-35CF73B81C3E}"/>
               </a:ext>
               <a:ext uri="{C183D7F6-B498-43B3-948B-1728B52AA6E4}">
                 <adec:decorative xmlns:adec="http://schemas.microsoft.com/office/drawing/2017/decorative" val="1"/>
@@ -11732,30 +11468,36 @@
         </p:nvSpPr>
         <p:spPr>
           <a:xfrm>
-            <a:off x="4314992" y="749173"/>
-            <a:ext cx="18288" cy="1600200"/>
+            <a:off x="679084" y="2532888"/>
+            <a:ext cx="3291840" cy="18288"/>
           </a:xfrm>
           <a:custGeom>
             <a:avLst/>
             <a:gdLst>
-              <a:gd name="connsiteX0" fmla="*/ 0 w 18288"/>
-              <a:gd name="connsiteY0" fmla="*/ 0 h 1600200"/>
-              <a:gd name="connsiteX1" fmla="*/ 18288 w 18288"/>
-              <a:gd name="connsiteY1" fmla="*/ 0 h 1600200"/>
-              <a:gd name="connsiteX2" fmla="*/ 18288 w 18288"/>
-              <a:gd name="connsiteY2" fmla="*/ 549402 h 1600200"/>
-              <a:gd name="connsiteX3" fmla="*/ 18288 w 18288"/>
-              <a:gd name="connsiteY3" fmla="*/ 1114806 h 1600200"/>
-              <a:gd name="connsiteX4" fmla="*/ 18288 w 18288"/>
-              <a:gd name="connsiteY4" fmla="*/ 1600200 h 1600200"/>
-              <a:gd name="connsiteX5" fmla="*/ 0 w 18288"/>
-              <a:gd name="connsiteY5" fmla="*/ 1600200 h 1600200"/>
-              <a:gd name="connsiteX6" fmla="*/ 0 w 18288"/>
-              <a:gd name="connsiteY6" fmla="*/ 1066800 h 1600200"/>
-              <a:gd name="connsiteX7" fmla="*/ 0 w 18288"/>
-              <a:gd name="connsiteY7" fmla="*/ 517398 h 1600200"/>
-              <a:gd name="connsiteX8" fmla="*/ 0 w 18288"/>
-              <a:gd name="connsiteY8" fmla="*/ 0 h 1600200"/>
+              <a:gd name="connsiteX0" fmla="*/ 0 w 3291840"/>
+              <a:gd name="connsiteY0" fmla="*/ 0 h 18288"/>
+              <a:gd name="connsiteX1" fmla="*/ 625450 w 3291840"/>
+              <a:gd name="connsiteY1" fmla="*/ 0 h 18288"/>
+              <a:gd name="connsiteX2" fmla="*/ 1283818 w 3291840"/>
+              <a:gd name="connsiteY2" fmla="*/ 0 h 18288"/>
+              <a:gd name="connsiteX3" fmla="*/ 1975104 w 3291840"/>
+              <a:gd name="connsiteY3" fmla="*/ 0 h 18288"/>
+              <a:gd name="connsiteX4" fmla="*/ 2666390 w 3291840"/>
+              <a:gd name="connsiteY4" fmla="*/ 0 h 18288"/>
+              <a:gd name="connsiteX5" fmla="*/ 3291840 w 3291840"/>
+              <a:gd name="connsiteY5" fmla="*/ 0 h 18288"/>
+              <a:gd name="connsiteX6" fmla="*/ 3291840 w 3291840"/>
+              <a:gd name="connsiteY6" fmla="*/ 18288 h 18288"/>
+              <a:gd name="connsiteX7" fmla="*/ 2567635 w 3291840"/>
+              <a:gd name="connsiteY7" fmla="*/ 18288 h 18288"/>
+              <a:gd name="connsiteX8" fmla="*/ 1843430 w 3291840"/>
+              <a:gd name="connsiteY8" fmla="*/ 18288 h 18288"/>
+              <a:gd name="connsiteX9" fmla="*/ 1185062 w 3291840"/>
+              <a:gd name="connsiteY9" fmla="*/ 18288 h 18288"/>
+              <a:gd name="connsiteX10" fmla="*/ 0 w 3291840"/>
+              <a:gd name="connsiteY10" fmla="*/ 18288 h 18288"/>
+              <a:gd name="connsiteX11" fmla="*/ 0 w 3291840"/>
+              <a:gd name="connsiteY11" fmla="*/ 0 h 18288"/>
             </a:gdLst>
             <a:ahLst/>
             <a:cxnLst>
@@ -11786,97 +11528,141 @@
               <a:cxn ang="0">
                 <a:pos x="connsiteX8" y="connsiteY8"/>
               </a:cxn>
+              <a:cxn ang="0">
+                <a:pos x="connsiteX9" y="connsiteY9"/>
+              </a:cxn>
+              <a:cxn ang="0">
+                <a:pos x="connsiteX10" y="connsiteY10"/>
+              </a:cxn>
+              <a:cxn ang="0">
+                <a:pos x="connsiteX11" y="connsiteY11"/>
+              </a:cxn>
             </a:cxnLst>
             <a:rect l="l" t="t" r="r" b="b"/>
             <a:pathLst>
-              <a:path w="18288" h="1600200" fill="none" extrusionOk="0">
+              <a:path w="3291840" h="18288" fill="none" extrusionOk="0">
                 <a:moveTo>
                   <a:pt x="0" y="0"/>
                 </a:moveTo>
                 <a:cubicBezTo>
-                  <a:pt x="4865" y="374"/>
-                  <a:pt x="13608" y="53"/>
-                  <a:pt x="18288" y="0"/>
-                </a:cubicBezTo>
-                <a:cubicBezTo>
-                  <a:pt x="23286" y="215154"/>
-                  <a:pt x="-6672" y="375145"/>
-                  <a:pt x="18288" y="549402"/>
-                </a:cubicBezTo>
-                <a:cubicBezTo>
-                  <a:pt x="43248" y="723659"/>
-                  <a:pt x="44414" y="873011"/>
-                  <a:pt x="18288" y="1114806"/>
-                </a:cubicBezTo>
-                <a:cubicBezTo>
-                  <a:pt x="-7838" y="1356601"/>
-                  <a:pt x="13030" y="1360490"/>
-                  <a:pt x="18288" y="1600200"/>
-                </a:cubicBezTo>
-                <a:cubicBezTo>
-                  <a:pt x="10638" y="1600772"/>
-                  <a:pt x="4111" y="1599793"/>
-                  <a:pt x="0" y="1600200"/>
-                </a:cubicBezTo>
-                <a:cubicBezTo>
-                  <a:pt x="-6890" y="1375807"/>
-                  <a:pt x="21339" y="1304563"/>
-                  <a:pt x="0" y="1066800"/>
-                </a:cubicBezTo>
-                <a:cubicBezTo>
-                  <a:pt x="-21339" y="829037"/>
-                  <a:pt x="-23009" y="689986"/>
-                  <a:pt x="0" y="517398"/>
-                </a:cubicBezTo>
-                <a:cubicBezTo>
-                  <a:pt x="23009" y="344810"/>
-                  <a:pt x="-9921" y="122345"/>
+                  <a:pt x="173613" y="5552"/>
+                  <a:pt x="489242" y="1770"/>
+                  <a:pt x="625450" y="0"/>
+                </a:cubicBezTo>
+                <a:cubicBezTo>
+                  <a:pt x="761658" y="-1770"/>
+                  <a:pt x="1015131" y="32079"/>
+                  <a:pt x="1283818" y="0"/>
+                </a:cubicBezTo>
+                <a:cubicBezTo>
+                  <a:pt x="1552505" y="-32079"/>
+                  <a:pt x="1752773" y="10771"/>
+                  <a:pt x="1975104" y="0"/>
+                </a:cubicBezTo>
+                <a:cubicBezTo>
+                  <a:pt x="2197435" y="-10771"/>
+                  <a:pt x="2433070" y="21341"/>
+                  <a:pt x="2666390" y="0"/>
+                </a:cubicBezTo>
+                <a:cubicBezTo>
+                  <a:pt x="2899710" y="-21341"/>
+                  <a:pt x="3028437" y="16612"/>
+                  <a:pt x="3291840" y="0"/>
+                </a:cubicBezTo>
+                <a:cubicBezTo>
+                  <a:pt x="3291131" y="8157"/>
+                  <a:pt x="3291427" y="12125"/>
+                  <a:pt x="3291840" y="18288"/>
+                </a:cubicBezTo>
+                <a:cubicBezTo>
+                  <a:pt x="3043276" y="37868"/>
+                  <a:pt x="2921041" y="-12908"/>
+                  <a:pt x="2567635" y="18288"/>
+                </a:cubicBezTo>
+                <a:cubicBezTo>
+                  <a:pt x="2214230" y="49484"/>
+                  <a:pt x="2189623" y="-13019"/>
+                  <a:pt x="1843430" y="18288"/>
+                </a:cubicBezTo>
+                <a:cubicBezTo>
+                  <a:pt x="1497237" y="49595"/>
+                  <a:pt x="1492584" y="29180"/>
+                  <a:pt x="1185062" y="18288"/>
+                </a:cubicBezTo>
+                <a:cubicBezTo>
+                  <a:pt x="877540" y="7396"/>
+                  <a:pt x="313238" y="46443"/>
+                  <a:pt x="0" y="18288"/>
+                </a:cubicBezTo>
+                <a:cubicBezTo>
+                  <a:pt x="-46" y="12483"/>
+                  <a:pt x="-203" y="6491"/>
                   <a:pt x="0" y="0"/>
                 </a:cubicBezTo>
                 <a:close/>
               </a:path>
-              <a:path w="18288" h="1600200" stroke="0" extrusionOk="0">
+              <a:path w="3291840" h="18288" stroke="0" extrusionOk="0">
                 <a:moveTo>
                   <a:pt x="0" y="0"/>
                 </a:moveTo>
                 <a:cubicBezTo>
-                  <a:pt x="5341" y="9"/>
-                  <a:pt x="11148" y="-611"/>
-                  <a:pt x="18288" y="0"/>
-                </a:cubicBezTo>
-                <a:cubicBezTo>
-                  <a:pt x="31387" y="104987"/>
-                  <a:pt x="17137" y="300374"/>
-                  <a:pt x="18288" y="485394"/>
-                </a:cubicBezTo>
-                <a:cubicBezTo>
-                  <a:pt x="19439" y="670414"/>
-                  <a:pt x="37394" y="922400"/>
-                  <a:pt x="18288" y="1050798"/>
-                </a:cubicBezTo>
-                <a:cubicBezTo>
-                  <a:pt x="-818" y="1179196"/>
-                  <a:pt x="6556" y="1394957"/>
-                  <a:pt x="18288" y="1600200"/>
-                </a:cubicBezTo>
-                <a:cubicBezTo>
-                  <a:pt x="12642" y="1600430"/>
-                  <a:pt x="3803" y="1599869"/>
-                  <a:pt x="0" y="1600200"/>
-                </a:cubicBezTo>
-                <a:cubicBezTo>
-                  <a:pt x="10832" y="1355159"/>
-                  <a:pt x="-10163" y="1159269"/>
-                  <a:pt x="0" y="1034796"/>
-                </a:cubicBezTo>
-                <a:cubicBezTo>
-                  <a:pt x="10163" y="910323"/>
-                  <a:pt x="5178" y="626710"/>
-                  <a:pt x="0" y="469392"/>
-                </a:cubicBezTo>
-                <a:cubicBezTo>
-                  <a:pt x="-5178" y="312074"/>
-                  <a:pt x="20387" y="137476"/>
+                  <a:pt x="281971" y="23935"/>
+                  <a:pt x="485873" y="-14021"/>
+                  <a:pt x="625450" y="0"/>
+                </a:cubicBezTo>
+                <a:cubicBezTo>
+                  <a:pt x="765027" y="14021"/>
+                  <a:pt x="1048900" y="27914"/>
+                  <a:pt x="1185062" y="0"/>
+                </a:cubicBezTo>
+                <a:cubicBezTo>
+                  <a:pt x="1321224" y="-27914"/>
+                  <a:pt x="1648252" y="-3988"/>
+                  <a:pt x="1909267" y="0"/>
+                </a:cubicBezTo>
+                <a:cubicBezTo>
+                  <a:pt x="2170282" y="3988"/>
+                  <a:pt x="2301957" y="25891"/>
+                  <a:pt x="2534717" y="0"/>
+                </a:cubicBezTo>
+                <a:cubicBezTo>
+                  <a:pt x="2767477" y="-25891"/>
+                  <a:pt x="3078800" y="21500"/>
+                  <a:pt x="3291840" y="0"/>
+                </a:cubicBezTo>
+                <a:cubicBezTo>
+                  <a:pt x="3291576" y="4493"/>
+                  <a:pt x="3292224" y="9472"/>
+                  <a:pt x="3291840" y="18288"/>
+                </a:cubicBezTo>
+                <a:cubicBezTo>
+                  <a:pt x="3120474" y="15714"/>
+                  <a:pt x="2816568" y="4633"/>
+                  <a:pt x="2633472" y="18288"/>
+                </a:cubicBezTo>
+                <a:cubicBezTo>
+                  <a:pt x="2450376" y="31943"/>
+                  <a:pt x="2160769" y="37350"/>
+                  <a:pt x="1909267" y="18288"/>
+                </a:cubicBezTo>
+                <a:cubicBezTo>
+                  <a:pt x="1657765" y="-774"/>
+                  <a:pt x="1623992" y="9648"/>
+                  <a:pt x="1349654" y="18288"/>
+                </a:cubicBezTo>
+                <a:cubicBezTo>
+                  <a:pt x="1075316" y="26928"/>
+                  <a:pt x="833426" y="34181"/>
+                  <a:pt x="691286" y="18288"/>
+                </a:cubicBezTo>
+                <a:cubicBezTo>
+                  <a:pt x="549146" y="2395"/>
+                  <a:pt x="342011" y="24201"/>
+                  <a:pt x="0" y="18288"/>
+                </a:cubicBezTo>
+                <a:cubicBezTo>
+                  <a:pt x="843" y="9577"/>
+                  <a:pt x="371" y="6900"/>
                   <a:pt x="0" y="0"/>
                 </a:cubicBezTo>
                 <a:close/>
@@ -11884,11 +11670,11 @@
             </a:pathLst>
           </a:custGeom>
           <a:solidFill>
-            <a:schemeClr val="bg1"/>
+            <a:srgbClr val="AB96C6"/>
           </a:solidFill>
-          <a:ln w="34925">
+          <a:ln w="38100" cap="rnd">
             <a:solidFill>
-              <a:schemeClr val="bg1"/>
+              <a:srgbClr val="AB96C6"/>
             </a:solidFill>
             <a:round/>
             <a:extLst>
@@ -11948,13 +11734,13 @@
         </p:nvSpPr>
         <p:spPr>
           <a:xfrm>
-            <a:off x="4560073" y="55631"/>
-            <a:ext cx="7592303" cy="2987284"/>
+            <a:off x="630936" y="2807208"/>
+            <a:ext cx="3429000" cy="3410712"/>
           </a:xfrm>
         </p:spPr>
         <p:txBody>
-          <a:bodyPr anchor="ctr">
-            <a:noAutofit/>
+          <a:bodyPr anchor="t">
+            <a:normAutofit/>
           </a:bodyPr>
           <a:lstStyle/>
           <a:p>
@@ -11964,11 +11750,7 @@
               </a:lnSpc>
             </a:pPr>
             <a:r>
-              <a:rPr lang="en-US" dirty="0">
-                <a:solidFill>
-                  <a:schemeClr val="bg1"/>
-                </a:solidFill>
-              </a:rPr>
+              <a:rPr lang="en-US" sz="2000"/>
               <a:t>highest accuracy from Model 1 because the algo have more score information to leverage from to predict the performance, accuracy score erodes over Model 2 and Model 3 because the algo have less score information to predict from. </a:t>
             </a:r>
           </a:p>
@@ -11979,42 +11761,89 @@
               </a:lnSpc>
             </a:pPr>
             <a:r>
-              <a:rPr lang="en-US" dirty="0">
-                <a:solidFill>
-                  <a:schemeClr val="bg1"/>
-                </a:solidFill>
-              </a:rPr>
-              <a:t>Model 2 performs pretty well, and its results fit into an academic context because it allows schools and teachers to identify weak students early on to take necessary actions</a:t>
-            </a:r>
-            <a:r>
-              <a:rPr lang="en-US" sz="1600" dirty="0">
-                <a:solidFill>
-                  <a:schemeClr val="bg1"/>
-                </a:solidFill>
-              </a:rPr>
-              <a:t> </a:t>
+              <a:rPr lang="en-US" sz="2000"/>
+              <a:t>Model 2 performs pretty well, and its results fit into an academic context because it allows schools and teachers to identify weak students early on to take necessary actions </a:t>
             </a:r>
             <a:br>
-              <a:rPr lang="en-US" sz="1600" dirty="0">
-                <a:solidFill>
-                  <a:schemeClr val="bg1"/>
-                </a:solidFill>
-              </a:rPr>
+              <a:rPr lang="en-US" sz="2000"/>
             </a:br>
-            <a:endParaRPr lang="en-US" sz="1600" dirty="0">
-              <a:solidFill>
-                <a:schemeClr val="bg1"/>
-              </a:solidFill>
-            </a:endParaRPr>
+            <a:endParaRPr lang="en-US" sz="2000"/>
           </a:p>
         </p:txBody>
       </p:sp>
+      <mc:AlternateContent xmlns:mc="http://schemas.openxmlformats.org/markup-compatibility/2006">
+        <mc:Choice xmlns:p14="http://schemas.microsoft.com/office/powerpoint/2010/main" Requires="p14">
+          <p:contentPart p14:bwMode="auto" r:id="rId2">
+            <p14:nvContentPartPr>
+              <p14:cNvPr id="33" name="Ink 32">
+                <a:extLst>
+                  <a:ext uri="{FF2B5EF4-FFF2-40B4-BE49-F238E27FC236}">
+                    <a16:creationId xmlns:a16="http://schemas.microsoft.com/office/drawing/2014/main" id="{070477C5-0410-4E4F-97A1-F84C2465C187}"/>
+                  </a:ext>
+                  <a:ext uri="{C183D7F6-B498-43B3-948B-1728B52AA6E4}">
+                    <adec:decorative xmlns:adec="http://schemas.microsoft.com/office/drawing/2017/decorative" val="1"/>
+                  </a:ext>
+                </a:extLst>
+              </p14:cNvPr>
+              <p14:cNvContentPartPr>
+                <a14:cpLocks xmlns:a14="http://schemas.microsoft.com/office/drawing/2010/main" noGrp="1" noRot="1" noChangeAspect="1" noMove="1" noResize="1" noEditPoints="1" noAdjustHandles="1" noChangeArrowheads="1" noChangeShapeType="1"/>
+              </p14:cNvContentPartPr>
+              <p14:nvPr>
+                <p:extLst>
+                  <p:ext uri="{386F3935-93C4-4BCD-93E2-E3B085C9AB24}">
+                    <p16:designElem xmlns:p16="http://schemas.microsoft.com/office/powerpoint/2015/main" val="1"/>
+                  </p:ext>
+                </p:extLst>
+              </p14:nvPr>
+            </p14:nvContentPartPr>
+            <p14:xfrm>
+              <a:off x="5755403" y="1971579"/>
+              <a:ext cx="360" cy="2160"/>
+            </p14:xfrm>
+          </p:contentPart>
+        </mc:Choice>
+        <mc:Fallback>
+          <p:pic>
+            <p:nvPicPr>
+              <p:cNvPr id="33" name="Ink 32">
+                <a:extLst>
+                  <a:ext uri="{FF2B5EF4-FFF2-40B4-BE49-F238E27FC236}">
+                    <a16:creationId xmlns:a16="http://schemas.microsoft.com/office/drawing/2014/main" id="{070477C5-0410-4E4F-97A1-F84C2465C187}"/>
+                  </a:ext>
+                  <a:ext uri="{C183D7F6-B498-43B3-948B-1728B52AA6E4}">
+                    <adec:decorative xmlns:adec="http://schemas.microsoft.com/office/drawing/2017/decorative" val="1"/>
+                  </a:ext>
+                </a:extLst>
+              </p:cNvPr>
+              <p:cNvPicPr>
+                <a:picLocks noGrp="1" noRot="1" noChangeAspect="1" noMove="1" noResize="1" noEditPoints="1" noAdjustHandles="1" noChangeArrowheads="1" noChangeShapeType="1"/>
+              </p:cNvPicPr>
+              <p:nvPr/>
+            </p:nvPicPr>
+            <p:blipFill>
+              <a:blip r:embed="rId3"/>
+              <a:stretch>
+                <a:fillRect/>
+              </a:stretch>
+            </p:blipFill>
+            <p:spPr>
+              <a:xfrm>
+                <a:off x="5737403" y="1956150"/>
+                <a:ext cx="36000" cy="32709"/>
+              </a:xfrm>
+              <a:prstGeom prst="rect">
+                <a:avLst/>
+              </a:prstGeom>
+            </p:spPr>
+          </p:pic>
+        </mc:Fallback>
+      </mc:AlternateContent>
       <p:pic>
         <p:nvPicPr>
-          <p:cNvPr id="19" name="Picture 18">
+          <p:cNvPr id="8" name="Picture 7">
             <a:extLst>
               <a:ext uri="{FF2B5EF4-FFF2-40B4-BE49-F238E27FC236}">
-                <a16:creationId xmlns:a16="http://schemas.microsoft.com/office/drawing/2014/main" id="{D7DBCCF1-0880-3944-AA2D-99B0693A45CC}"/>
+                <a16:creationId xmlns:a16="http://schemas.microsoft.com/office/drawing/2014/main" id="{CB83D6CA-6255-5440-BA3D-ACC7F824BDBB}"/>
               </a:ext>
             </a:extLst>
           </p:cNvPr>
@@ -12022,15 +11851,15 @@
           <p:nvPr/>
         </p:nvPicPr>
         <p:blipFill>
-          <a:blip r:embed="rId2"/>
+          <a:blip r:embed="rId4"/>
           <a:stretch>
             <a:fillRect/>
           </a:stretch>
         </p:blipFill>
         <p:spPr>
           <a:xfrm>
-            <a:off x="3238500" y="2735265"/>
-            <a:ext cx="5943600" cy="4020185"/>
+            <a:off x="4423980" y="1184043"/>
+            <a:ext cx="7318629" cy="4765844"/>
           </a:xfrm>
           <a:prstGeom prst="rect">
             <a:avLst/>
@@ -12522,7 +12351,7 @@
               </a:lnSpc>
             </a:pPr>
             <a:r>
-              <a:rPr lang="en-US" dirty="0"/>
+              <a:rPr lang="en-US"/>
               <a:t>Model 2 is quite accurate and allows the most actionable insights for educators to help teachers improve students performance before it’s too close to the end of the semester</a:t>
             </a:r>
           </a:p>
@@ -12533,9 +12362,902 @@
               </a:lnSpc>
             </a:pPr>
             <a:r>
-              <a:rPr lang="en-US" dirty="0"/>
+              <a:rPr lang="en-US"/>
               <a:t>Display Random Forest Classification’s  Confusion Matrix and ROC Curves for Model 2 for both the Math and Portuguese dataset because these were the best models</a:t>
             </a:r>
+            <a:endParaRPr lang="en-US" dirty="0"/>
+          </a:p>
+        </p:txBody>
+      </p:sp>
+      <mc:AlternateContent xmlns:mc="http://schemas.openxmlformats.org/markup-compatibility/2006" xmlns:p14="http://schemas.microsoft.com/office/powerpoint/2010/main">
+        <mc:Choice Requires="p14">
+          <p:contentPart p14:bwMode="auto" r:id="rId2">
+            <p14:nvContentPartPr>
+              <p14:cNvPr id="21" name="Ink 20">
+                <a:extLst>
+                  <a:ext uri="{FF2B5EF4-FFF2-40B4-BE49-F238E27FC236}">
+                    <a16:creationId xmlns:a16="http://schemas.microsoft.com/office/drawing/2014/main" id="{070477C5-0410-4E4F-97A1-F84C2465C187}"/>
+                  </a:ext>
+                  <a:ext uri="{C183D7F6-B498-43B3-948B-1728B52AA6E4}">
+                    <adec:decorative xmlns:adec="http://schemas.microsoft.com/office/drawing/2017/decorative" val="1"/>
+                  </a:ext>
+                </a:extLst>
+              </p14:cNvPr>
+              <p14:cNvContentPartPr>
+                <a14:cpLocks xmlns:a14="http://schemas.microsoft.com/office/drawing/2010/main" noGrp="1" noRot="1" noChangeAspect="1" noMove="1" noResize="1" noEditPoints="1" noAdjustHandles="1" noChangeArrowheads="1" noChangeShapeType="1"/>
+              </p14:cNvContentPartPr>
+              <p14:nvPr>
+                <p:extLst>
+                  <p:ext uri="{386F3935-93C4-4BCD-93E2-E3B085C9AB24}">
+                    <p16:designElem xmlns:p16="http://schemas.microsoft.com/office/powerpoint/2015/main" val="1"/>
+                  </p:ext>
+                </p:extLst>
+              </p14:nvPr>
+            </p14:nvContentPartPr>
+            <p14:xfrm>
+              <a:off x="5755403" y="1971579"/>
+              <a:ext cx="360" cy="2160"/>
+            </p14:xfrm>
+          </p:contentPart>
+        </mc:Choice>
+        <mc:Fallback xmlns="">
+          <p:pic>
+            <p:nvPicPr>
+              <p:cNvPr id="21" name="Ink 20">
+                <a:extLst>
+                  <a:ext uri="{FF2B5EF4-FFF2-40B4-BE49-F238E27FC236}">
+                    <a16:creationId xmlns:a16="http://schemas.microsoft.com/office/drawing/2014/main" id="{070477C5-0410-4E4F-97A1-F84C2465C187}"/>
+                  </a:ext>
+                  <a:ext uri="{C183D7F6-B498-43B3-948B-1728B52AA6E4}">
+                    <adec:decorative xmlns:adec="http://schemas.microsoft.com/office/drawing/2017/decorative" val="1"/>
+                  </a:ext>
+                </a:extLst>
+              </p:cNvPr>
+              <p:cNvPicPr>
+                <a:picLocks noGrp="1" noRot="1" noChangeAspect="1" noMove="1" noResize="1" noEditPoints="1" noAdjustHandles="1" noChangeArrowheads="1" noChangeShapeType="1"/>
+              </p:cNvPicPr>
+              <p:nvPr/>
+            </p:nvPicPr>
+            <p:blipFill>
+              <a:blip r:embed="rId3"/>
+              <a:stretch>
+                <a:fillRect/>
+              </a:stretch>
+            </p:blipFill>
+            <p:spPr>
+              <a:xfrm>
+                <a:off x="5737403" y="1956150"/>
+                <a:ext cx="36000" cy="32709"/>
+              </a:xfrm>
+              <a:prstGeom prst="rect">
+                <a:avLst/>
+              </a:prstGeom>
+            </p:spPr>
+          </p:pic>
+        </mc:Fallback>
+      </mc:AlternateContent>
+      <p:sp>
+        <p:nvSpPr>
+          <p:cNvPr id="20" name="Rectangle 19">
+            <a:extLst>
+              <a:ext uri="{FF2B5EF4-FFF2-40B4-BE49-F238E27FC236}">
+                <a16:creationId xmlns:a16="http://schemas.microsoft.com/office/drawing/2014/main" id="{B68433FF-E035-3A4D-9A84-504661AC6495}"/>
+              </a:ext>
+            </a:extLst>
+          </p:cNvPr>
+          <p:cNvSpPr/>
+          <p:nvPr/>
+        </p:nvSpPr>
+        <p:spPr>
+          <a:xfrm>
+            <a:off x="4854424" y="345389"/>
+            <a:ext cx="3742308" cy="1477328"/>
+          </a:xfrm>
+          <a:prstGeom prst="rect">
+            <a:avLst/>
+          </a:prstGeom>
+        </p:spPr>
+        <p:txBody>
+          <a:bodyPr wrap="square">
+            <a:spAutoFit/>
+          </a:bodyPr>
+          <a:lstStyle/>
+          <a:p>
+            <a:r>
+              <a:rPr lang="en-US" b="1">
+                <a:solidFill>
+                  <a:srgbClr val="002060"/>
+                </a:solidFill>
+              </a:rPr>
+              <a:t>Math, Model 2:</a:t>
+            </a:r>
+          </a:p>
+          <a:p>
+            <a:pPr marL="285750" indent="-285750">
+              <a:buFont typeface="Arial" panose="020B0604020202020204" pitchFamily="34" charset="0"/>
+              <a:buChar char="•"/>
+            </a:pPr>
+            <a:r>
+              <a:rPr lang="en-US" b="1">
+                <a:solidFill>
+                  <a:srgbClr val="002060"/>
+                </a:solidFill>
+              </a:rPr>
+              <a:t>Random Forest Classification (n_estimators = 100, random_state = 42, max_depth = 9, max_features = 0.625)</a:t>
+            </a:r>
+          </a:p>
+          <a:p>
+            <a:pPr marL="285750" indent="-285750">
+              <a:buFont typeface="Arial" panose="020B0604020202020204" pitchFamily="34" charset="0"/>
+              <a:buChar char="•"/>
+            </a:pPr>
+            <a:r>
+              <a:rPr lang="en-US" b="1">
+                <a:solidFill>
+                  <a:srgbClr val="002060"/>
+                </a:solidFill>
+              </a:rPr>
+              <a:t>Test accuracy: 0.924</a:t>
+            </a:r>
+            <a:br>
+              <a:rPr lang="en-US" b="1">
+                <a:solidFill>
+                  <a:srgbClr val="002060"/>
+                </a:solidFill>
+              </a:rPr>
+            </a:br>
+            <a:endParaRPr lang="en-US" b="1" dirty="0">
+              <a:solidFill>
+                <a:srgbClr val="002060"/>
+              </a:solidFill>
+            </a:endParaRPr>
+          </a:p>
+        </p:txBody>
+      </p:sp>
+      <p:sp>
+        <p:nvSpPr>
+          <p:cNvPr id="22" name="Rectangle 21">
+            <a:extLst>
+              <a:ext uri="{FF2B5EF4-FFF2-40B4-BE49-F238E27FC236}">
+                <a16:creationId xmlns:a16="http://schemas.microsoft.com/office/drawing/2014/main" id="{060B9F86-F024-C545-9DBE-8DA5A8F0AFEF}"/>
+              </a:ext>
+            </a:extLst>
+          </p:cNvPr>
+          <p:cNvSpPr/>
+          <p:nvPr/>
+        </p:nvSpPr>
+        <p:spPr>
+          <a:xfrm>
+            <a:off x="8447393" y="314160"/>
+            <a:ext cx="3818176" cy="1200329"/>
+          </a:xfrm>
+          <a:prstGeom prst="rect">
+            <a:avLst/>
+          </a:prstGeom>
+        </p:spPr>
+        <p:txBody>
+          <a:bodyPr wrap="square">
+            <a:spAutoFit/>
+          </a:bodyPr>
+          <a:lstStyle/>
+          <a:p>
+            <a:r>
+              <a:rPr lang="en-US" b="1">
+                <a:solidFill>
+                  <a:srgbClr val="002060"/>
+                </a:solidFill>
+              </a:rPr>
+              <a:t>Portuguese Model 2:</a:t>
+            </a:r>
+          </a:p>
+          <a:p>
+            <a:pPr marL="285750" indent="-285750">
+              <a:buFont typeface="Arial" panose="020B0604020202020204" pitchFamily="34" charset="0"/>
+              <a:buChar char="•"/>
+            </a:pPr>
+            <a:r>
+              <a:rPr lang="en-US" b="1">
+                <a:solidFill>
+                  <a:srgbClr val="002060"/>
+                </a:solidFill>
+              </a:rPr>
+              <a:t>Random Forest Classification (n_estimators = 100, random_state = 42, max_depth = 2 max_features = 0.625)</a:t>
+            </a:r>
+          </a:p>
+          <a:p>
+            <a:pPr marL="285750" indent="-285750">
+              <a:buFont typeface="Arial" panose="020B0604020202020204" pitchFamily="34" charset="0"/>
+              <a:buChar char="•"/>
+            </a:pPr>
+            <a:r>
+              <a:rPr lang="en-US" b="1">
+                <a:solidFill>
+                  <a:srgbClr val="002060"/>
+                </a:solidFill>
+              </a:rPr>
+              <a:t>Test accuracy: 0.954</a:t>
+            </a:r>
+            <a:endParaRPr lang="en-US" dirty="0"/>
+          </a:p>
+        </p:txBody>
+      </p:sp>
+      <p:pic>
+        <p:nvPicPr>
+          <p:cNvPr id="5" name="Picture 4" descr="Chart, bar chart&#10;&#10;Description automatically generated">
+            <a:extLst>
+              <a:ext uri="{FF2B5EF4-FFF2-40B4-BE49-F238E27FC236}">
+                <a16:creationId xmlns:a16="http://schemas.microsoft.com/office/drawing/2014/main" id="{94EE277E-9127-D145-9128-A300996C0C2C}"/>
+              </a:ext>
+            </a:extLst>
+          </p:cNvPr>
+          <p:cNvPicPr>
+            <a:picLocks noChangeAspect="1"/>
+          </p:cNvPicPr>
+          <p:nvPr/>
+        </p:nvPicPr>
+        <p:blipFill>
+          <a:blip r:embed="rId4"/>
+          <a:stretch>
+            <a:fillRect/>
+          </a:stretch>
+        </p:blipFill>
+        <p:spPr>
+          <a:xfrm>
+            <a:off x="5214942" y="1578236"/>
+            <a:ext cx="3108051" cy="2361425"/>
+          </a:xfrm>
+          <a:prstGeom prst="rect">
+            <a:avLst/>
+          </a:prstGeom>
+        </p:spPr>
+      </p:pic>
+      <p:pic>
+        <p:nvPicPr>
+          <p:cNvPr id="7" name="Picture 6" descr="Chart&#10;&#10;Description automatically generated">
+            <a:extLst>
+              <a:ext uri="{FF2B5EF4-FFF2-40B4-BE49-F238E27FC236}">
+                <a16:creationId xmlns:a16="http://schemas.microsoft.com/office/drawing/2014/main" id="{D47667F4-6DC2-D741-90BD-59471F07A982}"/>
+              </a:ext>
+            </a:extLst>
+          </p:cNvPr>
+          <p:cNvPicPr>
+            <a:picLocks noChangeAspect="1"/>
+          </p:cNvPicPr>
+          <p:nvPr/>
+        </p:nvPicPr>
+        <p:blipFill>
+          <a:blip r:embed="rId5"/>
+          <a:stretch>
+            <a:fillRect/>
+          </a:stretch>
+        </p:blipFill>
+        <p:spPr>
+          <a:xfrm>
+            <a:off x="5039975" y="4023214"/>
+            <a:ext cx="3573238" cy="2382158"/>
+          </a:xfrm>
+          <a:prstGeom prst="rect">
+            <a:avLst/>
+          </a:prstGeom>
+        </p:spPr>
+      </p:pic>
+      <p:pic>
+        <p:nvPicPr>
+          <p:cNvPr id="9" name="Picture 8">
+            <a:extLst>
+              <a:ext uri="{FF2B5EF4-FFF2-40B4-BE49-F238E27FC236}">
+                <a16:creationId xmlns:a16="http://schemas.microsoft.com/office/drawing/2014/main" id="{3496AC3F-902C-7849-B266-1D89E9D3BDBD}"/>
+              </a:ext>
+            </a:extLst>
+          </p:cNvPr>
+          <p:cNvPicPr>
+            <a:picLocks noChangeAspect="1"/>
+          </p:cNvPicPr>
+          <p:nvPr/>
+        </p:nvPicPr>
+        <p:blipFill>
+          <a:blip r:embed="rId6"/>
+          <a:stretch>
+            <a:fillRect/>
+          </a:stretch>
+        </p:blipFill>
+        <p:spPr>
+          <a:xfrm>
+            <a:off x="8447393" y="4023214"/>
+            <a:ext cx="3604672" cy="2403115"/>
+          </a:xfrm>
+          <a:prstGeom prst="rect">
+            <a:avLst/>
+          </a:prstGeom>
+        </p:spPr>
+      </p:pic>
+      <p:pic>
+        <p:nvPicPr>
+          <p:cNvPr id="12" name="Picture 11">
+            <a:extLst>
+              <a:ext uri="{FF2B5EF4-FFF2-40B4-BE49-F238E27FC236}">
+                <a16:creationId xmlns:a16="http://schemas.microsoft.com/office/drawing/2014/main" id="{B8A98682-7469-8D42-86E3-51AE5D2FDE0E}"/>
+              </a:ext>
+            </a:extLst>
+          </p:cNvPr>
+          <p:cNvPicPr>
+            <a:picLocks noChangeAspect="1"/>
+          </p:cNvPicPr>
+          <p:nvPr/>
+        </p:nvPicPr>
+        <p:blipFill>
+          <a:blip r:embed="rId7"/>
+          <a:stretch>
+            <a:fillRect/>
+          </a:stretch>
+        </p:blipFill>
+        <p:spPr>
+          <a:xfrm>
+            <a:off x="8720444" y="1578236"/>
+            <a:ext cx="2941410" cy="2339367"/>
+          </a:xfrm>
+          <a:prstGeom prst="rect">
+            <a:avLst/>
+          </a:prstGeom>
+        </p:spPr>
+      </p:pic>
+    </p:spTree>
+    <p:extLst>
+      <p:ext uri="{BB962C8B-B14F-4D97-AF65-F5344CB8AC3E}">
+        <p14:creationId xmlns:p14="http://schemas.microsoft.com/office/powerpoint/2010/main" val="257410305"/>
+      </p:ext>
+    </p:extLst>
+  </p:cSld>
+  <p:clrMapOvr>
+    <a:masterClrMapping/>
+  </p:clrMapOvr>
+</p:sld>
+</file>
+
+<file path=ppt/slides/slide12.xml><?xml version="1.0" encoding="utf-8"?>
+<p:sld xmlns:a="http://schemas.openxmlformats.org/drawingml/2006/main" xmlns:r="http://schemas.openxmlformats.org/officeDocument/2006/relationships" xmlns:p="http://schemas.openxmlformats.org/presentationml/2006/main">
+  <p:cSld>
+    <p:bg>
+      <p:bgPr>
+        <a:solidFill>
+          <a:schemeClr val="bg1"/>
+        </a:solidFill>
+        <a:effectLst/>
+      </p:bgPr>
+    </p:bg>
+    <p:spTree>
+      <p:nvGrpSpPr>
+        <p:cNvPr id="1" name=""/>
+        <p:cNvGrpSpPr/>
+        <p:nvPr/>
+      </p:nvGrpSpPr>
+      <p:grpSpPr>
+        <a:xfrm>
+          <a:off x="0" y="0"/>
+          <a:ext cx="0" cy="0"/>
+          <a:chOff x="0" y="0"/>
+          <a:chExt cx="0" cy="0"/>
+        </a:xfrm>
+      </p:grpSpPr>
+      <p:sp useBgFill="1">
+        <p:nvSpPr>
+          <p:cNvPr id="17" name="Rectangle 16">
+            <a:extLst>
+              <a:ext uri="{FF2B5EF4-FFF2-40B4-BE49-F238E27FC236}">
+                <a16:creationId xmlns:a16="http://schemas.microsoft.com/office/drawing/2014/main" id="{743AA782-23D1-4521-8CAD-47662984AA08}"/>
+              </a:ext>
+              <a:ext uri="{C183D7F6-B498-43B3-948B-1728B52AA6E4}">
+                <adec:decorative xmlns:adec="http://schemas.microsoft.com/office/drawing/2017/decorative" val="1"/>
+              </a:ext>
+            </a:extLst>
+          </p:cNvPr>
+          <p:cNvSpPr>
+            <a:spLocks noGrp="1" noRot="1" noChangeAspect="1" noMove="1" noResize="1" noEditPoints="1" noAdjustHandles="1" noChangeArrowheads="1" noChangeShapeType="1" noTextEdit="1"/>
+          </p:cNvSpPr>
+          <p:nvPr>
+            <p:extLst>
+              <p:ext uri="{386F3935-93C4-4BCD-93E2-E3B085C9AB24}">
+                <p16:designElem xmlns:p16="http://schemas.microsoft.com/office/powerpoint/2015/main" val="1"/>
+              </p:ext>
+            </p:extLst>
+          </p:nvPr>
+        </p:nvSpPr>
+        <p:spPr>
+          <a:xfrm>
+            <a:off x="0" y="0"/>
+            <a:ext cx="12192000" cy="6858000"/>
+          </a:xfrm>
+          <a:prstGeom prst="rect">
+            <a:avLst/>
+          </a:prstGeom>
+          <a:ln>
+            <a:noFill/>
+          </a:ln>
+        </p:spPr>
+        <p:style>
+          <a:lnRef idx="2">
+            <a:schemeClr val="accent1">
+              <a:shade val="50000"/>
+            </a:schemeClr>
+          </a:lnRef>
+          <a:fillRef idx="1">
+            <a:schemeClr val="accent1"/>
+          </a:fillRef>
+          <a:effectRef idx="0">
+            <a:schemeClr val="accent1"/>
+          </a:effectRef>
+          <a:fontRef idx="minor">
+            <a:schemeClr val="lt1"/>
+          </a:fontRef>
+        </p:style>
+        <p:txBody>
+          <a:bodyPr rtlCol="0" anchor="ctr"/>
+          <a:lstStyle/>
+          <a:p>
+            <a:pPr algn="ctr"/>
+            <a:endParaRPr lang="en-US"/>
+          </a:p>
+        </p:txBody>
+      </p:sp>
+      <p:sp>
+        <p:nvSpPr>
+          <p:cNvPr id="2" name="Title 1">
+            <a:extLst>
+              <a:ext uri="{FF2B5EF4-FFF2-40B4-BE49-F238E27FC236}">
+                <a16:creationId xmlns:a16="http://schemas.microsoft.com/office/drawing/2014/main" id="{80C6C333-C190-DB4A-A179-29DBB27382E6}"/>
+              </a:ext>
+            </a:extLst>
+          </p:cNvPr>
+          <p:cNvSpPr>
+            <a:spLocks noGrp="1"/>
+          </p:cNvSpPr>
+          <p:nvPr>
+            <p:ph type="title"/>
+          </p:nvPr>
+        </p:nvSpPr>
+        <p:spPr>
+          <a:xfrm>
+            <a:off x="630936" y="640080"/>
+            <a:ext cx="4818888" cy="1481328"/>
+          </a:xfrm>
+        </p:spPr>
+        <p:txBody>
+          <a:bodyPr anchor="b">
+            <a:normAutofit/>
+          </a:bodyPr>
+          <a:lstStyle/>
+          <a:p>
+            <a:pPr>
+              <a:lnSpc>
+                <a:spcPct val="90000"/>
+              </a:lnSpc>
+            </a:pPr>
+            <a:r>
+              <a:rPr lang="en-US" sz="4800" dirty="0">
+                <a:solidFill>
+                  <a:srgbClr val="7030A0"/>
+                </a:solidFill>
+              </a:rPr>
+              <a:t>3. RESULTS – FEATURE IMPORTANCES (GLOBAL)</a:t>
+            </a:r>
+          </a:p>
+        </p:txBody>
+      </p:sp>
+      <p:sp>
+        <p:nvSpPr>
+          <p:cNvPr id="19" name="Rectangle 6">
+            <a:extLst>
+              <a:ext uri="{FF2B5EF4-FFF2-40B4-BE49-F238E27FC236}">
+                <a16:creationId xmlns:a16="http://schemas.microsoft.com/office/drawing/2014/main" id="{3CE8AF5E-D374-4CF1-90CC-35CF73B81C3E}"/>
+              </a:ext>
+              <a:ext uri="{C183D7F6-B498-43B3-948B-1728B52AA6E4}">
+                <adec:decorative xmlns:adec="http://schemas.microsoft.com/office/drawing/2017/decorative" val="1"/>
+              </a:ext>
+            </a:extLst>
+          </p:cNvPr>
+          <p:cNvSpPr>
+            <a:spLocks noGrp="1" noRot="1" noChangeAspect="1" noMove="1" noResize="1" noEditPoints="1" noAdjustHandles="1" noChangeArrowheads="1" noChangeShapeType="1" noTextEdit="1"/>
+          </p:cNvSpPr>
+          <p:nvPr>
+            <p:extLst>
+              <p:ext uri="{386F3935-93C4-4BCD-93E2-E3B085C9AB24}">
+                <p16:designElem xmlns:p16="http://schemas.microsoft.com/office/powerpoint/2015/main" val="1"/>
+              </p:ext>
+            </p:extLst>
+          </p:nvPr>
+        </p:nvSpPr>
+        <p:spPr>
+          <a:xfrm>
+            <a:off x="630936" y="2386584"/>
+            <a:ext cx="4114800" cy="18288"/>
+          </a:xfrm>
+          <a:custGeom>
+            <a:avLst/>
+            <a:gdLst>
+              <a:gd name="connsiteX0" fmla="*/ 0 w 4114800"/>
+              <a:gd name="connsiteY0" fmla="*/ 0 h 18288"/>
+              <a:gd name="connsiteX1" fmla="*/ 768096 w 4114800"/>
+              <a:gd name="connsiteY1" fmla="*/ 0 h 18288"/>
+              <a:gd name="connsiteX2" fmla="*/ 1495044 w 4114800"/>
+              <a:gd name="connsiteY2" fmla="*/ 0 h 18288"/>
+              <a:gd name="connsiteX3" fmla="*/ 2221992 w 4114800"/>
+              <a:gd name="connsiteY3" fmla="*/ 0 h 18288"/>
+              <a:gd name="connsiteX4" fmla="*/ 2784348 w 4114800"/>
+              <a:gd name="connsiteY4" fmla="*/ 0 h 18288"/>
+              <a:gd name="connsiteX5" fmla="*/ 3387852 w 4114800"/>
+              <a:gd name="connsiteY5" fmla="*/ 0 h 18288"/>
+              <a:gd name="connsiteX6" fmla="*/ 4114800 w 4114800"/>
+              <a:gd name="connsiteY6" fmla="*/ 0 h 18288"/>
+              <a:gd name="connsiteX7" fmla="*/ 4114800 w 4114800"/>
+              <a:gd name="connsiteY7" fmla="*/ 18288 h 18288"/>
+              <a:gd name="connsiteX8" fmla="*/ 3429000 w 4114800"/>
+              <a:gd name="connsiteY8" fmla="*/ 18288 h 18288"/>
+              <a:gd name="connsiteX9" fmla="*/ 2866644 w 4114800"/>
+              <a:gd name="connsiteY9" fmla="*/ 18288 h 18288"/>
+              <a:gd name="connsiteX10" fmla="*/ 2304288 w 4114800"/>
+              <a:gd name="connsiteY10" fmla="*/ 18288 h 18288"/>
+              <a:gd name="connsiteX11" fmla="*/ 1577340 w 4114800"/>
+              <a:gd name="connsiteY11" fmla="*/ 18288 h 18288"/>
+              <a:gd name="connsiteX12" fmla="*/ 973836 w 4114800"/>
+              <a:gd name="connsiteY12" fmla="*/ 18288 h 18288"/>
+              <a:gd name="connsiteX13" fmla="*/ 0 w 4114800"/>
+              <a:gd name="connsiteY13" fmla="*/ 18288 h 18288"/>
+              <a:gd name="connsiteX14" fmla="*/ 0 w 4114800"/>
+              <a:gd name="connsiteY14" fmla="*/ 0 h 18288"/>
+            </a:gdLst>
+            <a:ahLst/>
+            <a:cxnLst>
+              <a:cxn ang="0">
+                <a:pos x="connsiteX0" y="connsiteY0"/>
+              </a:cxn>
+              <a:cxn ang="0">
+                <a:pos x="connsiteX1" y="connsiteY1"/>
+              </a:cxn>
+              <a:cxn ang="0">
+                <a:pos x="connsiteX2" y="connsiteY2"/>
+              </a:cxn>
+              <a:cxn ang="0">
+                <a:pos x="connsiteX3" y="connsiteY3"/>
+              </a:cxn>
+              <a:cxn ang="0">
+                <a:pos x="connsiteX4" y="connsiteY4"/>
+              </a:cxn>
+              <a:cxn ang="0">
+                <a:pos x="connsiteX5" y="connsiteY5"/>
+              </a:cxn>
+              <a:cxn ang="0">
+                <a:pos x="connsiteX6" y="connsiteY6"/>
+              </a:cxn>
+              <a:cxn ang="0">
+                <a:pos x="connsiteX7" y="connsiteY7"/>
+              </a:cxn>
+              <a:cxn ang="0">
+                <a:pos x="connsiteX8" y="connsiteY8"/>
+              </a:cxn>
+              <a:cxn ang="0">
+                <a:pos x="connsiteX9" y="connsiteY9"/>
+              </a:cxn>
+              <a:cxn ang="0">
+                <a:pos x="connsiteX10" y="connsiteY10"/>
+              </a:cxn>
+              <a:cxn ang="0">
+                <a:pos x="connsiteX11" y="connsiteY11"/>
+              </a:cxn>
+              <a:cxn ang="0">
+                <a:pos x="connsiteX12" y="connsiteY12"/>
+              </a:cxn>
+              <a:cxn ang="0">
+                <a:pos x="connsiteX13" y="connsiteY13"/>
+              </a:cxn>
+              <a:cxn ang="0">
+                <a:pos x="connsiteX14" y="connsiteY14"/>
+              </a:cxn>
+            </a:cxnLst>
+            <a:rect l="l" t="t" r="r" b="b"/>
+            <a:pathLst>
+              <a:path w="4114800" h="18288" fill="none" extrusionOk="0">
+                <a:moveTo>
+                  <a:pt x="0" y="0"/>
+                </a:moveTo>
+                <a:cubicBezTo>
+                  <a:pt x="338280" y="-26110"/>
+                  <a:pt x="483942" y="6555"/>
+                  <a:pt x="768096" y="0"/>
+                </a:cubicBezTo>
+                <a:cubicBezTo>
+                  <a:pt x="1052250" y="-6555"/>
+                  <a:pt x="1331484" y="24616"/>
+                  <a:pt x="1495044" y="0"/>
+                </a:cubicBezTo>
+                <a:cubicBezTo>
+                  <a:pt x="1658604" y="-24616"/>
+                  <a:pt x="2056661" y="-33562"/>
+                  <a:pt x="2221992" y="0"/>
+                </a:cubicBezTo>
+                <a:cubicBezTo>
+                  <a:pt x="2387323" y="33562"/>
+                  <a:pt x="2629463" y="-20094"/>
+                  <a:pt x="2784348" y="0"/>
+                </a:cubicBezTo>
+                <a:cubicBezTo>
+                  <a:pt x="2939233" y="20094"/>
+                  <a:pt x="3151981" y="1524"/>
+                  <a:pt x="3387852" y="0"/>
+                </a:cubicBezTo>
+                <a:cubicBezTo>
+                  <a:pt x="3623723" y="-1524"/>
+                  <a:pt x="3882724" y="26165"/>
+                  <a:pt x="4114800" y="0"/>
+                </a:cubicBezTo>
+                <a:cubicBezTo>
+                  <a:pt x="4114300" y="8855"/>
+                  <a:pt x="4114909" y="14521"/>
+                  <a:pt x="4114800" y="18288"/>
+                </a:cubicBezTo>
+                <a:cubicBezTo>
+                  <a:pt x="3910038" y="37744"/>
+                  <a:pt x="3683432" y="-3969"/>
+                  <a:pt x="3429000" y="18288"/>
+                </a:cubicBezTo>
+                <a:cubicBezTo>
+                  <a:pt x="3174568" y="40545"/>
+                  <a:pt x="3085815" y="44166"/>
+                  <a:pt x="2866644" y="18288"/>
+                </a:cubicBezTo>
+                <a:cubicBezTo>
+                  <a:pt x="2647473" y="-7590"/>
+                  <a:pt x="2580474" y="31338"/>
+                  <a:pt x="2304288" y="18288"/>
+                </a:cubicBezTo>
+                <a:cubicBezTo>
+                  <a:pt x="2028102" y="5238"/>
+                  <a:pt x="1863008" y="-2001"/>
+                  <a:pt x="1577340" y="18288"/>
+                </a:cubicBezTo>
+                <a:cubicBezTo>
+                  <a:pt x="1291672" y="38577"/>
+                  <a:pt x="1243931" y="9893"/>
+                  <a:pt x="973836" y="18288"/>
+                </a:cubicBezTo>
+                <a:cubicBezTo>
+                  <a:pt x="703741" y="26683"/>
+                  <a:pt x="317656" y="-5910"/>
+                  <a:pt x="0" y="18288"/>
+                </a:cubicBezTo>
+                <a:cubicBezTo>
+                  <a:pt x="683" y="12014"/>
+                  <a:pt x="724" y="5908"/>
+                  <a:pt x="0" y="0"/>
+                </a:cubicBezTo>
+                <a:close/>
+              </a:path>
+              <a:path w="4114800" h="18288" stroke="0" extrusionOk="0">
+                <a:moveTo>
+                  <a:pt x="0" y="0"/>
+                </a:moveTo>
+                <a:cubicBezTo>
+                  <a:pt x="276109" y="5266"/>
+                  <a:pt x="325589" y="-19584"/>
+                  <a:pt x="644652" y="0"/>
+                </a:cubicBezTo>
+                <a:cubicBezTo>
+                  <a:pt x="963715" y="19584"/>
+                  <a:pt x="1064991" y="6066"/>
+                  <a:pt x="1207008" y="0"/>
+                </a:cubicBezTo>
+                <a:cubicBezTo>
+                  <a:pt x="1349025" y="-6066"/>
+                  <a:pt x="1791724" y="14506"/>
+                  <a:pt x="1975104" y="0"/>
+                </a:cubicBezTo>
+                <a:cubicBezTo>
+                  <a:pt x="2158484" y="-14506"/>
+                  <a:pt x="2397469" y="20822"/>
+                  <a:pt x="2619756" y="0"/>
+                </a:cubicBezTo>
+                <a:cubicBezTo>
+                  <a:pt x="2842043" y="-20822"/>
+                  <a:pt x="2992157" y="20388"/>
+                  <a:pt x="3264408" y="0"/>
+                </a:cubicBezTo>
+                <a:cubicBezTo>
+                  <a:pt x="3536659" y="-20388"/>
+                  <a:pt x="3855620" y="38211"/>
+                  <a:pt x="4114800" y="0"/>
+                </a:cubicBezTo>
+                <a:cubicBezTo>
+                  <a:pt x="4113902" y="7180"/>
+                  <a:pt x="4114969" y="13790"/>
+                  <a:pt x="4114800" y="18288"/>
+                </a:cubicBezTo>
+                <a:cubicBezTo>
+                  <a:pt x="3968901" y="8593"/>
+                  <a:pt x="3623428" y="17559"/>
+                  <a:pt x="3429000" y="18288"/>
+                </a:cubicBezTo>
+                <a:cubicBezTo>
+                  <a:pt x="3234572" y="19017"/>
+                  <a:pt x="3085079" y="41804"/>
+                  <a:pt x="2866644" y="18288"/>
+                </a:cubicBezTo>
+                <a:cubicBezTo>
+                  <a:pt x="2648209" y="-5228"/>
+                  <a:pt x="2451737" y="24580"/>
+                  <a:pt x="2180844" y="18288"/>
+                </a:cubicBezTo>
+                <a:cubicBezTo>
+                  <a:pt x="1909951" y="11996"/>
+                  <a:pt x="1681589" y="12244"/>
+                  <a:pt x="1495044" y="18288"/>
+                </a:cubicBezTo>
+                <a:cubicBezTo>
+                  <a:pt x="1308499" y="24332"/>
+                  <a:pt x="1136614" y="21789"/>
+                  <a:pt x="850392" y="18288"/>
+                </a:cubicBezTo>
+                <a:cubicBezTo>
+                  <a:pt x="564170" y="14787"/>
+                  <a:pt x="210636" y="54701"/>
+                  <a:pt x="0" y="18288"/>
+                </a:cubicBezTo>
+                <a:cubicBezTo>
+                  <a:pt x="571" y="10093"/>
+                  <a:pt x="-125" y="8407"/>
+                  <a:pt x="0" y="0"/>
+                </a:cubicBezTo>
+                <a:close/>
+              </a:path>
+            </a:pathLst>
+          </a:custGeom>
+          <a:solidFill>
+            <a:srgbClr val="AB96C6"/>
+          </a:solidFill>
+          <a:ln w="38100" cap="rnd">
+            <a:solidFill>
+              <a:srgbClr val="AB96C6"/>
+            </a:solidFill>
+            <a:round/>
+            <a:extLst>
+              <a:ext uri="{C807C97D-BFC1-408E-A445-0C87EB9F89A2}">
+                <ask:lineSketchStyleProps xmlns:ask="http://schemas.microsoft.com/office/drawing/2018/sketchyshapes" sd="1219033472">
+                  <a:prstGeom prst="rect">
+                    <a:avLst/>
+                  </a:prstGeom>
+                  <ask:type>
+                    <ask:lineSketchFreehand/>
+                  </ask:type>
+                </ask:lineSketchStyleProps>
+              </a:ext>
+            </a:extLst>
+          </a:ln>
+        </p:spPr>
+        <p:style>
+          <a:lnRef idx="2">
+            <a:schemeClr val="accent1">
+              <a:shade val="50000"/>
+            </a:schemeClr>
+          </a:lnRef>
+          <a:fillRef idx="1">
+            <a:schemeClr val="accent1"/>
+          </a:fillRef>
+          <a:effectRef idx="0">
+            <a:schemeClr val="accent1"/>
+          </a:effectRef>
+          <a:fontRef idx="minor">
+            <a:schemeClr val="lt1"/>
+          </a:fontRef>
+        </p:style>
+        <p:txBody>
+          <a:bodyPr rtlCol="0" anchor="ctr"/>
+          <a:lstStyle/>
+          <a:p>
+            <a:pPr algn="ctr"/>
+            <a:endParaRPr lang="en-US"/>
+          </a:p>
+        </p:txBody>
+      </p:sp>
+      <p:sp>
+        <p:nvSpPr>
+          <p:cNvPr id="3" name="Content Placeholder 2">
+            <a:extLst>
+              <a:ext uri="{FF2B5EF4-FFF2-40B4-BE49-F238E27FC236}">
+                <a16:creationId xmlns:a16="http://schemas.microsoft.com/office/drawing/2014/main" id="{2C6621D5-8DF2-9543-A7FD-3336FD49D431}"/>
+              </a:ext>
+            </a:extLst>
+          </p:cNvPr>
+          <p:cNvSpPr>
+            <a:spLocks noGrp="1"/>
+          </p:cNvSpPr>
+          <p:nvPr>
+            <p:ph idx="1"/>
+          </p:nvPr>
+        </p:nvSpPr>
+        <p:spPr>
+          <a:xfrm>
+            <a:off x="509350" y="2574036"/>
+            <a:ext cx="4591162" cy="3927675"/>
+          </a:xfrm>
+        </p:spPr>
+        <p:txBody>
+          <a:bodyPr anchor="t">
+            <a:noAutofit/>
+          </a:bodyPr>
+          <a:lstStyle/>
+          <a:p>
+            <a:pPr>
+              <a:lnSpc>
+                <a:spcPct val="100000"/>
+              </a:lnSpc>
+            </a:pPr>
+            <a:r>
+              <a:rPr lang="en-US" sz="1800" dirty="0"/>
+              <a:t>Features importance varies by model, but there are some commonality. </a:t>
+            </a:r>
+          </a:p>
+          <a:p>
+            <a:pPr>
+              <a:lnSpc>
+                <a:spcPct val="100000"/>
+              </a:lnSpc>
+            </a:pPr>
+            <a:r>
+              <a:rPr lang="en-US" sz="1800" dirty="0"/>
+              <a:t>For Models 1 and 2, the midterm scores are the most important features. </a:t>
+            </a:r>
+          </a:p>
+          <a:p>
+            <a:pPr>
+              <a:lnSpc>
+                <a:spcPct val="100000"/>
+              </a:lnSpc>
+            </a:pPr>
+            <a:r>
+              <a:rPr lang="en-US" sz="1800" dirty="0"/>
+              <a:t>Other important features are </a:t>
+            </a:r>
+            <a:r>
+              <a:rPr lang="en-US" sz="1800" b="1" dirty="0"/>
+              <a:t>romantic status, internet access, the jobs of the parents, absences, and school supplement and fam supplement.</a:t>
+            </a:r>
+            <a:r>
+              <a:rPr lang="en-US" sz="1800" dirty="0"/>
+              <a:t> </a:t>
+            </a:r>
+          </a:p>
+          <a:p>
+            <a:pPr>
+              <a:lnSpc>
+                <a:spcPct val="100000"/>
+              </a:lnSpc>
+            </a:pPr>
+            <a:r>
+              <a:rPr lang="en-US" sz="1800" dirty="0"/>
+              <a:t>Some of the </a:t>
+            </a:r>
+            <a:r>
+              <a:rPr lang="en-US" sz="1800" b="1" dirty="0"/>
+              <a:t>least important features are health, family size &amp; relationship, and travel time.</a:t>
+            </a:r>
+            <a:r>
+              <a:rPr lang="en-US" sz="1800" dirty="0"/>
+              <a:t> </a:t>
+            </a:r>
+          </a:p>
+          <a:p>
+            <a:pPr>
+              <a:lnSpc>
+                <a:spcPct val="100000"/>
+              </a:lnSpc>
+            </a:pPr>
+            <a:r>
+              <a:rPr lang="en-US" sz="1800" dirty="0"/>
+              <a:t>Educators should focus on helping students navigate adolescent relationships in a way that could positively impact their performance, work closely with parents of students who have weak performance, and provide more supplement when necessary. </a:t>
+            </a:r>
+            <a:endParaRPr lang="en-US" sz="1800" dirty="0">
+              <a:solidFill>
+                <a:schemeClr val="bg1"/>
+              </a:solidFill>
+            </a:endParaRPr>
           </a:p>
         </p:txBody>
       </p:sp>
@@ -12608,10 +13330,10 @@
       </mc:AlternateContent>
       <p:pic>
         <p:nvPicPr>
-          <p:cNvPr id="11" name="Picture 10">
+          <p:cNvPr id="5" name="Picture 4" descr="Chart, bar chart&#10;&#10;Description automatically generated">
             <a:extLst>
               <a:ext uri="{FF2B5EF4-FFF2-40B4-BE49-F238E27FC236}">
-                <a16:creationId xmlns:a16="http://schemas.microsoft.com/office/drawing/2014/main" id="{E6F59C30-8EDD-6145-9421-A5F9022D6649}"/>
+                <a16:creationId xmlns:a16="http://schemas.microsoft.com/office/drawing/2014/main" id="{6C5361D9-7065-8644-8FE3-9F0A3A98F664}"/>
               </a:ext>
             </a:extLst>
           </p:cNvPr>
@@ -12628,8 +13350,8 @@
         </p:blipFill>
         <p:spPr>
           <a:xfrm>
-            <a:off x="4886613" y="4005399"/>
-            <a:ext cx="3744468" cy="2496312"/>
+            <a:off x="5287843" y="4515996"/>
+            <a:ext cx="3291079" cy="2149156"/>
           </a:xfrm>
           <a:prstGeom prst="rect">
             <a:avLst/>
@@ -12638,10 +13360,10 @@
       </p:pic>
       <p:pic>
         <p:nvPicPr>
-          <p:cNvPr id="13" name="Picture 12">
+          <p:cNvPr id="6" name="Picture 5" descr="Chart&#10;&#10;Description automatically generated">
             <a:extLst>
               <a:ext uri="{FF2B5EF4-FFF2-40B4-BE49-F238E27FC236}">
-                <a16:creationId xmlns:a16="http://schemas.microsoft.com/office/drawing/2014/main" id="{7C86BF0B-9F15-B246-9641-04E1E3E599C1}"/>
+                <a16:creationId xmlns:a16="http://schemas.microsoft.com/office/drawing/2014/main" id="{83121CE1-6DAA-DD44-8C54-418CB371DDD2}"/>
               </a:ext>
             </a:extLst>
           </p:cNvPr>
@@ -12658,8 +13380,8 @@
         </p:blipFill>
         <p:spPr>
           <a:xfrm>
-            <a:off x="5072367" y="1388810"/>
-            <a:ext cx="3285588" cy="2496312"/>
+            <a:off x="5687315" y="165506"/>
+            <a:ext cx="3007460" cy="2255595"/>
           </a:xfrm>
           <a:prstGeom prst="rect">
             <a:avLst/>
@@ -12668,10 +13390,10 @@
       </p:pic>
       <p:pic>
         <p:nvPicPr>
-          <p:cNvPr id="15" name="Picture 14">
+          <p:cNvPr id="10" name="Picture 9">
             <a:extLst>
               <a:ext uri="{FF2B5EF4-FFF2-40B4-BE49-F238E27FC236}">
-                <a16:creationId xmlns:a16="http://schemas.microsoft.com/office/drawing/2014/main" id="{20DA84B8-2E70-A14E-916F-176969AF1186}"/>
+                <a16:creationId xmlns:a16="http://schemas.microsoft.com/office/drawing/2014/main" id="{94BF3BA8-3909-354C-97B0-8BB2A00DCE4E}"/>
               </a:ext>
             </a:extLst>
           </p:cNvPr>
@@ -12688,8 +13410,8 @@
         </p:blipFill>
         <p:spPr>
           <a:xfrm>
-            <a:off x="8408597" y="3947456"/>
-            <a:ext cx="3818176" cy="2545450"/>
+            <a:off x="5396891" y="2421101"/>
+            <a:ext cx="3291079" cy="2022061"/>
           </a:xfrm>
           <a:prstGeom prst="rect">
             <a:avLst/>
@@ -12698,10 +13420,10 @@
       </p:pic>
       <p:pic>
         <p:nvPicPr>
-          <p:cNvPr id="18" name="Picture 17">
+          <p:cNvPr id="13" name="Picture 12" descr="Chart, box and whisker chart&#10;&#10;Description automatically generated">
             <a:extLst>
               <a:ext uri="{FF2B5EF4-FFF2-40B4-BE49-F238E27FC236}">
-                <a16:creationId xmlns:a16="http://schemas.microsoft.com/office/drawing/2014/main" id="{767FB7D3-8F8F-F54B-9DD7-790E5812BAC8}"/>
+                <a16:creationId xmlns:a16="http://schemas.microsoft.com/office/drawing/2014/main" id="{439BF3AA-63B0-E64D-B514-4915333E5D44}"/>
               </a:ext>
             </a:extLst>
           </p:cNvPr>
@@ -12718,938 +13440,8 @@
         </p:blipFill>
         <p:spPr>
           <a:xfrm>
-            <a:off x="8465261" y="1357459"/>
-            <a:ext cx="3414678" cy="2715768"/>
-          </a:xfrm>
-          <a:prstGeom prst="rect">
-            <a:avLst/>
-          </a:prstGeom>
-        </p:spPr>
-      </p:pic>
-      <p:sp>
-        <p:nvSpPr>
-          <p:cNvPr id="20" name="Rectangle 19">
-            <a:extLst>
-              <a:ext uri="{FF2B5EF4-FFF2-40B4-BE49-F238E27FC236}">
-                <a16:creationId xmlns:a16="http://schemas.microsoft.com/office/drawing/2014/main" id="{B68433FF-E035-3A4D-9A84-504661AC6495}"/>
-              </a:ext>
-            </a:extLst>
-          </p:cNvPr>
-          <p:cNvSpPr/>
-          <p:nvPr/>
-        </p:nvSpPr>
-        <p:spPr>
-          <a:xfrm>
-            <a:off x="4888773" y="153188"/>
-            <a:ext cx="3742308" cy="1477328"/>
-          </a:xfrm>
-          <a:prstGeom prst="rect">
-            <a:avLst/>
-          </a:prstGeom>
-        </p:spPr>
-        <p:txBody>
-          <a:bodyPr wrap="square">
-            <a:spAutoFit/>
-          </a:bodyPr>
-          <a:lstStyle/>
-          <a:p>
-            <a:r>
-              <a:rPr lang="en-US" b="1" dirty="0">
-                <a:solidFill>
-                  <a:srgbClr val="002060"/>
-                </a:solidFill>
-              </a:rPr>
-              <a:t>Math, Model 2:</a:t>
-            </a:r>
-          </a:p>
-          <a:p>
-            <a:pPr marL="285750" indent="-285750">
-              <a:buFont typeface="Arial" panose="020B0604020202020204" pitchFamily="34" charset="0"/>
-              <a:buChar char="•"/>
-            </a:pPr>
-            <a:r>
-              <a:rPr lang="en-US" b="1" dirty="0">
-                <a:solidFill>
-                  <a:srgbClr val="002060"/>
-                </a:solidFill>
-              </a:rPr>
-              <a:t>Random Forest Classification (</a:t>
-            </a:r>
-            <a:r>
-              <a:rPr lang="en-US" b="1" dirty="0" err="1">
-                <a:solidFill>
-                  <a:srgbClr val="002060"/>
-                </a:solidFill>
-              </a:rPr>
-              <a:t>n_estimators</a:t>
-            </a:r>
-            <a:r>
-              <a:rPr lang="en-US" b="1" dirty="0">
-                <a:solidFill>
-                  <a:srgbClr val="002060"/>
-                </a:solidFill>
-              </a:rPr>
-              <a:t> = 100, </a:t>
-            </a:r>
-            <a:r>
-              <a:rPr lang="en-US" b="1" dirty="0" err="1">
-                <a:solidFill>
-                  <a:srgbClr val="002060"/>
-                </a:solidFill>
-              </a:rPr>
-              <a:t>random_state</a:t>
-            </a:r>
-            <a:r>
-              <a:rPr lang="en-US" b="1" dirty="0">
-                <a:solidFill>
-                  <a:srgbClr val="002060"/>
-                </a:solidFill>
-              </a:rPr>
-              <a:t> = 42, </a:t>
-            </a:r>
-            <a:r>
-              <a:rPr lang="en-US" b="1" dirty="0" err="1">
-                <a:solidFill>
-                  <a:srgbClr val="002060"/>
-                </a:solidFill>
-              </a:rPr>
-              <a:t>max_depth</a:t>
-            </a:r>
-            <a:r>
-              <a:rPr lang="en-US" b="1" dirty="0">
-                <a:solidFill>
-                  <a:srgbClr val="002060"/>
-                </a:solidFill>
-              </a:rPr>
-              <a:t> = 9, </a:t>
-            </a:r>
-            <a:r>
-              <a:rPr lang="en-US" b="1" dirty="0" err="1">
-                <a:solidFill>
-                  <a:srgbClr val="002060"/>
-                </a:solidFill>
-              </a:rPr>
-              <a:t>max_features</a:t>
-            </a:r>
-            <a:r>
-              <a:rPr lang="en-US" b="1" dirty="0">
-                <a:solidFill>
-                  <a:srgbClr val="002060"/>
-                </a:solidFill>
-              </a:rPr>
-              <a:t> = 0.625)</a:t>
-            </a:r>
-          </a:p>
-          <a:p>
-            <a:pPr marL="285750" indent="-285750">
-              <a:buFont typeface="Arial" panose="020B0604020202020204" pitchFamily="34" charset="0"/>
-              <a:buChar char="•"/>
-            </a:pPr>
-            <a:r>
-              <a:rPr lang="en-US" b="1" dirty="0">
-                <a:solidFill>
-                  <a:srgbClr val="002060"/>
-                </a:solidFill>
-              </a:rPr>
-              <a:t>Test accuracy: 0.924</a:t>
-            </a:r>
-            <a:br>
-              <a:rPr lang="en-US" b="1" dirty="0">
-                <a:solidFill>
-                  <a:srgbClr val="002060"/>
-                </a:solidFill>
-              </a:rPr>
-            </a:br>
-            <a:endParaRPr lang="en-US" b="1" dirty="0">
-              <a:solidFill>
-                <a:srgbClr val="002060"/>
-              </a:solidFill>
-            </a:endParaRPr>
-          </a:p>
-        </p:txBody>
-      </p:sp>
-      <p:sp>
-        <p:nvSpPr>
-          <p:cNvPr id="22" name="Rectangle 21">
-            <a:extLst>
-              <a:ext uri="{FF2B5EF4-FFF2-40B4-BE49-F238E27FC236}">
-                <a16:creationId xmlns:a16="http://schemas.microsoft.com/office/drawing/2014/main" id="{060B9F86-F024-C545-9DBE-8DA5A8F0AFEF}"/>
-              </a:ext>
-            </a:extLst>
-          </p:cNvPr>
-          <p:cNvSpPr/>
-          <p:nvPr/>
-        </p:nvSpPr>
-        <p:spPr>
-          <a:xfrm>
-            <a:off x="8481742" y="121959"/>
-            <a:ext cx="3818176" cy="1200329"/>
-          </a:xfrm>
-          <a:prstGeom prst="rect">
-            <a:avLst/>
-          </a:prstGeom>
-        </p:spPr>
-        <p:txBody>
-          <a:bodyPr wrap="square">
-            <a:spAutoFit/>
-          </a:bodyPr>
-          <a:lstStyle/>
-          <a:p>
-            <a:r>
-              <a:rPr lang="en-US" b="1" dirty="0">
-                <a:solidFill>
-                  <a:srgbClr val="002060"/>
-                </a:solidFill>
-              </a:rPr>
-              <a:t>Portuguese Model 2:</a:t>
-            </a:r>
-          </a:p>
-          <a:p>
-            <a:pPr marL="285750" indent="-285750">
-              <a:buFont typeface="Arial" panose="020B0604020202020204" pitchFamily="34" charset="0"/>
-              <a:buChar char="•"/>
-            </a:pPr>
-            <a:r>
-              <a:rPr lang="en-US" b="1" dirty="0">
-                <a:solidFill>
-                  <a:srgbClr val="002060"/>
-                </a:solidFill>
-              </a:rPr>
-              <a:t>Random Forest Classification (</a:t>
-            </a:r>
-            <a:r>
-              <a:rPr lang="en-US" b="1" dirty="0" err="1">
-                <a:solidFill>
-                  <a:srgbClr val="002060"/>
-                </a:solidFill>
-              </a:rPr>
-              <a:t>n_estimators</a:t>
-            </a:r>
-            <a:r>
-              <a:rPr lang="en-US" b="1" dirty="0">
-                <a:solidFill>
-                  <a:srgbClr val="002060"/>
-                </a:solidFill>
-              </a:rPr>
-              <a:t> = 100, </a:t>
-            </a:r>
-            <a:r>
-              <a:rPr lang="en-US" b="1" dirty="0" err="1">
-                <a:solidFill>
-                  <a:srgbClr val="002060"/>
-                </a:solidFill>
-              </a:rPr>
-              <a:t>random_state</a:t>
-            </a:r>
-            <a:r>
-              <a:rPr lang="en-US" b="1" dirty="0">
-                <a:solidFill>
-                  <a:srgbClr val="002060"/>
-                </a:solidFill>
-              </a:rPr>
-              <a:t> = 42, </a:t>
-            </a:r>
-            <a:r>
-              <a:rPr lang="en-US" b="1" dirty="0" err="1">
-                <a:solidFill>
-                  <a:srgbClr val="002060"/>
-                </a:solidFill>
-              </a:rPr>
-              <a:t>max_depth</a:t>
-            </a:r>
-            <a:r>
-              <a:rPr lang="en-US" b="1" dirty="0">
-                <a:solidFill>
-                  <a:srgbClr val="002060"/>
-                </a:solidFill>
-              </a:rPr>
-              <a:t> = 2 </a:t>
-            </a:r>
-            <a:r>
-              <a:rPr lang="en-US" b="1" dirty="0" err="1">
-                <a:solidFill>
-                  <a:srgbClr val="002060"/>
-                </a:solidFill>
-              </a:rPr>
-              <a:t>max_features</a:t>
-            </a:r>
-            <a:r>
-              <a:rPr lang="en-US" b="1" dirty="0">
-                <a:solidFill>
-                  <a:srgbClr val="002060"/>
-                </a:solidFill>
-              </a:rPr>
-              <a:t> = 0.625)</a:t>
-            </a:r>
-          </a:p>
-          <a:p>
-            <a:pPr marL="285750" indent="-285750">
-              <a:buFont typeface="Arial" panose="020B0604020202020204" pitchFamily="34" charset="0"/>
-              <a:buChar char="•"/>
-            </a:pPr>
-            <a:r>
-              <a:rPr lang="en-US" b="1" dirty="0">
-                <a:solidFill>
-                  <a:srgbClr val="002060"/>
-                </a:solidFill>
-              </a:rPr>
-              <a:t>Test accuracy: 0.954</a:t>
-            </a:r>
-            <a:endParaRPr lang="en-US" dirty="0"/>
-          </a:p>
-        </p:txBody>
-      </p:sp>
-    </p:spTree>
-    <p:extLst>
-      <p:ext uri="{BB962C8B-B14F-4D97-AF65-F5344CB8AC3E}">
-        <p14:creationId xmlns:p14="http://schemas.microsoft.com/office/powerpoint/2010/main" val="257410305"/>
-      </p:ext>
-    </p:extLst>
-  </p:cSld>
-  <p:clrMapOvr>
-    <a:masterClrMapping/>
-  </p:clrMapOvr>
-</p:sld>
-</file>
-
-<file path=ppt/slides/slide12.xml><?xml version="1.0" encoding="utf-8"?>
-<p:sld xmlns:a="http://schemas.openxmlformats.org/drawingml/2006/main" xmlns:r="http://schemas.openxmlformats.org/officeDocument/2006/relationships" xmlns:p="http://schemas.openxmlformats.org/presentationml/2006/main">
-  <p:cSld>
-    <p:bg>
-      <p:bgPr>
-        <a:solidFill>
-          <a:schemeClr val="bg1"/>
-        </a:solidFill>
-        <a:effectLst/>
-      </p:bgPr>
-    </p:bg>
-    <p:spTree>
-      <p:nvGrpSpPr>
-        <p:cNvPr id="1" name=""/>
-        <p:cNvGrpSpPr/>
-        <p:nvPr/>
-      </p:nvGrpSpPr>
-      <p:grpSpPr>
-        <a:xfrm>
-          <a:off x="0" y="0"/>
-          <a:ext cx="0" cy="0"/>
-          <a:chOff x="0" y="0"/>
-          <a:chExt cx="0" cy="0"/>
-        </a:xfrm>
-      </p:grpSpPr>
-      <p:sp useBgFill="1">
-        <p:nvSpPr>
-          <p:cNvPr id="17" name="Rectangle 16">
-            <a:extLst>
-              <a:ext uri="{FF2B5EF4-FFF2-40B4-BE49-F238E27FC236}">
-                <a16:creationId xmlns:a16="http://schemas.microsoft.com/office/drawing/2014/main" id="{743AA782-23D1-4521-8CAD-47662984AA08}"/>
-              </a:ext>
-              <a:ext uri="{C183D7F6-B498-43B3-948B-1728B52AA6E4}">
-                <adec:decorative xmlns:adec="http://schemas.microsoft.com/office/drawing/2017/decorative" val="1"/>
-              </a:ext>
-            </a:extLst>
-          </p:cNvPr>
-          <p:cNvSpPr>
-            <a:spLocks noGrp="1" noRot="1" noChangeAspect="1" noMove="1" noResize="1" noEditPoints="1" noAdjustHandles="1" noChangeArrowheads="1" noChangeShapeType="1" noTextEdit="1"/>
-          </p:cNvSpPr>
-          <p:nvPr>
-            <p:extLst>
-              <p:ext uri="{386F3935-93C4-4BCD-93E2-E3B085C9AB24}">
-                <p16:designElem xmlns:p16="http://schemas.microsoft.com/office/powerpoint/2015/main" val="1"/>
-              </p:ext>
-            </p:extLst>
-          </p:nvPr>
-        </p:nvSpPr>
-        <p:spPr>
-          <a:xfrm>
-            <a:off x="0" y="0"/>
-            <a:ext cx="12192000" cy="6858000"/>
-          </a:xfrm>
-          <a:prstGeom prst="rect">
-            <a:avLst/>
-          </a:prstGeom>
-          <a:ln>
-            <a:noFill/>
-          </a:ln>
-        </p:spPr>
-        <p:style>
-          <a:lnRef idx="2">
-            <a:schemeClr val="accent1">
-              <a:shade val="50000"/>
-            </a:schemeClr>
-          </a:lnRef>
-          <a:fillRef idx="1">
-            <a:schemeClr val="accent1"/>
-          </a:fillRef>
-          <a:effectRef idx="0">
-            <a:schemeClr val="accent1"/>
-          </a:effectRef>
-          <a:fontRef idx="minor">
-            <a:schemeClr val="lt1"/>
-          </a:fontRef>
-        </p:style>
-        <p:txBody>
-          <a:bodyPr rtlCol="0" anchor="ctr"/>
-          <a:lstStyle/>
-          <a:p>
-            <a:pPr algn="ctr"/>
-            <a:endParaRPr lang="en-US"/>
-          </a:p>
-        </p:txBody>
-      </p:sp>
-      <p:sp>
-        <p:nvSpPr>
-          <p:cNvPr id="2" name="Title 1">
-            <a:extLst>
-              <a:ext uri="{FF2B5EF4-FFF2-40B4-BE49-F238E27FC236}">
-                <a16:creationId xmlns:a16="http://schemas.microsoft.com/office/drawing/2014/main" id="{80C6C333-C190-DB4A-A179-29DBB27382E6}"/>
-              </a:ext>
-            </a:extLst>
-          </p:cNvPr>
-          <p:cNvSpPr>
-            <a:spLocks noGrp="1"/>
-          </p:cNvSpPr>
-          <p:nvPr>
-            <p:ph type="title"/>
-          </p:nvPr>
-        </p:nvSpPr>
-        <p:spPr>
-          <a:xfrm>
-            <a:off x="630936" y="640080"/>
-            <a:ext cx="4818888" cy="1481328"/>
-          </a:xfrm>
-        </p:spPr>
-        <p:txBody>
-          <a:bodyPr anchor="b">
-            <a:normAutofit/>
-          </a:bodyPr>
-          <a:lstStyle/>
-          <a:p>
-            <a:pPr>
-              <a:lnSpc>
-                <a:spcPct val="90000"/>
-              </a:lnSpc>
-            </a:pPr>
-            <a:r>
-              <a:rPr lang="en-US" sz="4800" dirty="0">
-                <a:solidFill>
-                  <a:srgbClr val="7030A0"/>
-                </a:solidFill>
-              </a:rPr>
-              <a:t>3. RESULTS – FEATURE IMPORTANCES</a:t>
-            </a:r>
-          </a:p>
-        </p:txBody>
-      </p:sp>
-      <p:sp>
-        <p:nvSpPr>
-          <p:cNvPr id="19" name="Rectangle 6">
-            <a:extLst>
-              <a:ext uri="{FF2B5EF4-FFF2-40B4-BE49-F238E27FC236}">
-                <a16:creationId xmlns:a16="http://schemas.microsoft.com/office/drawing/2014/main" id="{3CE8AF5E-D374-4CF1-90CC-35CF73B81C3E}"/>
-              </a:ext>
-              <a:ext uri="{C183D7F6-B498-43B3-948B-1728B52AA6E4}">
-                <adec:decorative xmlns:adec="http://schemas.microsoft.com/office/drawing/2017/decorative" val="1"/>
-              </a:ext>
-            </a:extLst>
-          </p:cNvPr>
-          <p:cNvSpPr>
-            <a:spLocks noGrp="1" noRot="1" noChangeAspect="1" noMove="1" noResize="1" noEditPoints="1" noAdjustHandles="1" noChangeArrowheads="1" noChangeShapeType="1" noTextEdit="1"/>
-          </p:cNvSpPr>
-          <p:nvPr>
-            <p:extLst>
-              <p:ext uri="{386F3935-93C4-4BCD-93E2-E3B085C9AB24}">
-                <p16:designElem xmlns:p16="http://schemas.microsoft.com/office/powerpoint/2015/main" val="1"/>
-              </p:ext>
-            </p:extLst>
-          </p:nvPr>
-        </p:nvSpPr>
-        <p:spPr>
-          <a:xfrm>
-            <a:off x="630936" y="2386584"/>
-            <a:ext cx="4114800" cy="18288"/>
-          </a:xfrm>
-          <a:custGeom>
-            <a:avLst/>
-            <a:gdLst>
-              <a:gd name="connsiteX0" fmla="*/ 0 w 4114800"/>
-              <a:gd name="connsiteY0" fmla="*/ 0 h 18288"/>
-              <a:gd name="connsiteX1" fmla="*/ 768096 w 4114800"/>
-              <a:gd name="connsiteY1" fmla="*/ 0 h 18288"/>
-              <a:gd name="connsiteX2" fmla="*/ 1495044 w 4114800"/>
-              <a:gd name="connsiteY2" fmla="*/ 0 h 18288"/>
-              <a:gd name="connsiteX3" fmla="*/ 2221992 w 4114800"/>
-              <a:gd name="connsiteY3" fmla="*/ 0 h 18288"/>
-              <a:gd name="connsiteX4" fmla="*/ 2784348 w 4114800"/>
-              <a:gd name="connsiteY4" fmla="*/ 0 h 18288"/>
-              <a:gd name="connsiteX5" fmla="*/ 3387852 w 4114800"/>
-              <a:gd name="connsiteY5" fmla="*/ 0 h 18288"/>
-              <a:gd name="connsiteX6" fmla="*/ 4114800 w 4114800"/>
-              <a:gd name="connsiteY6" fmla="*/ 0 h 18288"/>
-              <a:gd name="connsiteX7" fmla="*/ 4114800 w 4114800"/>
-              <a:gd name="connsiteY7" fmla="*/ 18288 h 18288"/>
-              <a:gd name="connsiteX8" fmla="*/ 3429000 w 4114800"/>
-              <a:gd name="connsiteY8" fmla="*/ 18288 h 18288"/>
-              <a:gd name="connsiteX9" fmla="*/ 2866644 w 4114800"/>
-              <a:gd name="connsiteY9" fmla="*/ 18288 h 18288"/>
-              <a:gd name="connsiteX10" fmla="*/ 2304288 w 4114800"/>
-              <a:gd name="connsiteY10" fmla="*/ 18288 h 18288"/>
-              <a:gd name="connsiteX11" fmla="*/ 1577340 w 4114800"/>
-              <a:gd name="connsiteY11" fmla="*/ 18288 h 18288"/>
-              <a:gd name="connsiteX12" fmla="*/ 973836 w 4114800"/>
-              <a:gd name="connsiteY12" fmla="*/ 18288 h 18288"/>
-              <a:gd name="connsiteX13" fmla="*/ 0 w 4114800"/>
-              <a:gd name="connsiteY13" fmla="*/ 18288 h 18288"/>
-              <a:gd name="connsiteX14" fmla="*/ 0 w 4114800"/>
-              <a:gd name="connsiteY14" fmla="*/ 0 h 18288"/>
-            </a:gdLst>
-            <a:ahLst/>
-            <a:cxnLst>
-              <a:cxn ang="0">
-                <a:pos x="connsiteX0" y="connsiteY0"/>
-              </a:cxn>
-              <a:cxn ang="0">
-                <a:pos x="connsiteX1" y="connsiteY1"/>
-              </a:cxn>
-              <a:cxn ang="0">
-                <a:pos x="connsiteX2" y="connsiteY2"/>
-              </a:cxn>
-              <a:cxn ang="0">
-                <a:pos x="connsiteX3" y="connsiteY3"/>
-              </a:cxn>
-              <a:cxn ang="0">
-                <a:pos x="connsiteX4" y="connsiteY4"/>
-              </a:cxn>
-              <a:cxn ang="0">
-                <a:pos x="connsiteX5" y="connsiteY5"/>
-              </a:cxn>
-              <a:cxn ang="0">
-                <a:pos x="connsiteX6" y="connsiteY6"/>
-              </a:cxn>
-              <a:cxn ang="0">
-                <a:pos x="connsiteX7" y="connsiteY7"/>
-              </a:cxn>
-              <a:cxn ang="0">
-                <a:pos x="connsiteX8" y="connsiteY8"/>
-              </a:cxn>
-              <a:cxn ang="0">
-                <a:pos x="connsiteX9" y="connsiteY9"/>
-              </a:cxn>
-              <a:cxn ang="0">
-                <a:pos x="connsiteX10" y="connsiteY10"/>
-              </a:cxn>
-              <a:cxn ang="0">
-                <a:pos x="connsiteX11" y="connsiteY11"/>
-              </a:cxn>
-              <a:cxn ang="0">
-                <a:pos x="connsiteX12" y="connsiteY12"/>
-              </a:cxn>
-              <a:cxn ang="0">
-                <a:pos x="connsiteX13" y="connsiteY13"/>
-              </a:cxn>
-              <a:cxn ang="0">
-                <a:pos x="connsiteX14" y="connsiteY14"/>
-              </a:cxn>
-            </a:cxnLst>
-            <a:rect l="l" t="t" r="r" b="b"/>
-            <a:pathLst>
-              <a:path w="4114800" h="18288" fill="none" extrusionOk="0">
-                <a:moveTo>
-                  <a:pt x="0" y="0"/>
-                </a:moveTo>
-                <a:cubicBezTo>
-                  <a:pt x="338280" y="-26110"/>
-                  <a:pt x="483942" y="6555"/>
-                  <a:pt x="768096" y="0"/>
-                </a:cubicBezTo>
-                <a:cubicBezTo>
-                  <a:pt x="1052250" y="-6555"/>
-                  <a:pt x="1331484" y="24616"/>
-                  <a:pt x="1495044" y="0"/>
-                </a:cubicBezTo>
-                <a:cubicBezTo>
-                  <a:pt x="1658604" y="-24616"/>
-                  <a:pt x="2056661" y="-33562"/>
-                  <a:pt x="2221992" y="0"/>
-                </a:cubicBezTo>
-                <a:cubicBezTo>
-                  <a:pt x="2387323" y="33562"/>
-                  <a:pt x="2629463" y="-20094"/>
-                  <a:pt x="2784348" y="0"/>
-                </a:cubicBezTo>
-                <a:cubicBezTo>
-                  <a:pt x="2939233" y="20094"/>
-                  <a:pt x="3151981" y="1524"/>
-                  <a:pt x="3387852" y="0"/>
-                </a:cubicBezTo>
-                <a:cubicBezTo>
-                  <a:pt x="3623723" y="-1524"/>
-                  <a:pt x="3882724" y="26165"/>
-                  <a:pt x="4114800" y="0"/>
-                </a:cubicBezTo>
-                <a:cubicBezTo>
-                  <a:pt x="4114300" y="8855"/>
-                  <a:pt x="4114909" y="14521"/>
-                  <a:pt x="4114800" y="18288"/>
-                </a:cubicBezTo>
-                <a:cubicBezTo>
-                  <a:pt x="3910038" y="37744"/>
-                  <a:pt x="3683432" y="-3969"/>
-                  <a:pt x="3429000" y="18288"/>
-                </a:cubicBezTo>
-                <a:cubicBezTo>
-                  <a:pt x="3174568" y="40545"/>
-                  <a:pt x="3085815" y="44166"/>
-                  <a:pt x="2866644" y="18288"/>
-                </a:cubicBezTo>
-                <a:cubicBezTo>
-                  <a:pt x="2647473" y="-7590"/>
-                  <a:pt x="2580474" y="31338"/>
-                  <a:pt x="2304288" y="18288"/>
-                </a:cubicBezTo>
-                <a:cubicBezTo>
-                  <a:pt x="2028102" y="5238"/>
-                  <a:pt x="1863008" y="-2001"/>
-                  <a:pt x="1577340" y="18288"/>
-                </a:cubicBezTo>
-                <a:cubicBezTo>
-                  <a:pt x="1291672" y="38577"/>
-                  <a:pt x="1243931" y="9893"/>
-                  <a:pt x="973836" y="18288"/>
-                </a:cubicBezTo>
-                <a:cubicBezTo>
-                  <a:pt x="703741" y="26683"/>
-                  <a:pt x="317656" y="-5910"/>
-                  <a:pt x="0" y="18288"/>
-                </a:cubicBezTo>
-                <a:cubicBezTo>
-                  <a:pt x="683" y="12014"/>
-                  <a:pt x="724" y="5908"/>
-                  <a:pt x="0" y="0"/>
-                </a:cubicBezTo>
-                <a:close/>
-              </a:path>
-              <a:path w="4114800" h="18288" stroke="0" extrusionOk="0">
-                <a:moveTo>
-                  <a:pt x="0" y="0"/>
-                </a:moveTo>
-                <a:cubicBezTo>
-                  <a:pt x="276109" y="5266"/>
-                  <a:pt x="325589" y="-19584"/>
-                  <a:pt x="644652" y="0"/>
-                </a:cubicBezTo>
-                <a:cubicBezTo>
-                  <a:pt x="963715" y="19584"/>
-                  <a:pt x="1064991" y="6066"/>
-                  <a:pt x="1207008" y="0"/>
-                </a:cubicBezTo>
-                <a:cubicBezTo>
-                  <a:pt x="1349025" y="-6066"/>
-                  <a:pt x="1791724" y="14506"/>
-                  <a:pt x="1975104" y="0"/>
-                </a:cubicBezTo>
-                <a:cubicBezTo>
-                  <a:pt x="2158484" y="-14506"/>
-                  <a:pt x="2397469" y="20822"/>
-                  <a:pt x="2619756" y="0"/>
-                </a:cubicBezTo>
-                <a:cubicBezTo>
-                  <a:pt x="2842043" y="-20822"/>
-                  <a:pt x="2992157" y="20388"/>
-                  <a:pt x="3264408" y="0"/>
-                </a:cubicBezTo>
-                <a:cubicBezTo>
-                  <a:pt x="3536659" y="-20388"/>
-                  <a:pt x="3855620" y="38211"/>
-                  <a:pt x="4114800" y="0"/>
-                </a:cubicBezTo>
-                <a:cubicBezTo>
-                  <a:pt x="4113902" y="7180"/>
-                  <a:pt x="4114969" y="13790"/>
-                  <a:pt x="4114800" y="18288"/>
-                </a:cubicBezTo>
-                <a:cubicBezTo>
-                  <a:pt x="3968901" y="8593"/>
-                  <a:pt x="3623428" y="17559"/>
-                  <a:pt x="3429000" y="18288"/>
-                </a:cubicBezTo>
-                <a:cubicBezTo>
-                  <a:pt x="3234572" y="19017"/>
-                  <a:pt x="3085079" y="41804"/>
-                  <a:pt x="2866644" y="18288"/>
-                </a:cubicBezTo>
-                <a:cubicBezTo>
-                  <a:pt x="2648209" y="-5228"/>
-                  <a:pt x="2451737" y="24580"/>
-                  <a:pt x="2180844" y="18288"/>
-                </a:cubicBezTo>
-                <a:cubicBezTo>
-                  <a:pt x="1909951" y="11996"/>
-                  <a:pt x="1681589" y="12244"/>
-                  <a:pt x="1495044" y="18288"/>
-                </a:cubicBezTo>
-                <a:cubicBezTo>
-                  <a:pt x="1308499" y="24332"/>
-                  <a:pt x="1136614" y="21789"/>
-                  <a:pt x="850392" y="18288"/>
-                </a:cubicBezTo>
-                <a:cubicBezTo>
-                  <a:pt x="564170" y="14787"/>
-                  <a:pt x="210636" y="54701"/>
-                  <a:pt x="0" y="18288"/>
-                </a:cubicBezTo>
-                <a:cubicBezTo>
-                  <a:pt x="571" y="10093"/>
-                  <a:pt x="-125" y="8407"/>
-                  <a:pt x="0" y="0"/>
-                </a:cubicBezTo>
-                <a:close/>
-              </a:path>
-            </a:pathLst>
-          </a:custGeom>
-          <a:solidFill>
-            <a:srgbClr val="AB96C6"/>
-          </a:solidFill>
-          <a:ln w="38100" cap="rnd">
-            <a:solidFill>
-              <a:srgbClr val="AB96C6"/>
-            </a:solidFill>
-            <a:round/>
-            <a:extLst>
-              <a:ext uri="{C807C97D-BFC1-408E-A445-0C87EB9F89A2}">
-                <ask:lineSketchStyleProps xmlns:ask="http://schemas.microsoft.com/office/drawing/2018/sketchyshapes" sd="1219033472">
-                  <a:prstGeom prst="rect">
-                    <a:avLst/>
-                  </a:prstGeom>
-                  <ask:type>
-                    <ask:lineSketchFreehand/>
-                  </ask:type>
-                </ask:lineSketchStyleProps>
-              </a:ext>
-            </a:extLst>
-          </a:ln>
-        </p:spPr>
-        <p:style>
-          <a:lnRef idx="2">
-            <a:schemeClr val="accent1">
-              <a:shade val="50000"/>
-            </a:schemeClr>
-          </a:lnRef>
-          <a:fillRef idx="1">
-            <a:schemeClr val="accent1"/>
-          </a:fillRef>
-          <a:effectRef idx="0">
-            <a:schemeClr val="accent1"/>
-          </a:effectRef>
-          <a:fontRef idx="minor">
-            <a:schemeClr val="lt1"/>
-          </a:fontRef>
-        </p:style>
-        <p:txBody>
-          <a:bodyPr rtlCol="0" anchor="ctr"/>
-          <a:lstStyle/>
-          <a:p>
-            <a:pPr algn="ctr"/>
-            <a:endParaRPr lang="en-US"/>
-          </a:p>
-        </p:txBody>
-      </p:sp>
-      <p:sp>
-        <p:nvSpPr>
-          <p:cNvPr id="3" name="Content Placeholder 2">
-            <a:extLst>
-              <a:ext uri="{FF2B5EF4-FFF2-40B4-BE49-F238E27FC236}">
-                <a16:creationId xmlns:a16="http://schemas.microsoft.com/office/drawing/2014/main" id="{2C6621D5-8DF2-9543-A7FD-3336FD49D431}"/>
-              </a:ext>
-            </a:extLst>
-          </p:cNvPr>
-          <p:cNvSpPr>
-            <a:spLocks noGrp="1"/>
-          </p:cNvSpPr>
-          <p:nvPr>
-            <p:ph idx="1"/>
-          </p:nvPr>
-        </p:nvSpPr>
-        <p:spPr>
-          <a:xfrm>
-            <a:off x="509350" y="2574036"/>
-            <a:ext cx="4591162" cy="3927675"/>
-          </a:xfrm>
-        </p:spPr>
-        <p:txBody>
-          <a:bodyPr anchor="t">
-            <a:noAutofit/>
-          </a:bodyPr>
-          <a:lstStyle/>
-          <a:p>
-            <a:pPr>
-              <a:lnSpc>
-                <a:spcPct val="100000"/>
-              </a:lnSpc>
-            </a:pPr>
-            <a:r>
-              <a:rPr lang="en-US" sz="1800" dirty="0"/>
-              <a:t>Features importance varies by model, but there are some commonality. </a:t>
-            </a:r>
-          </a:p>
-          <a:p>
-            <a:pPr>
-              <a:lnSpc>
-                <a:spcPct val="100000"/>
-              </a:lnSpc>
-            </a:pPr>
-            <a:r>
-              <a:rPr lang="en-US" sz="1800" dirty="0"/>
-              <a:t>For Models 1 and 2, the midterm scores are the most important features. </a:t>
-            </a:r>
-          </a:p>
-          <a:p>
-            <a:pPr>
-              <a:lnSpc>
-                <a:spcPct val="100000"/>
-              </a:lnSpc>
-            </a:pPr>
-            <a:r>
-              <a:rPr lang="en-US" sz="1800" dirty="0"/>
-              <a:t>Other important features are </a:t>
-            </a:r>
-            <a:r>
-              <a:rPr lang="en-US" sz="1800" b="1" dirty="0"/>
-              <a:t>romantic status, internet access, the jobs of the parents, absences, and school supplement and fam supplement.</a:t>
-            </a:r>
-            <a:r>
-              <a:rPr lang="en-US" sz="1800" dirty="0"/>
-              <a:t> </a:t>
-            </a:r>
-          </a:p>
-          <a:p>
-            <a:pPr>
-              <a:lnSpc>
-                <a:spcPct val="100000"/>
-              </a:lnSpc>
-            </a:pPr>
-            <a:r>
-              <a:rPr lang="en-US" sz="1800" dirty="0"/>
-              <a:t>Some of the </a:t>
-            </a:r>
-            <a:r>
-              <a:rPr lang="en-US" sz="1800" b="1" dirty="0"/>
-              <a:t>least important features are health, family size &amp; relationship, and travel time.</a:t>
-            </a:r>
-            <a:r>
-              <a:rPr lang="en-US" sz="1800" dirty="0"/>
-              <a:t> </a:t>
-            </a:r>
-          </a:p>
-          <a:p>
-            <a:pPr>
-              <a:lnSpc>
-                <a:spcPct val="100000"/>
-              </a:lnSpc>
-            </a:pPr>
-            <a:r>
-              <a:rPr lang="en-US" sz="1800" dirty="0"/>
-              <a:t>Educators should focus on helping students navigate adolescent relationships in a way that could positively impact their performance, work closely with parents of students who have weak performance, and provide more supplement when necessary. </a:t>
-            </a:r>
-            <a:endParaRPr lang="en-US" sz="1800" dirty="0">
-              <a:solidFill>
-                <a:schemeClr val="bg1"/>
-              </a:solidFill>
-            </a:endParaRPr>
-          </a:p>
-        </p:txBody>
-      </p:sp>
-      <mc:AlternateContent xmlns:mc="http://schemas.openxmlformats.org/markup-compatibility/2006" xmlns:p14="http://schemas.microsoft.com/office/powerpoint/2010/main">
-        <mc:Choice Requires="p14">
-          <p:contentPart p14:bwMode="auto" r:id="rId2">
-            <p14:nvContentPartPr>
-              <p14:cNvPr id="21" name="Ink 20">
-                <a:extLst>
-                  <a:ext uri="{FF2B5EF4-FFF2-40B4-BE49-F238E27FC236}">
-                    <a16:creationId xmlns:a16="http://schemas.microsoft.com/office/drawing/2014/main" id="{070477C5-0410-4E4F-97A1-F84C2465C187}"/>
-                  </a:ext>
-                  <a:ext uri="{C183D7F6-B498-43B3-948B-1728B52AA6E4}">
-                    <adec:decorative xmlns:adec="http://schemas.microsoft.com/office/drawing/2017/decorative" val="1"/>
-                  </a:ext>
-                </a:extLst>
-              </p14:cNvPr>
-              <p14:cNvContentPartPr>
-                <a14:cpLocks xmlns:a14="http://schemas.microsoft.com/office/drawing/2010/main" noGrp="1" noRot="1" noChangeAspect="1" noMove="1" noResize="1" noEditPoints="1" noAdjustHandles="1" noChangeArrowheads="1" noChangeShapeType="1"/>
-              </p14:cNvContentPartPr>
-              <p14:nvPr>
-                <p:extLst>
-                  <p:ext uri="{386F3935-93C4-4BCD-93E2-E3B085C9AB24}">
-                    <p16:designElem xmlns:p16="http://schemas.microsoft.com/office/powerpoint/2015/main" val="1"/>
-                  </p:ext>
-                </p:extLst>
-              </p14:nvPr>
-            </p14:nvContentPartPr>
-            <p14:xfrm>
-              <a:off x="5755403" y="1971579"/>
-              <a:ext cx="360" cy="2160"/>
-            </p14:xfrm>
-          </p:contentPart>
-        </mc:Choice>
-        <mc:Fallback xmlns="">
-          <p:pic>
-            <p:nvPicPr>
-              <p:cNvPr id="21" name="Ink 20">
-                <a:extLst>
-                  <a:ext uri="{FF2B5EF4-FFF2-40B4-BE49-F238E27FC236}">
-                    <a16:creationId xmlns:a16="http://schemas.microsoft.com/office/drawing/2014/main" id="{070477C5-0410-4E4F-97A1-F84C2465C187}"/>
-                  </a:ext>
-                  <a:ext uri="{C183D7F6-B498-43B3-948B-1728B52AA6E4}">
-                    <adec:decorative xmlns:adec="http://schemas.microsoft.com/office/drawing/2017/decorative" val="1"/>
-                  </a:ext>
-                </a:extLst>
-              </p:cNvPr>
-              <p:cNvPicPr>
-                <a:picLocks noGrp="1" noRot="1" noChangeAspect="1" noMove="1" noResize="1" noEditPoints="1" noAdjustHandles="1" noChangeArrowheads="1" noChangeShapeType="1"/>
-              </p:cNvPicPr>
-              <p:nvPr/>
-            </p:nvPicPr>
-            <p:blipFill>
-              <a:blip r:embed="rId3"/>
-              <a:stretch>
-                <a:fillRect/>
-              </a:stretch>
-            </p:blipFill>
-            <p:spPr>
-              <a:xfrm>
-                <a:off x="5737403" y="1956150"/>
-                <a:ext cx="36000" cy="32709"/>
-              </a:xfrm>
-              <a:prstGeom prst="rect">
-                <a:avLst/>
-              </a:prstGeom>
-            </p:spPr>
-          </p:pic>
-        </mc:Fallback>
-      </mc:AlternateContent>
-      <p:pic>
-        <p:nvPicPr>
-          <p:cNvPr id="14" name="Picture 13">
-            <a:extLst>
-              <a:ext uri="{FF2B5EF4-FFF2-40B4-BE49-F238E27FC236}">
-                <a16:creationId xmlns:a16="http://schemas.microsoft.com/office/drawing/2014/main" id="{BDA78439-BDFA-054D-BBC6-3DD5DCD18899}"/>
-              </a:ext>
-            </a:extLst>
-          </p:cNvPr>
-          <p:cNvPicPr>
-            <a:picLocks noChangeAspect="1"/>
-          </p:cNvPicPr>
-          <p:nvPr/>
-        </p:nvPicPr>
-        <p:blipFill>
-          <a:blip r:embed="rId4"/>
-          <a:stretch>
-            <a:fillRect/>
-          </a:stretch>
-        </p:blipFill>
-        <p:spPr>
-          <a:xfrm>
-            <a:off x="5449824" y="51885"/>
-            <a:ext cx="2898101" cy="2173576"/>
+            <a:off x="8854196" y="150075"/>
+            <a:ext cx="3007460" cy="2255595"/>
           </a:xfrm>
           <a:prstGeom prst="rect">
             <a:avLst/>
@@ -13658,100 +13450,10 @@
       </p:pic>
       <p:pic>
         <p:nvPicPr>
-          <p:cNvPr id="23" name="Picture 22">
+          <p:cNvPr id="16" name="Picture 15" descr="Chart, waterfall chart&#10;&#10;Description automatically generated">
             <a:extLst>
               <a:ext uri="{FF2B5EF4-FFF2-40B4-BE49-F238E27FC236}">
-                <a16:creationId xmlns:a16="http://schemas.microsoft.com/office/drawing/2014/main" id="{80E9AF8D-E1DB-8B4B-9E24-2819AB1C67B8}"/>
-              </a:ext>
-            </a:extLst>
-          </p:cNvPr>
-          <p:cNvPicPr>
-            <a:picLocks noChangeAspect="1"/>
-          </p:cNvPicPr>
-          <p:nvPr/>
-        </p:nvPicPr>
-        <p:blipFill>
-          <a:blip r:embed="rId5"/>
-          <a:stretch>
-            <a:fillRect/>
-          </a:stretch>
-        </p:blipFill>
-        <p:spPr>
-          <a:xfrm>
-            <a:off x="5285611" y="2225461"/>
-            <a:ext cx="3207115" cy="1875128"/>
-          </a:xfrm>
-          <a:prstGeom prst="rect">
-            <a:avLst/>
-          </a:prstGeom>
-        </p:spPr>
-      </p:pic>
-      <p:pic>
-        <p:nvPicPr>
-          <p:cNvPr id="7" name="Picture 6">
-            <a:extLst>
-              <a:ext uri="{FF2B5EF4-FFF2-40B4-BE49-F238E27FC236}">
-                <a16:creationId xmlns:a16="http://schemas.microsoft.com/office/drawing/2014/main" id="{9F8B5EAD-6454-3C46-82A5-B33206F81F29}"/>
-              </a:ext>
-            </a:extLst>
-          </p:cNvPr>
-          <p:cNvPicPr>
-            <a:picLocks noChangeAspect="1"/>
-          </p:cNvPicPr>
-          <p:nvPr/>
-        </p:nvPicPr>
-        <p:blipFill>
-          <a:blip r:embed="rId6"/>
-          <a:stretch>
-            <a:fillRect/>
-          </a:stretch>
-        </p:blipFill>
-        <p:spPr>
-          <a:xfrm>
-            <a:off x="8936182" y="2225461"/>
-            <a:ext cx="2888950" cy="1866495"/>
-          </a:xfrm>
-          <a:prstGeom prst="rect">
-            <a:avLst/>
-          </a:prstGeom>
-        </p:spPr>
-      </p:pic>
-      <p:pic>
-        <p:nvPicPr>
-          <p:cNvPr id="9" name="Picture 8">
-            <a:extLst>
-              <a:ext uri="{FF2B5EF4-FFF2-40B4-BE49-F238E27FC236}">
-                <a16:creationId xmlns:a16="http://schemas.microsoft.com/office/drawing/2014/main" id="{8260C64B-5B8C-D54A-BBEF-59598B0EBFC8}"/>
-              </a:ext>
-            </a:extLst>
-          </p:cNvPr>
-          <p:cNvPicPr>
-            <a:picLocks noChangeAspect="1"/>
-          </p:cNvPicPr>
-          <p:nvPr/>
-        </p:nvPicPr>
-        <p:blipFill>
-          <a:blip r:embed="rId7"/>
-          <a:stretch>
-            <a:fillRect/>
-          </a:stretch>
-        </p:blipFill>
-        <p:spPr>
-          <a:xfrm>
-            <a:off x="8820912" y="51885"/>
-            <a:ext cx="2898101" cy="2173576"/>
-          </a:xfrm>
-          <a:prstGeom prst="rect">
-            <a:avLst/>
-          </a:prstGeom>
-        </p:spPr>
-      </p:pic>
-      <p:pic>
-        <p:nvPicPr>
-          <p:cNvPr id="12" name="Picture 11">
-            <a:extLst>
-              <a:ext uri="{FF2B5EF4-FFF2-40B4-BE49-F238E27FC236}">
-                <a16:creationId xmlns:a16="http://schemas.microsoft.com/office/drawing/2014/main" id="{905ACC9D-31F9-9341-8703-61AE032BDB6F}"/>
+                <a16:creationId xmlns:a16="http://schemas.microsoft.com/office/drawing/2014/main" id="{8646A513-44F3-A745-BCE1-3014EC0D9E5C}"/>
               </a:ext>
             </a:extLst>
           </p:cNvPr>
@@ -13768,8 +13470,8 @@
         </p:blipFill>
         <p:spPr>
           <a:xfrm>
-            <a:off x="9032601" y="4091956"/>
-            <a:ext cx="2742362" cy="2766044"/>
+            <a:off x="8750606" y="2526066"/>
+            <a:ext cx="3431690" cy="2121408"/>
           </a:xfrm>
           <a:prstGeom prst="rect">
             <a:avLst/>
@@ -13778,10 +13480,10 @@
       </p:pic>
       <p:pic>
         <p:nvPicPr>
-          <p:cNvPr id="5" name="Picture 4" descr="Chart, bar chart&#10;&#10;Description automatically generated">
+          <p:cNvPr id="24" name="Picture 23" descr="Chart, bar chart&#10;&#10;Description automatically generated">
             <a:extLst>
               <a:ext uri="{FF2B5EF4-FFF2-40B4-BE49-F238E27FC236}">
-                <a16:creationId xmlns:a16="http://schemas.microsoft.com/office/drawing/2014/main" id="{6C5361D9-7065-8644-8FE3-9F0A3A98F664}"/>
+                <a16:creationId xmlns:a16="http://schemas.microsoft.com/office/drawing/2014/main" id="{2332A6E6-F9F0-624C-8FD8-59FAE46BCF1E}"/>
               </a:ext>
             </a:extLst>
           </p:cNvPr>
@@ -13798,8 +13500,8 @@
         </p:blipFill>
         <p:spPr>
           <a:xfrm>
-            <a:off x="5263261" y="4258458"/>
-            <a:ext cx="3606590" cy="2355193"/>
+            <a:off x="8578922" y="4512930"/>
+            <a:ext cx="3427990" cy="2149155"/>
           </a:xfrm>
           <a:prstGeom prst="rect">
             <a:avLst/>
@@ -14692,24 +14394,19 @@
             </a:br>
             <a:r>
               <a:rPr lang="en-US" dirty="0"/>
-              <a:t>3. Cross </a:t>
-            </a:r>
-            <a:r>
-              <a:rPr lang="en-US" dirty="0" err="1"/>
-              <a:t>alidation</a:t>
-            </a:r>
-            <a:endParaRPr lang="en-US" dirty="0"/>
+              <a:t>2. Cross validation</a:t>
+            </a:r>
           </a:p>
           <a:p>
             <a:r>
               <a:rPr lang="en-US" dirty="0"/>
-              <a:t>4. Results</a:t>
+              <a:t>3. Results</a:t>
             </a:r>
           </a:p>
           <a:p>
             <a:r>
               <a:rPr lang="en-US" dirty="0"/>
-              <a:t>5. Outlook</a:t>
+              <a:t>4. Outlook</a:t>
             </a:r>
           </a:p>
         </p:txBody>
@@ -14939,7 +14636,7 @@
             <p:ph idx="1"/>
             <p:extLst>
               <p:ext uri="{D42A27DB-BD31-4B8C-83A1-F6EECF244321}">
-                <p14:modId xmlns:p14="http://schemas.microsoft.com/office/powerpoint/2010/main" val="3556121051"/>
+                <p14:modId xmlns:p14="http://schemas.microsoft.com/office/powerpoint/2010/main" val="2950360604"/>
               </p:ext>
             </p:extLst>
           </p:nvPr>
@@ -17328,7 +17025,11 @@
             </a:pPr>
             <a:r>
               <a:rPr lang="en-US" sz="1800" dirty="0"/>
-              <a:t>choose accuracy score because my datasets are both balanced (0.671 Class 1 for Math and 0.846 Class 1 for Portuguese) </a:t>
+              <a:t>choose accuracy score because my datasets are </a:t>
+            </a:r>
+            <a:r>
+              <a:rPr lang="en-US" sz="1800" b="1" dirty="0"/>
+              <a:t>both balanced (0.671 Class 1 for Math and 0.846 Class 1 for Portuguese) </a:t>
             </a:r>
           </a:p>
           <a:p>

--- a/reports/Final_Presentation_AnniePhan.pptx
+++ b/reports/Final_Presentation_AnniePhan.pptx
@@ -14389,9 +14389,8 @@
               <a:rPr lang="en-US" dirty="0"/>
               <a:t>1. Recap – Intro and EDA</a:t>
             </a:r>
-            <a:br>
-              <a:rPr lang="en-US" dirty="0"/>
-            </a:br>
+          </a:p>
+          <a:p>
             <a:r>
               <a:rPr lang="en-US" dirty="0"/>
               <a:t>2. Cross validation</a:t>
@@ -16923,8 +16922,8 @@
         </p:nvSpPr>
         <p:spPr>
           <a:xfrm>
-            <a:off x="630936" y="2660904"/>
-            <a:ext cx="5458606" cy="4121784"/>
+            <a:off x="6620399" y="209380"/>
+            <a:ext cx="5458606" cy="6495792"/>
           </a:xfrm>
         </p:spPr>
         <p:txBody>
@@ -16939,45 +16938,19 @@
               </a:lnSpc>
             </a:pPr>
             <a:r>
-              <a:rPr lang="en-US" sz="1800" b="1" dirty="0"/>
-              <a:t>Splitting</a:t>
-            </a:r>
-            <a:r>
-              <a:rPr lang="en-US" sz="1800" dirty="0"/>
-              <a:t>: Both data sets are </a:t>
-            </a:r>
-            <a:r>
-              <a:rPr lang="en-US" sz="1800" b="1" dirty="0"/>
-              <a:t>IID, relatively small, and don’t have group structure, time series, and missing values </a:t>
-            </a:r>
-            <a:r>
-              <a:rPr lang="en-US" sz="1800" b="1" dirty="0">
-                <a:sym typeface="Wingdings" pitchFamily="2" charset="2"/>
-              </a:rPr>
-              <a:t> </a:t>
-            </a:r>
-            <a:r>
-              <a:rPr lang="en-US" sz="1800" b="1" dirty="0"/>
-              <a:t>basic </a:t>
-            </a:r>
-            <a:r>
-              <a:rPr lang="en-US" sz="1800" b="1" dirty="0" err="1"/>
-              <a:t>train_test_split</a:t>
-            </a:r>
-            <a:r>
-              <a:rPr lang="en-US" sz="1800" b="1" dirty="0"/>
-              <a:t> and a </a:t>
-            </a:r>
-            <a:r>
-              <a:rPr lang="en-US" sz="1800" b="1" dirty="0" err="1"/>
-              <a:t>KFold</a:t>
-            </a:r>
-            <a:r>
-              <a:rPr lang="en-US" sz="1800" b="1" dirty="0"/>
-              <a:t> split</a:t>
-            </a:r>
-            <a:r>
-              <a:rPr lang="en-US" sz="1800" dirty="0"/>
+              <a:rPr lang="en-US" sz="2000" b="1" dirty="0"/>
+              <a:t>Create an additional feature called “</a:t>
+            </a:r>
+            <a:r>
+              <a:rPr lang="en-US" sz="2000" b="1" dirty="0" err="1"/>
+              <a:t>pass_fail</a:t>
+            </a:r>
+            <a:r>
+              <a:rPr lang="en-US" sz="2000" b="1" dirty="0"/>
+              <a:t>” which denotes that a student fail if their score us below 10 and pass if otherwise.</a:t>
+            </a:r>
+            <a:r>
+              <a:rPr lang="en-US" sz="2000" dirty="0"/>
               <a:t> </a:t>
             </a:r>
           </a:p>
@@ -16988,34 +16961,14 @@
               </a:lnSpc>
             </a:pPr>
             <a:r>
-              <a:rPr lang="en-US" sz="1800" b="1" dirty="0"/>
-              <a:t>Preprocessing: ordinal features already encoded, </a:t>
-            </a:r>
-            <a:r>
-              <a:rPr lang="en-US" sz="1800" b="1" dirty="0" err="1"/>
-              <a:t>OneHotEncoder</a:t>
-            </a:r>
-            <a:r>
-              <a:rPr lang="en-US" sz="1800" b="1" dirty="0"/>
-              <a:t> on the remaining non-bounded/ranked, categorical features and the </a:t>
-            </a:r>
-            <a:r>
-              <a:rPr lang="en-US" sz="1800" b="1" dirty="0" err="1"/>
-              <a:t>MixMaxEncoder</a:t>
-            </a:r>
-            <a:r>
-              <a:rPr lang="en-US" sz="1800" b="1" dirty="0"/>
-              <a:t> on the bounded continuous features, </a:t>
-            </a:r>
-            <a:r>
-              <a:rPr lang="en-US" sz="1800" b="1" dirty="0" err="1"/>
-              <a:t>LabelEncoder</a:t>
-            </a:r>
-            <a:r>
-              <a:rPr lang="en-US" sz="1800" b="1" dirty="0"/>
-              <a:t> on the target variable</a:t>
-            </a:r>
-            <a:endParaRPr lang="en-US" sz="1800" dirty="0"/>
+              <a:rPr lang="en-US" sz="2000" b="1" dirty="0"/>
+              <a:t>3 sub-models: Model 1 consists of all midterm and final scores, Model 2 consists of only the first midterm scores and final scores, and Model 3 consists of no midterm and only final scores</a:t>
+            </a:r>
+            <a:r>
+              <a:rPr lang="en-US" sz="2000" dirty="0"/>
+              <a:t> </a:t>
+            </a:r>
+            <a:endParaRPr lang="en-US" sz="2000" b="1" dirty="0"/>
           </a:p>
           <a:p>
             <a:pPr>
@@ -17024,64 +16977,149 @@
               </a:lnSpc>
             </a:pPr>
             <a:r>
-              <a:rPr lang="en-US" sz="1800" dirty="0"/>
+              <a:rPr lang="en-US" sz="2000" b="1" dirty="0"/>
+              <a:t>Splitting</a:t>
+            </a:r>
+            <a:r>
+              <a:rPr lang="en-US" sz="2000" dirty="0"/>
+              <a:t>: Both data sets are </a:t>
+            </a:r>
+            <a:r>
+              <a:rPr lang="en-US" sz="2000" b="1" dirty="0"/>
+              <a:t>IID, relatively small, and don’t have group structure, time series, and missing values </a:t>
+            </a:r>
+            <a:r>
+              <a:rPr lang="en-US" sz="2000" b="1" dirty="0">
+                <a:sym typeface="Wingdings" pitchFamily="2" charset="2"/>
+              </a:rPr>
+              <a:t> </a:t>
+            </a:r>
+            <a:r>
+              <a:rPr lang="en-US" sz="2000" b="1" dirty="0"/>
+              <a:t>basic </a:t>
+            </a:r>
+            <a:r>
+              <a:rPr lang="en-US" sz="2000" b="1" dirty="0" err="1"/>
+              <a:t>train_test_split</a:t>
+            </a:r>
+            <a:r>
+              <a:rPr lang="en-US" sz="2000" b="1" dirty="0"/>
+              <a:t> (0.2 test size), and a </a:t>
+            </a:r>
+            <a:r>
+              <a:rPr lang="en-US" sz="2000" b="1" dirty="0" err="1"/>
+              <a:t>KFold</a:t>
+            </a:r>
+            <a:r>
+              <a:rPr lang="en-US" sz="2000" b="1" dirty="0"/>
+              <a:t> split</a:t>
+            </a:r>
+            <a:r>
+              <a:rPr lang="en-US" sz="2000" dirty="0"/>
+              <a:t> </a:t>
+            </a:r>
+          </a:p>
+          <a:p>
+            <a:pPr>
+              <a:lnSpc>
+                <a:spcPct val="100000"/>
+              </a:lnSpc>
+            </a:pPr>
+            <a:r>
+              <a:rPr lang="en-US" sz="2000" b="1" dirty="0"/>
+              <a:t>Preprocessing: ordinal features already encoded, </a:t>
+            </a:r>
+            <a:r>
+              <a:rPr lang="en-US" sz="2000" b="1" dirty="0" err="1"/>
+              <a:t>OneHotEncoder</a:t>
+            </a:r>
+            <a:r>
+              <a:rPr lang="en-US" sz="2000" b="1" dirty="0"/>
+              <a:t> on the remaining non-bounded/ranked, categorical features and the </a:t>
+            </a:r>
+            <a:r>
+              <a:rPr lang="en-US" sz="2000" b="1" dirty="0" err="1"/>
+              <a:t>MixMaxEncoder</a:t>
+            </a:r>
+            <a:r>
+              <a:rPr lang="en-US" sz="2000" b="1" dirty="0"/>
+              <a:t> on the bounded continuous features, </a:t>
+            </a:r>
+            <a:r>
+              <a:rPr lang="en-US" sz="2000" b="1" dirty="0" err="1"/>
+              <a:t>LabelEncoder</a:t>
+            </a:r>
+            <a:r>
+              <a:rPr lang="en-US" sz="2000" b="1" dirty="0"/>
+              <a:t> on the target variable</a:t>
+            </a:r>
+            <a:endParaRPr lang="en-US" sz="2000" dirty="0"/>
+          </a:p>
+          <a:p>
+            <a:pPr>
+              <a:lnSpc>
+                <a:spcPct val="100000"/>
+              </a:lnSpc>
+            </a:pPr>
+            <a:r>
+              <a:rPr lang="en-US" sz="2000" dirty="0"/>
               <a:t>choose accuracy score because my datasets are </a:t>
             </a:r>
             <a:r>
-              <a:rPr lang="en-US" sz="1800" b="1" dirty="0"/>
+              <a:rPr lang="en-US" sz="2000" b="1" dirty="0"/>
               <a:t>both balanced (0.671 Class 1 for Math and 0.846 Class 1 for Portuguese) </a:t>
             </a:r>
           </a:p>
           <a:p>
             <a:r>
-              <a:rPr lang="en-US" sz="1800" dirty="0"/>
+              <a:rPr lang="en-US" sz="2000" dirty="0"/>
               <a:t>measure uncertainties due to splitting and non-deterministic ML models, I </a:t>
             </a:r>
             <a:r>
-              <a:rPr lang="en-US" sz="1800" b="1" dirty="0"/>
+              <a:rPr lang="en-US" sz="2000" b="1" dirty="0"/>
               <a:t>loop through 10 random states</a:t>
             </a:r>
             <a:r>
-              <a:rPr lang="en-US" sz="1800" dirty="0"/>
+              <a:rPr lang="en-US" sz="2000" dirty="0"/>
               <a:t> and </a:t>
             </a:r>
             <a:r>
-              <a:rPr lang="en-US" sz="1800" b="1" dirty="0"/>
+              <a:rPr lang="en-US" sz="2000" b="1" dirty="0"/>
               <a:t>calculate the mean and standard deviation of the test scores</a:t>
             </a:r>
             <a:r>
-              <a:rPr lang="en-US" sz="1800" dirty="0"/>
+              <a:rPr lang="en-US" sz="2000" dirty="0"/>
               <a:t> </a:t>
             </a:r>
           </a:p>
           <a:p>
             <a:r>
-              <a:rPr lang="en-US" sz="1800" dirty="0"/>
+              <a:rPr lang="en-US" sz="2000" dirty="0"/>
               <a:t>additional cross-validation </a:t>
             </a:r>
             <a:r>
-              <a:rPr lang="en-US" sz="1800" b="1" dirty="0"/>
+              <a:rPr lang="en-US" sz="2000" b="1" dirty="0"/>
               <a:t>confusion matrix and ROC curve</a:t>
             </a:r>
             <a:r>
-              <a:rPr lang="en-US" sz="1800" dirty="0"/>
+              <a:rPr lang="en-US" sz="2000" dirty="0"/>
               <a:t> </a:t>
             </a:r>
           </a:p>
           <a:p>
             <a:r>
-              <a:rPr lang="en-US" sz="1800" b="1" dirty="0"/>
+              <a:rPr lang="en-US" sz="2000" b="1" dirty="0"/>
               <a:t>developed an ML pipeline using K-Fold Cross Validation (</a:t>
             </a:r>
             <a:r>
-              <a:rPr lang="en-US" sz="1800" b="1" dirty="0" err="1"/>
+              <a:rPr lang="en-US" sz="2000" b="1" dirty="0" err="1"/>
               <a:t>GridSearchCV</a:t>
             </a:r>
             <a:r>
-              <a:rPr lang="en-US" sz="1800" b="1" dirty="0"/>
-              <a:t>),</a:t>
-            </a:r>
-            <a:endParaRPr lang="en-US" sz="1800" dirty="0"/>
+              <a:rPr lang="en-US" sz="2000" b="1" dirty="0"/>
+              <a:t>)</a:t>
+            </a:r>
+            <a:endParaRPr lang="en-US" sz="2000" dirty="0"/>
           </a:p>
         </p:txBody>
       </p:sp>
@@ -17154,218 +17192,38 @@
       </mc:AlternateContent>
       <p:pic>
         <p:nvPicPr>
-          <p:cNvPr id="6" name="Picture 5">
+          <p:cNvPr id="13" name="Picture 12" descr="Table&#10;&#10;Description automatically generated">
             <a:extLst>
               <a:ext uri="{FF2B5EF4-FFF2-40B4-BE49-F238E27FC236}">
-                <a16:creationId xmlns:a16="http://schemas.microsoft.com/office/drawing/2014/main" id="{7B3D64DC-2F35-6C45-BCEF-F77791D01437}"/>
+                <a16:creationId xmlns:a16="http://schemas.microsoft.com/office/drawing/2014/main" id="{C67F5DA1-DBCF-114E-8543-A1F587604CAE}"/>
               </a:ext>
             </a:extLst>
           </p:cNvPr>
-          <p:cNvPicPr>
-            <a:picLocks noChangeAspect="1"/>
-          </p:cNvPicPr>
+          <p:cNvPicPr/>
           <p:nvPr/>
         </p:nvPicPr>
         <p:blipFill>
-          <a:blip r:embed="rId4"/>
+          <a:blip r:embed="rId4">
+            <a:extLst>
+              <a:ext uri="{28A0092B-C50C-407E-A947-70E740481C1C}">
+                <a14:useLocalDpi xmlns:a14="http://schemas.microsoft.com/office/drawing/2010/main" val="0"/>
+              </a:ext>
+            </a:extLst>
+          </a:blip>
           <a:stretch>
             <a:fillRect/>
           </a:stretch>
         </p:blipFill>
         <p:spPr>
           <a:xfrm>
-            <a:off x="6186563" y="1170432"/>
-            <a:ext cx="980909" cy="1490472"/>
+            <a:off x="375040" y="2757826"/>
+            <a:ext cx="6205234" cy="3511394"/>
           </a:xfrm>
           <a:prstGeom prst="rect">
             <a:avLst/>
           </a:prstGeom>
         </p:spPr>
       </p:pic>
-      <p:pic>
-        <p:nvPicPr>
-          <p:cNvPr id="8" name="Picture 7">
-            <a:extLst>
-              <a:ext uri="{FF2B5EF4-FFF2-40B4-BE49-F238E27FC236}">
-                <a16:creationId xmlns:a16="http://schemas.microsoft.com/office/drawing/2014/main" id="{6E15B1A9-B72D-4B4F-9E61-F3AD47C825D8}"/>
-              </a:ext>
-            </a:extLst>
-          </p:cNvPr>
-          <p:cNvPicPr>
-            <a:picLocks noChangeAspect="1"/>
-          </p:cNvPicPr>
-          <p:nvPr/>
-        </p:nvPicPr>
-        <p:blipFill>
-          <a:blip r:embed="rId5"/>
-          <a:stretch>
-            <a:fillRect/>
-          </a:stretch>
-        </p:blipFill>
-        <p:spPr>
-          <a:xfrm>
-            <a:off x="6225612" y="3637984"/>
-            <a:ext cx="876300" cy="1524000"/>
-          </a:xfrm>
-          <a:prstGeom prst="rect">
-            <a:avLst/>
-          </a:prstGeom>
-        </p:spPr>
-      </p:pic>
-      <p:pic>
-        <p:nvPicPr>
-          <p:cNvPr id="10" name="Picture 9">
-            <a:extLst>
-              <a:ext uri="{FF2B5EF4-FFF2-40B4-BE49-F238E27FC236}">
-                <a16:creationId xmlns:a16="http://schemas.microsoft.com/office/drawing/2014/main" id="{09C44CCD-DD49-904A-AFC3-ACFBE1F1C542}"/>
-              </a:ext>
-            </a:extLst>
-          </p:cNvPr>
-          <p:cNvPicPr>
-            <a:picLocks noChangeAspect="1"/>
-          </p:cNvPicPr>
-          <p:nvPr/>
-        </p:nvPicPr>
-        <p:blipFill>
-          <a:blip r:embed="rId6"/>
-          <a:stretch>
-            <a:fillRect/>
-          </a:stretch>
-        </p:blipFill>
-        <p:spPr>
-          <a:xfrm>
-            <a:off x="8671897" y="3668464"/>
-            <a:ext cx="597938" cy="1463040"/>
-          </a:xfrm>
-          <a:prstGeom prst="rect">
-            <a:avLst/>
-          </a:prstGeom>
-        </p:spPr>
-      </p:pic>
-      <p:pic>
-        <p:nvPicPr>
-          <p:cNvPr id="14" name="Picture 13">
-            <a:extLst>
-              <a:ext uri="{FF2B5EF4-FFF2-40B4-BE49-F238E27FC236}">
-                <a16:creationId xmlns:a16="http://schemas.microsoft.com/office/drawing/2014/main" id="{7FFB39AB-E322-AF43-8BCE-7998B0057E08}"/>
-              </a:ext>
-            </a:extLst>
-          </p:cNvPr>
-          <p:cNvPicPr>
-            <a:picLocks noChangeAspect="1"/>
-          </p:cNvPicPr>
-          <p:nvPr/>
-        </p:nvPicPr>
-        <p:blipFill>
-          <a:blip r:embed="rId7"/>
-          <a:stretch>
-            <a:fillRect/>
-          </a:stretch>
-        </p:blipFill>
-        <p:spPr>
-          <a:xfrm>
-            <a:off x="7311091" y="3623490"/>
-            <a:ext cx="1143000" cy="1485900"/>
-          </a:xfrm>
-          <a:prstGeom prst="rect">
-            <a:avLst/>
-          </a:prstGeom>
-        </p:spPr>
-      </p:pic>
-      <p:sp>
-        <p:nvSpPr>
-          <p:cNvPr id="15" name="Rectangle 14">
-            <a:extLst>
-              <a:ext uri="{FF2B5EF4-FFF2-40B4-BE49-F238E27FC236}">
-                <a16:creationId xmlns:a16="http://schemas.microsoft.com/office/drawing/2014/main" id="{7EC4103F-9DF1-7C45-92F3-15AFA123279A}"/>
-              </a:ext>
-            </a:extLst>
-          </p:cNvPr>
-          <p:cNvSpPr/>
-          <p:nvPr/>
-        </p:nvSpPr>
-        <p:spPr>
-          <a:xfrm>
-            <a:off x="6080760" y="385630"/>
-            <a:ext cx="6096000" cy="646331"/>
-          </a:xfrm>
-          <a:prstGeom prst="rect">
-            <a:avLst/>
-          </a:prstGeom>
-        </p:spPr>
-        <p:txBody>
-          <a:bodyPr>
-            <a:spAutoFit/>
-          </a:bodyPr>
-          <a:lstStyle/>
-          <a:p>
-            <a:pPr>
-              <a:lnSpc>
-                <a:spcPct val="100000"/>
-              </a:lnSpc>
-            </a:pPr>
-            <a:r>
-              <a:rPr lang="en-US" b="1" dirty="0"/>
-              <a:t>create an additional feature called “</a:t>
-            </a:r>
-            <a:r>
-              <a:rPr lang="en-US" b="1" dirty="0" err="1"/>
-              <a:t>pass_fail</a:t>
-            </a:r>
-            <a:r>
-              <a:rPr lang="en-US" b="1" dirty="0"/>
-              <a:t>” which denotes that a student fail if their score us below 10 and pass if otherwise.</a:t>
-            </a:r>
-            <a:r>
-              <a:rPr lang="en-US" dirty="0"/>
-              <a:t> </a:t>
-            </a:r>
-          </a:p>
-        </p:txBody>
-      </p:sp>
-      <p:sp>
-        <p:nvSpPr>
-          <p:cNvPr id="16" name="Rectangle 15">
-            <a:extLst>
-              <a:ext uri="{FF2B5EF4-FFF2-40B4-BE49-F238E27FC236}">
-                <a16:creationId xmlns:a16="http://schemas.microsoft.com/office/drawing/2014/main" id="{0BCE6D79-FAC2-754A-86AE-CA9D20389144}"/>
-              </a:ext>
-            </a:extLst>
-          </p:cNvPr>
-          <p:cNvSpPr/>
-          <p:nvPr/>
-        </p:nvSpPr>
-        <p:spPr>
-          <a:xfrm>
-            <a:off x="6135405" y="2877820"/>
-            <a:ext cx="6096000" cy="646331"/>
-          </a:xfrm>
-          <a:prstGeom prst="rect">
-            <a:avLst/>
-          </a:prstGeom>
-        </p:spPr>
-        <p:txBody>
-          <a:bodyPr>
-            <a:spAutoFit/>
-          </a:bodyPr>
-          <a:lstStyle/>
-          <a:p>
-            <a:pPr>
-              <a:lnSpc>
-                <a:spcPct val="100000"/>
-              </a:lnSpc>
-            </a:pPr>
-            <a:r>
-              <a:rPr lang="en-US" b="1" dirty="0"/>
-              <a:t>3 sub-models: Model 1 consists of all midterm and final scores, Model 2 consists of only the first midterm scores and final scores, and Model 3 consists of no midterm and only final scores</a:t>
-            </a:r>
-            <a:r>
-              <a:rPr lang="en-US" dirty="0"/>
-              <a:t> </a:t>
-            </a:r>
-          </a:p>
-        </p:txBody>
-      </p:sp>
     </p:spTree>
     <p:extLst>
       <p:ext uri="{BB962C8B-B14F-4D97-AF65-F5344CB8AC3E}">
@@ -17835,8 +17693,8 @@
         </p:nvSpPr>
         <p:spPr>
           <a:xfrm>
-            <a:off x="472245" y="2404872"/>
-            <a:ext cx="6384101" cy="5000644"/>
+            <a:off x="6764994" y="888110"/>
+            <a:ext cx="5156943" cy="5417251"/>
           </a:xfrm>
         </p:spPr>
         <p:txBody>
@@ -18264,8 +18122,8 @@
         </p:blipFill>
         <p:spPr bwMode="auto">
           <a:xfrm>
-            <a:off x="8038231" y="0"/>
-            <a:ext cx="2723681" cy="2310289"/>
+            <a:off x="722321" y="2542755"/>
+            <a:ext cx="2419299" cy="2052105"/>
           </a:xfrm>
           <a:prstGeom prst="rect">
             <a:avLst/>
@@ -18311,8 +18169,8 @@
         </p:blipFill>
         <p:spPr bwMode="auto">
           <a:xfrm>
-            <a:off x="7712134" y="2261068"/>
-            <a:ext cx="3430684" cy="2573013"/>
+            <a:off x="3267869" y="2632315"/>
+            <a:ext cx="2711755" cy="2033817"/>
           </a:xfrm>
           <a:prstGeom prst="rect">
             <a:avLst/>
@@ -18358,7 +18216,7 @@
         </p:blipFill>
         <p:spPr bwMode="auto">
           <a:xfrm>
-            <a:off x="8373121" y="4660787"/>
+            <a:off x="2043524" y="4594860"/>
             <a:ext cx="2196192" cy="2152487"/>
           </a:xfrm>
           <a:prstGeom prst="rect">
